--- a/Yelp Reviews – A Study.pptx
+++ b/Yelp Reviews – A Study.pptx
@@ -5,7 +5,7 @@
     <p:sldMasterId id="2147483852" r:id="rId1"/>
   </p:sldMasterIdLst>
   <p:notesMasterIdLst>
-    <p:notesMasterId r:id="rId14"/>
+    <p:notesMasterId r:id="rId20"/>
   </p:notesMasterIdLst>
   <p:sldIdLst>
     <p:sldId id="256" r:id="rId2"/>
@@ -13,13 +13,19 @@
     <p:sldId id="263" r:id="rId4"/>
     <p:sldId id="264" r:id="rId5"/>
     <p:sldId id="266" r:id="rId6"/>
-    <p:sldId id="267" r:id="rId7"/>
+    <p:sldId id="273" r:id="rId7"/>
     <p:sldId id="258" r:id="rId8"/>
-    <p:sldId id="259" r:id="rId9"/>
-    <p:sldId id="260" r:id="rId10"/>
-    <p:sldId id="261" r:id="rId11"/>
-    <p:sldId id="262" r:id="rId12"/>
-    <p:sldId id="265" r:id="rId13"/>
+    <p:sldId id="260" r:id="rId9"/>
+    <p:sldId id="274" r:id="rId10"/>
+    <p:sldId id="275" r:id="rId11"/>
+    <p:sldId id="268" r:id="rId12"/>
+    <p:sldId id="272" r:id="rId13"/>
+    <p:sldId id="261" r:id="rId14"/>
+    <p:sldId id="269" r:id="rId15"/>
+    <p:sldId id="270" r:id="rId16"/>
+    <p:sldId id="271" r:id="rId17"/>
+    <p:sldId id="262" r:id="rId18"/>
+    <p:sldId id="265" r:id="rId19"/>
   </p:sldIdLst>
   <p:sldSz cx="12192000" cy="6858000"/>
   <p:notesSz cx="6858000" cy="9144000"/>
@@ -873,6 +879,753 @@
 </dgm:colorsDef>
 </file>
 
+<file path=ppt/diagrams/colors2.xml><?xml version="1.0" encoding="utf-8"?>
+<dgm:colorsDef xmlns:dgm="http://schemas.openxmlformats.org/drawingml/2006/diagram" xmlns:a="http://schemas.openxmlformats.org/drawingml/2006/main" uniqueId="urn:microsoft.com/office/officeart/2005/8/colors/accent1_2">
+  <dgm:title val=""/>
+  <dgm:desc val=""/>
+  <dgm:catLst>
+    <dgm:cat type="accent1" pri="11200"/>
+  </dgm:catLst>
+  <dgm:styleLbl name="node0">
+    <dgm:fillClrLst meth="repeat">
+      <a:schemeClr val="accent1"/>
+    </dgm:fillClrLst>
+    <dgm:linClrLst meth="repeat">
+      <a:schemeClr val="lt1"/>
+    </dgm:linClrLst>
+    <dgm:effectClrLst/>
+    <dgm:txLinClrLst/>
+    <dgm:txFillClrLst/>
+    <dgm:txEffectClrLst/>
+  </dgm:styleLbl>
+  <dgm:styleLbl name="alignNode1">
+    <dgm:fillClrLst meth="repeat">
+      <a:schemeClr val="accent1"/>
+    </dgm:fillClrLst>
+    <dgm:linClrLst meth="repeat">
+      <a:schemeClr val="accent1"/>
+    </dgm:linClrLst>
+    <dgm:effectClrLst/>
+    <dgm:txLinClrLst/>
+    <dgm:txFillClrLst/>
+    <dgm:txEffectClrLst/>
+  </dgm:styleLbl>
+  <dgm:styleLbl name="node1">
+    <dgm:fillClrLst meth="repeat">
+      <a:schemeClr val="accent1"/>
+    </dgm:fillClrLst>
+    <dgm:linClrLst meth="repeat">
+      <a:schemeClr val="lt1"/>
+    </dgm:linClrLst>
+    <dgm:effectClrLst/>
+    <dgm:txLinClrLst/>
+    <dgm:txFillClrLst/>
+    <dgm:txEffectClrLst/>
+  </dgm:styleLbl>
+  <dgm:styleLbl name="lnNode1">
+    <dgm:fillClrLst meth="repeat">
+      <a:schemeClr val="accent1"/>
+    </dgm:fillClrLst>
+    <dgm:linClrLst meth="repeat">
+      <a:schemeClr val="lt1"/>
+    </dgm:linClrLst>
+    <dgm:effectClrLst/>
+    <dgm:txLinClrLst/>
+    <dgm:txFillClrLst/>
+    <dgm:txEffectClrLst/>
+  </dgm:styleLbl>
+  <dgm:styleLbl name="vennNode1">
+    <dgm:fillClrLst meth="repeat">
+      <a:schemeClr val="accent1">
+        <a:alpha val="50000"/>
+      </a:schemeClr>
+    </dgm:fillClrLst>
+    <dgm:linClrLst meth="repeat">
+      <a:schemeClr val="lt1"/>
+    </dgm:linClrLst>
+    <dgm:effectClrLst/>
+    <dgm:txLinClrLst/>
+    <dgm:txFillClrLst/>
+    <dgm:txEffectClrLst/>
+  </dgm:styleLbl>
+  <dgm:styleLbl name="node2">
+    <dgm:fillClrLst meth="repeat">
+      <a:schemeClr val="accent1"/>
+    </dgm:fillClrLst>
+    <dgm:linClrLst meth="repeat">
+      <a:schemeClr val="lt1"/>
+    </dgm:linClrLst>
+    <dgm:effectClrLst/>
+    <dgm:txLinClrLst/>
+    <dgm:txFillClrLst/>
+    <dgm:txEffectClrLst/>
+  </dgm:styleLbl>
+  <dgm:styleLbl name="node3">
+    <dgm:fillClrLst meth="repeat">
+      <a:schemeClr val="accent1"/>
+    </dgm:fillClrLst>
+    <dgm:linClrLst meth="repeat">
+      <a:schemeClr val="lt1"/>
+    </dgm:linClrLst>
+    <dgm:effectClrLst/>
+    <dgm:txLinClrLst/>
+    <dgm:txFillClrLst/>
+    <dgm:txEffectClrLst/>
+  </dgm:styleLbl>
+  <dgm:styleLbl name="node4">
+    <dgm:fillClrLst meth="repeat">
+      <a:schemeClr val="accent1"/>
+    </dgm:fillClrLst>
+    <dgm:linClrLst meth="repeat">
+      <a:schemeClr val="lt1"/>
+    </dgm:linClrLst>
+    <dgm:effectClrLst/>
+    <dgm:txLinClrLst/>
+    <dgm:txFillClrLst/>
+    <dgm:txEffectClrLst/>
+  </dgm:styleLbl>
+  <dgm:styleLbl name="fgImgPlace1">
+    <dgm:fillClrLst meth="repeat">
+      <a:schemeClr val="accent1">
+        <a:tint val="50000"/>
+      </a:schemeClr>
+    </dgm:fillClrLst>
+    <dgm:linClrLst meth="repeat">
+      <a:schemeClr val="lt1"/>
+    </dgm:linClrLst>
+    <dgm:effectClrLst/>
+    <dgm:txLinClrLst/>
+    <dgm:txFillClrLst meth="repeat">
+      <a:schemeClr val="lt1"/>
+    </dgm:txFillClrLst>
+    <dgm:txEffectClrLst/>
+  </dgm:styleLbl>
+  <dgm:styleLbl name="alignImgPlace1">
+    <dgm:fillClrLst meth="repeat">
+      <a:schemeClr val="accent1">
+        <a:tint val="50000"/>
+      </a:schemeClr>
+    </dgm:fillClrLst>
+    <dgm:linClrLst meth="repeat">
+      <a:schemeClr val="lt1"/>
+    </dgm:linClrLst>
+    <dgm:effectClrLst/>
+    <dgm:txLinClrLst/>
+    <dgm:txFillClrLst meth="repeat">
+      <a:schemeClr val="lt1"/>
+    </dgm:txFillClrLst>
+    <dgm:txEffectClrLst/>
+  </dgm:styleLbl>
+  <dgm:styleLbl name="bgImgPlace1">
+    <dgm:fillClrLst meth="repeat">
+      <a:schemeClr val="accent1">
+        <a:tint val="50000"/>
+      </a:schemeClr>
+    </dgm:fillClrLst>
+    <dgm:linClrLst meth="repeat">
+      <a:schemeClr val="lt1"/>
+    </dgm:linClrLst>
+    <dgm:effectClrLst/>
+    <dgm:txLinClrLst/>
+    <dgm:txFillClrLst meth="repeat">
+      <a:schemeClr val="lt1"/>
+    </dgm:txFillClrLst>
+    <dgm:txEffectClrLst/>
+  </dgm:styleLbl>
+  <dgm:styleLbl name="sibTrans2D1">
+    <dgm:fillClrLst meth="repeat">
+      <a:schemeClr val="accent1">
+        <a:tint val="60000"/>
+      </a:schemeClr>
+    </dgm:fillClrLst>
+    <dgm:linClrLst meth="repeat">
+      <a:schemeClr val="accent1">
+        <a:tint val="60000"/>
+      </a:schemeClr>
+    </dgm:linClrLst>
+    <dgm:effectClrLst/>
+    <dgm:txLinClrLst/>
+    <dgm:txFillClrLst/>
+    <dgm:txEffectClrLst/>
+  </dgm:styleLbl>
+  <dgm:styleLbl name="fgSibTrans2D1">
+    <dgm:fillClrLst meth="repeat">
+      <a:schemeClr val="accent1">
+        <a:tint val="60000"/>
+      </a:schemeClr>
+    </dgm:fillClrLst>
+    <dgm:linClrLst meth="repeat">
+      <a:schemeClr val="accent1">
+        <a:tint val="60000"/>
+      </a:schemeClr>
+    </dgm:linClrLst>
+    <dgm:effectClrLst/>
+    <dgm:txLinClrLst/>
+    <dgm:txFillClrLst/>
+    <dgm:txEffectClrLst/>
+  </dgm:styleLbl>
+  <dgm:styleLbl name="bgSibTrans2D1">
+    <dgm:fillClrLst meth="repeat">
+      <a:schemeClr val="accent1">
+        <a:tint val="60000"/>
+      </a:schemeClr>
+    </dgm:fillClrLst>
+    <dgm:linClrLst meth="repeat">
+      <a:schemeClr val="accent1">
+        <a:tint val="60000"/>
+      </a:schemeClr>
+    </dgm:linClrLst>
+    <dgm:effectClrLst/>
+    <dgm:txLinClrLst/>
+    <dgm:txFillClrLst/>
+    <dgm:txEffectClrLst/>
+  </dgm:styleLbl>
+  <dgm:styleLbl name="sibTrans1D1">
+    <dgm:fillClrLst meth="repeat">
+      <a:schemeClr val="accent1"/>
+    </dgm:fillClrLst>
+    <dgm:linClrLst meth="repeat">
+      <a:schemeClr val="accent1"/>
+    </dgm:linClrLst>
+    <dgm:effectClrLst/>
+    <dgm:txLinClrLst/>
+    <dgm:txFillClrLst meth="repeat">
+      <a:schemeClr val="tx1"/>
+    </dgm:txFillClrLst>
+    <dgm:txEffectClrLst/>
+  </dgm:styleLbl>
+  <dgm:styleLbl name="callout">
+    <dgm:fillClrLst meth="repeat">
+      <a:schemeClr val="accent1"/>
+    </dgm:fillClrLst>
+    <dgm:linClrLst meth="repeat">
+      <a:schemeClr val="accent1">
+        <a:tint val="50000"/>
+      </a:schemeClr>
+    </dgm:linClrLst>
+    <dgm:effectClrLst/>
+    <dgm:txLinClrLst/>
+    <dgm:txFillClrLst meth="repeat">
+      <a:schemeClr val="tx1"/>
+    </dgm:txFillClrLst>
+    <dgm:txEffectClrLst/>
+  </dgm:styleLbl>
+  <dgm:styleLbl name="asst0">
+    <dgm:fillClrLst meth="repeat">
+      <a:schemeClr val="accent1"/>
+    </dgm:fillClrLst>
+    <dgm:linClrLst meth="repeat">
+      <a:schemeClr val="lt1"/>
+    </dgm:linClrLst>
+    <dgm:effectClrLst/>
+    <dgm:txLinClrLst/>
+    <dgm:txFillClrLst/>
+    <dgm:txEffectClrLst/>
+  </dgm:styleLbl>
+  <dgm:styleLbl name="asst1">
+    <dgm:fillClrLst meth="repeat">
+      <a:schemeClr val="accent1"/>
+    </dgm:fillClrLst>
+    <dgm:linClrLst meth="repeat">
+      <a:schemeClr val="lt1"/>
+    </dgm:linClrLst>
+    <dgm:effectClrLst/>
+    <dgm:txLinClrLst/>
+    <dgm:txFillClrLst/>
+    <dgm:txEffectClrLst/>
+  </dgm:styleLbl>
+  <dgm:styleLbl name="asst2">
+    <dgm:fillClrLst meth="repeat">
+      <a:schemeClr val="accent1"/>
+    </dgm:fillClrLst>
+    <dgm:linClrLst meth="repeat">
+      <a:schemeClr val="lt1"/>
+    </dgm:linClrLst>
+    <dgm:effectClrLst/>
+    <dgm:txLinClrLst/>
+    <dgm:txFillClrLst/>
+    <dgm:txEffectClrLst/>
+  </dgm:styleLbl>
+  <dgm:styleLbl name="asst3">
+    <dgm:fillClrLst meth="repeat">
+      <a:schemeClr val="accent1"/>
+    </dgm:fillClrLst>
+    <dgm:linClrLst meth="repeat">
+      <a:schemeClr val="lt1"/>
+    </dgm:linClrLst>
+    <dgm:effectClrLst/>
+    <dgm:txLinClrLst/>
+    <dgm:txFillClrLst/>
+    <dgm:txEffectClrLst/>
+  </dgm:styleLbl>
+  <dgm:styleLbl name="asst4">
+    <dgm:fillClrLst meth="repeat">
+      <a:schemeClr val="accent1"/>
+    </dgm:fillClrLst>
+    <dgm:linClrLst meth="repeat">
+      <a:schemeClr val="lt1"/>
+    </dgm:linClrLst>
+    <dgm:effectClrLst/>
+    <dgm:txLinClrLst/>
+    <dgm:txFillClrLst/>
+    <dgm:txEffectClrLst/>
+  </dgm:styleLbl>
+  <dgm:styleLbl name="parChTrans2D1">
+    <dgm:fillClrLst meth="repeat">
+      <a:schemeClr val="accent1">
+        <a:tint val="60000"/>
+      </a:schemeClr>
+    </dgm:fillClrLst>
+    <dgm:linClrLst meth="repeat">
+      <a:schemeClr val="accent1">
+        <a:tint val="60000"/>
+      </a:schemeClr>
+    </dgm:linClrLst>
+    <dgm:effectClrLst/>
+    <dgm:txLinClrLst/>
+    <dgm:txFillClrLst meth="repeat">
+      <a:schemeClr val="lt1"/>
+    </dgm:txFillClrLst>
+    <dgm:txEffectClrLst/>
+  </dgm:styleLbl>
+  <dgm:styleLbl name="parChTrans2D2">
+    <dgm:fillClrLst meth="repeat">
+      <a:schemeClr val="accent1"/>
+    </dgm:fillClrLst>
+    <dgm:linClrLst meth="repeat">
+      <a:schemeClr val="accent1"/>
+    </dgm:linClrLst>
+    <dgm:effectClrLst/>
+    <dgm:txLinClrLst/>
+    <dgm:txFillClrLst meth="repeat">
+      <a:schemeClr val="lt1"/>
+    </dgm:txFillClrLst>
+    <dgm:txEffectClrLst/>
+  </dgm:styleLbl>
+  <dgm:styleLbl name="parChTrans2D3">
+    <dgm:fillClrLst meth="repeat">
+      <a:schemeClr val="accent1"/>
+    </dgm:fillClrLst>
+    <dgm:linClrLst meth="repeat">
+      <a:schemeClr val="accent1"/>
+    </dgm:linClrLst>
+    <dgm:effectClrLst/>
+    <dgm:txLinClrLst/>
+    <dgm:txFillClrLst meth="repeat">
+      <a:schemeClr val="lt1"/>
+    </dgm:txFillClrLst>
+    <dgm:txEffectClrLst/>
+  </dgm:styleLbl>
+  <dgm:styleLbl name="parChTrans2D4">
+    <dgm:fillClrLst meth="repeat">
+      <a:schemeClr val="accent1"/>
+    </dgm:fillClrLst>
+    <dgm:linClrLst meth="repeat">
+      <a:schemeClr val="accent1"/>
+    </dgm:linClrLst>
+    <dgm:effectClrLst/>
+    <dgm:txLinClrLst/>
+    <dgm:txFillClrLst meth="repeat">
+      <a:schemeClr val="lt1"/>
+    </dgm:txFillClrLst>
+    <dgm:txEffectClrLst/>
+  </dgm:styleLbl>
+  <dgm:styleLbl name="parChTrans1D1">
+    <dgm:fillClrLst meth="repeat">
+      <a:schemeClr val="accent1"/>
+    </dgm:fillClrLst>
+    <dgm:linClrLst meth="repeat">
+      <a:schemeClr val="accent1">
+        <a:shade val="60000"/>
+      </a:schemeClr>
+    </dgm:linClrLst>
+    <dgm:effectClrLst/>
+    <dgm:txLinClrLst/>
+    <dgm:txFillClrLst meth="repeat">
+      <a:schemeClr val="tx1"/>
+    </dgm:txFillClrLst>
+    <dgm:txEffectClrLst/>
+  </dgm:styleLbl>
+  <dgm:styleLbl name="parChTrans1D2">
+    <dgm:fillClrLst meth="repeat">
+      <a:schemeClr val="accent1"/>
+    </dgm:fillClrLst>
+    <dgm:linClrLst meth="repeat">
+      <a:schemeClr val="accent1">
+        <a:shade val="60000"/>
+      </a:schemeClr>
+    </dgm:linClrLst>
+    <dgm:effectClrLst/>
+    <dgm:txLinClrLst/>
+    <dgm:txFillClrLst meth="repeat">
+      <a:schemeClr val="tx1"/>
+    </dgm:txFillClrLst>
+    <dgm:txEffectClrLst/>
+  </dgm:styleLbl>
+  <dgm:styleLbl name="parChTrans1D3">
+    <dgm:fillClrLst meth="repeat">
+      <a:schemeClr val="accent1"/>
+    </dgm:fillClrLst>
+    <dgm:linClrLst meth="repeat">
+      <a:schemeClr val="accent1">
+        <a:shade val="80000"/>
+      </a:schemeClr>
+    </dgm:linClrLst>
+    <dgm:effectClrLst/>
+    <dgm:txLinClrLst/>
+    <dgm:txFillClrLst meth="repeat">
+      <a:schemeClr val="tx1"/>
+    </dgm:txFillClrLst>
+    <dgm:txEffectClrLst/>
+  </dgm:styleLbl>
+  <dgm:styleLbl name="parChTrans1D4">
+    <dgm:fillClrLst meth="repeat">
+      <a:schemeClr val="accent1"/>
+    </dgm:fillClrLst>
+    <dgm:linClrLst meth="repeat">
+      <a:schemeClr val="accent1">
+        <a:shade val="80000"/>
+      </a:schemeClr>
+    </dgm:linClrLst>
+    <dgm:effectClrLst/>
+    <dgm:txLinClrLst/>
+    <dgm:txFillClrLst meth="repeat">
+      <a:schemeClr val="tx1"/>
+    </dgm:txFillClrLst>
+    <dgm:txEffectClrLst/>
+  </dgm:styleLbl>
+  <dgm:styleLbl name="fgAcc1">
+    <dgm:fillClrLst meth="repeat">
+      <a:schemeClr val="lt1">
+        <a:alpha val="90000"/>
+      </a:schemeClr>
+    </dgm:fillClrLst>
+    <dgm:linClrLst meth="repeat">
+      <a:schemeClr val="accent1"/>
+    </dgm:linClrLst>
+    <dgm:effectClrLst/>
+    <dgm:txLinClrLst/>
+    <dgm:txFillClrLst meth="repeat">
+      <a:schemeClr val="dk1"/>
+    </dgm:txFillClrLst>
+    <dgm:txEffectClrLst/>
+  </dgm:styleLbl>
+  <dgm:styleLbl name="conFgAcc1">
+    <dgm:fillClrLst meth="repeat">
+      <a:schemeClr val="lt1">
+        <a:alpha val="90000"/>
+      </a:schemeClr>
+    </dgm:fillClrLst>
+    <dgm:linClrLst meth="repeat">
+      <a:schemeClr val="accent1"/>
+    </dgm:linClrLst>
+    <dgm:effectClrLst/>
+    <dgm:txLinClrLst/>
+    <dgm:txFillClrLst meth="repeat">
+      <a:schemeClr val="dk1"/>
+    </dgm:txFillClrLst>
+    <dgm:txEffectClrLst/>
+  </dgm:styleLbl>
+  <dgm:styleLbl name="alignAcc1">
+    <dgm:fillClrLst meth="repeat">
+      <a:schemeClr val="lt1">
+        <a:alpha val="90000"/>
+      </a:schemeClr>
+    </dgm:fillClrLst>
+    <dgm:linClrLst meth="repeat">
+      <a:schemeClr val="accent1"/>
+    </dgm:linClrLst>
+    <dgm:effectClrLst/>
+    <dgm:txLinClrLst/>
+    <dgm:txFillClrLst meth="repeat">
+      <a:schemeClr val="dk1"/>
+    </dgm:txFillClrLst>
+    <dgm:txEffectClrLst/>
+  </dgm:styleLbl>
+  <dgm:styleLbl name="trAlignAcc1">
+    <dgm:fillClrLst meth="repeat">
+      <a:schemeClr val="lt1">
+        <a:alpha val="40000"/>
+      </a:schemeClr>
+    </dgm:fillClrLst>
+    <dgm:linClrLst meth="repeat">
+      <a:schemeClr val="accent1"/>
+    </dgm:linClrLst>
+    <dgm:effectClrLst/>
+    <dgm:txLinClrLst/>
+    <dgm:txFillClrLst meth="repeat">
+      <a:schemeClr val="dk1"/>
+    </dgm:txFillClrLst>
+    <dgm:txEffectClrLst/>
+  </dgm:styleLbl>
+  <dgm:styleLbl name="bgAcc1">
+    <dgm:fillClrLst meth="repeat">
+      <a:schemeClr val="lt1">
+        <a:alpha val="90000"/>
+      </a:schemeClr>
+    </dgm:fillClrLst>
+    <dgm:linClrLst meth="repeat">
+      <a:schemeClr val="accent1"/>
+    </dgm:linClrLst>
+    <dgm:effectClrLst/>
+    <dgm:txLinClrLst/>
+    <dgm:txFillClrLst meth="repeat">
+      <a:schemeClr val="dk1"/>
+    </dgm:txFillClrLst>
+    <dgm:txEffectClrLst/>
+  </dgm:styleLbl>
+  <dgm:styleLbl name="solidFgAcc1">
+    <dgm:fillClrLst meth="repeat">
+      <a:schemeClr val="lt1"/>
+    </dgm:fillClrLst>
+    <dgm:linClrLst meth="repeat">
+      <a:schemeClr val="accent1"/>
+    </dgm:linClrLst>
+    <dgm:effectClrLst/>
+    <dgm:txLinClrLst/>
+    <dgm:txFillClrLst meth="repeat">
+      <a:schemeClr val="dk1"/>
+    </dgm:txFillClrLst>
+    <dgm:txEffectClrLst/>
+  </dgm:styleLbl>
+  <dgm:styleLbl name="solidAlignAcc1">
+    <dgm:fillClrLst meth="repeat">
+      <a:schemeClr val="lt1"/>
+    </dgm:fillClrLst>
+    <dgm:linClrLst meth="repeat">
+      <a:schemeClr val="accent1"/>
+    </dgm:linClrLst>
+    <dgm:effectClrLst/>
+    <dgm:txLinClrLst/>
+    <dgm:txFillClrLst meth="repeat">
+      <a:schemeClr val="dk1"/>
+    </dgm:txFillClrLst>
+    <dgm:txEffectClrLst/>
+  </dgm:styleLbl>
+  <dgm:styleLbl name="solidBgAcc1">
+    <dgm:fillClrLst meth="repeat">
+      <a:schemeClr val="lt1"/>
+    </dgm:fillClrLst>
+    <dgm:linClrLst meth="repeat">
+      <a:schemeClr val="accent1"/>
+    </dgm:linClrLst>
+    <dgm:effectClrLst/>
+    <dgm:txLinClrLst/>
+    <dgm:txFillClrLst meth="repeat">
+      <a:schemeClr val="dk1"/>
+    </dgm:txFillClrLst>
+    <dgm:txEffectClrLst/>
+  </dgm:styleLbl>
+  <dgm:styleLbl name="fgAccFollowNode1">
+    <dgm:fillClrLst meth="repeat">
+      <a:schemeClr val="accent1">
+        <a:alpha val="90000"/>
+        <a:tint val="40000"/>
+      </a:schemeClr>
+    </dgm:fillClrLst>
+    <dgm:linClrLst meth="repeat">
+      <a:schemeClr val="accent1">
+        <a:alpha val="90000"/>
+        <a:tint val="40000"/>
+      </a:schemeClr>
+    </dgm:linClrLst>
+    <dgm:effectClrLst/>
+    <dgm:txLinClrLst/>
+    <dgm:txFillClrLst meth="repeat">
+      <a:schemeClr val="dk1"/>
+    </dgm:txFillClrLst>
+    <dgm:txEffectClrLst/>
+  </dgm:styleLbl>
+  <dgm:styleLbl name="alignAccFollowNode1">
+    <dgm:fillClrLst meth="repeat">
+      <a:schemeClr val="accent1">
+        <a:alpha val="90000"/>
+        <a:tint val="40000"/>
+      </a:schemeClr>
+    </dgm:fillClrLst>
+    <dgm:linClrLst meth="repeat">
+      <a:schemeClr val="accent1">
+        <a:alpha val="90000"/>
+        <a:tint val="40000"/>
+      </a:schemeClr>
+    </dgm:linClrLst>
+    <dgm:effectClrLst/>
+    <dgm:txLinClrLst/>
+    <dgm:txFillClrLst meth="repeat">
+      <a:schemeClr val="dk1"/>
+    </dgm:txFillClrLst>
+    <dgm:txEffectClrLst/>
+  </dgm:styleLbl>
+  <dgm:styleLbl name="bgAccFollowNode1">
+    <dgm:fillClrLst meth="repeat">
+      <a:schemeClr val="accent1">
+        <a:alpha val="90000"/>
+        <a:tint val="40000"/>
+      </a:schemeClr>
+    </dgm:fillClrLst>
+    <dgm:linClrLst meth="repeat">
+      <a:schemeClr val="accent1">
+        <a:alpha val="90000"/>
+        <a:tint val="40000"/>
+      </a:schemeClr>
+    </dgm:linClrLst>
+    <dgm:effectClrLst/>
+    <dgm:txLinClrLst/>
+    <dgm:txFillClrLst meth="repeat">
+      <a:schemeClr val="dk1"/>
+    </dgm:txFillClrLst>
+    <dgm:txEffectClrLst/>
+  </dgm:styleLbl>
+  <dgm:styleLbl name="fgAcc0">
+    <dgm:fillClrLst meth="repeat">
+      <a:schemeClr val="lt1">
+        <a:alpha val="90000"/>
+      </a:schemeClr>
+    </dgm:fillClrLst>
+    <dgm:linClrLst meth="repeat">
+      <a:schemeClr val="accent1"/>
+    </dgm:linClrLst>
+    <dgm:effectClrLst/>
+    <dgm:txLinClrLst/>
+    <dgm:txFillClrLst meth="repeat">
+      <a:schemeClr val="dk1"/>
+    </dgm:txFillClrLst>
+    <dgm:txEffectClrLst/>
+  </dgm:styleLbl>
+  <dgm:styleLbl name="fgAcc2">
+    <dgm:fillClrLst meth="repeat">
+      <a:schemeClr val="lt1">
+        <a:alpha val="90000"/>
+      </a:schemeClr>
+    </dgm:fillClrLst>
+    <dgm:linClrLst meth="repeat">
+      <a:schemeClr val="accent1"/>
+    </dgm:linClrLst>
+    <dgm:effectClrLst/>
+    <dgm:txLinClrLst/>
+    <dgm:txFillClrLst meth="repeat">
+      <a:schemeClr val="dk1"/>
+    </dgm:txFillClrLst>
+    <dgm:txEffectClrLst/>
+  </dgm:styleLbl>
+  <dgm:styleLbl name="fgAcc3">
+    <dgm:fillClrLst meth="repeat">
+      <a:schemeClr val="lt1">
+        <a:alpha val="90000"/>
+      </a:schemeClr>
+    </dgm:fillClrLst>
+    <dgm:linClrLst meth="repeat">
+      <a:schemeClr val="accent1"/>
+    </dgm:linClrLst>
+    <dgm:effectClrLst/>
+    <dgm:txLinClrLst/>
+    <dgm:txFillClrLst meth="repeat">
+      <a:schemeClr val="dk1"/>
+    </dgm:txFillClrLst>
+    <dgm:txEffectClrLst/>
+  </dgm:styleLbl>
+  <dgm:styleLbl name="fgAcc4">
+    <dgm:fillClrLst meth="repeat">
+      <a:schemeClr val="lt1">
+        <a:alpha val="90000"/>
+      </a:schemeClr>
+    </dgm:fillClrLst>
+    <dgm:linClrLst meth="repeat">
+      <a:schemeClr val="accent1"/>
+    </dgm:linClrLst>
+    <dgm:effectClrLst/>
+    <dgm:txLinClrLst/>
+    <dgm:txFillClrLst meth="repeat">
+      <a:schemeClr val="dk1"/>
+    </dgm:txFillClrLst>
+    <dgm:txEffectClrLst/>
+  </dgm:styleLbl>
+  <dgm:styleLbl name="bgShp">
+    <dgm:fillClrLst meth="repeat">
+      <a:schemeClr val="accent1">
+        <a:tint val="40000"/>
+      </a:schemeClr>
+    </dgm:fillClrLst>
+    <dgm:linClrLst meth="repeat">
+      <a:schemeClr val="accent1"/>
+    </dgm:linClrLst>
+    <dgm:effectClrLst/>
+    <dgm:txLinClrLst/>
+    <dgm:txFillClrLst meth="repeat">
+      <a:schemeClr val="dk1"/>
+    </dgm:txFillClrLst>
+    <dgm:txEffectClrLst/>
+  </dgm:styleLbl>
+  <dgm:styleLbl name="dkBgShp">
+    <dgm:fillClrLst meth="repeat">
+      <a:schemeClr val="accent1">
+        <a:shade val="80000"/>
+      </a:schemeClr>
+    </dgm:fillClrLst>
+    <dgm:linClrLst meth="repeat">
+      <a:schemeClr val="accent1"/>
+    </dgm:linClrLst>
+    <dgm:effectClrLst/>
+    <dgm:txLinClrLst/>
+    <dgm:txFillClrLst meth="repeat">
+      <a:schemeClr val="lt1"/>
+    </dgm:txFillClrLst>
+    <dgm:txEffectClrLst/>
+  </dgm:styleLbl>
+  <dgm:styleLbl name="trBgShp">
+    <dgm:fillClrLst meth="repeat">
+      <a:schemeClr val="accent1">
+        <a:tint val="50000"/>
+        <a:alpha val="40000"/>
+      </a:schemeClr>
+    </dgm:fillClrLst>
+    <dgm:linClrLst meth="repeat">
+      <a:schemeClr val="accent1"/>
+    </dgm:linClrLst>
+    <dgm:effectClrLst/>
+    <dgm:txLinClrLst/>
+    <dgm:txFillClrLst meth="repeat">
+      <a:schemeClr val="lt1"/>
+    </dgm:txFillClrLst>
+    <dgm:txEffectClrLst/>
+  </dgm:styleLbl>
+  <dgm:styleLbl name="fgShp">
+    <dgm:fillClrLst meth="repeat">
+      <a:schemeClr val="accent1">
+        <a:tint val="60000"/>
+      </a:schemeClr>
+    </dgm:fillClrLst>
+    <dgm:linClrLst meth="repeat">
+      <a:schemeClr val="lt1"/>
+    </dgm:linClrLst>
+    <dgm:effectClrLst/>
+    <dgm:txLinClrLst/>
+    <dgm:txFillClrLst meth="repeat">
+      <a:schemeClr val="dk1"/>
+    </dgm:txFillClrLst>
+    <dgm:txEffectClrLst/>
+  </dgm:styleLbl>
+  <dgm:styleLbl name="revTx">
+    <dgm:fillClrLst meth="repeat">
+      <a:schemeClr val="lt1">
+        <a:alpha val="0"/>
+      </a:schemeClr>
+    </dgm:fillClrLst>
+    <dgm:linClrLst meth="repeat">
+      <a:schemeClr val="dk1">
+        <a:alpha val="0"/>
+      </a:schemeClr>
+    </dgm:linClrLst>
+    <dgm:effectClrLst/>
+    <dgm:txLinClrLst/>
+    <dgm:txFillClrLst meth="repeat">
+      <a:schemeClr val="tx1"/>
+    </dgm:txFillClrLst>
+    <dgm:txEffectClrLst/>
+  </dgm:styleLbl>
+</dgm:colorsDef>
+</file>
+
 <file path=ppt/diagrams/data1.xml><?xml version="1.0" encoding="utf-8"?>
 <dgm:dataModel xmlns:dgm="http://schemas.openxmlformats.org/drawingml/2006/diagram" xmlns:a="http://schemas.openxmlformats.org/drawingml/2006/main">
   <dgm:ptLst>
@@ -925,13 +1678,33 @@
       </dgm:t>
     </dgm:pt>
     <dgm:pt modelId="{BE435514-82AF-4AC5-A378-9667EAFBC39A}">
-      <dgm:prSet phldrT="[Text]" phldr="1"/>
+      <dgm:prSet phldrT="[Text]"/>
       <dgm:spPr/>
       <dgm:t>
         <a:bodyPr/>
         <a:lstStyle/>
         <a:p>
-          <a:endParaRPr lang="en-US"/>
+          <a:r>
+            <a:rPr lang="en-US" dirty="0" smtClean="0"/>
+            <a:t>Extracted </a:t>
+          </a:r>
+          <a:r>
+            <a:rPr lang="en-US" dirty="0" err="1" smtClean="0"/>
+            <a:t>business_id</a:t>
+          </a:r>
+          <a:r>
+            <a:rPr lang="en-US" dirty="0" smtClean="0"/>
+            <a:t> where the categories = “food” from a JSON file named </a:t>
+          </a:r>
+          <a:r>
+            <a:rPr lang="en-US" dirty="0" err="1" smtClean="0"/>
+            <a:t>yelp_academic_dataset_business.json</a:t>
+          </a:r>
+          <a:r>
+            <a:rPr lang="en-US" dirty="0" smtClean="0"/>
+            <a:t> (65 MB) and wrote them to a CSV. </a:t>
+          </a:r>
+          <a:endParaRPr lang="en-US" dirty="0"/>
         </a:p>
       </dgm:t>
     </dgm:pt>
@@ -947,39 +1720,6 @@
       </dgm:t>
     </dgm:pt>
     <dgm:pt modelId="{D0912F0D-E941-44EC-B57B-0C4854C2ECAF}" type="sibTrans" cxnId="{1B3D1F12-64B4-4AC3-B0E4-E59BCB3FA2A4}">
-      <dgm:prSet/>
-      <dgm:spPr/>
-      <dgm:t>
-        <a:bodyPr/>
-        <a:lstStyle/>
-        <a:p>
-          <a:endParaRPr lang="en-US"/>
-        </a:p>
-      </dgm:t>
-    </dgm:pt>
-    <dgm:pt modelId="{E53D87B0-8B67-4597-B3DE-A6F23F99934D}">
-      <dgm:prSet phldrT="[Text]" phldr="1"/>
-      <dgm:spPr/>
-      <dgm:t>
-        <a:bodyPr/>
-        <a:lstStyle/>
-        <a:p>
-          <a:endParaRPr lang="en-US"/>
-        </a:p>
-      </dgm:t>
-    </dgm:pt>
-    <dgm:pt modelId="{14011827-62C4-491B-98A7-901EFB1A3355}" type="parTrans" cxnId="{85F9F360-7EAC-4C62-9072-766D6E4D53DB}">
-      <dgm:prSet/>
-      <dgm:spPr/>
-      <dgm:t>
-        <a:bodyPr/>
-        <a:lstStyle/>
-        <a:p>
-          <a:endParaRPr lang="en-US"/>
-        </a:p>
-      </dgm:t>
-    </dgm:pt>
-    <dgm:pt modelId="{EE51FFCB-6013-4D35-9A4D-4DDCC95A31A3}" type="sibTrans" cxnId="{85F9F360-7EAC-4C62-9072-766D6E4D53DB}">
       <dgm:prSet/>
       <dgm:spPr/>
       <dgm:t>
@@ -1028,13 +1768,33 @@
       </dgm:t>
     </dgm:pt>
     <dgm:pt modelId="{A34A8185-509B-40CF-A802-8834F7A8F655}">
-      <dgm:prSet phldrT="[Text]" phldr="1"/>
+      <dgm:prSet phldrT="[Text]"/>
       <dgm:spPr/>
       <dgm:t>
         <a:bodyPr/>
         <a:lstStyle/>
         <a:p>
-          <a:endParaRPr lang="en-US"/>
+          <a:r>
+            <a:rPr lang="en-US" dirty="0" smtClean="0"/>
+            <a:t>Removed </a:t>
+          </a:r>
+          <a:r>
+            <a:rPr lang="en-US" dirty="0" err="1" smtClean="0"/>
+            <a:t>stopwords</a:t>
+          </a:r>
+          <a:r>
+            <a:rPr lang="en-US" dirty="0" smtClean="0"/>
+            <a:t> using the </a:t>
+          </a:r>
+          <a:r>
+            <a:rPr lang="en-US" dirty="0" err="1" smtClean="0"/>
+            <a:t>nltk</a:t>
+          </a:r>
+          <a:r>
+            <a:rPr lang="en-US" dirty="0" smtClean="0"/>
+            <a:t> package from the user reviews.</a:t>
+          </a:r>
+          <a:endParaRPr lang="en-US" dirty="0"/>
         </a:p>
       </dgm:t>
     </dgm:pt>
@@ -1061,13 +1821,41 @@
       </dgm:t>
     </dgm:pt>
     <dgm:pt modelId="{3B965A0D-B34D-469C-8C27-047CACBA8882}">
-      <dgm:prSet phldrT="[Text]" phldr="1"/>
+      <dgm:prSet phldrT="[Text]"/>
       <dgm:spPr/>
       <dgm:t>
         <a:bodyPr/>
         <a:lstStyle/>
         <a:p>
-          <a:endParaRPr lang="en-US"/>
+          <a:r>
+            <a:rPr lang="en-US" dirty="0" smtClean="0"/>
+            <a:t>Applied Naïve Bayes and VADER using </a:t>
+          </a:r>
+          <a:r>
+            <a:rPr lang="en-US" dirty="0" err="1" smtClean="0"/>
+            <a:t>nltk</a:t>
+          </a:r>
+          <a:r>
+            <a:rPr lang="en-US" dirty="0" smtClean="0"/>
+            <a:t>, dividing the words </a:t>
+          </a:r>
+          <a:r>
+            <a:rPr lang="en-US" dirty="0" smtClean="0"/>
+            <a:t>into </a:t>
+          </a:r>
+          <a:r>
+            <a:rPr lang="en-US" dirty="0" smtClean="0"/>
+            <a:t>positive and negative reviews </a:t>
+          </a:r>
+          <a:r>
+            <a:rPr lang="en-US" dirty="0" smtClean="0"/>
+            <a:t>based </a:t>
+          </a:r>
+          <a:r>
+            <a:rPr lang="en-US" dirty="0" smtClean="0"/>
+            <a:t>on “stars”.</a:t>
+          </a:r>
+          <a:endParaRPr lang="en-US" dirty="0"/>
         </a:p>
       </dgm:t>
     </dgm:pt>
@@ -1131,13 +1919,17 @@
       </dgm:t>
     </dgm:pt>
     <dgm:pt modelId="{23A168AE-CB6D-4BA2-A089-D7BA0B4AC5EB}">
-      <dgm:prSet phldrT="[Text]" phldr="1"/>
+      <dgm:prSet phldrT="[Text]"/>
       <dgm:spPr/>
       <dgm:t>
         <a:bodyPr/>
         <a:lstStyle/>
         <a:p>
-          <a:endParaRPr lang="en-US"/>
+          <a:r>
+            <a:rPr lang="en-US" dirty="0" smtClean="0"/>
+            <a:t>Compared the results derived from the approached mentioned above. </a:t>
+          </a:r>
+          <a:endParaRPr lang="en-US" dirty="0"/>
         </a:p>
       </dgm:t>
     </dgm:pt>
@@ -1163,18 +1955,38 @@
         </a:p>
       </dgm:t>
     </dgm:pt>
-    <dgm:pt modelId="{546B9169-3A99-42D2-A6B0-26F6B0F87471}">
-      <dgm:prSet phldrT="[Text]" phldr="1"/>
+    <dgm:pt modelId="{3870AA8C-1B54-4CFB-8DBD-A28D301FFC71}">
+      <dgm:prSet phldrT="[Text]"/>
       <dgm:spPr/>
       <dgm:t>
         <a:bodyPr/>
         <a:lstStyle/>
         <a:p>
-          <a:endParaRPr lang="en-US"/>
+          <a:r>
+            <a:rPr lang="en-US" dirty="0" smtClean="0"/>
+            <a:t>Extracted the user reviews (“text”) and “stars” from </a:t>
+          </a:r>
+          <a:r>
+            <a:rPr lang="en-US" dirty="0" err="1" smtClean="0"/>
+            <a:t>yelp_academic_dataset_review.json</a:t>
+          </a:r>
+          <a:r>
+            <a:rPr lang="en-US" dirty="0" smtClean="0"/>
+            <a:t> (1.80GB) using the </a:t>
+          </a:r>
+          <a:r>
+            <a:rPr lang="en-US" dirty="0" err="1" smtClean="0"/>
+            <a:t>business_id</a:t>
+          </a:r>
+          <a:r>
+            <a:rPr lang="en-US" dirty="0" smtClean="0"/>
+            <a:t> extracted from the previous problem.</a:t>
+          </a:r>
+          <a:endParaRPr lang="en-US" dirty="0"/>
         </a:p>
       </dgm:t>
     </dgm:pt>
-    <dgm:pt modelId="{A2495229-A780-472A-9929-4E02E903D4A2}" type="parTrans" cxnId="{4C8CE19C-5082-430C-B22F-EE00AEECF53D}">
+    <dgm:pt modelId="{314F7E9F-01FC-414A-91A3-2A6A7EF2EF15}" type="parTrans" cxnId="{14DC4D40-77A4-464F-B107-8E887B2DA211}">
       <dgm:prSet/>
       <dgm:spPr/>
       <dgm:t>
@@ -1185,7 +1997,40 @@
         </a:p>
       </dgm:t>
     </dgm:pt>
-    <dgm:pt modelId="{1CA02A72-0BA5-4F73-BDA9-892C1CE22B9A}" type="sibTrans" cxnId="{4C8CE19C-5082-430C-B22F-EE00AEECF53D}">
+    <dgm:pt modelId="{E53EB828-A3A6-418A-97E1-FC6B006C2386}" type="sibTrans" cxnId="{14DC4D40-77A4-464F-B107-8E887B2DA211}">
+      <dgm:prSet/>
+      <dgm:spPr/>
+      <dgm:t>
+        <a:bodyPr/>
+        <a:lstStyle/>
+        <a:p>
+          <a:endParaRPr lang="en-US"/>
+        </a:p>
+      </dgm:t>
+    </dgm:pt>
+    <dgm:pt modelId="{2A5634E2-9635-4251-A518-5907D9AF1F39}">
+      <dgm:prSet phldrT="[Text]"/>
+      <dgm:spPr/>
+      <dgm:t>
+        <a:bodyPr/>
+        <a:lstStyle/>
+        <a:p>
+          <a:endParaRPr lang="en-US" dirty="0"/>
+        </a:p>
+      </dgm:t>
+    </dgm:pt>
+    <dgm:pt modelId="{CA4E84B3-5D75-4EFE-B282-7DC2D8470B21}" type="parTrans" cxnId="{0A2D8F61-C3B5-40C1-8A62-DE859CD1E5E6}">
+      <dgm:prSet/>
+      <dgm:spPr/>
+      <dgm:t>
+        <a:bodyPr/>
+        <a:lstStyle/>
+        <a:p>
+          <a:endParaRPr lang="en-US"/>
+        </a:p>
+      </dgm:t>
+    </dgm:pt>
+    <dgm:pt modelId="{A5A45FA9-9B2C-4631-9952-24374E6027FC}" type="sibTrans" cxnId="{0A2D8F61-C3B5-40C1-8A62-DE859CD1E5E6}">
       <dgm:prSet/>
       <dgm:spPr/>
       <dgm:t>
@@ -1205,6 +2050,13 @@
         </dgm:presLayoutVars>
       </dgm:prSet>
       <dgm:spPr/>
+      <dgm:t>
+        <a:bodyPr/>
+        <a:lstStyle/>
+        <a:p>
+          <a:endParaRPr lang="en-US"/>
+        </a:p>
+      </dgm:t>
     </dgm:pt>
     <dgm:pt modelId="{5439EA84-F1A8-4E15-B056-36FB953C1ED1}" type="pres">
       <dgm:prSet presAssocID="{F8EB602D-32DD-401F-87F6-30A724891281}" presName="linNode" presStyleCnt="0"/>
@@ -1233,6 +2085,13 @@
         </dgm:presLayoutVars>
       </dgm:prSet>
       <dgm:spPr/>
+      <dgm:t>
+        <a:bodyPr/>
+        <a:lstStyle/>
+        <a:p>
+          <a:endParaRPr lang="en-US"/>
+        </a:p>
+      </dgm:t>
     </dgm:pt>
     <dgm:pt modelId="{47D87634-019C-4D26-BA93-4E6E9564936F}" type="pres">
       <dgm:prSet presAssocID="{4597E3EC-C439-4736-A564-5EE12350AC6B}" presName="sp" presStyleCnt="0"/>
@@ -1250,6 +2109,13 @@
         </dgm:presLayoutVars>
       </dgm:prSet>
       <dgm:spPr/>
+      <dgm:t>
+        <a:bodyPr/>
+        <a:lstStyle/>
+        <a:p>
+          <a:endParaRPr lang="en-US"/>
+        </a:p>
+      </dgm:t>
     </dgm:pt>
     <dgm:pt modelId="{F1F6B744-2AC4-4ECE-8B41-3E8EC7938F27}" type="pres">
       <dgm:prSet presAssocID="{66BBF49E-927C-4E2F-B006-D420C13E5E07}" presName="descendantText" presStyleLbl="alignAccFollowNode1" presStyleIdx="1" presStyleCnt="3">
@@ -1258,6 +2124,13 @@
         </dgm:presLayoutVars>
       </dgm:prSet>
       <dgm:spPr/>
+      <dgm:t>
+        <a:bodyPr/>
+        <a:lstStyle/>
+        <a:p>
+          <a:endParaRPr lang="en-US"/>
+        </a:p>
+      </dgm:t>
     </dgm:pt>
     <dgm:pt modelId="{D0FBB9B0-8BD4-42E9-88AB-640ED5A23260}" type="pres">
       <dgm:prSet presAssocID="{E7E34E2C-1D84-4FA9-BFB8-899D69861A96}" presName="sp" presStyleCnt="0"/>
@@ -1275,53 +2148,205 @@
         </dgm:presLayoutVars>
       </dgm:prSet>
       <dgm:spPr/>
+      <dgm:t>
+        <a:bodyPr/>
+        <a:lstStyle/>
+        <a:p>
+          <a:endParaRPr lang="en-US"/>
+        </a:p>
+      </dgm:t>
     </dgm:pt>
     <dgm:pt modelId="{310B62E1-A6E3-4BA5-A387-A18CEE005F73}" type="pres">
-      <dgm:prSet presAssocID="{440B7219-26B9-4F58-BA23-F5CEC713F213}" presName="descendantText" presStyleLbl="alignAccFollowNode1" presStyleIdx="2" presStyleCnt="3">
+      <dgm:prSet presAssocID="{440B7219-26B9-4F58-BA23-F5CEC713F213}" presName="descendantText" presStyleLbl="alignAccFollowNode1" presStyleIdx="2" presStyleCnt="3" custLinFactNeighborX="-214">
         <dgm:presLayoutVars>
           <dgm:bulletEnabled val="1"/>
         </dgm:presLayoutVars>
       </dgm:prSet>
       <dgm:spPr/>
+      <dgm:t>
+        <a:bodyPr/>
+        <a:lstStyle/>
+        <a:p>
+          <a:endParaRPr lang="en-US"/>
+        </a:p>
+      </dgm:t>
     </dgm:pt>
   </dgm:ptLst>
   <dgm:cxnLst>
     <dgm:cxn modelId="{C1737068-9549-4619-B0B1-0B2CBAD42C1F}" srcId="{440B7219-26B9-4F58-BA23-F5CEC713F213}" destId="{23A168AE-CB6D-4BA2-A089-D7BA0B4AC5EB}" srcOrd="0" destOrd="0" parTransId="{7F4D2B96-FEA4-45B1-8A97-79FDCCA57637}" sibTransId="{B41296E8-C6C2-4A46-91A1-1D2137D59234}"/>
-    <dgm:cxn modelId="{4C8CE19C-5082-430C-B22F-EE00AEECF53D}" srcId="{440B7219-26B9-4F58-BA23-F5CEC713F213}" destId="{546B9169-3A99-42D2-A6B0-26F6B0F87471}" srcOrd="1" destOrd="0" parTransId="{A2495229-A780-472A-9929-4E02E903D4A2}" sibTransId="{1CA02A72-0BA5-4F73-BDA9-892C1CE22B9A}"/>
-    <dgm:cxn modelId="{9F6A99D4-C477-47A5-8D5D-BFDBCE2C9B48}" type="presOf" srcId="{23A168AE-CB6D-4BA2-A089-D7BA0B4AC5EB}" destId="{310B62E1-A6E3-4BA5-A387-A18CEE005F73}" srcOrd="0" destOrd="0" presId="urn:microsoft.com/office/officeart/2005/8/layout/vList5"/>
-    <dgm:cxn modelId="{F5235817-4666-4354-930B-5E0261E271E5}" type="presOf" srcId="{BE435514-82AF-4AC5-A378-9667EAFBC39A}" destId="{6B66F3B8-3F50-449F-A9ED-0A4528538A29}" srcOrd="0" destOrd="0" presId="urn:microsoft.com/office/officeart/2005/8/layout/vList5"/>
+    <dgm:cxn modelId="{5DFC79F7-FD9B-425B-A697-22AB557AB0EF}" srcId="{66BBF49E-927C-4E2F-B006-D420C13E5E07}" destId="{3B965A0D-B34D-469C-8C27-047CACBA8882}" srcOrd="1" destOrd="0" parTransId="{CE897EA2-2DBE-497C-9685-22C658CC4392}" sibTransId="{A10DC2C7-5D95-4F28-8D4C-054F91AABF23}"/>
+    <dgm:cxn modelId="{83886DBF-FC09-46B8-B8FF-EF1B525C93ED}" srcId="{B02FAD5E-7DCF-4382-B82D-EA1202CA4008}" destId="{66BBF49E-927C-4E2F-B006-D420C13E5E07}" srcOrd="1" destOrd="0" parTransId="{66A479B0-6EEB-4955-A0E4-A87E932C9592}" sibTransId="{E7E34E2C-1D84-4FA9-BFB8-899D69861A96}"/>
+    <dgm:cxn modelId="{14DC4D40-77A4-464F-B107-8E887B2DA211}" srcId="{F8EB602D-32DD-401F-87F6-30A724891281}" destId="{3870AA8C-1B54-4CFB-8DBD-A28D301FFC71}" srcOrd="1" destOrd="0" parTransId="{314F7E9F-01FC-414A-91A3-2A6A7EF2EF15}" sibTransId="{E53EB828-A3A6-418A-97E1-FC6B006C2386}"/>
+    <dgm:cxn modelId="{B40ABC29-3475-4340-8608-6E1C1A5B0936}" type="presOf" srcId="{3870AA8C-1B54-4CFB-8DBD-A28D301FFC71}" destId="{6B66F3B8-3F50-449F-A9ED-0A4528538A29}" srcOrd="0" destOrd="1" presId="urn:microsoft.com/office/officeart/2005/8/layout/vList5"/>
+    <dgm:cxn modelId="{205C5758-F4AD-4D17-AE52-79FDE0555EAD}" type="presOf" srcId="{B02FAD5E-7DCF-4382-B82D-EA1202CA4008}" destId="{B0C93FC2-E9BC-4DCA-9E0E-F6EC7D4E188D}" srcOrd="0" destOrd="0" presId="urn:microsoft.com/office/officeart/2005/8/layout/vList5"/>
+    <dgm:cxn modelId="{B714B41A-292B-46FF-96DD-56422B8C7317}" type="presOf" srcId="{2A5634E2-9635-4251-A518-5907D9AF1F39}" destId="{310B62E1-A6E3-4BA5-A387-A18CEE005F73}" srcOrd="0" destOrd="1" presId="urn:microsoft.com/office/officeart/2005/8/layout/vList5"/>
+    <dgm:cxn modelId="{3E4ED224-BD7F-44E7-94BC-CC19A4AF6182}" srcId="{66BBF49E-927C-4E2F-B006-D420C13E5E07}" destId="{A34A8185-509B-40CF-A802-8834F7A8F655}" srcOrd="0" destOrd="0" parTransId="{F254DC2D-2050-4060-8AF9-F4A70ED3633D}" sibTransId="{76454D84-600D-4426-8D14-C60ADCB380AE}"/>
+    <dgm:cxn modelId="{121733BF-378A-4AFA-8553-2FED7292A7D6}" type="presOf" srcId="{F8EB602D-32DD-401F-87F6-30A724891281}" destId="{6552CB70-428D-477D-9F79-F53F633EE051}" srcOrd="0" destOrd="0" presId="urn:microsoft.com/office/officeart/2005/8/layout/vList5"/>
+    <dgm:cxn modelId="{8D3DFFDA-EC23-4B0F-9B6F-32D52930F570}" type="presOf" srcId="{440B7219-26B9-4F58-BA23-F5CEC713F213}" destId="{CF0ED83B-A46B-4B44-9C69-22DECEFDEE5C}" srcOrd="0" destOrd="0" presId="urn:microsoft.com/office/officeart/2005/8/layout/vList5"/>
+    <dgm:cxn modelId="{A8BE5D63-E158-4E8C-95C4-7B12290771B5}" type="presOf" srcId="{BE435514-82AF-4AC5-A378-9667EAFBC39A}" destId="{6B66F3B8-3F50-449F-A9ED-0A4528538A29}" srcOrd="0" destOrd="0" presId="urn:microsoft.com/office/officeart/2005/8/layout/vList5"/>
+    <dgm:cxn modelId="{0A2D8F61-C3B5-40C1-8A62-DE859CD1E5E6}" srcId="{440B7219-26B9-4F58-BA23-F5CEC713F213}" destId="{2A5634E2-9635-4251-A518-5907D9AF1F39}" srcOrd="1" destOrd="0" parTransId="{CA4E84B3-5D75-4EFE-B282-7DC2D8470B21}" sibTransId="{A5A45FA9-9B2C-4631-9952-24374E6027FC}"/>
+    <dgm:cxn modelId="{12F60A06-D32D-422A-A321-BC77C09BE7EF}" type="presOf" srcId="{3B965A0D-B34D-469C-8C27-047CACBA8882}" destId="{F1F6B744-2AC4-4ECE-8B41-3E8EC7938F27}" srcOrd="0" destOrd="1" presId="urn:microsoft.com/office/officeart/2005/8/layout/vList5"/>
+    <dgm:cxn modelId="{569041C3-EDEA-47AB-90A5-E8336EA2FFB9}" type="presOf" srcId="{66BBF49E-927C-4E2F-B006-D420C13E5E07}" destId="{6359AC6B-F447-453F-BA77-6A72A16943CD}" srcOrd="0" destOrd="0" presId="urn:microsoft.com/office/officeart/2005/8/layout/vList5"/>
+    <dgm:cxn modelId="{EDA9BE27-2ED6-4189-AF95-F7218E180684}" srcId="{B02FAD5E-7DCF-4382-B82D-EA1202CA4008}" destId="{440B7219-26B9-4F58-BA23-F5CEC713F213}" srcOrd="2" destOrd="0" parTransId="{5469D6DB-87D4-4A31-A784-572A3B3BC2FB}" sibTransId="{D43E3D86-2647-4289-BA37-8BEB14CB4F06}"/>
+    <dgm:cxn modelId="{C2DAE147-F2FF-45A8-A087-12F987A25418}" type="presOf" srcId="{23A168AE-CB6D-4BA2-A089-D7BA0B4AC5EB}" destId="{310B62E1-A6E3-4BA5-A387-A18CEE005F73}" srcOrd="0" destOrd="0" presId="urn:microsoft.com/office/officeart/2005/8/layout/vList5"/>
     <dgm:cxn modelId="{FD4C7090-E939-4514-85AE-3A1160522F5E}" srcId="{B02FAD5E-7DCF-4382-B82D-EA1202CA4008}" destId="{F8EB602D-32DD-401F-87F6-30A724891281}" srcOrd="0" destOrd="0" parTransId="{251AD511-40C9-4FD1-A6BC-7A672701D88E}" sibTransId="{4597E3EC-C439-4736-A564-5EE12350AC6B}"/>
-    <dgm:cxn modelId="{70D2D3B9-E582-4E77-A25D-EC135B901ABC}" type="presOf" srcId="{66BBF49E-927C-4E2F-B006-D420C13E5E07}" destId="{6359AC6B-F447-453F-BA77-6A72A16943CD}" srcOrd="0" destOrd="0" presId="urn:microsoft.com/office/officeart/2005/8/layout/vList5"/>
-    <dgm:cxn modelId="{6453A4F6-9E62-4E4E-B2BC-76A2B5445C97}" type="presOf" srcId="{B02FAD5E-7DCF-4382-B82D-EA1202CA4008}" destId="{B0C93FC2-E9BC-4DCA-9E0E-F6EC7D4E188D}" srcOrd="0" destOrd="0" presId="urn:microsoft.com/office/officeart/2005/8/layout/vList5"/>
-    <dgm:cxn modelId="{5DFC79F7-FD9B-425B-A697-22AB557AB0EF}" srcId="{66BBF49E-927C-4E2F-B006-D420C13E5E07}" destId="{3B965A0D-B34D-469C-8C27-047CACBA8882}" srcOrd="1" destOrd="0" parTransId="{CE897EA2-2DBE-497C-9685-22C658CC4392}" sibTransId="{A10DC2C7-5D95-4F28-8D4C-054F91AABF23}"/>
-    <dgm:cxn modelId="{85F9F360-7EAC-4C62-9072-766D6E4D53DB}" srcId="{F8EB602D-32DD-401F-87F6-30A724891281}" destId="{E53D87B0-8B67-4597-B3DE-A6F23F99934D}" srcOrd="1" destOrd="0" parTransId="{14011827-62C4-491B-98A7-901EFB1A3355}" sibTransId="{EE51FFCB-6013-4D35-9A4D-4DDCC95A31A3}"/>
-    <dgm:cxn modelId="{F3F47ECC-E59A-4B90-BC36-A82E1FB9983A}" type="presOf" srcId="{A34A8185-509B-40CF-A802-8834F7A8F655}" destId="{F1F6B744-2AC4-4ECE-8B41-3E8EC7938F27}" srcOrd="0" destOrd="0" presId="urn:microsoft.com/office/officeart/2005/8/layout/vList5"/>
+    <dgm:cxn modelId="{2B152090-28D6-402D-9F79-C38AA6958281}" type="presOf" srcId="{A34A8185-509B-40CF-A802-8834F7A8F655}" destId="{F1F6B744-2AC4-4ECE-8B41-3E8EC7938F27}" srcOrd="0" destOrd="0" presId="urn:microsoft.com/office/officeart/2005/8/layout/vList5"/>
     <dgm:cxn modelId="{1B3D1F12-64B4-4AC3-B0E4-E59BCB3FA2A4}" srcId="{F8EB602D-32DD-401F-87F6-30A724891281}" destId="{BE435514-82AF-4AC5-A378-9667EAFBC39A}" srcOrd="0" destOrd="0" parTransId="{F6469897-C83B-47CC-BCF3-1888E92AF092}" sibTransId="{D0912F0D-E941-44EC-B57B-0C4854C2ECAF}"/>
-    <dgm:cxn modelId="{83886DBF-FC09-46B8-B8FF-EF1B525C93ED}" srcId="{B02FAD5E-7DCF-4382-B82D-EA1202CA4008}" destId="{66BBF49E-927C-4E2F-B006-D420C13E5E07}" srcOrd="1" destOrd="0" parTransId="{66A479B0-6EEB-4955-A0E4-A87E932C9592}" sibTransId="{E7E34E2C-1D84-4FA9-BFB8-899D69861A96}"/>
-    <dgm:cxn modelId="{72BE7F30-69BD-451E-8010-AE80DA8CE63D}" type="presOf" srcId="{546B9169-3A99-42D2-A6B0-26F6B0F87471}" destId="{310B62E1-A6E3-4BA5-A387-A18CEE005F73}" srcOrd="0" destOrd="1" presId="urn:microsoft.com/office/officeart/2005/8/layout/vList5"/>
-    <dgm:cxn modelId="{EDA9BE27-2ED6-4189-AF95-F7218E180684}" srcId="{B02FAD5E-7DCF-4382-B82D-EA1202CA4008}" destId="{440B7219-26B9-4F58-BA23-F5CEC713F213}" srcOrd="2" destOrd="0" parTransId="{5469D6DB-87D4-4A31-A784-572A3B3BC2FB}" sibTransId="{D43E3D86-2647-4289-BA37-8BEB14CB4F06}"/>
-    <dgm:cxn modelId="{3E4ED224-BD7F-44E7-94BC-CC19A4AF6182}" srcId="{66BBF49E-927C-4E2F-B006-D420C13E5E07}" destId="{A34A8185-509B-40CF-A802-8834F7A8F655}" srcOrd="0" destOrd="0" parTransId="{F254DC2D-2050-4060-8AF9-F4A70ED3633D}" sibTransId="{76454D84-600D-4426-8D14-C60ADCB380AE}"/>
-    <dgm:cxn modelId="{2CB3FAAA-0C5F-4F4A-AC73-AE08EAD4F8A8}" type="presOf" srcId="{3B965A0D-B34D-469C-8C27-047CACBA8882}" destId="{F1F6B744-2AC4-4ECE-8B41-3E8EC7938F27}" srcOrd="0" destOrd="1" presId="urn:microsoft.com/office/officeart/2005/8/layout/vList5"/>
-    <dgm:cxn modelId="{9FD0A41F-A57E-4969-B0BA-7EF6C3406024}" type="presOf" srcId="{440B7219-26B9-4F58-BA23-F5CEC713F213}" destId="{CF0ED83B-A46B-4B44-9C69-22DECEFDEE5C}" srcOrd="0" destOrd="0" presId="urn:microsoft.com/office/officeart/2005/8/layout/vList5"/>
-    <dgm:cxn modelId="{FD8F27EB-94F9-49E0-957A-A0B9CE46D159}" type="presOf" srcId="{E53D87B0-8B67-4597-B3DE-A6F23F99934D}" destId="{6B66F3B8-3F50-449F-A9ED-0A4528538A29}" srcOrd="0" destOrd="1" presId="urn:microsoft.com/office/officeart/2005/8/layout/vList5"/>
-    <dgm:cxn modelId="{C42BA403-4C4C-46DF-A65B-E522BCFE4006}" type="presOf" srcId="{F8EB602D-32DD-401F-87F6-30A724891281}" destId="{6552CB70-428D-477D-9F79-F53F633EE051}" srcOrd="0" destOrd="0" presId="urn:microsoft.com/office/officeart/2005/8/layout/vList5"/>
-    <dgm:cxn modelId="{65436C94-BEDB-4A99-9422-D4C07EB43870}" type="presParOf" srcId="{B0C93FC2-E9BC-4DCA-9E0E-F6EC7D4E188D}" destId="{5439EA84-F1A8-4E15-B056-36FB953C1ED1}" srcOrd="0" destOrd="0" presId="urn:microsoft.com/office/officeart/2005/8/layout/vList5"/>
-    <dgm:cxn modelId="{5D762778-A8C6-4C4B-9C77-D1A3B46B8DAD}" type="presParOf" srcId="{5439EA84-F1A8-4E15-B056-36FB953C1ED1}" destId="{6552CB70-428D-477D-9F79-F53F633EE051}" srcOrd="0" destOrd="0" presId="urn:microsoft.com/office/officeart/2005/8/layout/vList5"/>
-    <dgm:cxn modelId="{4312F47B-AFBE-4679-BCD6-6CAFEF850FD7}" type="presParOf" srcId="{5439EA84-F1A8-4E15-B056-36FB953C1ED1}" destId="{6B66F3B8-3F50-449F-A9ED-0A4528538A29}" srcOrd="1" destOrd="0" presId="urn:microsoft.com/office/officeart/2005/8/layout/vList5"/>
-    <dgm:cxn modelId="{5AA7B38E-C61B-482F-BB54-4CCE197AB6ED}" type="presParOf" srcId="{B0C93FC2-E9BC-4DCA-9E0E-F6EC7D4E188D}" destId="{47D87634-019C-4D26-BA93-4E6E9564936F}" srcOrd="1" destOrd="0" presId="urn:microsoft.com/office/officeart/2005/8/layout/vList5"/>
-    <dgm:cxn modelId="{1446585E-8691-4201-BC8C-8616B5DC7356}" type="presParOf" srcId="{B0C93FC2-E9BC-4DCA-9E0E-F6EC7D4E188D}" destId="{FDFF0496-7520-4B90-971A-240A76A3D427}" srcOrd="2" destOrd="0" presId="urn:microsoft.com/office/officeart/2005/8/layout/vList5"/>
-    <dgm:cxn modelId="{39DE088F-AB79-421F-9479-30F14A4DB31C}" type="presParOf" srcId="{FDFF0496-7520-4B90-971A-240A76A3D427}" destId="{6359AC6B-F447-453F-BA77-6A72A16943CD}" srcOrd="0" destOrd="0" presId="urn:microsoft.com/office/officeart/2005/8/layout/vList5"/>
-    <dgm:cxn modelId="{59C63BF2-11A3-42D1-852F-6091F6143609}" type="presParOf" srcId="{FDFF0496-7520-4B90-971A-240A76A3D427}" destId="{F1F6B744-2AC4-4ECE-8B41-3E8EC7938F27}" srcOrd="1" destOrd="0" presId="urn:microsoft.com/office/officeart/2005/8/layout/vList5"/>
-    <dgm:cxn modelId="{7721EEC6-1569-481A-973C-298AA35FF2CB}" type="presParOf" srcId="{B0C93FC2-E9BC-4DCA-9E0E-F6EC7D4E188D}" destId="{D0FBB9B0-8BD4-42E9-88AB-640ED5A23260}" srcOrd="3" destOrd="0" presId="urn:microsoft.com/office/officeart/2005/8/layout/vList5"/>
-    <dgm:cxn modelId="{BE4B8E89-8B57-4884-A20D-2ADD1B117D84}" type="presParOf" srcId="{B0C93FC2-E9BC-4DCA-9E0E-F6EC7D4E188D}" destId="{5F1A5FF0-1352-400F-B9C4-136783FAD568}" srcOrd="4" destOrd="0" presId="urn:microsoft.com/office/officeart/2005/8/layout/vList5"/>
-    <dgm:cxn modelId="{7695E19F-85D2-42B6-A4E0-9338CFF6D0F7}" type="presParOf" srcId="{5F1A5FF0-1352-400F-B9C4-136783FAD568}" destId="{CF0ED83B-A46B-4B44-9C69-22DECEFDEE5C}" srcOrd="0" destOrd="0" presId="urn:microsoft.com/office/officeart/2005/8/layout/vList5"/>
-    <dgm:cxn modelId="{BA91E933-22B1-4B6C-94F0-92C135334A4A}" type="presParOf" srcId="{5F1A5FF0-1352-400F-B9C4-136783FAD568}" destId="{310B62E1-A6E3-4BA5-A387-A18CEE005F73}" srcOrd="1" destOrd="0" presId="urn:microsoft.com/office/officeart/2005/8/layout/vList5"/>
+    <dgm:cxn modelId="{7411E9B9-A7B7-44E4-9CB7-5B28DB2AD12E}" type="presParOf" srcId="{B0C93FC2-E9BC-4DCA-9E0E-F6EC7D4E188D}" destId="{5439EA84-F1A8-4E15-B056-36FB953C1ED1}" srcOrd="0" destOrd="0" presId="urn:microsoft.com/office/officeart/2005/8/layout/vList5"/>
+    <dgm:cxn modelId="{A75F3DF5-F691-4FA1-9B1D-B1F135CFC061}" type="presParOf" srcId="{5439EA84-F1A8-4E15-B056-36FB953C1ED1}" destId="{6552CB70-428D-477D-9F79-F53F633EE051}" srcOrd="0" destOrd="0" presId="urn:microsoft.com/office/officeart/2005/8/layout/vList5"/>
+    <dgm:cxn modelId="{EE339C24-F21D-442B-A3B4-96898E326E1E}" type="presParOf" srcId="{5439EA84-F1A8-4E15-B056-36FB953C1ED1}" destId="{6B66F3B8-3F50-449F-A9ED-0A4528538A29}" srcOrd="1" destOrd="0" presId="urn:microsoft.com/office/officeart/2005/8/layout/vList5"/>
+    <dgm:cxn modelId="{A9061353-AF68-4340-980C-88630FCD5854}" type="presParOf" srcId="{B0C93FC2-E9BC-4DCA-9E0E-F6EC7D4E188D}" destId="{47D87634-019C-4D26-BA93-4E6E9564936F}" srcOrd="1" destOrd="0" presId="urn:microsoft.com/office/officeart/2005/8/layout/vList5"/>
+    <dgm:cxn modelId="{D198CA12-87C7-442E-AA2D-2591366B7303}" type="presParOf" srcId="{B0C93FC2-E9BC-4DCA-9E0E-F6EC7D4E188D}" destId="{FDFF0496-7520-4B90-971A-240A76A3D427}" srcOrd="2" destOrd="0" presId="urn:microsoft.com/office/officeart/2005/8/layout/vList5"/>
+    <dgm:cxn modelId="{18DE7DA0-6B03-493F-8E21-9CE5EB5A98AB}" type="presParOf" srcId="{FDFF0496-7520-4B90-971A-240A76A3D427}" destId="{6359AC6B-F447-453F-BA77-6A72A16943CD}" srcOrd="0" destOrd="0" presId="urn:microsoft.com/office/officeart/2005/8/layout/vList5"/>
+    <dgm:cxn modelId="{E0676189-7E3D-4209-B48A-8CDAD51CF7FF}" type="presParOf" srcId="{FDFF0496-7520-4B90-971A-240A76A3D427}" destId="{F1F6B744-2AC4-4ECE-8B41-3E8EC7938F27}" srcOrd="1" destOrd="0" presId="urn:microsoft.com/office/officeart/2005/8/layout/vList5"/>
+    <dgm:cxn modelId="{693E6EEE-FCA2-445C-8C23-7C7878C57163}" type="presParOf" srcId="{B0C93FC2-E9BC-4DCA-9E0E-F6EC7D4E188D}" destId="{D0FBB9B0-8BD4-42E9-88AB-640ED5A23260}" srcOrd="3" destOrd="0" presId="urn:microsoft.com/office/officeart/2005/8/layout/vList5"/>
+    <dgm:cxn modelId="{6C5CCF2E-79A0-40D8-A391-DEFFF9A72A4A}" type="presParOf" srcId="{B0C93FC2-E9BC-4DCA-9E0E-F6EC7D4E188D}" destId="{5F1A5FF0-1352-400F-B9C4-136783FAD568}" srcOrd="4" destOrd="0" presId="urn:microsoft.com/office/officeart/2005/8/layout/vList5"/>
+    <dgm:cxn modelId="{3B1F8578-FBD3-4CE2-B02F-4F651A15B228}" type="presParOf" srcId="{5F1A5FF0-1352-400F-B9C4-136783FAD568}" destId="{CF0ED83B-A46B-4B44-9C69-22DECEFDEE5C}" srcOrd="0" destOrd="0" presId="urn:microsoft.com/office/officeart/2005/8/layout/vList5"/>
+    <dgm:cxn modelId="{D08AA11D-A710-4929-B996-B221BC309E57}" type="presParOf" srcId="{5F1A5FF0-1352-400F-B9C4-136783FAD568}" destId="{310B62E1-A6E3-4BA5-A387-A18CEE005F73}" srcOrd="1" destOrd="0" presId="urn:microsoft.com/office/officeart/2005/8/layout/vList5"/>
   </dgm:cxnLst>
   <dgm:bg/>
   <dgm:whole/>
   <dgm:extLst>
     <a:ext uri="http://schemas.microsoft.com/office/drawing/2008/diagram">
       <dsp:dataModelExt xmlns:dsp="http://schemas.microsoft.com/office/drawing/2008/diagram" relId="rId6" minVer="http://schemas.openxmlformats.org/drawingml/2006/diagram"/>
+    </a:ext>
+  </dgm:extLst>
+</dgm:dataModel>
+</file>
+
+<file path=ppt/diagrams/data2.xml><?xml version="1.0" encoding="utf-8"?>
+<dgm:dataModel xmlns:dgm="http://schemas.openxmlformats.org/drawingml/2006/diagram" xmlns:a="http://schemas.openxmlformats.org/drawingml/2006/main">
+  <dgm:ptLst>
+    <dgm:pt modelId="{875CA086-A607-4AD0-AA11-F0F85C6663EA}" type="doc">
+      <dgm:prSet loTypeId="urn:microsoft.com/office/officeart/2005/8/layout/hProcess3" loCatId="process" qsTypeId="urn:microsoft.com/office/officeart/2005/8/quickstyle/simple1" qsCatId="simple" csTypeId="urn:microsoft.com/office/officeart/2005/8/colors/accent1_2" csCatId="accent1" phldr="1"/>
+      <dgm:spPr/>
+    </dgm:pt>
+    <dgm:pt modelId="{55C4517F-3B9A-421F-A61D-0A865021721C}">
+      <dgm:prSet phldrT="[Text]"/>
+      <dgm:spPr/>
+      <dgm:t>
+        <a:bodyPr/>
+        <a:lstStyle/>
+        <a:p>
+          <a:r>
+            <a:rPr lang="en-US" dirty="0" smtClean="0"/>
+            <a:t>Formula for Naïve Bayes </a:t>
+          </a:r>
+          <a:endParaRPr lang="en-US" dirty="0"/>
+        </a:p>
+      </dgm:t>
+    </dgm:pt>
+    <dgm:pt modelId="{0B32B723-DEC5-4C93-BB7B-64C29BB40AF1}" type="parTrans" cxnId="{FDB48FD8-121E-43A0-B381-1CF2E2E0A3E7}">
+      <dgm:prSet/>
+      <dgm:spPr/>
+      <dgm:t>
+        <a:bodyPr/>
+        <a:lstStyle/>
+        <a:p>
+          <a:endParaRPr lang="en-US"/>
+        </a:p>
+      </dgm:t>
+    </dgm:pt>
+    <dgm:pt modelId="{9DB68E88-29A5-4817-89B3-DF41236B138C}" type="sibTrans" cxnId="{FDB48FD8-121E-43A0-B381-1CF2E2E0A3E7}">
+      <dgm:prSet/>
+      <dgm:spPr/>
+      <dgm:t>
+        <a:bodyPr/>
+        <a:lstStyle/>
+        <a:p>
+          <a:endParaRPr lang="en-US"/>
+        </a:p>
+      </dgm:t>
+    </dgm:pt>
+    <dgm:pt modelId="{BFA80150-1797-4D03-A50E-4C44E733B5BD}" type="pres">
+      <dgm:prSet presAssocID="{875CA086-A607-4AD0-AA11-F0F85C6663EA}" presName="Name0" presStyleCnt="0">
+        <dgm:presLayoutVars>
+          <dgm:dir/>
+          <dgm:animLvl val="lvl"/>
+          <dgm:resizeHandles val="exact"/>
+        </dgm:presLayoutVars>
+      </dgm:prSet>
+      <dgm:spPr/>
+    </dgm:pt>
+    <dgm:pt modelId="{E01D59AF-AE43-4079-B0BB-57FBD5FB7327}" type="pres">
+      <dgm:prSet presAssocID="{875CA086-A607-4AD0-AA11-F0F85C6663EA}" presName="dummy" presStyleCnt="0"/>
+      <dgm:spPr/>
+    </dgm:pt>
+    <dgm:pt modelId="{BAD99425-29E8-4490-8353-8AD706762648}" type="pres">
+      <dgm:prSet presAssocID="{875CA086-A607-4AD0-AA11-F0F85C6663EA}" presName="linH" presStyleCnt="0"/>
+      <dgm:spPr/>
+    </dgm:pt>
+    <dgm:pt modelId="{A676C3E5-09E6-4584-B455-379A3D28BEA6}" type="pres">
+      <dgm:prSet presAssocID="{875CA086-A607-4AD0-AA11-F0F85C6663EA}" presName="padding1" presStyleCnt="0"/>
+      <dgm:spPr/>
+    </dgm:pt>
+    <dgm:pt modelId="{3CE64778-9DCA-4B90-8CBD-D424D76491CF}" type="pres">
+      <dgm:prSet presAssocID="{55C4517F-3B9A-421F-A61D-0A865021721C}" presName="linV" presStyleCnt="0"/>
+      <dgm:spPr/>
+    </dgm:pt>
+    <dgm:pt modelId="{40ADBC2C-A755-4C39-95E7-9E4F935427BD}" type="pres">
+      <dgm:prSet presAssocID="{55C4517F-3B9A-421F-A61D-0A865021721C}" presName="spVertical1" presStyleCnt="0"/>
+      <dgm:spPr/>
+    </dgm:pt>
+    <dgm:pt modelId="{37F18A34-0174-4FEF-AFBA-9429550C7FE0}" type="pres">
+      <dgm:prSet presAssocID="{55C4517F-3B9A-421F-A61D-0A865021721C}" presName="parTx" presStyleLbl="revTx" presStyleIdx="0" presStyleCnt="1" custLinFactNeighborX="-6508">
+        <dgm:presLayoutVars>
+          <dgm:chMax val="0"/>
+          <dgm:chPref val="0"/>
+          <dgm:bulletEnabled val="1"/>
+        </dgm:presLayoutVars>
+      </dgm:prSet>
+      <dgm:spPr/>
+      <dgm:t>
+        <a:bodyPr/>
+        <a:lstStyle/>
+        <a:p>
+          <a:endParaRPr lang="en-US"/>
+        </a:p>
+      </dgm:t>
+    </dgm:pt>
+    <dgm:pt modelId="{73105C41-488C-46C3-B276-DC342EA4D3EC}" type="pres">
+      <dgm:prSet presAssocID="{55C4517F-3B9A-421F-A61D-0A865021721C}" presName="spVertical2" presStyleCnt="0"/>
+      <dgm:spPr/>
+    </dgm:pt>
+    <dgm:pt modelId="{F7EE76E5-A4F2-417C-89F2-D68F1A33DE01}" type="pres">
+      <dgm:prSet presAssocID="{55C4517F-3B9A-421F-A61D-0A865021721C}" presName="spVertical3" presStyleCnt="0"/>
+      <dgm:spPr/>
+    </dgm:pt>
+    <dgm:pt modelId="{A5253F83-8CD0-469F-B20C-3C0E6E5220A6}" type="pres">
+      <dgm:prSet presAssocID="{875CA086-A607-4AD0-AA11-F0F85C6663EA}" presName="padding2" presStyleCnt="0"/>
+      <dgm:spPr/>
+    </dgm:pt>
+    <dgm:pt modelId="{9A97A499-67DC-4905-AF7E-0E5BF73F620B}" type="pres">
+      <dgm:prSet presAssocID="{875CA086-A607-4AD0-AA11-F0F85C6663EA}" presName="negArrow" presStyleCnt="0"/>
+      <dgm:spPr/>
+    </dgm:pt>
+    <dgm:pt modelId="{1D35B111-4FEB-4E6A-AB01-10651C0DF676}" type="pres">
+      <dgm:prSet presAssocID="{875CA086-A607-4AD0-AA11-F0F85C6663EA}" presName="backgroundArrow" presStyleLbl="node1" presStyleIdx="0" presStyleCnt="1" custLinFactNeighborX="-8190" custLinFactNeighborY="40"/>
+      <dgm:spPr/>
+    </dgm:pt>
+  </dgm:ptLst>
+  <dgm:cxnLst>
+    <dgm:cxn modelId="{FDB48FD8-121E-43A0-B381-1CF2E2E0A3E7}" srcId="{875CA086-A607-4AD0-AA11-F0F85C6663EA}" destId="{55C4517F-3B9A-421F-A61D-0A865021721C}" srcOrd="0" destOrd="0" parTransId="{0B32B723-DEC5-4C93-BB7B-64C29BB40AF1}" sibTransId="{9DB68E88-29A5-4817-89B3-DF41236B138C}"/>
+    <dgm:cxn modelId="{952BCAF6-019F-4577-BCD7-642F55F47C40}" type="presOf" srcId="{55C4517F-3B9A-421F-A61D-0A865021721C}" destId="{37F18A34-0174-4FEF-AFBA-9429550C7FE0}" srcOrd="0" destOrd="0" presId="urn:microsoft.com/office/officeart/2005/8/layout/hProcess3"/>
+    <dgm:cxn modelId="{4C436720-750E-467B-9C61-813E34949D51}" type="presOf" srcId="{875CA086-A607-4AD0-AA11-F0F85C6663EA}" destId="{BFA80150-1797-4D03-A50E-4C44E733B5BD}" srcOrd="0" destOrd="0" presId="urn:microsoft.com/office/officeart/2005/8/layout/hProcess3"/>
+    <dgm:cxn modelId="{659A801D-572B-430B-B0AF-11BD4FA9DAED}" type="presParOf" srcId="{BFA80150-1797-4D03-A50E-4C44E733B5BD}" destId="{E01D59AF-AE43-4079-B0BB-57FBD5FB7327}" srcOrd="0" destOrd="0" presId="urn:microsoft.com/office/officeart/2005/8/layout/hProcess3"/>
+    <dgm:cxn modelId="{8187A365-F0CB-4D8A-B122-2B5690D7A3A7}" type="presParOf" srcId="{BFA80150-1797-4D03-A50E-4C44E733B5BD}" destId="{BAD99425-29E8-4490-8353-8AD706762648}" srcOrd="1" destOrd="0" presId="urn:microsoft.com/office/officeart/2005/8/layout/hProcess3"/>
+    <dgm:cxn modelId="{174DF6B4-1B08-4105-8043-6CB1B06E256B}" type="presParOf" srcId="{BAD99425-29E8-4490-8353-8AD706762648}" destId="{A676C3E5-09E6-4584-B455-379A3D28BEA6}" srcOrd="0" destOrd="0" presId="urn:microsoft.com/office/officeart/2005/8/layout/hProcess3"/>
+    <dgm:cxn modelId="{5AFA0266-6900-46C3-8F09-98D2686EFB29}" type="presParOf" srcId="{BAD99425-29E8-4490-8353-8AD706762648}" destId="{3CE64778-9DCA-4B90-8CBD-D424D76491CF}" srcOrd="1" destOrd="0" presId="urn:microsoft.com/office/officeart/2005/8/layout/hProcess3"/>
+    <dgm:cxn modelId="{16D0DEAD-A5DE-4B96-AB09-99372659E93F}" type="presParOf" srcId="{3CE64778-9DCA-4B90-8CBD-D424D76491CF}" destId="{40ADBC2C-A755-4C39-95E7-9E4F935427BD}" srcOrd="0" destOrd="0" presId="urn:microsoft.com/office/officeart/2005/8/layout/hProcess3"/>
+    <dgm:cxn modelId="{74DDD853-E089-45D7-B66F-80E7FB8C0726}" type="presParOf" srcId="{3CE64778-9DCA-4B90-8CBD-D424D76491CF}" destId="{37F18A34-0174-4FEF-AFBA-9429550C7FE0}" srcOrd="1" destOrd="0" presId="urn:microsoft.com/office/officeart/2005/8/layout/hProcess3"/>
+    <dgm:cxn modelId="{FE69F0E1-8930-4B1B-8487-0CA267559B8B}" type="presParOf" srcId="{3CE64778-9DCA-4B90-8CBD-D424D76491CF}" destId="{73105C41-488C-46C3-B276-DC342EA4D3EC}" srcOrd="2" destOrd="0" presId="urn:microsoft.com/office/officeart/2005/8/layout/hProcess3"/>
+    <dgm:cxn modelId="{EA9D38E3-4BC4-4001-B494-FCF073EE83F2}" type="presParOf" srcId="{3CE64778-9DCA-4B90-8CBD-D424D76491CF}" destId="{F7EE76E5-A4F2-417C-89F2-D68F1A33DE01}" srcOrd="3" destOrd="0" presId="urn:microsoft.com/office/officeart/2005/8/layout/hProcess3"/>
+    <dgm:cxn modelId="{63B2F965-1779-4203-8CBE-94679276E075}" type="presParOf" srcId="{BAD99425-29E8-4490-8353-8AD706762648}" destId="{A5253F83-8CD0-469F-B20C-3C0E6E5220A6}" srcOrd="2" destOrd="0" presId="urn:microsoft.com/office/officeart/2005/8/layout/hProcess3"/>
+    <dgm:cxn modelId="{A649842B-EBDC-44BB-8E7F-3B911130D380}" type="presParOf" srcId="{BAD99425-29E8-4490-8353-8AD706762648}" destId="{9A97A499-67DC-4905-AF7E-0E5BF73F620B}" srcOrd="3" destOrd="0" presId="urn:microsoft.com/office/officeart/2005/8/layout/hProcess3"/>
+    <dgm:cxn modelId="{4C30332C-E31D-4596-A8BE-3B63841FF935}" type="presParOf" srcId="{BAD99425-29E8-4490-8353-8AD706762648}" destId="{1D35B111-4FEB-4E6A-AB01-10651C0DF676}" srcOrd="4" destOrd="0" presId="urn:microsoft.com/office/officeart/2005/8/layout/hProcess3"/>
+  </dgm:cxnLst>
+  <dgm:bg/>
+  <dgm:whole/>
+  <dgm:extLst>
+    <a:ext uri="http://schemas.microsoft.com/office/drawing/2008/diagram">
+      <dsp:dataModelExt xmlns:dsp="http://schemas.microsoft.com/office/drawing/2008/diagram" relId="rId8" minVer="http://schemas.openxmlformats.org/drawingml/2006/diagram"/>
     </a:ext>
   </dgm:extLst>
 </dgm:dataModel>
@@ -1342,8 +2367,8 @@
       </dsp:nvSpPr>
       <dsp:spPr>
         <a:xfrm rot="5400000">
-          <a:off x="5554163" y="-2725726"/>
-          <a:ext cx="559072" cy="6152412"/>
+          <a:off x="6742452" y="-3160121"/>
+          <a:ext cx="1088231" cy="7684654"/>
         </a:xfrm>
         <a:prstGeom prst="round2SameRect">
           <a:avLst/>
@@ -1386,12 +2411,12 @@
         <a:fontRef idx="minor"/>
       </dsp:style>
       <dsp:txBody>
-        <a:bodyPr spcFirstLastPara="0" vert="horz" wrap="square" lIns="57150" tIns="28575" rIns="57150" bIns="28575" numCol="1" spcCol="1270" anchor="ctr" anchorCtr="0">
+        <a:bodyPr spcFirstLastPara="0" vert="horz" wrap="square" lIns="53340" tIns="26670" rIns="53340" bIns="26670" numCol="1" spcCol="1270" anchor="ctr" anchorCtr="0">
           <a:noAutofit/>
         </a:bodyPr>
         <a:lstStyle/>
         <a:p>
-          <a:pPr marL="114300" lvl="1" indent="-114300" algn="l" defTabSz="666750">
+          <a:pPr marL="114300" lvl="1" indent="-114300" algn="l" defTabSz="622300">
             <a:lnSpc>
               <a:spcPct val="90000"/>
             </a:lnSpc>
@@ -1403,10 +2428,30 @@
             </a:spcAft>
             <a:buChar char="••"/>
           </a:pPr>
-          <a:endParaRPr lang="en-US" sz="1500" kern="1200"/>
+          <a:r>
+            <a:rPr lang="en-US" sz="1400" kern="1200" dirty="0" smtClean="0"/>
+            <a:t>Extracted </a:t>
+          </a:r>
+          <a:r>
+            <a:rPr lang="en-US" sz="1400" kern="1200" dirty="0" err="1" smtClean="0"/>
+            <a:t>business_id</a:t>
+          </a:r>
+          <a:r>
+            <a:rPr lang="en-US" sz="1400" kern="1200" dirty="0" smtClean="0"/>
+            <a:t> where the categories = “food” from a JSON file named </a:t>
+          </a:r>
+          <a:r>
+            <a:rPr lang="en-US" sz="1400" kern="1200" dirty="0" err="1" smtClean="0"/>
+            <a:t>yelp_academic_dataset_business.json</a:t>
+          </a:r>
+          <a:r>
+            <a:rPr lang="en-US" sz="1400" kern="1200" dirty="0" smtClean="0"/>
+            <a:t> (65 MB) and wrote them to a CSV. </a:t>
+          </a:r>
+          <a:endParaRPr lang="en-US" sz="1400" kern="1200" dirty="0"/>
         </a:p>
         <a:p>
-          <a:pPr marL="114300" lvl="1" indent="-114300" algn="l" defTabSz="666750">
+          <a:pPr marL="114300" lvl="1" indent="-114300" algn="l" defTabSz="622300">
             <a:lnSpc>
               <a:spcPct val="90000"/>
             </a:lnSpc>
@@ -1418,12 +2463,32 @@
             </a:spcAft>
             <a:buChar char="••"/>
           </a:pPr>
-          <a:endParaRPr lang="en-US" sz="1500" kern="1200"/>
+          <a:r>
+            <a:rPr lang="en-US" sz="1400" kern="1200" dirty="0" smtClean="0"/>
+            <a:t>Extracted the user reviews (“text”) and “stars” from </a:t>
+          </a:r>
+          <a:r>
+            <a:rPr lang="en-US" sz="1400" kern="1200" dirty="0" err="1" smtClean="0"/>
+            <a:t>yelp_academic_dataset_review.json</a:t>
+          </a:r>
+          <a:r>
+            <a:rPr lang="en-US" sz="1400" kern="1200" dirty="0" smtClean="0"/>
+            <a:t> (1.80GB) using the </a:t>
+          </a:r>
+          <a:r>
+            <a:rPr lang="en-US" sz="1400" kern="1200" dirty="0" err="1" smtClean="0"/>
+            <a:t>business_id</a:t>
+          </a:r>
+          <a:r>
+            <a:rPr lang="en-US" sz="1400" kern="1200" dirty="0" smtClean="0"/>
+            <a:t> extracted from the previous problem.</a:t>
+          </a:r>
+          <a:endParaRPr lang="en-US" sz="1400" kern="1200" dirty="0"/>
         </a:p>
       </dsp:txBody>
       <dsp:txXfrm rot="-5400000">
-        <a:off x="2757493" y="98236"/>
-        <a:ext cx="6125120" cy="504488"/>
+        <a:off x="3444241" y="191213"/>
+        <a:ext cx="7631531" cy="981985"/>
       </dsp:txXfrm>
     </dsp:sp>
     <dsp:sp modelId="{6552CB70-428D-477D-9F79-F53F633EE051}">
@@ -1433,8 +2498,8 @@
       </dsp:nvSpPr>
       <dsp:spPr>
         <a:xfrm>
-          <a:off x="703238" y="1058"/>
-          <a:ext cx="2054255" cy="698841"/>
+          <a:off x="878377" y="2061"/>
+          <a:ext cx="2565862" cy="1360289"/>
         </a:xfrm>
         <a:prstGeom prst="roundRect">
           <a:avLst/>
@@ -1475,12 +2540,12 @@
         </a:fontRef>
       </dsp:style>
       <dsp:txBody>
-        <a:bodyPr spcFirstLastPara="0" vert="horz" wrap="square" lIns="76200" tIns="38100" rIns="76200" bIns="38100" numCol="1" spcCol="1270" anchor="ctr" anchorCtr="0">
+        <a:bodyPr spcFirstLastPara="0" vert="horz" wrap="square" lIns="118110" tIns="59055" rIns="118110" bIns="59055" numCol="1" spcCol="1270" anchor="ctr" anchorCtr="0">
           <a:noAutofit/>
         </a:bodyPr>
         <a:lstStyle/>
         <a:p>
-          <a:pPr lvl="0" algn="ctr" defTabSz="889000">
+          <a:pPr lvl="0" algn="ctr" defTabSz="1377950">
             <a:lnSpc>
               <a:spcPct val="90000"/>
             </a:lnSpc>
@@ -1492,15 +2557,15 @@
             </a:spcAft>
           </a:pPr>
           <a:r>
-            <a:rPr lang="en-US" sz="2000" kern="1200" dirty="0" smtClean="0"/>
+            <a:rPr lang="en-US" sz="3100" kern="1200" dirty="0" smtClean="0"/>
             <a:t>Sub Problem One</a:t>
           </a:r>
-          <a:endParaRPr lang="en-US" sz="2000" kern="1200" dirty="0"/>
+          <a:endParaRPr lang="en-US" sz="3100" kern="1200" dirty="0"/>
         </a:p>
       </dsp:txBody>
       <dsp:txXfrm>
-        <a:off x="737353" y="35173"/>
-        <a:ext cx="1986025" cy="630611"/>
+        <a:off x="944781" y="68465"/>
+        <a:ext cx="2433054" cy="1227481"/>
       </dsp:txXfrm>
     </dsp:sp>
     <dsp:sp modelId="{F1F6B744-2AC4-4ECE-8B41-3E8EC7938F27}">
@@ -1510,8 +2575,8 @@
       </dsp:nvSpPr>
       <dsp:spPr>
         <a:xfrm rot="5400000">
-          <a:off x="5554163" y="-1991943"/>
-          <a:ext cx="559072" cy="6152412"/>
+          <a:off x="6742452" y="-1731818"/>
+          <a:ext cx="1088231" cy="7684654"/>
         </a:xfrm>
         <a:prstGeom prst="round2SameRect">
           <a:avLst/>
@@ -1554,12 +2619,12 @@
         <a:fontRef idx="minor"/>
       </dsp:style>
       <dsp:txBody>
-        <a:bodyPr spcFirstLastPara="0" vert="horz" wrap="square" lIns="57150" tIns="28575" rIns="57150" bIns="28575" numCol="1" spcCol="1270" anchor="ctr" anchorCtr="0">
+        <a:bodyPr spcFirstLastPara="0" vert="horz" wrap="square" lIns="53340" tIns="26670" rIns="53340" bIns="26670" numCol="1" spcCol="1270" anchor="ctr" anchorCtr="0">
           <a:noAutofit/>
         </a:bodyPr>
         <a:lstStyle/>
         <a:p>
-          <a:pPr marL="114300" lvl="1" indent="-114300" algn="l" defTabSz="666750">
+          <a:pPr marL="114300" lvl="1" indent="-114300" algn="l" defTabSz="622300">
             <a:lnSpc>
               <a:spcPct val="90000"/>
             </a:lnSpc>
@@ -1571,10 +2636,30 @@
             </a:spcAft>
             <a:buChar char="••"/>
           </a:pPr>
-          <a:endParaRPr lang="en-US" sz="1500" kern="1200"/>
+          <a:r>
+            <a:rPr lang="en-US" sz="1400" kern="1200" dirty="0" smtClean="0"/>
+            <a:t>Removed </a:t>
+          </a:r>
+          <a:r>
+            <a:rPr lang="en-US" sz="1400" kern="1200" dirty="0" err="1" smtClean="0"/>
+            <a:t>stopwords</a:t>
+          </a:r>
+          <a:r>
+            <a:rPr lang="en-US" sz="1400" kern="1200" dirty="0" smtClean="0"/>
+            <a:t> using the </a:t>
+          </a:r>
+          <a:r>
+            <a:rPr lang="en-US" sz="1400" kern="1200" dirty="0" err="1" smtClean="0"/>
+            <a:t>nltk</a:t>
+          </a:r>
+          <a:r>
+            <a:rPr lang="en-US" sz="1400" kern="1200" dirty="0" smtClean="0"/>
+            <a:t> package from the user reviews.</a:t>
+          </a:r>
+          <a:endParaRPr lang="en-US" sz="1400" kern="1200" dirty="0"/>
         </a:p>
         <a:p>
-          <a:pPr marL="114300" lvl="1" indent="-114300" algn="l" defTabSz="666750">
+          <a:pPr marL="114300" lvl="1" indent="-114300" algn="l" defTabSz="622300">
             <a:lnSpc>
               <a:spcPct val="90000"/>
             </a:lnSpc>
@@ -1586,12 +2671,40 @@
             </a:spcAft>
             <a:buChar char="••"/>
           </a:pPr>
-          <a:endParaRPr lang="en-US" sz="1500" kern="1200"/>
+          <a:r>
+            <a:rPr lang="en-US" sz="1400" kern="1200" dirty="0" smtClean="0"/>
+            <a:t>Applied Naïve Bayes and VADER using </a:t>
+          </a:r>
+          <a:r>
+            <a:rPr lang="en-US" sz="1400" kern="1200" dirty="0" err="1" smtClean="0"/>
+            <a:t>nltk</a:t>
+          </a:r>
+          <a:r>
+            <a:rPr lang="en-US" sz="1400" kern="1200" dirty="0" smtClean="0"/>
+            <a:t>, dividing the words </a:t>
+          </a:r>
+          <a:r>
+            <a:rPr lang="en-US" sz="1400" kern="1200" dirty="0" smtClean="0"/>
+            <a:t>into </a:t>
+          </a:r>
+          <a:r>
+            <a:rPr lang="en-US" sz="1400" kern="1200" dirty="0" smtClean="0"/>
+            <a:t>positive and negative reviews </a:t>
+          </a:r>
+          <a:r>
+            <a:rPr lang="en-US" sz="1400" kern="1200" dirty="0" smtClean="0"/>
+            <a:t>based </a:t>
+          </a:r>
+          <a:r>
+            <a:rPr lang="en-US" sz="1400" kern="1200" dirty="0" smtClean="0"/>
+            <a:t>on “stars”.</a:t>
+          </a:r>
+          <a:endParaRPr lang="en-US" sz="1400" kern="1200" dirty="0"/>
         </a:p>
       </dsp:txBody>
       <dsp:txXfrm rot="-5400000">
-        <a:off x="2757493" y="832019"/>
-        <a:ext cx="6125120" cy="504488"/>
+        <a:off x="3444241" y="1619516"/>
+        <a:ext cx="7631531" cy="981985"/>
       </dsp:txXfrm>
     </dsp:sp>
     <dsp:sp modelId="{6359AC6B-F447-453F-BA77-6A72A16943CD}">
@@ -1601,8 +2714,8 @@
       </dsp:nvSpPr>
       <dsp:spPr>
         <a:xfrm>
-          <a:off x="703238" y="734841"/>
-          <a:ext cx="2054255" cy="698841"/>
+          <a:off x="878377" y="1430364"/>
+          <a:ext cx="2565862" cy="1360289"/>
         </a:xfrm>
         <a:prstGeom prst="roundRect">
           <a:avLst/>
@@ -1643,12 +2756,12 @@
         </a:fontRef>
       </dsp:style>
       <dsp:txBody>
-        <a:bodyPr spcFirstLastPara="0" vert="horz" wrap="square" lIns="76200" tIns="38100" rIns="76200" bIns="38100" numCol="1" spcCol="1270" anchor="ctr" anchorCtr="0">
+        <a:bodyPr spcFirstLastPara="0" vert="horz" wrap="square" lIns="118110" tIns="59055" rIns="118110" bIns="59055" numCol="1" spcCol="1270" anchor="ctr" anchorCtr="0">
           <a:noAutofit/>
         </a:bodyPr>
         <a:lstStyle/>
         <a:p>
-          <a:pPr lvl="0" algn="ctr" defTabSz="889000">
+          <a:pPr lvl="0" algn="ctr" defTabSz="1377950">
             <a:lnSpc>
               <a:spcPct val="90000"/>
             </a:lnSpc>
@@ -1660,15 +2773,15 @@
             </a:spcAft>
           </a:pPr>
           <a:r>
-            <a:rPr lang="en-US" sz="2000" kern="1200" dirty="0" smtClean="0"/>
+            <a:rPr lang="en-US" sz="3100" kern="1200" dirty="0" smtClean="0"/>
             <a:t>Sub Problem Two</a:t>
           </a:r>
-          <a:endParaRPr lang="en-US" sz="2000" kern="1200" dirty="0"/>
+          <a:endParaRPr lang="en-US" sz="3100" kern="1200" dirty="0"/>
         </a:p>
       </dsp:txBody>
       <dsp:txXfrm>
-        <a:off x="737353" y="768956"/>
-        <a:ext cx="1986025" cy="630611"/>
+        <a:off x="944781" y="1496768"/>
+        <a:ext cx="2433054" cy="1227481"/>
       </dsp:txXfrm>
     </dsp:sp>
     <dsp:sp modelId="{310B62E1-A6E3-4BA5-A387-A18CEE005F73}">
@@ -1678,8 +2791,8 @@
       </dsp:nvSpPr>
       <dsp:spPr>
         <a:xfrm rot="5400000">
-          <a:off x="5554163" y="-1258160"/>
-          <a:ext cx="559072" cy="6152412"/>
+          <a:off x="6733201" y="-303514"/>
+          <a:ext cx="1088231" cy="7684654"/>
         </a:xfrm>
         <a:prstGeom prst="round2SameRect">
           <a:avLst/>
@@ -1722,12 +2835,12 @@
         <a:fontRef idx="minor"/>
       </dsp:style>
       <dsp:txBody>
-        <a:bodyPr spcFirstLastPara="0" vert="horz" wrap="square" lIns="57150" tIns="28575" rIns="57150" bIns="28575" numCol="1" spcCol="1270" anchor="ctr" anchorCtr="0">
+        <a:bodyPr spcFirstLastPara="0" vert="horz" wrap="square" lIns="53340" tIns="26670" rIns="53340" bIns="26670" numCol="1" spcCol="1270" anchor="ctr" anchorCtr="0">
           <a:noAutofit/>
         </a:bodyPr>
         <a:lstStyle/>
         <a:p>
-          <a:pPr marL="114300" lvl="1" indent="-114300" algn="l" defTabSz="666750">
+          <a:pPr marL="114300" lvl="1" indent="-114300" algn="l" defTabSz="622300">
             <a:lnSpc>
               <a:spcPct val="90000"/>
             </a:lnSpc>
@@ -1739,10 +2852,14 @@
             </a:spcAft>
             <a:buChar char="••"/>
           </a:pPr>
-          <a:endParaRPr lang="en-US" sz="1500" kern="1200"/>
+          <a:r>
+            <a:rPr lang="en-US" sz="1400" kern="1200" dirty="0" smtClean="0"/>
+            <a:t>Compared the results derived from the approached mentioned above. </a:t>
+          </a:r>
+          <a:endParaRPr lang="en-US" sz="1400" kern="1200" dirty="0"/>
         </a:p>
         <a:p>
-          <a:pPr marL="114300" lvl="1" indent="-114300" algn="l" defTabSz="666750">
+          <a:pPr marL="114300" lvl="1" indent="-114300" algn="l" defTabSz="622300">
             <a:lnSpc>
               <a:spcPct val="90000"/>
             </a:lnSpc>
@@ -1754,12 +2871,12 @@
             </a:spcAft>
             <a:buChar char="••"/>
           </a:pPr>
-          <a:endParaRPr lang="en-US" sz="1500" kern="1200"/>
+          <a:endParaRPr lang="en-US" sz="1400" kern="1200" dirty="0"/>
         </a:p>
       </dsp:txBody>
       <dsp:txXfrm rot="-5400000">
-        <a:off x="2757493" y="1565802"/>
-        <a:ext cx="6125120" cy="504488"/>
+        <a:off x="3434990" y="3047820"/>
+        <a:ext cx="7631531" cy="981985"/>
       </dsp:txXfrm>
     </dsp:sp>
     <dsp:sp modelId="{CF0ED83B-A46B-4B44-9C69-22DECEFDEE5C}">
@@ -1769,8 +2886,8 @@
       </dsp:nvSpPr>
       <dsp:spPr>
         <a:xfrm>
-          <a:off x="703238" y="1468625"/>
-          <a:ext cx="2054255" cy="698841"/>
+          <a:off x="878377" y="2858667"/>
+          <a:ext cx="2565862" cy="1360289"/>
         </a:xfrm>
         <a:prstGeom prst="roundRect">
           <a:avLst/>
@@ -1811,7 +2928,128 @@
         </a:fontRef>
       </dsp:style>
       <dsp:txBody>
-        <a:bodyPr spcFirstLastPara="0" vert="horz" wrap="square" lIns="76200" tIns="38100" rIns="76200" bIns="38100" numCol="1" spcCol="1270" anchor="ctr" anchorCtr="0">
+        <a:bodyPr spcFirstLastPara="0" vert="horz" wrap="square" lIns="118110" tIns="59055" rIns="118110" bIns="59055" numCol="1" spcCol="1270" anchor="ctr" anchorCtr="0">
+          <a:noAutofit/>
+        </a:bodyPr>
+        <a:lstStyle/>
+        <a:p>
+          <a:pPr lvl="0" algn="ctr" defTabSz="1377950">
+            <a:lnSpc>
+              <a:spcPct val="90000"/>
+            </a:lnSpc>
+            <a:spcBef>
+              <a:spcPct val="0"/>
+            </a:spcBef>
+            <a:spcAft>
+              <a:spcPct val="35000"/>
+            </a:spcAft>
+          </a:pPr>
+          <a:r>
+            <a:rPr lang="en-US" sz="3100" kern="1200" dirty="0" smtClean="0"/>
+            <a:t>Sub Problem Three</a:t>
+          </a:r>
+          <a:endParaRPr lang="en-US" sz="3100" kern="1200" dirty="0"/>
+        </a:p>
+      </dsp:txBody>
+      <dsp:txXfrm>
+        <a:off x="944781" y="2925071"/>
+        <a:ext cx="2433054" cy="1227481"/>
+      </dsp:txXfrm>
+    </dsp:sp>
+  </dsp:spTree>
+</dsp:drawing>
+</file>
+
+<file path=ppt/diagrams/drawing2.xml><?xml version="1.0" encoding="utf-8"?>
+<dsp:drawing xmlns:dgm="http://schemas.openxmlformats.org/drawingml/2006/diagram" xmlns:dsp="http://schemas.microsoft.com/office/drawing/2008/diagram" xmlns:a="http://schemas.openxmlformats.org/drawingml/2006/main">
+  <dsp:spTree>
+    <dsp:nvGrpSpPr>
+      <dsp:cNvPr id="0" name=""/>
+      <dsp:cNvGrpSpPr/>
+    </dsp:nvGrpSpPr>
+    <dsp:grpSpPr/>
+    <dsp:sp modelId="{1D35B111-4FEB-4E6A-AB01-10651C0DF676}">
+      <dsp:nvSpPr>
+        <dsp:cNvPr id="0" name=""/>
+        <dsp:cNvSpPr/>
+      </dsp:nvSpPr>
+      <dsp:spPr>
+        <a:xfrm>
+          <a:off x="0" y="1153"/>
+          <a:ext cx="4562764" cy="1440000"/>
+        </a:xfrm>
+        <a:prstGeom prst="rightArrow">
+          <a:avLst/>
+        </a:prstGeom>
+        <a:solidFill>
+          <a:schemeClr val="accent1">
+            <a:hueOff val="0"/>
+            <a:satOff val="0"/>
+            <a:lumOff val="0"/>
+            <a:alphaOff val="0"/>
+          </a:schemeClr>
+        </a:solidFill>
+        <a:ln w="12700" cap="flat" cmpd="sng" algn="ctr">
+          <a:solidFill>
+            <a:schemeClr val="lt1">
+              <a:hueOff val="0"/>
+              <a:satOff val="0"/>
+              <a:lumOff val="0"/>
+              <a:alphaOff val="0"/>
+            </a:schemeClr>
+          </a:solidFill>
+          <a:prstDash val="solid"/>
+        </a:ln>
+        <a:effectLst/>
+      </dsp:spPr>
+      <dsp:style>
+        <a:lnRef idx="2">
+          <a:scrgbClr r="0" g="0" b="0"/>
+        </a:lnRef>
+        <a:fillRef idx="1">
+          <a:scrgbClr r="0" g="0" b="0"/>
+        </a:fillRef>
+        <a:effectRef idx="0">
+          <a:scrgbClr r="0" g="0" b="0"/>
+        </a:effectRef>
+        <a:fontRef idx="minor">
+          <a:schemeClr val="lt1"/>
+        </a:fontRef>
+      </dsp:style>
+    </dsp:sp>
+    <dsp:sp modelId="{37F18A34-0174-4FEF-AFBA-9429550C7FE0}">
+      <dsp:nvSpPr>
+        <dsp:cNvPr id="0" name=""/>
+        <dsp:cNvSpPr/>
+      </dsp:nvSpPr>
+      <dsp:spPr>
+        <a:xfrm>
+          <a:off x="116333" y="360577"/>
+          <a:ext cx="3836464" cy="720000"/>
+        </a:xfrm>
+        <a:prstGeom prst="rect">
+          <a:avLst/>
+        </a:prstGeom>
+        <a:noFill/>
+        <a:ln>
+          <a:noFill/>
+        </a:ln>
+        <a:effectLst/>
+      </dsp:spPr>
+      <dsp:style>
+        <a:lnRef idx="0">
+          <a:scrgbClr r="0" g="0" b="0"/>
+        </a:lnRef>
+        <a:fillRef idx="0">
+          <a:scrgbClr r="0" g="0" b="0"/>
+        </a:fillRef>
+        <a:effectRef idx="0">
+          <a:scrgbClr r="0" g="0" b="0"/>
+        </a:effectRef>
+        <a:fontRef idx="minor"/>
+      </dsp:style>
+      <dsp:txBody>
+        <a:bodyPr spcFirstLastPara="0" vert="horz" wrap="square" lIns="0" tIns="203200" rIns="0" bIns="203200" numCol="1" spcCol="1270" anchor="ctr" anchorCtr="0">
           <a:noAutofit/>
         </a:bodyPr>
         <a:lstStyle/>
@@ -1829,14 +3067,14 @@
           </a:pPr>
           <a:r>
             <a:rPr lang="en-US" sz="2000" kern="1200" dirty="0" smtClean="0"/>
-            <a:t>Sub Problem Three</a:t>
+            <a:t>Formula for Naïve Bayes </a:t>
           </a:r>
           <a:endParaRPr lang="en-US" sz="2000" kern="1200" dirty="0"/>
         </a:p>
       </dsp:txBody>
       <dsp:txXfrm>
-        <a:off x="737353" y="1502740"/>
-        <a:ext cx="1986025" cy="630611"/>
+        <a:off x="116333" y="360577"/>
+        <a:ext cx="3836464" cy="720000"/>
       </dsp:txXfrm>
     </dsp:sp>
   </dsp:spTree>
@@ -2076,7 +3314,1356 @@
 </dgm:layoutDef>
 </file>
 
+<file path=ppt/diagrams/layout2.xml><?xml version="1.0" encoding="utf-8"?>
+<dgm:layoutDef xmlns:dgm="http://schemas.openxmlformats.org/drawingml/2006/diagram" xmlns:a="http://schemas.openxmlformats.org/drawingml/2006/main" uniqueId="urn:microsoft.com/office/officeart/2005/8/layout/hProcess3">
+  <dgm:title val=""/>
+  <dgm:desc val=""/>
+  <dgm:catLst>
+    <dgm:cat type="process" pri="6000"/>
+  </dgm:catLst>
+  <dgm:sampData useDef="1">
+    <dgm:dataModel>
+      <dgm:ptLst/>
+      <dgm:bg/>
+      <dgm:whole/>
+    </dgm:dataModel>
+  </dgm:sampData>
+  <dgm:styleData>
+    <dgm:dataModel>
+      <dgm:ptLst>
+        <dgm:pt modelId="0" type="doc"/>
+        <dgm:pt modelId="1"/>
+        <dgm:pt modelId="2"/>
+      </dgm:ptLst>
+      <dgm:cxnLst>
+        <dgm:cxn modelId="3" srcId="0" destId="1" srcOrd="0" destOrd="0"/>
+        <dgm:cxn modelId="4" srcId="0" destId="2" srcOrd="1" destOrd="0"/>
+      </dgm:cxnLst>
+      <dgm:bg/>
+      <dgm:whole/>
+    </dgm:dataModel>
+  </dgm:styleData>
+  <dgm:clrData>
+    <dgm:dataModel>
+      <dgm:ptLst>
+        <dgm:pt modelId="0" type="doc"/>
+        <dgm:pt modelId="1"/>
+        <dgm:pt modelId="2"/>
+        <dgm:pt modelId="3"/>
+        <dgm:pt modelId="4"/>
+      </dgm:ptLst>
+      <dgm:cxnLst>
+        <dgm:cxn modelId="5" srcId="0" destId="1" srcOrd="0" destOrd="0"/>
+        <dgm:cxn modelId="6" srcId="0" destId="2" srcOrd="1" destOrd="0"/>
+        <dgm:cxn modelId="7" srcId="0" destId="3" srcOrd="2" destOrd="0"/>
+        <dgm:cxn modelId="8" srcId="0" destId="4" srcOrd="3" destOrd="0"/>
+      </dgm:cxnLst>
+      <dgm:bg/>
+      <dgm:whole/>
+    </dgm:dataModel>
+  </dgm:clrData>
+  <dgm:layoutNode name="Name0" chOrder="t">
+    <dgm:varLst>
+      <dgm:dir/>
+      <dgm:animLvl val="lvl"/>
+      <dgm:resizeHandles val="exact"/>
+    </dgm:varLst>
+    <dgm:alg type="composite"/>
+    <dgm:shape xmlns:r="http://schemas.openxmlformats.org/officeDocument/2006/relationships" r:blip="">
+      <dgm:adjLst/>
+    </dgm:shape>
+    <dgm:presOf/>
+    <dgm:constrLst>
+      <dgm:constr type="w" for="ch" forName="dummy" refType="w"/>
+      <dgm:constr type="h" for="ch" forName="dummy" refType="h"/>
+      <dgm:constr type="h" for="ch" forName="dummy" refType="w" refFor="ch" refForName="dummy" op="lte" fact="0.4"/>
+      <dgm:constr type="ctrX" for="ch" forName="dummy" refType="w" fact="0.5"/>
+      <dgm:constr type="ctrY" for="ch" forName="dummy" refType="h" fact="0.5"/>
+      <dgm:constr type="w" for="ch" forName="linH" refType="w"/>
+      <dgm:constr type="h" for="ch" forName="linH" refType="h"/>
+      <dgm:constr type="ctrX" for="ch" forName="linH" refType="w" fact="0.5"/>
+      <dgm:constr type="ctrY" for="ch" forName="linH" refType="h" fact="0.5"/>
+      <dgm:constr type="userP" for="ch" forName="linH" refType="h" refFor="ch" refForName="dummy" fact="0.25"/>
+      <dgm:constr type="userT" for="des" forName="parTx" refType="w" refFor="ch" refForName="dummy" fact="0.2"/>
+    </dgm:constrLst>
+    <dgm:ruleLst/>
+    <dgm:layoutNode name="dummy">
+      <dgm:alg type="sp"/>
+      <dgm:shape xmlns:r="http://schemas.openxmlformats.org/officeDocument/2006/relationships" r:blip="">
+        <dgm:adjLst/>
+      </dgm:shape>
+      <dgm:presOf/>
+      <dgm:constrLst/>
+      <dgm:ruleLst/>
+    </dgm:layoutNode>
+    <dgm:layoutNode name="linH">
+      <dgm:choose name="Name1">
+        <dgm:if name="Name2" func="var" arg="dir" op="equ" val="norm">
+          <dgm:alg type="lin">
+            <dgm:param type="linDir" val="fromL"/>
+            <dgm:param type="nodeVertAlign" val="t"/>
+          </dgm:alg>
+        </dgm:if>
+        <dgm:else name="Name3">
+          <dgm:alg type="lin">
+            <dgm:param type="linDir" val="fromR"/>
+            <dgm:param type="nodeVertAlign" val="t"/>
+          </dgm:alg>
+        </dgm:else>
+      </dgm:choose>
+      <dgm:shape xmlns:r="http://schemas.openxmlformats.org/officeDocument/2006/relationships" r:blip="">
+        <dgm:adjLst/>
+      </dgm:shape>
+      <dgm:presOf/>
+      <dgm:constrLst>
+        <dgm:constr type="primFontSz" for="des" forName="parTx" val="65"/>
+        <dgm:constr type="primFontSz" for="des" forName="desTx" refType="primFontSz" refFor="des" refForName="parTx" op="equ"/>
+        <dgm:constr type="h" for="des" forName="parTx" refType="primFontSz" refFor="des" refForName="parTx"/>
+        <dgm:constr type="h" for="des" forName="desTx" refType="primFontSz" refFor="des" refForName="parTx" fact="0.5"/>
+        <dgm:constr type="h" for="des" forName="parTx" op="equ"/>
+        <dgm:constr type="h" for="des" forName="desTx" op="equ"/>
+        <dgm:constr type="h" for="ch" forName="backgroundArrow" refType="primFontSz" refFor="des" refForName="parTx" fact="2"/>
+        <dgm:constr type="h" for="ch" forName="backgroundArrow" refType="h" refFor="des" refForName="parTx" op="lte" fact="2"/>
+        <dgm:constr type="h" for="ch" forName="backgroundArrow" refType="h" refFor="des" refForName="parTx" op="gte" fact="2"/>
+        <dgm:constr type="h" for="des" forName="spVertical1" refType="primFontSz" refFor="des" refForName="parTx" fact="0.5"/>
+        <dgm:constr type="h" for="des" forName="spVertical1" refType="h" refFor="des" refForName="parTx" op="lte" fact="0.5"/>
+        <dgm:constr type="h" for="des" forName="spVertical1" refType="h" refFor="des" refForName="parTx" op="gte" fact="0.5"/>
+        <dgm:constr type="h" for="des" forName="spVertical2" refType="primFontSz" refFor="des" refForName="parTx" fact="0.5"/>
+        <dgm:constr type="h" for="des" forName="spVertical2" refType="h" refFor="des" refForName="parTx" op="lte" fact="0.5"/>
+        <dgm:constr type="h" for="des" forName="spVertical2" refType="h" refFor="des" refForName="parTx" op="gte" fact="0.5"/>
+        <dgm:constr type="h" for="des" forName="spVertical3" refType="primFontSz" refFor="des" refForName="parTx" fact="-0.4"/>
+        <dgm:constr type="h" for="des" forName="spVertical3" refType="h" refFor="des" refForName="parTx" op="lte" fact="-0.4"/>
+        <dgm:constr type="h" for="des" forName="spVertical3" refType="h" refFor="des" refForName="parTx" op="gte" fact="-0.4"/>
+        <dgm:constr type="w" for="ch" forName="backgroundArrow" refType="w"/>
+        <dgm:constr type="w" for="ch" forName="negArrow" refType="w" fact="-1"/>
+        <dgm:constr type="w" for="ch" forName="linV" refType="w"/>
+        <dgm:constr type="w" for="ch" forName="space" refType="w" refFor="ch" refForName="linV" fact="0.2"/>
+        <dgm:constr type="w" for="ch" forName="padding1" refType="w" fact="0.08"/>
+        <dgm:constr type="userP"/>
+        <dgm:constr type="w" for="ch" forName="padding2" refType="userP"/>
+      </dgm:constrLst>
+      <dgm:ruleLst>
+        <dgm:rule type="w" for="ch" forName="linV" val="0" fact="NaN" max="NaN"/>
+        <dgm:rule type="primFontSz" for="des" forName="parTx" val="5" fact="NaN" max="NaN"/>
+      </dgm:ruleLst>
+      <dgm:layoutNode name="padding1">
+        <dgm:alg type="sp"/>
+        <dgm:shape xmlns:r="http://schemas.openxmlformats.org/officeDocument/2006/relationships" r:blip="">
+          <dgm:adjLst/>
+        </dgm:shape>
+        <dgm:presOf/>
+        <dgm:constrLst/>
+        <dgm:ruleLst/>
+      </dgm:layoutNode>
+      <dgm:forEach name="Name4" axis="ch" ptType="node">
+        <dgm:layoutNode name="linV">
+          <dgm:alg type="lin">
+            <dgm:param type="linDir" val="fromT"/>
+          </dgm:alg>
+          <dgm:shape xmlns:r="http://schemas.openxmlformats.org/officeDocument/2006/relationships" r:blip="">
+            <dgm:adjLst/>
+          </dgm:shape>
+          <dgm:presOf/>
+          <dgm:constrLst>
+            <dgm:constr type="w" for="ch" forName="spVertical1" refType="w"/>
+            <dgm:constr type="w" for="ch" forName="parTx" refType="w"/>
+            <dgm:constr type="w" for="ch" forName="spVertical2" refType="w"/>
+            <dgm:constr type="w" for="ch" forName="spVertical3" refType="w"/>
+            <dgm:constr type="w" for="ch" forName="desTx" refType="w"/>
+          </dgm:constrLst>
+          <dgm:ruleLst/>
+          <dgm:layoutNode name="spVertical1">
+            <dgm:alg type="sp"/>
+            <dgm:shape xmlns:r="http://schemas.openxmlformats.org/officeDocument/2006/relationships" r:blip="">
+              <dgm:adjLst/>
+            </dgm:shape>
+            <dgm:presOf/>
+            <dgm:constrLst/>
+            <dgm:ruleLst/>
+          </dgm:layoutNode>
+          <dgm:layoutNode name="parTx" styleLbl="revTx">
+            <dgm:varLst>
+              <dgm:chMax val="0"/>
+              <dgm:chPref val="0"/>
+              <dgm:bulletEnabled val="1"/>
+            </dgm:varLst>
+            <dgm:choose name="Name5">
+              <dgm:if name="Name6" axis="root des" ptType="all node" func="maxDepth" op="gt" val="1">
+                <dgm:alg type="tx">
+                  <dgm:param type="parTxLTRAlign" val="l"/>
+                  <dgm:param type="parTxRTLAlign" val="r"/>
+                </dgm:alg>
+              </dgm:if>
+              <dgm:else name="Name7">
+                <dgm:alg type="tx">
+                  <dgm:param type="parTxLTRAlign" val="ctr"/>
+                  <dgm:param type="parTxRTLAlign" val="ctr"/>
+                </dgm:alg>
+              </dgm:else>
+            </dgm:choose>
+            <dgm:shape xmlns:r="http://schemas.openxmlformats.org/officeDocument/2006/relationships" type="rect" r:blip="">
+              <dgm:adjLst/>
+            </dgm:shape>
+            <dgm:presOf axis="self" ptType="node"/>
+            <dgm:choose name="Name8">
+              <dgm:if name="Name9" func="var" arg="dir" op="equ" val="norm">
+                <dgm:constrLst>
+                  <dgm:constr type="userT"/>
+                  <dgm:constr type="h" refType="userT" op="lte"/>
+                  <dgm:constr type="tMarg" refType="primFontSz" fact="0.8"/>
+                  <dgm:constr type="bMarg" refType="tMarg"/>
+                  <dgm:constr type="lMarg"/>
+                  <dgm:constr type="rMarg"/>
+                </dgm:constrLst>
+              </dgm:if>
+              <dgm:else name="Name10">
+                <dgm:constrLst>
+                  <dgm:constr type="userT"/>
+                  <dgm:constr type="h" refType="userT" op="lte"/>
+                  <dgm:constr type="tMarg" refType="primFontSz" fact="0.8"/>
+                  <dgm:constr type="bMarg" refType="tMarg"/>
+                  <dgm:constr type="lMarg"/>
+                  <dgm:constr type="rMarg"/>
+                </dgm:constrLst>
+              </dgm:else>
+            </dgm:choose>
+            <dgm:ruleLst>
+              <dgm:rule type="h" val="INF" fact="NaN" max="NaN"/>
+            </dgm:ruleLst>
+          </dgm:layoutNode>
+          <dgm:layoutNode name="spVertical2">
+            <dgm:alg type="sp"/>
+            <dgm:shape xmlns:r="http://schemas.openxmlformats.org/officeDocument/2006/relationships" r:blip="">
+              <dgm:adjLst/>
+            </dgm:shape>
+            <dgm:presOf/>
+            <dgm:constrLst/>
+            <dgm:ruleLst/>
+          </dgm:layoutNode>
+          <dgm:layoutNode name="spVertical3">
+            <dgm:alg type="sp"/>
+            <dgm:shape xmlns:r="http://schemas.openxmlformats.org/officeDocument/2006/relationships" r:blip="">
+              <dgm:adjLst/>
+            </dgm:shape>
+            <dgm:presOf/>
+            <dgm:constrLst/>
+            <dgm:ruleLst/>
+          </dgm:layoutNode>
+          <dgm:choose name="Name11">
+            <dgm:if name="Name12" axis="ch" ptType="node" func="cnt" op="gte" val="1">
+              <dgm:layoutNode name="desTx" styleLbl="revTx">
+                <dgm:varLst>
+                  <dgm:bulletEnabled val="1"/>
+                </dgm:varLst>
+                <dgm:alg type="tx">
+                  <dgm:param type="stBulletLvl" val="1"/>
+                </dgm:alg>
+                <dgm:shape xmlns:r="http://schemas.openxmlformats.org/officeDocument/2006/relationships" type="rect" r:blip="">
+                  <dgm:adjLst/>
+                </dgm:shape>
+                <dgm:presOf axis="des" ptType="node"/>
+                <dgm:constrLst>
+                  <dgm:constr type="tMarg"/>
+                  <dgm:constr type="bMarg"/>
+                  <dgm:constr type="rMarg"/>
+                  <dgm:constr type="lMarg"/>
+                </dgm:constrLst>
+                <dgm:ruleLst>
+                  <dgm:rule type="h" val="INF" fact="NaN" max="NaN"/>
+                </dgm:ruleLst>
+              </dgm:layoutNode>
+            </dgm:if>
+            <dgm:else name="Name13"/>
+          </dgm:choose>
+        </dgm:layoutNode>
+        <dgm:forEach name="Name14" axis="followSib" ptType="sibTrans" cnt="1">
+          <dgm:layoutNode name="space">
+            <dgm:alg type="sp"/>
+            <dgm:shape xmlns:r="http://schemas.openxmlformats.org/officeDocument/2006/relationships" r:blip="">
+              <dgm:adjLst/>
+            </dgm:shape>
+            <dgm:presOf/>
+            <dgm:constrLst/>
+            <dgm:ruleLst/>
+          </dgm:layoutNode>
+        </dgm:forEach>
+      </dgm:forEach>
+      <dgm:layoutNode name="padding2">
+        <dgm:alg type="sp"/>
+        <dgm:shape xmlns:r="http://schemas.openxmlformats.org/officeDocument/2006/relationships" r:blip="">
+          <dgm:adjLst/>
+        </dgm:shape>
+        <dgm:presOf/>
+        <dgm:constrLst/>
+        <dgm:ruleLst/>
+      </dgm:layoutNode>
+      <dgm:layoutNode name="negArrow">
+        <dgm:alg type="sp"/>
+        <dgm:shape xmlns:r="http://schemas.openxmlformats.org/officeDocument/2006/relationships" r:blip="">
+          <dgm:adjLst/>
+        </dgm:shape>
+        <dgm:presOf/>
+        <dgm:constrLst/>
+        <dgm:ruleLst/>
+      </dgm:layoutNode>
+      <dgm:layoutNode name="backgroundArrow" styleLbl="node1">
+        <dgm:alg type="sp"/>
+        <dgm:choose name="Name15">
+          <dgm:if name="Name16" func="var" arg="dir" op="equ" val="norm">
+            <dgm:shape xmlns:r="http://schemas.openxmlformats.org/officeDocument/2006/relationships" type="rightArrow" r:blip="">
+              <dgm:adjLst/>
+            </dgm:shape>
+          </dgm:if>
+          <dgm:else name="Name17">
+            <dgm:shape xmlns:r="http://schemas.openxmlformats.org/officeDocument/2006/relationships" type="leftArrow" r:blip="">
+              <dgm:adjLst/>
+            </dgm:shape>
+          </dgm:else>
+        </dgm:choose>
+        <dgm:presOf/>
+        <dgm:constrLst/>
+        <dgm:ruleLst/>
+      </dgm:layoutNode>
+    </dgm:layoutNode>
+  </dgm:layoutNode>
+</dgm:layoutDef>
+</file>
+
 <file path=ppt/diagrams/quickStyle1.xml><?xml version="1.0" encoding="utf-8"?>
+<dgm:styleDef xmlns:dgm="http://schemas.openxmlformats.org/drawingml/2006/diagram" xmlns:a="http://schemas.openxmlformats.org/drawingml/2006/main" uniqueId="urn:microsoft.com/office/officeart/2005/8/quickstyle/simple1">
+  <dgm:title val=""/>
+  <dgm:desc val=""/>
+  <dgm:catLst>
+    <dgm:cat type="simple" pri="10100"/>
+  </dgm:catLst>
+  <dgm:scene3d>
+    <a:camera prst="orthographicFront"/>
+    <a:lightRig rig="threePt" dir="t"/>
+  </dgm:scene3d>
+  <dgm:styleLbl name="node0">
+    <dgm:scene3d>
+      <a:camera prst="orthographicFront"/>
+      <a:lightRig rig="threePt" dir="t"/>
+    </dgm:scene3d>
+    <dgm:sp3d/>
+    <dgm:txPr/>
+    <dgm:style>
+      <a:lnRef idx="2">
+        <a:scrgbClr r="0" g="0" b="0"/>
+      </a:lnRef>
+      <a:fillRef idx="1">
+        <a:scrgbClr r="0" g="0" b="0"/>
+      </a:fillRef>
+      <a:effectRef idx="0">
+        <a:scrgbClr r="0" g="0" b="0"/>
+      </a:effectRef>
+      <a:fontRef idx="minor">
+        <a:schemeClr val="lt1"/>
+      </a:fontRef>
+    </dgm:style>
+  </dgm:styleLbl>
+  <dgm:styleLbl name="lnNode1">
+    <dgm:scene3d>
+      <a:camera prst="orthographicFront"/>
+      <a:lightRig rig="threePt" dir="t"/>
+    </dgm:scene3d>
+    <dgm:sp3d/>
+    <dgm:txPr/>
+    <dgm:style>
+      <a:lnRef idx="2">
+        <a:scrgbClr r="0" g="0" b="0"/>
+      </a:lnRef>
+      <a:fillRef idx="1">
+        <a:scrgbClr r="0" g="0" b="0"/>
+      </a:fillRef>
+      <a:effectRef idx="0">
+        <a:scrgbClr r="0" g="0" b="0"/>
+      </a:effectRef>
+      <a:fontRef idx="minor">
+        <a:schemeClr val="lt1"/>
+      </a:fontRef>
+    </dgm:style>
+  </dgm:styleLbl>
+  <dgm:styleLbl name="vennNode1">
+    <dgm:scene3d>
+      <a:camera prst="orthographicFront"/>
+      <a:lightRig rig="threePt" dir="t"/>
+    </dgm:scene3d>
+    <dgm:sp3d/>
+    <dgm:txPr/>
+    <dgm:style>
+      <a:lnRef idx="2">
+        <a:scrgbClr r="0" g="0" b="0"/>
+      </a:lnRef>
+      <a:fillRef idx="1">
+        <a:scrgbClr r="0" g="0" b="0"/>
+      </a:fillRef>
+      <a:effectRef idx="0">
+        <a:scrgbClr r="0" g="0" b="0"/>
+      </a:effectRef>
+      <a:fontRef idx="minor">
+        <a:schemeClr val="tx1"/>
+      </a:fontRef>
+    </dgm:style>
+  </dgm:styleLbl>
+  <dgm:styleLbl name="alignNode1">
+    <dgm:scene3d>
+      <a:camera prst="orthographicFront"/>
+      <a:lightRig rig="threePt" dir="t"/>
+    </dgm:scene3d>
+    <dgm:sp3d/>
+    <dgm:txPr/>
+    <dgm:style>
+      <a:lnRef idx="2">
+        <a:scrgbClr r="0" g="0" b="0"/>
+      </a:lnRef>
+      <a:fillRef idx="1">
+        <a:scrgbClr r="0" g="0" b="0"/>
+      </a:fillRef>
+      <a:effectRef idx="0">
+        <a:scrgbClr r="0" g="0" b="0"/>
+      </a:effectRef>
+      <a:fontRef idx="minor">
+        <a:schemeClr val="lt1"/>
+      </a:fontRef>
+    </dgm:style>
+  </dgm:styleLbl>
+  <dgm:styleLbl name="node1">
+    <dgm:scene3d>
+      <a:camera prst="orthographicFront"/>
+      <a:lightRig rig="threePt" dir="t"/>
+    </dgm:scene3d>
+    <dgm:sp3d/>
+    <dgm:txPr/>
+    <dgm:style>
+      <a:lnRef idx="2">
+        <a:scrgbClr r="0" g="0" b="0"/>
+      </a:lnRef>
+      <a:fillRef idx="1">
+        <a:scrgbClr r="0" g="0" b="0"/>
+      </a:fillRef>
+      <a:effectRef idx="0">
+        <a:scrgbClr r="0" g="0" b="0"/>
+      </a:effectRef>
+      <a:fontRef idx="minor">
+        <a:schemeClr val="lt1"/>
+      </a:fontRef>
+    </dgm:style>
+  </dgm:styleLbl>
+  <dgm:styleLbl name="node2">
+    <dgm:scene3d>
+      <a:camera prst="orthographicFront"/>
+      <a:lightRig rig="threePt" dir="t"/>
+    </dgm:scene3d>
+    <dgm:sp3d/>
+    <dgm:txPr/>
+    <dgm:style>
+      <a:lnRef idx="2">
+        <a:scrgbClr r="0" g="0" b="0"/>
+      </a:lnRef>
+      <a:fillRef idx="1">
+        <a:scrgbClr r="0" g="0" b="0"/>
+      </a:fillRef>
+      <a:effectRef idx="0">
+        <a:scrgbClr r="0" g="0" b="0"/>
+      </a:effectRef>
+      <a:fontRef idx="minor">
+        <a:schemeClr val="lt1"/>
+      </a:fontRef>
+    </dgm:style>
+  </dgm:styleLbl>
+  <dgm:styleLbl name="node3">
+    <dgm:scene3d>
+      <a:camera prst="orthographicFront"/>
+      <a:lightRig rig="threePt" dir="t"/>
+    </dgm:scene3d>
+    <dgm:sp3d/>
+    <dgm:txPr/>
+    <dgm:style>
+      <a:lnRef idx="2">
+        <a:scrgbClr r="0" g="0" b="0"/>
+      </a:lnRef>
+      <a:fillRef idx="1">
+        <a:scrgbClr r="0" g="0" b="0"/>
+      </a:fillRef>
+      <a:effectRef idx="0">
+        <a:scrgbClr r="0" g="0" b="0"/>
+      </a:effectRef>
+      <a:fontRef idx="minor">
+        <a:schemeClr val="lt1"/>
+      </a:fontRef>
+    </dgm:style>
+  </dgm:styleLbl>
+  <dgm:styleLbl name="node4">
+    <dgm:scene3d>
+      <a:camera prst="orthographicFront"/>
+      <a:lightRig rig="threePt" dir="t"/>
+    </dgm:scene3d>
+    <dgm:sp3d/>
+    <dgm:txPr/>
+    <dgm:style>
+      <a:lnRef idx="2">
+        <a:scrgbClr r="0" g="0" b="0"/>
+      </a:lnRef>
+      <a:fillRef idx="1">
+        <a:scrgbClr r="0" g="0" b="0"/>
+      </a:fillRef>
+      <a:effectRef idx="0">
+        <a:scrgbClr r="0" g="0" b="0"/>
+      </a:effectRef>
+      <a:fontRef idx="minor">
+        <a:schemeClr val="lt1"/>
+      </a:fontRef>
+    </dgm:style>
+  </dgm:styleLbl>
+  <dgm:styleLbl name="fgImgPlace1">
+    <dgm:scene3d>
+      <a:camera prst="orthographicFront"/>
+      <a:lightRig rig="threePt" dir="t"/>
+    </dgm:scene3d>
+    <dgm:sp3d/>
+    <dgm:txPr/>
+    <dgm:style>
+      <a:lnRef idx="2">
+        <a:scrgbClr r="0" g="0" b="0"/>
+      </a:lnRef>
+      <a:fillRef idx="1">
+        <a:scrgbClr r="0" g="0" b="0"/>
+      </a:fillRef>
+      <a:effectRef idx="0">
+        <a:scrgbClr r="0" g="0" b="0"/>
+      </a:effectRef>
+      <a:fontRef idx="minor"/>
+    </dgm:style>
+  </dgm:styleLbl>
+  <dgm:styleLbl name="alignImgPlace1">
+    <dgm:scene3d>
+      <a:camera prst="orthographicFront"/>
+      <a:lightRig rig="threePt" dir="t"/>
+    </dgm:scene3d>
+    <dgm:sp3d/>
+    <dgm:txPr/>
+    <dgm:style>
+      <a:lnRef idx="2">
+        <a:scrgbClr r="0" g="0" b="0"/>
+      </a:lnRef>
+      <a:fillRef idx="1">
+        <a:scrgbClr r="0" g="0" b="0"/>
+      </a:fillRef>
+      <a:effectRef idx="0">
+        <a:scrgbClr r="0" g="0" b="0"/>
+      </a:effectRef>
+      <a:fontRef idx="minor"/>
+    </dgm:style>
+  </dgm:styleLbl>
+  <dgm:styleLbl name="bgImgPlace1">
+    <dgm:scene3d>
+      <a:camera prst="orthographicFront"/>
+      <a:lightRig rig="threePt" dir="t"/>
+    </dgm:scene3d>
+    <dgm:sp3d/>
+    <dgm:txPr/>
+    <dgm:style>
+      <a:lnRef idx="2">
+        <a:scrgbClr r="0" g="0" b="0"/>
+      </a:lnRef>
+      <a:fillRef idx="1">
+        <a:scrgbClr r="0" g="0" b="0"/>
+      </a:fillRef>
+      <a:effectRef idx="0">
+        <a:scrgbClr r="0" g="0" b="0"/>
+      </a:effectRef>
+      <a:fontRef idx="minor"/>
+    </dgm:style>
+  </dgm:styleLbl>
+  <dgm:styleLbl name="sibTrans2D1">
+    <dgm:scene3d>
+      <a:camera prst="orthographicFront"/>
+      <a:lightRig rig="threePt" dir="t"/>
+    </dgm:scene3d>
+    <dgm:sp3d/>
+    <dgm:txPr/>
+    <dgm:style>
+      <a:lnRef idx="0">
+        <a:scrgbClr r="0" g="0" b="0"/>
+      </a:lnRef>
+      <a:fillRef idx="1">
+        <a:scrgbClr r="0" g="0" b="0"/>
+      </a:fillRef>
+      <a:effectRef idx="0">
+        <a:scrgbClr r="0" g="0" b="0"/>
+      </a:effectRef>
+      <a:fontRef idx="minor">
+        <a:schemeClr val="lt1"/>
+      </a:fontRef>
+    </dgm:style>
+  </dgm:styleLbl>
+  <dgm:styleLbl name="fgSibTrans2D1">
+    <dgm:scene3d>
+      <a:camera prst="orthographicFront"/>
+      <a:lightRig rig="threePt" dir="t"/>
+    </dgm:scene3d>
+    <dgm:sp3d/>
+    <dgm:txPr/>
+    <dgm:style>
+      <a:lnRef idx="0">
+        <a:scrgbClr r="0" g="0" b="0"/>
+      </a:lnRef>
+      <a:fillRef idx="1">
+        <a:scrgbClr r="0" g="0" b="0"/>
+      </a:fillRef>
+      <a:effectRef idx="0">
+        <a:scrgbClr r="0" g="0" b="0"/>
+      </a:effectRef>
+      <a:fontRef idx="minor">
+        <a:schemeClr val="lt1"/>
+      </a:fontRef>
+    </dgm:style>
+  </dgm:styleLbl>
+  <dgm:styleLbl name="bgSibTrans2D1">
+    <dgm:scene3d>
+      <a:camera prst="orthographicFront"/>
+      <a:lightRig rig="threePt" dir="t"/>
+    </dgm:scene3d>
+    <dgm:sp3d/>
+    <dgm:txPr/>
+    <dgm:style>
+      <a:lnRef idx="0">
+        <a:scrgbClr r="0" g="0" b="0"/>
+      </a:lnRef>
+      <a:fillRef idx="1">
+        <a:scrgbClr r="0" g="0" b="0"/>
+      </a:fillRef>
+      <a:effectRef idx="0">
+        <a:scrgbClr r="0" g="0" b="0"/>
+      </a:effectRef>
+      <a:fontRef idx="minor">
+        <a:schemeClr val="lt1"/>
+      </a:fontRef>
+    </dgm:style>
+  </dgm:styleLbl>
+  <dgm:styleLbl name="sibTrans1D1">
+    <dgm:scene3d>
+      <a:camera prst="orthographicFront"/>
+      <a:lightRig rig="threePt" dir="t"/>
+    </dgm:scene3d>
+    <dgm:sp3d/>
+    <dgm:txPr/>
+    <dgm:style>
+      <a:lnRef idx="1">
+        <a:scrgbClr r="0" g="0" b="0"/>
+      </a:lnRef>
+      <a:fillRef idx="0">
+        <a:scrgbClr r="0" g="0" b="0"/>
+      </a:fillRef>
+      <a:effectRef idx="0">
+        <a:scrgbClr r="0" g="0" b="0"/>
+      </a:effectRef>
+      <a:fontRef idx="minor"/>
+    </dgm:style>
+  </dgm:styleLbl>
+  <dgm:styleLbl name="callout">
+    <dgm:scene3d>
+      <a:camera prst="orthographicFront"/>
+      <a:lightRig rig="threePt" dir="t"/>
+    </dgm:scene3d>
+    <dgm:sp3d/>
+    <dgm:txPr/>
+    <dgm:style>
+      <a:lnRef idx="2">
+        <a:scrgbClr r="0" g="0" b="0"/>
+      </a:lnRef>
+      <a:fillRef idx="1">
+        <a:scrgbClr r="0" g="0" b="0"/>
+      </a:fillRef>
+      <a:effectRef idx="0">
+        <a:scrgbClr r="0" g="0" b="0"/>
+      </a:effectRef>
+      <a:fontRef idx="minor"/>
+    </dgm:style>
+  </dgm:styleLbl>
+  <dgm:styleLbl name="asst0">
+    <dgm:scene3d>
+      <a:camera prst="orthographicFront"/>
+      <a:lightRig rig="threePt" dir="t"/>
+    </dgm:scene3d>
+    <dgm:sp3d/>
+    <dgm:txPr/>
+    <dgm:style>
+      <a:lnRef idx="2">
+        <a:scrgbClr r="0" g="0" b="0"/>
+      </a:lnRef>
+      <a:fillRef idx="1">
+        <a:scrgbClr r="0" g="0" b="0"/>
+      </a:fillRef>
+      <a:effectRef idx="0">
+        <a:scrgbClr r="0" g="0" b="0"/>
+      </a:effectRef>
+      <a:fontRef idx="minor">
+        <a:schemeClr val="lt1"/>
+      </a:fontRef>
+    </dgm:style>
+  </dgm:styleLbl>
+  <dgm:styleLbl name="asst1">
+    <dgm:scene3d>
+      <a:camera prst="orthographicFront"/>
+      <a:lightRig rig="threePt" dir="t"/>
+    </dgm:scene3d>
+    <dgm:sp3d/>
+    <dgm:txPr/>
+    <dgm:style>
+      <a:lnRef idx="2">
+        <a:scrgbClr r="0" g="0" b="0"/>
+      </a:lnRef>
+      <a:fillRef idx="1">
+        <a:scrgbClr r="0" g="0" b="0"/>
+      </a:fillRef>
+      <a:effectRef idx="0">
+        <a:scrgbClr r="0" g="0" b="0"/>
+      </a:effectRef>
+      <a:fontRef idx="minor">
+        <a:schemeClr val="lt1"/>
+      </a:fontRef>
+    </dgm:style>
+  </dgm:styleLbl>
+  <dgm:styleLbl name="asst2">
+    <dgm:scene3d>
+      <a:camera prst="orthographicFront"/>
+      <a:lightRig rig="threePt" dir="t"/>
+    </dgm:scene3d>
+    <dgm:sp3d/>
+    <dgm:txPr/>
+    <dgm:style>
+      <a:lnRef idx="2">
+        <a:scrgbClr r="0" g="0" b="0"/>
+      </a:lnRef>
+      <a:fillRef idx="1">
+        <a:scrgbClr r="0" g="0" b="0"/>
+      </a:fillRef>
+      <a:effectRef idx="0">
+        <a:scrgbClr r="0" g="0" b="0"/>
+      </a:effectRef>
+      <a:fontRef idx="minor">
+        <a:schemeClr val="lt1"/>
+      </a:fontRef>
+    </dgm:style>
+  </dgm:styleLbl>
+  <dgm:styleLbl name="asst3">
+    <dgm:scene3d>
+      <a:camera prst="orthographicFront"/>
+      <a:lightRig rig="threePt" dir="t"/>
+    </dgm:scene3d>
+    <dgm:sp3d/>
+    <dgm:txPr/>
+    <dgm:style>
+      <a:lnRef idx="2">
+        <a:scrgbClr r="0" g="0" b="0"/>
+      </a:lnRef>
+      <a:fillRef idx="1">
+        <a:scrgbClr r="0" g="0" b="0"/>
+      </a:fillRef>
+      <a:effectRef idx="0">
+        <a:scrgbClr r="0" g="0" b="0"/>
+      </a:effectRef>
+      <a:fontRef idx="minor">
+        <a:schemeClr val="lt1"/>
+      </a:fontRef>
+    </dgm:style>
+  </dgm:styleLbl>
+  <dgm:styleLbl name="asst4">
+    <dgm:scene3d>
+      <a:camera prst="orthographicFront"/>
+      <a:lightRig rig="threePt" dir="t"/>
+    </dgm:scene3d>
+    <dgm:sp3d/>
+    <dgm:txPr/>
+    <dgm:style>
+      <a:lnRef idx="2">
+        <a:scrgbClr r="0" g="0" b="0"/>
+      </a:lnRef>
+      <a:fillRef idx="1">
+        <a:scrgbClr r="0" g="0" b="0"/>
+      </a:fillRef>
+      <a:effectRef idx="0">
+        <a:scrgbClr r="0" g="0" b="0"/>
+      </a:effectRef>
+      <a:fontRef idx="minor">
+        <a:schemeClr val="lt1"/>
+      </a:fontRef>
+    </dgm:style>
+  </dgm:styleLbl>
+  <dgm:styleLbl name="parChTrans2D1">
+    <dgm:scene3d>
+      <a:camera prst="orthographicFront"/>
+      <a:lightRig rig="threePt" dir="t"/>
+    </dgm:scene3d>
+    <dgm:sp3d/>
+    <dgm:txPr/>
+    <dgm:style>
+      <a:lnRef idx="2">
+        <a:scrgbClr r="0" g="0" b="0"/>
+      </a:lnRef>
+      <a:fillRef idx="1">
+        <a:scrgbClr r="0" g="0" b="0"/>
+      </a:fillRef>
+      <a:effectRef idx="0">
+        <a:scrgbClr r="0" g="0" b="0"/>
+      </a:effectRef>
+      <a:fontRef idx="minor">
+        <a:schemeClr val="lt1"/>
+      </a:fontRef>
+    </dgm:style>
+  </dgm:styleLbl>
+  <dgm:styleLbl name="parChTrans2D2">
+    <dgm:scene3d>
+      <a:camera prst="orthographicFront"/>
+      <a:lightRig rig="threePt" dir="t"/>
+    </dgm:scene3d>
+    <dgm:sp3d/>
+    <dgm:txPr/>
+    <dgm:style>
+      <a:lnRef idx="2">
+        <a:scrgbClr r="0" g="0" b="0"/>
+      </a:lnRef>
+      <a:fillRef idx="1">
+        <a:scrgbClr r="0" g="0" b="0"/>
+      </a:fillRef>
+      <a:effectRef idx="0">
+        <a:scrgbClr r="0" g="0" b="0"/>
+      </a:effectRef>
+      <a:fontRef idx="minor">
+        <a:schemeClr val="lt1"/>
+      </a:fontRef>
+    </dgm:style>
+  </dgm:styleLbl>
+  <dgm:styleLbl name="parChTrans2D3">
+    <dgm:scene3d>
+      <a:camera prst="orthographicFront"/>
+      <a:lightRig rig="threePt" dir="t"/>
+    </dgm:scene3d>
+    <dgm:sp3d/>
+    <dgm:txPr/>
+    <dgm:style>
+      <a:lnRef idx="2">
+        <a:scrgbClr r="0" g="0" b="0"/>
+      </a:lnRef>
+      <a:fillRef idx="1">
+        <a:scrgbClr r="0" g="0" b="0"/>
+      </a:fillRef>
+      <a:effectRef idx="0">
+        <a:scrgbClr r="0" g="0" b="0"/>
+      </a:effectRef>
+      <a:fontRef idx="minor">
+        <a:schemeClr val="lt1"/>
+      </a:fontRef>
+    </dgm:style>
+  </dgm:styleLbl>
+  <dgm:styleLbl name="parChTrans2D4">
+    <dgm:scene3d>
+      <a:camera prst="orthographicFront"/>
+      <a:lightRig rig="threePt" dir="t"/>
+    </dgm:scene3d>
+    <dgm:sp3d/>
+    <dgm:txPr/>
+    <dgm:style>
+      <a:lnRef idx="2">
+        <a:scrgbClr r="0" g="0" b="0"/>
+      </a:lnRef>
+      <a:fillRef idx="1">
+        <a:scrgbClr r="0" g="0" b="0"/>
+      </a:fillRef>
+      <a:effectRef idx="0">
+        <a:scrgbClr r="0" g="0" b="0"/>
+      </a:effectRef>
+      <a:fontRef idx="minor">
+        <a:schemeClr val="lt1"/>
+      </a:fontRef>
+    </dgm:style>
+  </dgm:styleLbl>
+  <dgm:styleLbl name="parChTrans1D1">
+    <dgm:scene3d>
+      <a:camera prst="orthographicFront"/>
+      <a:lightRig rig="threePt" dir="t"/>
+    </dgm:scene3d>
+    <dgm:sp3d/>
+    <dgm:txPr/>
+    <dgm:style>
+      <a:lnRef idx="2">
+        <a:scrgbClr r="0" g="0" b="0"/>
+      </a:lnRef>
+      <a:fillRef idx="0">
+        <a:scrgbClr r="0" g="0" b="0"/>
+      </a:fillRef>
+      <a:effectRef idx="0">
+        <a:scrgbClr r="0" g="0" b="0"/>
+      </a:effectRef>
+      <a:fontRef idx="minor"/>
+    </dgm:style>
+  </dgm:styleLbl>
+  <dgm:styleLbl name="parChTrans1D2">
+    <dgm:scene3d>
+      <a:camera prst="orthographicFront"/>
+      <a:lightRig rig="threePt" dir="t"/>
+    </dgm:scene3d>
+    <dgm:sp3d/>
+    <dgm:txPr/>
+    <dgm:style>
+      <a:lnRef idx="2">
+        <a:scrgbClr r="0" g="0" b="0"/>
+      </a:lnRef>
+      <a:fillRef idx="0">
+        <a:scrgbClr r="0" g="0" b="0"/>
+      </a:fillRef>
+      <a:effectRef idx="0">
+        <a:scrgbClr r="0" g="0" b="0"/>
+      </a:effectRef>
+      <a:fontRef idx="minor"/>
+    </dgm:style>
+  </dgm:styleLbl>
+  <dgm:styleLbl name="parChTrans1D3">
+    <dgm:scene3d>
+      <a:camera prst="orthographicFront"/>
+      <a:lightRig rig="threePt" dir="t"/>
+    </dgm:scene3d>
+    <dgm:sp3d/>
+    <dgm:txPr/>
+    <dgm:style>
+      <a:lnRef idx="2">
+        <a:scrgbClr r="0" g="0" b="0"/>
+      </a:lnRef>
+      <a:fillRef idx="0">
+        <a:scrgbClr r="0" g="0" b="0"/>
+      </a:fillRef>
+      <a:effectRef idx="0">
+        <a:scrgbClr r="0" g="0" b="0"/>
+      </a:effectRef>
+      <a:fontRef idx="minor"/>
+    </dgm:style>
+  </dgm:styleLbl>
+  <dgm:styleLbl name="parChTrans1D4">
+    <dgm:scene3d>
+      <a:camera prst="orthographicFront"/>
+      <a:lightRig rig="threePt" dir="t"/>
+    </dgm:scene3d>
+    <dgm:sp3d/>
+    <dgm:txPr/>
+    <dgm:style>
+      <a:lnRef idx="2">
+        <a:scrgbClr r="0" g="0" b="0"/>
+      </a:lnRef>
+      <a:fillRef idx="0">
+        <a:scrgbClr r="0" g="0" b="0"/>
+      </a:fillRef>
+      <a:effectRef idx="0">
+        <a:scrgbClr r="0" g="0" b="0"/>
+      </a:effectRef>
+      <a:fontRef idx="minor"/>
+    </dgm:style>
+  </dgm:styleLbl>
+  <dgm:styleLbl name="fgAcc1">
+    <dgm:scene3d>
+      <a:camera prst="orthographicFront"/>
+      <a:lightRig rig="threePt" dir="t"/>
+    </dgm:scene3d>
+    <dgm:sp3d/>
+    <dgm:txPr/>
+    <dgm:style>
+      <a:lnRef idx="2">
+        <a:scrgbClr r="0" g="0" b="0"/>
+      </a:lnRef>
+      <a:fillRef idx="1">
+        <a:scrgbClr r="0" g="0" b="0"/>
+      </a:fillRef>
+      <a:effectRef idx="0">
+        <a:scrgbClr r="0" g="0" b="0"/>
+      </a:effectRef>
+      <a:fontRef idx="minor"/>
+    </dgm:style>
+  </dgm:styleLbl>
+  <dgm:styleLbl name="conFgAcc1">
+    <dgm:scene3d>
+      <a:camera prst="orthographicFront"/>
+      <a:lightRig rig="threePt" dir="t"/>
+    </dgm:scene3d>
+    <dgm:sp3d/>
+    <dgm:txPr/>
+    <dgm:style>
+      <a:lnRef idx="2">
+        <a:scrgbClr r="0" g="0" b="0"/>
+      </a:lnRef>
+      <a:fillRef idx="1">
+        <a:scrgbClr r="0" g="0" b="0"/>
+      </a:fillRef>
+      <a:effectRef idx="0">
+        <a:scrgbClr r="0" g="0" b="0"/>
+      </a:effectRef>
+      <a:fontRef idx="minor"/>
+    </dgm:style>
+  </dgm:styleLbl>
+  <dgm:styleLbl name="alignAcc1">
+    <dgm:scene3d>
+      <a:camera prst="orthographicFront"/>
+      <a:lightRig rig="threePt" dir="t"/>
+    </dgm:scene3d>
+    <dgm:sp3d/>
+    <dgm:txPr/>
+    <dgm:style>
+      <a:lnRef idx="2">
+        <a:scrgbClr r="0" g="0" b="0"/>
+      </a:lnRef>
+      <a:fillRef idx="1">
+        <a:scrgbClr r="0" g="0" b="0"/>
+      </a:fillRef>
+      <a:effectRef idx="0">
+        <a:scrgbClr r="0" g="0" b="0"/>
+      </a:effectRef>
+      <a:fontRef idx="minor"/>
+    </dgm:style>
+  </dgm:styleLbl>
+  <dgm:styleLbl name="trAlignAcc1">
+    <dgm:scene3d>
+      <a:camera prst="orthographicFront"/>
+      <a:lightRig rig="threePt" dir="t"/>
+    </dgm:scene3d>
+    <dgm:sp3d/>
+    <dgm:txPr/>
+    <dgm:style>
+      <a:lnRef idx="1">
+        <a:scrgbClr r="0" g="0" b="0"/>
+      </a:lnRef>
+      <a:fillRef idx="1">
+        <a:scrgbClr r="0" g="0" b="0"/>
+      </a:fillRef>
+      <a:effectRef idx="0">
+        <a:scrgbClr r="0" g="0" b="0"/>
+      </a:effectRef>
+      <a:fontRef idx="minor"/>
+    </dgm:style>
+  </dgm:styleLbl>
+  <dgm:styleLbl name="bgAcc1">
+    <dgm:scene3d>
+      <a:camera prst="orthographicFront"/>
+      <a:lightRig rig="threePt" dir="t"/>
+    </dgm:scene3d>
+    <dgm:sp3d/>
+    <dgm:txPr/>
+    <dgm:style>
+      <a:lnRef idx="2">
+        <a:scrgbClr r="0" g="0" b="0"/>
+      </a:lnRef>
+      <a:fillRef idx="1">
+        <a:scrgbClr r="0" g="0" b="0"/>
+      </a:fillRef>
+      <a:effectRef idx="0">
+        <a:scrgbClr r="0" g="0" b="0"/>
+      </a:effectRef>
+      <a:fontRef idx="minor"/>
+    </dgm:style>
+  </dgm:styleLbl>
+  <dgm:styleLbl name="solidFgAcc1">
+    <dgm:scene3d>
+      <a:camera prst="orthographicFront"/>
+      <a:lightRig rig="threePt" dir="t"/>
+    </dgm:scene3d>
+    <dgm:sp3d/>
+    <dgm:txPr/>
+    <dgm:style>
+      <a:lnRef idx="2">
+        <a:scrgbClr r="0" g="0" b="0"/>
+      </a:lnRef>
+      <a:fillRef idx="1">
+        <a:scrgbClr r="0" g="0" b="0"/>
+      </a:fillRef>
+      <a:effectRef idx="0">
+        <a:scrgbClr r="0" g="0" b="0"/>
+      </a:effectRef>
+      <a:fontRef idx="minor"/>
+    </dgm:style>
+  </dgm:styleLbl>
+  <dgm:styleLbl name="solidAlignAcc1">
+    <dgm:scene3d>
+      <a:camera prst="orthographicFront"/>
+      <a:lightRig rig="threePt" dir="t"/>
+    </dgm:scene3d>
+    <dgm:sp3d/>
+    <dgm:txPr/>
+    <dgm:style>
+      <a:lnRef idx="2">
+        <a:scrgbClr r="0" g="0" b="0"/>
+      </a:lnRef>
+      <a:fillRef idx="1">
+        <a:scrgbClr r="0" g="0" b="0"/>
+      </a:fillRef>
+      <a:effectRef idx="0">
+        <a:scrgbClr r="0" g="0" b="0"/>
+      </a:effectRef>
+      <a:fontRef idx="minor"/>
+    </dgm:style>
+  </dgm:styleLbl>
+  <dgm:styleLbl name="solidBgAcc1">
+    <dgm:scene3d>
+      <a:camera prst="orthographicFront"/>
+      <a:lightRig rig="threePt" dir="t"/>
+    </dgm:scene3d>
+    <dgm:sp3d/>
+    <dgm:txPr/>
+    <dgm:style>
+      <a:lnRef idx="2">
+        <a:scrgbClr r="0" g="0" b="0"/>
+      </a:lnRef>
+      <a:fillRef idx="1">
+        <a:scrgbClr r="0" g="0" b="0"/>
+      </a:fillRef>
+      <a:effectRef idx="0">
+        <a:scrgbClr r="0" g="0" b="0"/>
+      </a:effectRef>
+      <a:fontRef idx="minor"/>
+    </dgm:style>
+  </dgm:styleLbl>
+  <dgm:styleLbl name="fgAccFollowNode1">
+    <dgm:scene3d>
+      <a:camera prst="orthographicFront"/>
+      <a:lightRig rig="threePt" dir="t"/>
+    </dgm:scene3d>
+    <dgm:sp3d/>
+    <dgm:txPr/>
+    <dgm:style>
+      <a:lnRef idx="2">
+        <a:scrgbClr r="0" g="0" b="0"/>
+      </a:lnRef>
+      <a:fillRef idx="1">
+        <a:scrgbClr r="0" g="0" b="0"/>
+      </a:fillRef>
+      <a:effectRef idx="0">
+        <a:scrgbClr r="0" g="0" b="0"/>
+      </a:effectRef>
+      <a:fontRef idx="minor"/>
+    </dgm:style>
+  </dgm:styleLbl>
+  <dgm:styleLbl name="alignAccFollowNode1">
+    <dgm:scene3d>
+      <a:camera prst="orthographicFront"/>
+      <a:lightRig rig="threePt" dir="t"/>
+    </dgm:scene3d>
+    <dgm:sp3d/>
+    <dgm:txPr/>
+    <dgm:style>
+      <a:lnRef idx="2">
+        <a:scrgbClr r="0" g="0" b="0"/>
+      </a:lnRef>
+      <a:fillRef idx="1">
+        <a:scrgbClr r="0" g="0" b="0"/>
+      </a:fillRef>
+      <a:effectRef idx="0">
+        <a:scrgbClr r="0" g="0" b="0"/>
+      </a:effectRef>
+      <a:fontRef idx="minor"/>
+    </dgm:style>
+  </dgm:styleLbl>
+  <dgm:styleLbl name="bgAccFollowNode1">
+    <dgm:scene3d>
+      <a:camera prst="orthographicFront"/>
+      <a:lightRig rig="threePt" dir="t"/>
+    </dgm:scene3d>
+    <dgm:sp3d/>
+    <dgm:txPr/>
+    <dgm:style>
+      <a:lnRef idx="2">
+        <a:scrgbClr r="0" g="0" b="0"/>
+      </a:lnRef>
+      <a:fillRef idx="1">
+        <a:scrgbClr r="0" g="0" b="0"/>
+      </a:fillRef>
+      <a:effectRef idx="0">
+        <a:scrgbClr r="0" g="0" b="0"/>
+      </a:effectRef>
+      <a:fontRef idx="minor"/>
+    </dgm:style>
+  </dgm:styleLbl>
+  <dgm:styleLbl name="fgAcc0">
+    <dgm:scene3d>
+      <a:camera prst="orthographicFront"/>
+      <a:lightRig rig="threePt" dir="t"/>
+    </dgm:scene3d>
+    <dgm:sp3d/>
+    <dgm:txPr/>
+    <dgm:style>
+      <a:lnRef idx="2">
+        <a:scrgbClr r="0" g="0" b="0"/>
+      </a:lnRef>
+      <a:fillRef idx="1">
+        <a:scrgbClr r="0" g="0" b="0"/>
+      </a:fillRef>
+      <a:effectRef idx="0">
+        <a:scrgbClr r="0" g="0" b="0"/>
+      </a:effectRef>
+      <a:fontRef idx="minor"/>
+    </dgm:style>
+  </dgm:styleLbl>
+  <dgm:styleLbl name="fgAcc2">
+    <dgm:scene3d>
+      <a:camera prst="orthographicFront"/>
+      <a:lightRig rig="threePt" dir="t"/>
+    </dgm:scene3d>
+    <dgm:sp3d/>
+    <dgm:txPr/>
+    <dgm:style>
+      <a:lnRef idx="2">
+        <a:scrgbClr r="0" g="0" b="0"/>
+      </a:lnRef>
+      <a:fillRef idx="1">
+        <a:scrgbClr r="0" g="0" b="0"/>
+      </a:fillRef>
+      <a:effectRef idx="0">
+        <a:scrgbClr r="0" g="0" b="0"/>
+      </a:effectRef>
+      <a:fontRef idx="minor"/>
+    </dgm:style>
+  </dgm:styleLbl>
+  <dgm:styleLbl name="fgAcc3">
+    <dgm:scene3d>
+      <a:camera prst="orthographicFront"/>
+      <a:lightRig rig="threePt" dir="t"/>
+    </dgm:scene3d>
+    <dgm:sp3d/>
+    <dgm:txPr/>
+    <dgm:style>
+      <a:lnRef idx="2">
+        <a:scrgbClr r="0" g="0" b="0"/>
+      </a:lnRef>
+      <a:fillRef idx="1">
+        <a:scrgbClr r="0" g="0" b="0"/>
+      </a:fillRef>
+      <a:effectRef idx="0">
+        <a:scrgbClr r="0" g="0" b="0"/>
+      </a:effectRef>
+      <a:fontRef idx="minor"/>
+    </dgm:style>
+  </dgm:styleLbl>
+  <dgm:styleLbl name="fgAcc4">
+    <dgm:scene3d>
+      <a:camera prst="orthographicFront"/>
+      <a:lightRig rig="threePt" dir="t"/>
+    </dgm:scene3d>
+    <dgm:sp3d/>
+    <dgm:txPr/>
+    <dgm:style>
+      <a:lnRef idx="2">
+        <a:scrgbClr r="0" g="0" b="0"/>
+      </a:lnRef>
+      <a:fillRef idx="1">
+        <a:scrgbClr r="0" g="0" b="0"/>
+      </a:fillRef>
+      <a:effectRef idx="0">
+        <a:scrgbClr r="0" g="0" b="0"/>
+      </a:effectRef>
+      <a:fontRef idx="minor"/>
+    </dgm:style>
+  </dgm:styleLbl>
+  <dgm:styleLbl name="bgShp">
+    <dgm:scene3d>
+      <a:camera prst="orthographicFront"/>
+      <a:lightRig rig="threePt" dir="t"/>
+    </dgm:scene3d>
+    <dgm:sp3d/>
+    <dgm:txPr/>
+    <dgm:style>
+      <a:lnRef idx="0">
+        <a:scrgbClr r="0" g="0" b="0"/>
+      </a:lnRef>
+      <a:fillRef idx="1">
+        <a:scrgbClr r="0" g="0" b="0"/>
+      </a:fillRef>
+      <a:effectRef idx="0">
+        <a:scrgbClr r="0" g="0" b="0"/>
+      </a:effectRef>
+      <a:fontRef idx="minor"/>
+    </dgm:style>
+  </dgm:styleLbl>
+  <dgm:styleLbl name="dkBgShp">
+    <dgm:scene3d>
+      <a:camera prst="orthographicFront"/>
+      <a:lightRig rig="threePt" dir="t"/>
+    </dgm:scene3d>
+    <dgm:sp3d/>
+    <dgm:txPr/>
+    <dgm:style>
+      <a:lnRef idx="0">
+        <a:scrgbClr r="0" g="0" b="0"/>
+      </a:lnRef>
+      <a:fillRef idx="1">
+        <a:scrgbClr r="0" g="0" b="0"/>
+      </a:fillRef>
+      <a:effectRef idx="0">
+        <a:scrgbClr r="0" g="0" b="0"/>
+      </a:effectRef>
+      <a:fontRef idx="minor"/>
+    </dgm:style>
+  </dgm:styleLbl>
+  <dgm:styleLbl name="trBgShp">
+    <dgm:scene3d>
+      <a:camera prst="orthographicFront"/>
+      <a:lightRig rig="threePt" dir="t"/>
+    </dgm:scene3d>
+    <dgm:sp3d/>
+    <dgm:txPr/>
+    <dgm:style>
+      <a:lnRef idx="0">
+        <a:scrgbClr r="0" g="0" b="0"/>
+      </a:lnRef>
+      <a:fillRef idx="1">
+        <a:scrgbClr r="0" g="0" b="0"/>
+      </a:fillRef>
+      <a:effectRef idx="0">
+        <a:scrgbClr r="0" g="0" b="0"/>
+      </a:effectRef>
+      <a:fontRef idx="minor"/>
+    </dgm:style>
+  </dgm:styleLbl>
+  <dgm:styleLbl name="fgShp">
+    <dgm:scene3d>
+      <a:camera prst="orthographicFront"/>
+      <a:lightRig rig="threePt" dir="t"/>
+    </dgm:scene3d>
+    <dgm:sp3d/>
+    <dgm:txPr/>
+    <dgm:style>
+      <a:lnRef idx="2">
+        <a:scrgbClr r="0" g="0" b="0"/>
+      </a:lnRef>
+      <a:fillRef idx="1">
+        <a:scrgbClr r="0" g="0" b="0"/>
+      </a:fillRef>
+      <a:effectRef idx="0">
+        <a:scrgbClr r="0" g="0" b="0"/>
+      </a:effectRef>
+      <a:fontRef idx="minor"/>
+    </dgm:style>
+  </dgm:styleLbl>
+  <dgm:styleLbl name="revTx">
+    <dgm:scene3d>
+      <a:camera prst="orthographicFront"/>
+      <a:lightRig rig="threePt" dir="t"/>
+    </dgm:scene3d>
+    <dgm:sp3d/>
+    <dgm:txPr/>
+    <dgm:style>
+      <a:lnRef idx="0">
+        <a:scrgbClr r="0" g="0" b="0"/>
+      </a:lnRef>
+      <a:fillRef idx="0">
+        <a:scrgbClr r="0" g="0" b="0"/>
+      </a:fillRef>
+      <a:effectRef idx="0">
+        <a:scrgbClr r="0" g="0" b="0"/>
+      </a:effectRef>
+      <a:fontRef idx="minor"/>
+    </dgm:style>
+  </dgm:styleLbl>
+</dgm:styleDef>
+</file>
+
+<file path=ppt/diagrams/quickStyle2.xml><?xml version="1.0" encoding="utf-8"?>
 <dgm:styleDef xmlns:dgm="http://schemas.openxmlformats.org/drawingml/2006/diagram" xmlns:a="http://schemas.openxmlformats.org/drawingml/2006/main" uniqueId="urn:microsoft.com/office/officeart/2005/8/quickstyle/simple1">
   <dgm:title val=""/>
   <dgm:desc val=""/>
@@ -11514,6 +14101,13 @@
   <p:clrMapOvr>
     <a:masterClrMapping/>
   </p:clrMapOvr>
+  <p:timing>
+    <p:tnLst>
+      <p:par>
+        <p:cTn id="1" dur="indefinite" restart="never" nodeType="tmRoot"/>
+      </p:par>
+    </p:tnLst>
+  </p:timing>
 </p:sld>
 </file>
 
@@ -11551,7 +14145,15 @@
           <a:p>
             <a:r>
               <a:rPr lang="en-US" dirty="0" smtClean="0"/>
-              <a:t>Results</a:t>
+              <a:t>Example (Naïve Bayes using </a:t>
+            </a:r>
+            <a:r>
+              <a:rPr lang="en-US" dirty="0" err="1" smtClean="0"/>
+              <a:t>TextBlob</a:t>
+            </a:r>
+            <a:r>
+              <a:rPr lang="en-US" dirty="0" smtClean="0"/>
+              <a:t>)</a:t>
             </a:r>
             <a:endParaRPr lang="en-US" dirty="0"/>
           </a:p>
@@ -11567,43 +14169,24 @@
             <p:ph idx="1"/>
           </p:nvPr>
         </p:nvSpPr>
-        <p:spPr/>
+        <p:spPr>
+          <a:xfrm>
+            <a:off x="680322" y="2454033"/>
+            <a:ext cx="6644503" cy="458009"/>
+          </a:xfrm>
+        </p:spPr>
         <p:txBody>
-          <a:bodyPr/>
+          <a:bodyPr>
+            <a:normAutofit fontScale="85000" lnSpcReduction="10000"/>
+          </a:bodyPr>
           <a:lstStyle/>
           <a:p>
             <a:r>
-              <a:rPr lang="en-US" dirty="0" smtClean="0"/>
-              <a:t>Naïve Bayes classifier results – plots</a:t>
-            </a:r>
-          </a:p>
-          <a:p>
-            <a:r>
-              <a:rPr lang="en-US" dirty="0" smtClean="0"/>
-              <a:t>NLTK </a:t>
-            </a:r>
-            <a:r>
-              <a:rPr lang="en-US" dirty="0" err="1" smtClean="0"/>
-              <a:t>analyser</a:t>
-            </a:r>
-            <a:r>
-              <a:rPr lang="en-US" dirty="0" smtClean="0"/>
-              <a:t> results – plots</a:t>
-            </a:r>
-          </a:p>
-          <a:p>
-            <a:r>
-              <a:rPr lang="en-US" dirty="0" smtClean="0"/>
-              <a:t>If we can </a:t>
-            </a:r>
-            <a:r>
-              <a:rPr lang="en-US" dirty="0" err="1" smtClean="0"/>
-              <a:t>compare,then</a:t>
-            </a:r>
-            <a:r>
-              <a:rPr lang="en-US" dirty="0" smtClean="0"/>
-              <a:t> compare</a:t>
-            </a:r>
+              <a:rPr lang="fr-FR" dirty="0"/>
+              <a:t>A Tweet Sentiment Analyzer (Simple classification)</a:t>
+            </a:r>
+          </a:p>
+          <a:p>
             <a:endParaRPr lang="en-US" dirty="0"/>
           </a:p>
         </p:txBody>
@@ -11632,16 +14215,95 @@
           </a:p>
         </p:txBody>
       </p:sp>
+      <p:pic>
+        <p:nvPicPr>
+          <p:cNvPr id="8" name="Picture 7"/>
+          <p:cNvPicPr>
+            <a:picLocks noChangeAspect="1"/>
+          </p:cNvPicPr>
+          <p:nvPr/>
+        </p:nvPicPr>
+        <p:blipFill>
+          <a:blip r:embed="rId2"/>
+          <a:stretch>
+            <a:fillRect/>
+          </a:stretch>
+        </p:blipFill>
+        <p:spPr>
+          <a:xfrm>
+            <a:off x="680321" y="3531910"/>
+            <a:ext cx="7325970" cy="2873097"/>
+          </a:xfrm>
+          <a:prstGeom prst="rect">
+            <a:avLst/>
+          </a:prstGeom>
+        </p:spPr>
+      </p:pic>
+      <p:pic>
+        <p:nvPicPr>
+          <p:cNvPr id="9" name="Picture 8"/>
+          <p:cNvPicPr>
+            <a:picLocks noChangeAspect="1"/>
+          </p:cNvPicPr>
+          <p:nvPr/>
+        </p:nvPicPr>
+        <p:blipFill>
+          <a:blip r:embed="rId3"/>
+          <a:stretch>
+            <a:fillRect/>
+          </a:stretch>
+        </p:blipFill>
+        <p:spPr>
+          <a:xfrm>
+            <a:off x="7469463" y="2174402"/>
+            <a:ext cx="1017270" cy="1017270"/>
+          </a:xfrm>
+          <a:prstGeom prst="rect">
+            <a:avLst/>
+          </a:prstGeom>
+        </p:spPr>
+      </p:pic>
+      <p:pic>
+        <p:nvPicPr>
+          <p:cNvPr id="10" name="Picture 9"/>
+          <p:cNvPicPr>
+            <a:picLocks noChangeAspect="1"/>
+          </p:cNvPicPr>
+          <p:nvPr/>
+        </p:nvPicPr>
+        <p:blipFill>
+          <a:blip r:embed="rId4"/>
+          <a:stretch>
+            <a:fillRect/>
+          </a:stretch>
+        </p:blipFill>
+        <p:spPr>
+          <a:xfrm>
+            <a:off x="8967175" y="2912041"/>
+            <a:ext cx="2871226" cy="3492965"/>
+          </a:xfrm>
+          <a:prstGeom prst="rect">
+            <a:avLst/>
+          </a:prstGeom>
+        </p:spPr>
+      </p:pic>
     </p:spTree>
     <p:extLst>
       <p:ext uri="{BB962C8B-B14F-4D97-AF65-F5344CB8AC3E}">
-        <p14:creationId xmlns:p14="http://schemas.microsoft.com/office/powerpoint/2010/main" val="1786026597"/>
+        <p14:creationId xmlns:p14="http://schemas.microsoft.com/office/powerpoint/2010/main" val="509569423"/>
       </p:ext>
     </p:extLst>
   </p:cSld>
   <p:clrMapOvr>
     <a:masterClrMapping/>
   </p:clrMapOvr>
+  <p:timing>
+    <p:tnLst>
+      <p:par>
+        <p:cTn id="1" dur="indefinite" restart="never" nodeType="tmRoot"/>
+      </p:par>
+    </p:tnLst>
+  </p:timing>
 </p:sld>
 </file>
 
@@ -11678,10 +14340,17 @@
           <a:lstStyle/>
           <a:p>
             <a:r>
+              <a:rPr lang="en-US" dirty="0"/>
+              <a:t>NLTK sentiment </a:t>
+            </a:r>
+            <a:r>
               <a:rPr lang="en-US" dirty="0" smtClean="0"/>
-              <a:t>Future Work</a:t>
-            </a:r>
-            <a:endParaRPr lang="en-US" dirty="0"/>
+              <a:t>analyzer </a:t>
+            </a:r>
+            <a:r>
+              <a:rPr lang="en-US" dirty="0"/>
+              <a:t>using VADER</a:t>
+            </a:r>
           </a:p>
         </p:txBody>
       </p:sp>
@@ -11701,23 +14370,63 @@
           <a:lstStyle/>
           <a:p>
             <a:r>
+              <a:rPr lang="en-US" dirty="0"/>
+              <a:t>VADER (Valence Aware Dictionary and sEntiment Reasoner) is a lexicon and rule-based sentiment analysis tool that </a:t>
+            </a:r>
+            <a:r>
               <a:rPr lang="en-US" dirty="0" smtClean="0"/>
-              <a:t>Other than naïve </a:t>
-            </a:r>
-            <a:r>
-              <a:rPr lang="en-US" dirty="0" err="1" smtClean="0"/>
-              <a:t>bayes</a:t>
+              <a:t>is specifically attuned </a:t>
+            </a:r>
+            <a:r>
+              <a:rPr lang="en-US" dirty="0"/>
+              <a:t>to sentiments expressed in social </a:t>
             </a:r>
             <a:r>
               <a:rPr lang="en-US" dirty="0" smtClean="0"/>
-              <a:t> classifier, what all could we have used</a:t>
-            </a:r>
+              <a:t>media [2][3]</a:t>
+            </a:r>
+          </a:p>
+          <a:p>
+            <a:endParaRPr lang="en-US" dirty="0" smtClean="0"/>
           </a:p>
           <a:p>
             <a:r>
               <a:rPr lang="en-US" dirty="0" smtClean="0"/>
-              <a:t>Any other learning point from this project</a:t>
-            </a:r>
+              <a:t>Lexicon based unsupervised learning uses a sentiment dictionary</a:t>
+            </a:r>
+          </a:p>
+          <a:p>
+            <a:pPr lvl="1"/>
+            <a:r>
+              <a:rPr lang="en-US" dirty="0" smtClean="0"/>
+              <a:t>The VADER lexicon is sensitive to the social media sentiment in terms of polarity (positive/negative) and intensity.</a:t>
+            </a:r>
+          </a:p>
+          <a:p>
+            <a:pPr lvl="1"/>
+            <a:r>
+              <a:rPr lang="en-US" dirty="0" smtClean="0"/>
+              <a:t>It contains over 7500 lexical features with intensity varying from -4 (extremely negative) to +4 (extremely positive)</a:t>
+            </a:r>
+          </a:p>
+          <a:p>
+            <a:pPr lvl="1"/>
+            <a:r>
+              <a:rPr lang="en-US" dirty="0" smtClean="0"/>
+              <a:t>Example : “Okay” : 0.9, “Good” : 1.9, “Horrible” : -2.5, “</a:t>
+            </a:r>
+            <a:r>
+              <a:rPr lang="en-US" dirty="0" smtClean="0">
+                <a:sym typeface="Wingdings" panose="05000000000000000000" pitchFamily="2" charset="2"/>
+              </a:rPr>
+              <a:t>” : -2.2</a:t>
+            </a:r>
+            <a:endParaRPr lang="en-US" dirty="0" smtClean="0"/>
+          </a:p>
+          <a:p>
+            <a:endParaRPr lang="en-US" dirty="0" smtClean="0"/>
+          </a:p>
+          <a:p>
             <a:endParaRPr lang="en-US" dirty="0"/>
           </a:p>
         </p:txBody>
@@ -11749,13 +14458,20 @@
     </p:spTree>
     <p:extLst>
       <p:ext uri="{BB962C8B-B14F-4D97-AF65-F5344CB8AC3E}">
-        <p14:creationId xmlns:p14="http://schemas.microsoft.com/office/powerpoint/2010/main" val="3030440218"/>
+        <p14:creationId xmlns:p14="http://schemas.microsoft.com/office/powerpoint/2010/main" val="2940507242"/>
       </p:ext>
     </p:extLst>
   </p:cSld>
   <p:clrMapOvr>
     <a:masterClrMapping/>
   </p:clrMapOvr>
+  <p:timing>
+    <p:tnLst>
+      <p:par>
+        <p:cTn id="1" dur="indefinite" restart="never" nodeType="tmRoot"/>
+      </p:par>
+    </p:tnLst>
+  </p:timing>
 </p:sld>
 </file>
 
@@ -11792,10 +14508,17 @@
           <a:lstStyle/>
           <a:p>
             <a:r>
+              <a:rPr lang="en-US" dirty="0"/>
+              <a:t>NLTK sentiment </a:t>
+            </a:r>
+            <a:r>
               <a:rPr lang="en-US" dirty="0" smtClean="0"/>
-              <a:t>References</a:t>
-            </a:r>
-            <a:endParaRPr lang="en-US" dirty="0"/>
+              <a:t>analyzer </a:t>
+            </a:r>
+            <a:r>
+              <a:rPr lang="en-US" dirty="0"/>
+              <a:t>using VADER</a:t>
+            </a:r>
           </a:p>
         </p:txBody>
       </p:sp>
@@ -11809,18 +14532,198 @@
             <p:ph idx="1"/>
           </p:nvPr>
         </p:nvSpPr>
-        <p:spPr/>
+        <p:spPr>
+          <a:xfrm>
+            <a:off x="680321" y="2336872"/>
+            <a:ext cx="9613861" cy="3797227"/>
+          </a:xfrm>
+        </p:spPr>
         <p:txBody>
-          <a:bodyPr/>
+          <a:bodyPr>
+            <a:normAutofit fontScale="92500" lnSpcReduction="10000"/>
+          </a:bodyPr>
           <a:lstStyle/>
           <a:p>
-            <a:pPr marL="0" indent="0">
-              <a:buNone/>
-            </a:pPr>
+            <a:r>
+              <a:rPr lang="en-US" dirty="0" smtClean="0"/>
+              <a:t>To produce a score for a particular sentence:</a:t>
+            </a:r>
+          </a:p>
+          <a:p>
+            <a:pPr lvl="1"/>
+            <a:r>
+              <a:rPr lang="en-US" dirty="0" smtClean="0"/>
+              <a:t>Removes stop words</a:t>
+            </a:r>
+          </a:p>
+          <a:p>
+            <a:pPr lvl="1"/>
+            <a:r>
+              <a:rPr lang="en-US" dirty="0" smtClean="0"/>
+              <a:t>Removes multiple !,? </a:t>
+            </a:r>
             <a:r>
               <a:rPr lang="en-US" dirty="0"/>
-              <a:t>1. https://en.wikipedia.org/wiki/Yelp</a:t>
-            </a:r>
+              <a:t>a</a:t>
+            </a:r>
+            <a:r>
+              <a:rPr lang="en-US" dirty="0" smtClean="0"/>
+              <a:t>nd other such punctuation </a:t>
+            </a:r>
+          </a:p>
+          <a:p>
+            <a:pPr lvl="1"/>
+            <a:r>
+              <a:rPr lang="en-US" dirty="0" smtClean="0"/>
+              <a:t>Checks for negation (don’t, aren’t etc.) . When boosters (incredibly, extremely etc.) are found, value is changed.</a:t>
+            </a:r>
+          </a:p>
+          <a:p>
+            <a:pPr lvl="1"/>
+            <a:r>
+              <a:rPr lang="en-US" dirty="0" smtClean="0"/>
+              <a:t>Check for contrastive conjunction (but).</a:t>
+            </a:r>
+          </a:p>
+          <a:p>
+            <a:pPr lvl="1"/>
+            <a:endParaRPr lang="en-US" dirty="0" smtClean="0"/>
+          </a:p>
+          <a:p>
+            <a:r>
+              <a:rPr lang="en-US" dirty="0" smtClean="0"/>
+              <a:t>Examples : </a:t>
+            </a:r>
+          </a:p>
+          <a:p>
+            <a:pPr lvl="1"/>
+            <a:r>
+              <a:rPr lang="en-US" dirty="0"/>
+              <a:t>The book was kind of good. {'</a:t>
+            </a:r>
+            <a:r>
+              <a:rPr lang="en-US" dirty="0" err="1"/>
+              <a:t>neg</a:t>
+            </a:r>
+            <a:r>
+              <a:rPr lang="en-US" dirty="0"/>
+              <a:t>': 0.0, '</a:t>
+            </a:r>
+            <a:r>
+              <a:rPr lang="en-US" dirty="0" err="1"/>
+              <a:t>neu</a:t>
+            </a:r>
+            <a:r>
+              <a:rPr lang="en-US" dirty="0"/>
+              <a:t>': 0.657, '</a:t>
+            </a:r>
+            <a:r>
+              <a:rPr lang="en-US" dirty="0" err="1"/>
+              <a:t>pos</a:t>
+            </a:r>
+            <a:r>
+              <a:rPr lang="en-US" dirty="0"/>
+              <a:t>': </a:t>
+            </a:r>
+            <a:r>
+              <a:rPr lang="en-US" dirty="0" smtClean="0"/>
+              <a:t>0.343} </a:t>
+            </a:r>
+          </a:p>
+          <a:p>
+            <a:pPr lvl="1"/>
+            <a:r>
+              <a:rPr lang="en-US" dirty="0" smtClean="0"/>
+              <a:t>The </a:t>
+            </a:r>
+            <a:r>
+              <a:rPr lang="en-US" dirty="0"/>
+              <a:t>plot was good, but the characters are </a:t>
+            </a:r>
+            <a:r>
+              <a:rPr lang="en-US" dirty="0" err="1"/>
+              <a:t>uncompelling</a:t>
+            </a:r>
+            <a:r>
+              <a:rPr lang="en-US" dirty="0"/>
+              <a:t> and the dialog is not great. </a:t>
+            </a:r>
+            <a:r>
+              <a:rPr lang="en-US" dirty="0" smtClean="0"/>
+              <a:t> {</a:t>
+            </a:r>
+            <a:r>
+              <a:rPr lang="en-US" dirty="0"/>
+              <a:t>'</a:t>
+            </a:r>
+            <a:r>
+              <a:rPr lang="en-US" dirty="0" err="1"/>
+              <a:t>neg</a:t>
+            </a:r>
+            <a:r>
+              <a:rPr lang="en-US" dirty="0"/>
+              <a:t>': 0.327, '</a:t>
+            </a:r>
+            <a:r>
+              <a:rPr lang="en-US" dirty="0" err="1"/>
+              <a:t>neu</a:t>
+            </a:r>
+            <a:r>
+              <a:rPr lang="en-US" dirty="0"/>
+              <a:t>': 0.579, '</a:t>
+            </a:r>
+            <a:r>
+              <a:rPr lang="en-US" dirty="0" err="1"/>
+              <a:t>pos</a:t>
+            </a:r>
+            <a:r>
+              <a:rPr lang="en-US" dirty="0"/>
+              <a:t>': </a:t>
+            </a:r>
+            <a:r>
+              <a:rPr lang="en-US" dirty="0" smtClean="0"/>
+              <a:t>0.094} </a:t>
+            </a:r>
+          </a:p>
+          <a:p>
+            <a:pPr lvl="1"/>
+            <a:r>
+              <a:rPr lang="en-US" dirty="0" smtClean="0"/>
+              <a:t>A </a:t>
+            </a:r>
+            <a:r>
+              <a:rPr lang="en-US" dirty="0"/>
+              <a:t>really bad, horrible book. {'</a:t>
+            </a:r>
+            <a:r>
+              <a:rPr lang="en-US" dirty="0" err="1"/>
+              <a:t>neg</a:t>
+            </a:r>
+            <a:r>
+              <a:rPr lang="en-US" dirty="0"/>
+              <a:t>': 0.791, '</a:t>
+            </a:r>
+            <a:r>
+              <a:rPr lang="en-US" dirty="0" err="1"/>
+              <a:t>neu</a:t>
+            </a:r>
+            <a:r>
+              <a:rPr lang="en-US" dirty="0"/>
+              <a:t>': 0.209, '</a:t>
+            </a:r>
+            <a:r>
+              <a:rPr lang="en-US" dirty="0" err="1"/>
+              <a:t>pos</a:t>
+            </a:r>
+            <a:r>
+              <a:rPr lang="en-US" dirty="0"/>
+              <a:t>': </a:t>
+            </a:r>
+            <a:r>
+              <a:rPr lang="en-US" dirty="0" smtClean="0"/>
+              <a:t>0.0}</a:t>
+            </a:r>
+            <a:endParaRPr lang="en-US" dirty="0"/>
           </a:p>
         </p:txBody>
       </p:sp>
@@ -11843,6 +14746,1891 @@
               <a:rPr lang="en-US" smtClean="0"/>
               <a:pPr/>
               <a:t>12</a:t>
+            </a:fld>
+            <a:endParaRPr lang="en-US" dirty="0"/>
+          </a:p>
+        </p:txBody>
+      </p:sp>
+    </p:spTree>
+    <p:extLst>
+      <p:ext uri="{BB962C8B-B14F-4D97-AF65-F5344CB8AC3E}">
+        <p14:creationId xmlns:p14="http://schemas.microsoft.com/office/powerpoint/2010/main" val="3283619495"/>
+      </p:ext>
+    </p:extLst>
+  </p:cSld>
+  <p:clrMapOvr>
+    <a:masterClrMapping/>
+  </p:clrMapOvr>
+  <p:timing>
+    <p:tnLst>
+      <p:par>
+        <p:cTn id="1" dur="indefinite" restart="never" nodeType="tmRoot"/>
+      </p:par>
+    </p:tnLst>
+  </p:timing>
+</p:sld>
+</file>
+
+<file path=ppt/slides/slide13.xml><?xml version="1.0" encoding="utf-8"?>
+<p:sld xmlns:a="http://schemas.openxmlformats.org/drawingml/2006/main" xmlns:r="http://schemas.openxmlformats.org/officeDocument/2006/relationships" xmlns:p="http://schemas.openxmlformats.org/presentationml/2006/main">
+  <p:cSld>
+    <p:spTree>
+      <p:nvGrpSpPr>
+        <p:cNvPr id="1" name=""/>
+        <p:cNvGrpSpPr/>
+        <p:nvPr/>
+      </p:nvGrpSpPr>
+      <p:grpSpPr>
+        <a:xfrm>
+          <a:off x="0" y="0"/>
+          <a:ext cx="0" cy="0"/>
+          <a:chOff x="0" y="0"/>
+          <a:chExt cx="0" cy="0"/>
+        </a:xfrm>
+      </p:grpSpPr>
+      <p:sp>
+        <p:nvSpPr>
+          <p:cNvPr id="2" name="Title 1"/>
+          <p:cNvSpPr>
+            <a:spLocks noGrp="1"/>
+          </p:cNvSpPr>
+          <p:nvPr>
+            <p:ph type="title"/>
+          </p:nvPr>
+        </p:nvSpPr>
+        <p:spPr/>
+        <p:txBody>
+          <a:bodyPr/>
+          <a:lstStyle/>
+          <a:p>
+            <a:r>
+              <a:rPr lang="en-US" dirty="0" smtClean="0"/>
+              <a:t>Results – Naïve Bayes Classifier</a:t>
+            </a:r>
+            <a:endParaRPr lang="en-US" dirty="0"/>
+          </a:p>
+        </p:txBody>
+      </p:sp>
+      <p:sp>
+        <p:nvSpPr>
+          <p:cNvPr id="3" name="Content Placeholder 2"/>
+          <p:cNvSpPr>
+            <a:spLocks noGrp="1"/>
+          </p:cNvSpPr>
+          <p:nvPr>
+            <p:ph idx="1"/>
+          </p:nvPr>
+        </p:nvSpPr>
+        <p:spPr/>
+        <p:txBody>
+          <a:bodyPr/>
+          <a:lstStyle/>
+          <a:p>
+            <a:r>
+              <a:rPr lang="en-US" dirty="0" smtClean="0"/>
+              <a:t>NLTK </a:t>
+            </a:r>
+            <a:r>
+              <a:rPr lang="en-US" dirty="0" err="1" smtClean="0"/>
+              <a:t>analyser</a:t>
+            </a:r>
+            <a:r>
+              <a:rPr lang="en-US" dirty="0" smtClean="0"/>
+              <a:t> results – plots</a:t>
+            </a:r>
+          </a:p>
+          <a:p>
+            <a:r>
+              <a:rPr lang="en-US" dirty="0" smtClean="0"/>
+              <a:t>If we can </a:t>
+            </a:r>
+            <a:r>
+              <a:rPr lang="en-US" dirty="0" err="1" smtClean="0"/>
+              <a:t>compare,then</a:t>
+            </a:r>
+            <a:r>
+              <a:rPr lang="en-US" dirty="0" smtClean="0"/>
+              <a:t> compare</a:t>
+            </a:r>
+            <a:endParaRPr lang="en-US" dirty="0"/>
+          </a:p>
+        </p:txBody>
+      </p:sp>
+      <p:sp>
+        <p:nvSpPr>
+          <p:cNvPr id="4" name="Slide Number Placeholder 3"/>
+          <p:cNvSpPr>
+            <a:spLocks noGrp="1"/>
+          </p:cNvSpPr>
+          <p:nvPr>
+            <p:ph type="sldNum" sz="quarter" idx="12"/>
+          </p:nvPr>
+        </p:nvSpPr>
+        <p:spPr/>
+        <p:txBody>
+          <a:bodyPr/>
+          <a:lstStyle/>
+          <a:p>
+            <a:fld id="{4FAB73BC-B049-4115-A692-8D63A059BFB8}" type="slidenum">
+              <a:rPr lang="en-US" smtClean="0"/>
+              <a:pPr/>
+              <a:t>13</a:t>
+            </a:fld>
+            <a:endParaRPr lang="en-US" dirty="0"/>
+          </a:p>
+        </p:txBody>
+      </p:sp>
+    </p:spTree>
+    <p:extLst>
+      <p:ext uri="{BB962C8B-B14F-4D97-AF65-F5344CB8AC3E}">
+        <p14:creationId xmlns:p14="http://schemas.microsoft.com/office/powerpoint/2010/main" val="1786026597"/>
+      </p:ext>
+    </p:extLst>
+  </p:cSld>
+  <p:clrMapOvr>
+    <a:masterClrMapping/>
+  </p:clrMapOvr>
+  <p:timing>
+    <p:tnLst>
+      <p:par>
+        <p:cTn id="1" dur="indefinite" restart="never" nodeType="tmRoot"/>
+      </p:par>
+    </p:tnLst>
+  </p:timing>
+</p:sld>
+</file>
+
+<file path=ppt/slides/slide14.xml><?xml version="1.0" encoding="utf-8"?>
+<p:sld xmlns:a="http://schemas.openxmlformats.org/drawingml/2006/main" xmlns:r="http://schemas.openxmlformats.org/officeDocument/2006/relationships" xmlns:p="http://schemas.openxmlformats.org/presentationml/2006/main">
+  <p:cSld>
+    <p:spTree>
+      <p:nvGrpSpPr>
+        <p:cNvPr id="1" name=""/>
+        <p:cNvGrpSpPr/>
+        <p:nvPr/>
+      </p:nvGrpSpPr>
+      <p:grpSpPr>
+        <a:xfrm>
+          <a:off x="0" y="0"/>
+          <a:ext cx="0" cy="0"/>
+          <a:chOff x="0" y="0"/>
+          <a:chExt cx="0" cy="0"/>
+        </a:xfrm>
+      </p:grpSpPr>
+      <p:sp>
+        <p:nvSpPr>
+          <p:cNvPr id="2" name="Title 1"/>
+          <p:cNvSpPr>
+            <a:spLocks noGrp="1"/>
+          </p:cNvSpPr>
+          <p:nvPr>
+            <p:ph type="title"/>
+          </p:nvPr>
+        </p:nvSpPr>
+        <p:spPr/>
+        <p:txBody>
+          <a:bodyPr/>
+          <a:lstStyle/>
+          <a:p>
+            <a:r>
+              <a:rPr lang="en-US" dirty="0" smtClean="0"/>
+              <a:t>Results – Sentiment analysis using VADER</a:t>
+            </a:r>
+            <a:endParaRPr lang="en-US" dirty="0"/>
+          </a:p>
+        </p:txBody>
+      </p:sp>
+      <p:pic>
+        <p:nvPicPr>
+          <p:cNvPr id="5" name="Content Placeholder 4"/>
+          <p:cNvPicPr>
+            <a:picLocks noGrp="1" noChangeAspect="1"/>
+          </p:cNvPicPr>
+          <p:nvPr>
+            <p:ph idx="1"/>
+          </p:nvPr>
+        </p:nvPicPr>
+        <p:blipFill>
+          <a:blip r:embed="rId2">
+            <a:extLst>
+              <a:ext uri="{28A0092B-C50C-407E-A947-70E740481C1C}">
+                <a14:useLocalDpi xmlns:a14="http://schemas.microsoft.com/office/drawing/2010/main" val="0"/>
+              </a:ext>
+            </a:extLst>
+          </a:blip>
+          <a:stretch>
+            <a:fillRect/>
+          </a:stretch>
+        </p:blipFill>
+        <p:spPr>
+          <a:xfrm>
+            <a:off x="1705609" y="2174875"/>
+            <a:ext cx="7563284" cy="3598863"/>
+          </a:xfrm>
+        </p:spPr>
+      </p:pic>
+      <p:sp>
+        <p:nvSpPr>
+          <p:cNvPr id="4" name="Slide Number Placeholder 3"/>
+          <p:cNvSpPr>
+            <a:spLocks noGrp="1"/>
+          </p:cNvSpPr>
+          <p:nvPr>
+            <p:ph type="sldNum" sz="quarter" idx="12"/>
+          </p:nvPr>
+        </p:nvSpPr>
+        <p:spPr/>
+        <p:txBody>
+          <a:bodyPr/>
+          <a:lstStyle/>
+          <a:p>
+            <a:fld id="{4FAB73BC-B049-4115-A692-8D63A059BFB8}" type="slidenum">
+              <a:rPr lang="en-US" smtClean="0"/>
+              <a:pPr/>
+              <a:t>14</a:t>
+            </a:fld>
+            <a:endParaRPr lang="en-US" dirty="0"/>
+          </a:p>
+        </p:txBody>
+      </p:sp>
+      <p:sp>
+        <p:nvSpPr>
+          <p:cNvPr id="6" name="Content Placeholder 2"/>
+          <p:cNvSpPr txBox="1">
+            <a:spLocks/>
+          </p:cNvSpPr>
+          <p:nvPr/>
+        </p:nvSpPr>
+        <p:spPr>
+          <a:xfrm>
+            <a:off x="333375" y="5927798"/>
+            <a:ext cx="10915650" cy="520627"/>
+          </a:xfrm>
+          <a:prstGeom prst="rect">
+            <a:avLst/>
+          </a:prstGeom>
+        </p:spPr>
+        <p:txBody>
+          <a:bodyPr vert="horz" lIns="91440" tIns="45720" rIns="91440" bIns="45720" rtlCol="0">
+            <a:normAutofit/>
+          </a:bodyPr>
+          <a:lstStyle>
+            <a:lvl1pPr marL="228600" indent="-228600" algn="l" defTabSz="914400" rtl="0" eaLnBrk="1" latinLnBrk="0" hangingPunct="1">
+              <a:lnSpc>
+                <a:spcPct val="90000"/>
+              </a:lnSpc>
+              <a:spcBef>
+                <a:spcPts val="1000"/>
+              </a:spcBef>
+              <a:buFont typeface="Arial" panose="020B0604020202020204" pitchFamily="34" charset="0"/>
+              <a:buChar char="•"/>
+              <a:defRPr sz="2400" kern="1200">
+                <a:solidFill>
+                  <a:schemeClr val="tx1"/>
+                </a:solidFill>
+                <a:latin typeface="+mn-lt"/>
+                <a:ea typeface="+mn-ea"/>
+                <a:cs typeface="+mn-cs"/>
+              </a:defRPr>
+            </a:lvl1pPr>
+            <a:lvl2pPr marL="685800" indent="-228600" algn="l" defTabSz="914400" rtl="0" eaLnBrk="1" latinLnBrk="0" hangingPunct="1">
+              <a:lnSpc>
+                <a:spcPct val="90000"/>
+              </a:lnSpc>
+              <a:spcBef>
+                <a:spcPts val="500"/>
+              </a:spcBef>
+              <a:buFont typeface="Arial" panose="020B0604020202020204" pitchFamily="34" charset="0"/>
+              <a:buChar char="•"/>
+              <a:defRPr sz="2000" kern="1200">
+                <a:solidFill>
+                  <a:schemeClr val="tx1"/>
+                </a:solidFill>
+                <a:latin typeface="+mn-lt"/>
+                <a:ea typeface="+mn-ea"/>
+                <a:cs typeface="+mn-cs"/>
+              </a:defRPr>
+            </a:lvl2pPr>
+            <a:lvl3pPr marL="1143000" indent="-228600" algn="l" defTabSz="914400" rtl="0" eaLnBrk="1" latinLnBrk="0" hangingPunct="1">
+              <a:lnSpc>
+                <a:spcPct val="90000"/>
+              </a:lnSpc>
+              <a:spcBef>
+                <a:spcPts val="500"/>
+              </a:spcBef>
+              <a:buFont typeface="Arial" panose="020B0604020202020204" pitchFamily="34" charset="0"/>
+              <a:buChar char="•"/>
+              <a:defRPr sz="1800" kern="1200">
+                <a:solidFill>
+                  <a:schemeClr val="tx1"/>
+                </a:solidFill>
+                <a:latin typeface="+mn-lt"/>
+                <a:ea typeface="+mn-ea"/>
+                <a:cs typeface="+mn-cs"/>
+              </a:defRPr>
+            </a:lvl3pPr>
+            <a:lvl4pPr marL="1600200" indent="-228600" algn="l" defTabSz="914400" rtl="0" eaLnBrk="1" latinLnBrk="0" hangingPunct="1">
+              <a:lnSpc>
+                <a:spcPct val="90000"/>
+              </a:lnSpc>
+              <a:spcBef>
+                <a:spcPts val="500"/>
+              </a:spcBef>
+              <a:buFont typeface="Arial" panose="020B0604020202020204" pitchFamily="34" charset="0"/>
+              <a:buChar char="•"/>
+              <a:defRPr sz="1600" kern="1200">
+                <a:solidFill>
+                  <a:schemeClr val="tx1"/>
+                </a:solidFill>
+                <a:latin typeface="+mn-lt"/>
+                <a:ea typeface="+mn-ea"/>
+                <a:cs typeface="+mn-cs"/>
+              </a:defRPr>
+            </a:lvl4pPr>
+            <a:lvl5pPr marL="2057400" indent="-228600" algn="l" defTabSz="914400" rtl="0" eaLnBrk="1" latinLnBrk="0" hangingPunct="1">
+              <a:lnSpc>
+                <a:spcPct val="90000"/>
+              </a:lnSpc>
+              <a:spcBef>
+                <a:spcPts val="500"/>
+              </a:spcBef>
+              <a:buFont typeface="Arial" panose="020B0604020202020204" pitchFamily="34" charset="0"/>
+              <a:buChar char="•"/>
+              <a:defRPr sz="1600" kern="1200">
+                <a:solidFill>
+                  <a:schemeClr val="tx1"/>
+                </a:solidFill>
+                <a:latin typeface="+mn-lt"/>
+                <a:ea typeface="+mn-ea"/>
+                <a:cs typeface="+mn-cs"/>
+              </a:defRPr>
+            </a:lvl5pPr>
+            <a:lvl6pPr marL="2514600" indent="-228600" algn="l" defTabSz="914400" rtl="0" eaLnBrk="1" latinLnBrk="0" hangingPunct="1">
+              <a:lnSpc>
+                <a:spcPct val="90000"/>
+              </a:lnSpc>
+              <a:spcBef>
+                <a:spcPts val="500"/>
+              </a:spcBef>
+              <a:buFont typeface="Arial" panose="020B0604020202020204" pitchFamily="34" charset="0"/>
+              <a:buChar char="•"/>
+              <a:defRPr sz="1400" kern="1200">
+                <a:solidFill>
+                  <a:schemeClr val="tx1"/>
+                </a:solidFill>
+                <a:latin typeface="+mn-lt"/>
+                <a:ea typeface="+mn-ea"/>
+                <a:cs typeface="+mn-cs"/>
+              </a:defRPr>
+            </a:lvl6pPr>
+            <a:lvl7pPr marL="2971800" indent="-228600" algn="l" defTabSz="914400" rtl="0" eaLnBrk="1" latinLnBrk="0" hangingPunct="1">
+              <a:lnSpc>
+                <a:spcPct val="90000"/>
+              </a:lnSpc>
+              <a:spcBef>
+                <a:spcPts val="500"/>
+              </a:spcBef>
+              <a:buFont typeface="Arial" panose="020B0604020202020204" pitchFamily="34" charset="0"/>
+              <a:buChar char="•"/>
+              <a:defRPr sz="1400" kern="1200">
+                <a:solidFill>
+                  <a:schemeClr val="tx1"/>
+                </a:solidFill>
+                <a:latin typeface="+mn-lt"/>
+                <a:ea typeface="+mn-ea"/>
+                <a:cs typeface="+mn-cs"/>
+              </a:defRPr>
+            </a:lvl7pPr>
+            <a:lvl8pPr marL="3429000" indent="-228600" algn="l" defTabSz="914400" rtl="0" eaLnBrk="1" latinLnBrk="0" hangingPunct="1">
+              <a:lnSpc>
+                <a:spcPct val="90000"/>
+              </a:lnSpc>
+              <a:spcBef>
+                <a:spcPts val="500"/>
+              </a:spcBef>
+              <a:buFont typeface="Arial" panose="020B0604020202020204" pitchFamily="34" charset="0"/>
+              <a:buChar char="•"/>
+              <a:defRPr sz="1400" kern="1200">
+                <a:solidFill>
+                  <a:schemeClr val="tx1"/>
+                </a:solidFill>
+                <a:latin typeface="+mn-lt"/>
+                <a:ea typeface="+mn-ea"/>
+                <a:cs typeface="+mn-cs"/>
+              </a:defRPr>
+            </a:lvl8pPr>
+            <a:lvl9pPr marL="3886200" indent="-228600" algn="l" defTabSz="914400" rtl="0" eaLnBrk="1" latinLnBrk="0" hangingPunct="1">
+              <a:lnSpc>
+                <a:spcPct val="90000"/>
+              </a:lnSpc>
+              <a:spcBef>
+                <a:spcPts val="500"/>
+              </a:spcBef>
+              <a:buFont typeface="Arial" panose="020B0604020202020204" pitchFamily="34" charset="0"/>
+              <a:buChar char="•"/>
+              <a:defRPr sz="1400" kern="1200">
+                <a:solidFill>
+                  <a:schemeClr val="tx1"/>
+                </a:solidFill>
+                <a:latin typeface="+mn-lt"/>
+                <a:ea typeface="+mn-ea"/>
+                <a:cs typeface="+mn-cs"/>
+              </a:defRPr>
+            </a:lvl9pPr>
+          </a:lstStyle>
+          <a:p>
+            <a:pPr marL="0" indent="0">
+              <a:buNone/>
+            </a:pPr>
+            <a:r>
+              <a:rPr lang="en-US" dirty="0"/>
+              <a:t>Percentage of positive values &gt; negative values for 1-star Reviews: </a:t>
+            </a:r>
+            <a:r>
+              <a:rPr lang="en-US" b="1" dirty="0" smtClean="0"/>
+              <a:t>39.17 %</a:t>
+            </a:r>
+            <a:endParaRPr lang="en-US" b="1" dirty="0"/>
+          </a:p>
+          <a:p>
+            <a:pPr marL="0" indent="0">
+              <a:buNone/>
+            </a:pPr>
+            <a:endParaRPr lang="en-US" dirty="0"/>
+          </a:p>
+        </p:txBody>
+      </p:sp>
+    </p:spTree>
+    <p:extLst>
+      <p:ext uri="{BB962C8B-B14F-4D97-AF65-F5344CB8AC3E}">
+        <p14:creationId xmlns:p14="http://schemas.microsoft.com/office/powerpoint/2010/main" val="2258922808"/>
+      </p:ext>
+    </p:extLst>
+  </p:cSld>
+  <p:clrMapOvr>
+    <a:masterClrMapping/>
+  </p:clrMapOvr>
+  <p:timing>
+    <p:tnLst>
+      <p:par>
+        <p:cTn id="1" dur="indefinite" restart="never" nodeType="tmRoot"/>
+      </p:par>
+    </p:tnLst>
+  </p:timing>
+</p:sld>
+</file>
+
+<file path=ppt/slides/slide15.xml><?xml version="1.0" encoding="utf-8"?>
+<p:sld xmlns:a="http://schemas.openxmlformats.org/drawingml/2006/main" xmlns:r="http://schemas.openxmlformats.org/officeDocument/2006/relationships" xmlns:p="http://schemas.openxmlformats.org/presentationml/2006/main">
+  <p:cSld>
+    <p:spTree>
+      <p:nvGrpSpPr>
+        <p:cNvPr id="1" name=""/>
+        <p:cNvGrpSpPr/>
+        <p:nvPr/>
+      </p:nvGrpSpPr>
+      <p:grpSpPr>
+        <a:xfrm>
+          <a:off x="0" y="0"/>
+          <a:ext cx="0" cy="0"/>
+          <a:chOff x="0" y="0"/>
+          <a:chExt cx="0" cy="0"/>
+        </a:xfrm>
+      </p:grpSpPr>
+      <p:sp>
+        <p:nvSpPr>
+          <p:cNvPr id="2" name="Title 1"/>
+          <p:cNvSpPr>
+            <a:spLocks noGrp="1"/>
+          </p:cNvSpPr>
+          <p:nvPr>
+            <p:ph type="title"/>
+          </p:nvPr>
+        </p:nvSpPr>
+        <p:spPr/>
+        <p:txBody>
+          <a:bodyPr/>
+          <a:lstStyle/>
+          <a:p>
+            <a:r>
+              <a:rPr lang="en-US" dirty="0"/>
+              <a:t>Results – Sentiment analysis using VADER</a:t>
+            </a:r>
+          </a:p>
+        </p:txBody>
+      </p:sp>
+      <p:pic>
+        <p:nvPicPr>
+          <p:cNvPr id="5" name="Content Placeholder 4"/>
+          <p:cNvPicPr>
+            <a:picLocks noGrp="1" noChangeAspect="1"/>
+          </p:cNvPicPr>
+          <p:nvPr>
+            <p:ph idx="1"/>
+          </p:nvPr>
+        </p:nvPicPr>
+        <p:blipFill>
+          <a:blip r:embed="rId2">
+            <a:extLst>
+              <a:ext uri="{28A0092B-C50C-407E-A947-70E740481C1C}">
+                <a14:useLocalDpi xmlns:a14="http://schemas.microsoft.com/office/drawing/2010/main" val="0"/>
+              </a:ext>
+            </a:extLst>
+          </a:blip>
+          <a:stretch>
+            <a:fillRect/>
+          </a:stretch>
+        </p:blipFill>
+        <p:spPr>
+          <a:xfrm>
+            <a:off x="127872" y="2117726"/>
+            <a:ext cx="5806204" cy="2762786"/>
+          </a:xfrm>
+        </p:spPr>
+      </p:pic>
+      <p:sp>
+        <p:nvSpPr>
+          <p:cNvPr id="4" name="Slide Number Placeholder 3"/>
+          <p:cNvSpPr>
+            <a:spLocks noGrp="1"/>
+          </p:cNvSpPr>
+          <p:nvPr>
+            <p:ph type="sldNum" sz="quarter" idx="12"/>
+          </p:nvPr>
+        </p:nvSpPr>
+        <p:spPr/>
+        <p:txBody>
+          <a:bodyPr/>
+          <a:lstStyle/>
+          <a:p>
+            <a:fld id="{4FAB73BC-B049-4115-A692-8D63A059BFB8}" type="slidenum">
+              <a:rPr lang="en-US" smtClean="0"/>
+              <a:pPr/>
+              <a:t>15</a:t>
+            </a:fld>
+            <a:endParaRPr lang="en-US" dirty="0"/>
+          </a:p>
+        </p:txBody>
+      </p:sp>
+      <p:pic>
+        <p:nvPicPr>
+          <p:cNvPr id="6" name="Picture 5"/>
+          <p:cNvPicPr>
+            <a:picLocks noChangeAspect="1"/>
+          </p:cNvPicPr>
+          <p:nvPr/>
+        </p:nvPicPr>
+        <p:blipFill>
+          <a:blip r:embed="rId3">
+            <a:extLst>
+              <a:ext uri="{28A0092B-C50C-407E-A947-70E740481C1C}">
+                <a14:useLocalDpi xmlns:a14="http://schemas.microsoft.com/office/drawing/2010/main" val="0"/>
+              </a:ext>
+            </a:extLst>
+          </a:blip>
+          <a:stretch>
+            <a:fillRect/>
+          </a:stretch>
+        </p:blipFill>
+        <p:spPr>
+          <a:xfrm>
+            <a:off x="6153151" y="3878313"/>
+            <a:ext cx="5867400" cy="2791904"/>
+          </a:xfrm>
+          <a:prstGeom prst="rect">
+            <a:avLst/>
+          </a:prstGeom>
+        </p:spPr>
+      </p:pic>
+      <p:sp>
+        <p:nvSpPr>
+          <p:cNvPr id="7" name="Content Placeholder 2"/>
+          <p:cNvSpPr txBox="1">
+            <a:spLocks/>
+          </p:cNvSpPr>
+          <p:nvPr/>
+        </p:nvSpPr>
+        <p:spPr>
+          <a:xfrm>
+            <a:off x="6593719" y="2241605"/>
+            <a:ext cx="4135735" cy="1492196"/>
+          </a:xfrm>
+          <a:prstGeom prst="rect">
+            <a:avLst/>
+          </a:prstGeom>
+        </p:spPr>
+        <p:txBody>
+          <a:bodyPr vert="horz" lIns="91440" tIns="45720" rIns="91440" bIns="45720" rtlCol="0">
+            <a:normAutofit/>
+          </a:bodyPr>
+          <a:lstStyle>
+            <a:lvl1pPr marL="228600" indent="-228600" algn="l" defTabSz="914400" rtl="0" eaLnBrk="1" latinLnBrk="0" hangingPunct="1">
+              <a:lnSpc>
+                <a:spcPct val="90000"/>
+              </a:lnSpc>
+              <a:spcBef>
+                <a:spcPts val="1000"/>
+              </a:spcBef>
+              <a:buFont typeface="Arial" panose="020B0604020202020204" pitchFamily="34" charset="0"/>
+              <a:buChar char="•"/>
+              <a:defRPr sz="2400" kern="1200">
+                <a:solidFill>
+                  <a:schemeClr val="tx1"/>
+                </a:solidFill>
+                <a:latin typeface="+mn-lt"/>
+                <a:ea typeface="+mn-ea"/>
+                <a:cs typeface="+mn-cs"/>
+              </a:defRPr>
+            </a:lvl1pPr>
+            <a:lvl2pPr marL="685800" indent="-228600" algn="l" defTabSz="914400" rtl="0" eaLnBrk="1" latinLnBrk="0" hangingPunct="1">
+              <a:lnSpc>
+                <a:spcPct val="90000"/>
+              </a:lnSpc>
+              <a:spcBef>
+                <a:spcPts val="500"/>
+              </a:spcBef>
+              <a:buFont typeface="Arial" panose="020B0604020202020204" pitchFamily="34" charset="0"/>
+              <a:buChar char="•"/>
+              <a:defRPr sz="2000" kern="1200">
+                <a:solidFill>
+                  <a:schemeClr val="tx1"/>
+                </a:solidFill>
+                <a:latin typeface="+mn-lt"/>
+                <a:ea typeface="+mn-ea"/>
+                <a:cs typeface="+mn-cs"/>
+              </a:defRPr>
+            </a:lvl2pPr>
+            <a:lvl3pPr marL="1143000" indent="-228600" algn="l" defTabSz="914400" rtl="0" eaLnBrk="1" latinLnBrk="0" hangingPunct="1">
+              <a:lnSpc>
+                <a:spcPct val="90000"/>
+              </a:lnSpc>
+              <a:spcBef>
+                <a:spcPts val="500"/>
+              </a:spcBef>
+              <a:buFont typeface="Arial" panose="020B0604020202020204" pitchFamily="34" charset="0"/>
+              <a:buChar char="•"/>
+              <a:defRPr sz="1800" kern="1200">
+                <a:solidFill>
+                  <a:schemeClr val="tx1"/>
+                </a:solidFill>
+                <a:latin typeface="+mn-lt"/>
+                <a:ea typeface="+mn-ea"/>
+                <a:cs typeface="+mn-cs"/>
+              </a:defRPr>
+            </a:lvl3pPr>
+            <a:lvl4pPr marL="1600200" indent="-228600" algn="l" defTabSz="914400" rtl="0" eaLnBrk="1" latinLnBrk="0" hangingPunct="1">
+              <a:lnSpc>
+                <a:spcPct val="90000"/>
+              </a:lnSpc>
+              <a:spcBef>
+                <a:spcPts val="500"/>
+              </a:spcBef>
+              <a:buFont typeface="Arial" panose="020B0604020202020204" pitchFamily="34" charset="0"/>
+              <a:buChar char="•"/>
+              <a:defRPr sz="1600" kern="1200">
+                <a:solidFill>
+                  <a:schemeClr val="tx1"/>
+                </a:solidFill>
+                <a:latin typeface="+mn-lt"/>
+                <a:ea typeface="+mn-ea"/>
+                <a:cs typeface="+mn-cs"/>
+              </a:defRPr>
+            </a:lvl4pPr>
+            <a:lvl5pPr marL="2057400" indent="-228600" algn="l" defTabSz="914400" rtl="0" eaLnBrk="1" latinLnBrk="0" hangingPunct="1">
+              <a:lnSpc>
+                <a:spcPct val="90000"/>
+              </a:lnSpc>
+              <a:spcBef>
+                <a:spcPts val="500"/>
+              </a:spcBef>
+              <a:buFont typeface="Arial" panose="020B0604020202020204" pitchFamily="34" charset="0"/>
+              <a:buChar char="•"/>
+              <a:defRPr sz="1600" kern="1200">
+                <a:solidFill>
+                  <a:schemeClr val="tx1"/>
+                </a:solidFill>
+                <a:latin typeface="+mn-lt"/>
+                <a:ea typeface="+mn-ea"/>
+                <a:cs typeface="+mn-cs"/>
+              </a:defRPr>
+            </a:lvl5pPr>
+            <a:lvl6pPr marL="2514600" indent="-228600" algn="l" defTabSz="914400" rtl="0" eaLnBrk="1" latinLnBrk="0" hangingPunct="1">
+              <a:lnSpc>
+                <a:spcPct val="90000"/>
+              </a:lnSpc>
+              <a:spcBef>
+                <a:spcPts val="500"/>
+              </a:spcBef>
+              <a:buFont typeface="Arial" panose="020B0604020202020204" pitchFamily="34" charset="0"/>
+              <a:buChar char="•"/>
+              <a:defRPr sz="1400" kern="1200">
+                <a:solidFill>
+                  <a:schemeClr val="tx1"/>
+                </a:solidFill>
+                <a:latin typeface="+mn-lt"/>
+                <a:ea typeface="+mn-ea"/>
+                <a:cs typeface="+mn-cs"/>
+              </a:defRPr>
+            </a:lvl6pPr>
+            <a:lvl7pPr marL="2971800" indent="-228600" algn="l" defTabSz="914400" rtl="0" eaLnBrk="1" latinLnBrk="0" hangingPunct="1">
+              <a:lnSpc>
+                <a:spcPct val="90000"/>
+              </a:lnSpc>
+              <a:spcBef>
+                <a:spcPts val="500"/>
+              </a:spcBef>
+              <a:buFont typeface="Arial" panose="020B0604020202020204" pitchFamily="34" charset="0"/>
+              <a:buChar char="•"/>
+              <a:defRPr sz="1400" kern="1200">
+                <a:solidFill>
+                  <a:schemeClr val="tx1"/>
+                </a:solidFill>
+                <a:latin typeface="+mn-lt"/>
+                <a:ea typeface="+mn-ea"/>
+                <a:cs typeface="+mn-cs"/>
+              </a:defRPr>
+            </a:lvl7pPr>
+            <a:lvl8pPr marL="3429000" indent="-228600" algn="l" defTabSz="914400" rtl="0" eaLnBrk="1" latinLnBrk="0" hangingPunct="1">
+              <a:lnSpc>
+                <a:spcPct val="90000"/>
+              </a:lnSpc>
+              <a:spcBef>
+                <a:spcPts val="500"/>
+              </a:spcBef>
+              <a:buFont typeface="Arial" panose="020B0604020202020204" pitchFamily="34" charset="0"/>
+              <a:buChar char="•"/>
+              <a:defRPr sz="1400" kern="1200">
+                <a:solidFill>
+                  <a:schemeClr val="tx1"/>
+                </a:solidFill>
+                <a:latin typeface="+mn-lt"/>
+                <a:ea typeface="+mn-ea"/>
+                <a:cs typeface="+mn-cs"/>
+              </a:defRPr>
+            </a:lvl8pPr>
+            <a:lvl9pPr marL="3886200" indent="-228600" algn="l" defTabSz="914400" rtl="0" eaLnBrk="1" latinLnBrk="0" hangingPunct="1">
+              <a:lnSpc>
+                <a:spcPct val="90000"/>
+              </a:lnSpc>
+              <a:spcBef>
+                <a:spcPts val="500"/>
+              </a:spcBef>
+              <a:buFont typeface="Arial" panose="020B0604020202020204" pitchFamily="34" charset="0"/>
+              <a:buChar char="•"/>
+              <a:defRPr sz="1400" kern="1200">
+                <a:solidFill>
+                  <a:schemeClr val="tx1"/>
+                </a:solidFill>
+                <a:latin typeface="+mn-lt"/>
+                <a:ea typeface="+mn-ea"/>
+                <a:cs typeface="+mn-cs"/>
+              </a:defRPr>
+            </a:lvl9pPr>
+          </a:lstStyle>
+          <a:p>
+            <a:pPr marL="0" indent="0">
+              <a:buNone/>
+            </a:pPr>
+            <a:r>
+              <a:rPr lang="en-US" dirty="0"/>
+              <a:t>Percentage of positive values &gt; negative values for </a:t>
+            </a:r>
+            <a:r>
+              <a:rPr lang="en-US" dirty="0" smtClean="0"/>
+              <a:t>2-star </a:t>
+            </a:r>
+            <a:r>
+              <a:rPr lang="en-US" dirty="0"/>
+              <a:t>Reviews: </a:t>
+            </a:r>
+            <a:r>
+              <a:rPr lang="en-US" b="1" dirty="0" smtClean="0"/>
+              <a:t>66.57 %</a:t>
+            </a:r>
+            <a:endParaRPr lang="en-US" b="1" dirty="0"/>
+          </a:p>
+          <a:p>
+            <a:pPr marL="0" indent="0">
+              <a:buNone/>
+            </a:pPr>
+            <a:endParaRPr lang="en-US" dirty="0"/>
+          </a:p>
+        </p:txBody>
+      </p:sp>
+      <p:sp>
+        <p:nvSpPr>
+          <p:cNvPr id="8" name="Content Placeholder 2"/>
+          <p:cNvSpPr txBox="1">
+            <a:spLocks/>
+          </p:cNvSpPr>
+          <p:nvPr/>
+        </p:nvSpPr>
+        <p:spPr>
+          <a:xfrm>
+            <a:off x="1053592" y="5250186"/>
+            <a:ext cx="4699508" cy="1245864"/>
+          </a:xfrm>
+          <a:prstGeom prst="rect">
+            <a:avLst/>
+          </a:prstGeom>
+        </p:spPr>
+        <p:txBody>
+          <a:bodyPr vert="horz" lIns="91440" tIns="45720" rIns="91440" bIns="45720" rtlCol="0">
+            <a:normAutofit/>
+          </a:bodyPr>
+          <a:lstStyle>
+            <a:lvl1pPr marL="228600" indent="-228600" algn="l" defTabSz="914400" rtl="0" eaLnBrk="1" latinLnBrk="0" hangingPunct="1">
+              <a:lnSpc>
+                <a:spcPct val="90000"/>
+              </a:lnSpc>
+              <a:spcBef>
+                <a:spcPts val="1000"/>
+              </a:spcBef>
+              <a:buFont typeface="Arial" panose="020B0604020202020204" pitchFamily="34" charset="0"/>
+              <a:buChar char="•"/>
+              <a:defRPr sz="2400" kern="1200">
+                <a:solidFill>
+                  <a:schemeClr val="tx1"/>
+                </a:solidFill>
+                <a:latin typeface="+mn-lt"/>
+                <a:ea typeface="+mn-ea"/>
+                <a:cs typeface="+mn-cs"/>
+              </a:defRPr>
+            </a:lvl1pPr>
+            <a:lvl2pPr marL="685800" indent="-228600" algn="l" defTabSz="914400" rtl="0" eaLnBrk="1" latinLnBrk="0" hangingPunct="1">
+              <a:lnSpc>
+                <a:spcPct val="90000"/>
+              </a:lnSpc>
+              <a:spcBef>
+                <a:spcPts val="500"/>
+              </a:spcBef>
+              <a:buFont typeface="Arial" panose="020B0604020202020204" pitchFamily="34" charset="0"/>
+              <a:buChar char="•"/>
+              <a:defRPr sz="2000" kern="1200">
+                <a:solidFill>
+                  <a:schemeClr val="tx1"/>
+                </a:solidFill>
+                <a:latin typeface="+mn-lt"/>
+                <a:ea typeface="+mn-ea"/>
+                <a:cs typeface="+mn-cs"/>
+              </a:defRPr>
+            </a:lvl2pPr>
+            <a:lvl3pPr marL="1143000" indent="-228600" algn="l" defTabSz="914400" rtl="0" eaLnBrk="1" latinLnBrk="0" hangingPunct="1">
+              <a:lnSpc>
+                <a:spcPct val="90000"/>
+              </a:lnSpc>
+              <a:spcBef>
+                <a:spcPts val="500"/>
+              </a:spcBef>
+              <a:buFont typeface="Arial" panose="020B0604020202020204" pitchFamily="34" charset="0"/>
+              <a:buChar char="•"/>
+              <a:defRPr sz="1800" kern="1200">
+                <a:solidFill>
+                  <a:schemeClr val="tx1"/>
+                </a:solidFill>
+                <a:latin typeface="+mn-lt"/>
+                <a:ea typeface="+mn-ea"/>
+                <a:cs typeface="+mn-cs"/>
+              </a:defRPr>
+            </a:lvl3pPr>
+            <a:lvl4pPr marL="1600200" indent="-228600" algn="l" defTabSz="914400" rtl="0" eaLnBrk="1" latinLnBrk="0" hangingPunct="1">
+              <a:lnSpc>
+                <a:spcPct val="90000"/>
+              </a:lnSpc>
+              <a:spcBef>
+                <a:spcPts val="500"/>
+              </a:spcBef>
+              <a:buFont typeface="Arial" panose="020B0604020202020204" pitchFamily="34" charset="0"/>
+              <a:buChar char="•"/>
+              <a:defRPr sz="1600" kern="1200">
+                <a:solidFill>
+                  <a:schemeClr val="tx1"/>
+                </a:solidFill>
+                <a:latin typeface="+mn-lt"/>
+                <a:ea typeface="+mn-ea"/>
+                <a:cs typeface="+mn-cs"/>
+              </a:defRPr>
+            </a:lvl4pPr>
+            <a:lvl5pPr marL="2057400" indent="-228600" algn="l" defTabSz="914400" rtl="0" eaLnBrk="1" latinLnBrk="0" hangingPunct="1">
+              <a:lnSpc>
+                <a:spcPct val="90000"/>
+              </a:lnSpc>
+              <a:spcBef>
+                <a:spcPts val="500"/>
+              </a:spcBef>
+              <a:buFont typeface="Arial" panose="020B0604020202020204" pitchFamily="34" charset="0"/>
+              <a:buChar char="•"/>
+              <a:defRPr sz="1600" kern="1200">
+                <a:solidFill>
+                  <a:schemeClr val="tx1"/>
+                </a:solidFill>
+                <a:latin typeface="+mn-lt"/>
+                <a:ea typeface="+mn-ea"/>
+                <a:cs typeface="+mn-cs"/>
+              </a:defRPr>
+            </a:lvl5pPr>
+            <a:lvl6pPr marL="2514600" indent="-228600" algn="l" defTabSz="914400" rtl="0" eaLnBrk="1" latinLnBrk="0" hangingPunct="1">
+              <a:lnSpc>
+                <a:spcPct val="90000"/>
+              </a:lnSpc>
+              <a:spcBef>
+                <a:spcPts val="500"/>
+              </a:spcBef>
+              <a:buFont typeface="Arial" panose="020B0604020202020204" pitchFamily="34" charset="0"/>
+              <a:buChar char="•"/>
+              <a:defRPr sz="1400" kern="1200">
+                <a:solidFill>
+                  <a:schemeClr val="tx1"/>
+                </a:solidFill>
+                <a:latin typeface="+mn-lt"/>
+                <a:ea typeface="+mn-ea"/>
+                <a:cs typeface="+mn-cs"/>
+              </a:defRPr>
+            </a:lvl6pPr>
+            <a:lvl7pPr marL="2971800" indent="-228600" algn="l" defTabSz="914400" rtl="0" eaLnBrk="1" latinLnBrk="0" hangingPunct="1">
+              <a:lnSpc>
+                <a:spcPct val="90000"/>
+              </a:lnSpc>
+              <a:spcBef>
+                <a:spcPts val="500"/>
+              </a:spcBef>
+              <a:buFont typeface="Arial" panose="020B0604020202020204" pitchFamily="34" charset="0"/>
+              <a:buChar char="•"/>
+              <a:defRPr sz="1400" kern="1200">
+                <a:solidFill>
+                  <a:schemeClr val="tx1"/>
+                </a:solidFill>
+                <a:latin typeface="+mn-lt"/>
+                <a:ea typeface="+mn-ea"/>
+                <a:cs typeface="+mn-cs"/>
+              </a:defRPr>
+            </a:lvl7pPr>
+            <a:lvl8pPr marL="3429000" indent="-228600" algn="l" defTabSz="914400" rtl="0" eaLnBrk="1" latinLnBrk="0" hangingPunct="1">
+              <a:lnSpc>
+                <a:spcPct val="90000"/>
+              </a:lnSpc>
+              <a:spcBef>
+                <a:spcPts val="500"/>
+              </a:spcBef>
+              <a:buFont typeface="Arial" panose="020B0604020202020204" pitchFamily="34" charset="0"/>
+              <a:buChar char="•"/>
+              <a:defRPr sz="1400" kern="1200">
+                <a:solidFill>
+                  <a:schemeClr val="tx1"/>
+                </a:solidFill>
+                <a:latin typeface="+mn-lt"/>
+                <a:ea typeface="+mn-ea"/>
+                <a:cs typeface="+mn-cs"/>
+              </a:defRPr>
+            </a:lvl8pPr>
+            <a:lvl9pPr marL="3886200" indent="-228600" algn="l" defTabSz="914400" rtl="0" eaLnBrk="1" latinLnBrk="0" hangingPunct="1">
+              <a:lnSpc>
+                <a:spcPct val="90000"/>
+              </a:lnSpc>
+              <a:spcBef>
+                <a:spcPts val="500"/>
+              </a:spcBef>
+              <a:buFont typeface="Arial" panose="020B0604020202020204" pitchFamily="34" charset="0"/>
+              <a:buChar char="•"/>
+              <a:defRPr sz="1400" kern="1200">
+                <a:solidFill>
+                  <a:schemeClr val="tx1"/>
+                </a:solidFill>
+                <a:latin typeface="+mn-lt"/>
+                <a:ea typeface="+mn-ea"/>
+                <a:cs typeface="+mn-cs"/>
+              </a:defRPr>
+            </a:lvl9pPr>
+          </a:lstStyle>
+          <a:p>
+            <a:pPr marL="0" indent="0">
+              <a:buNone/>
+            </a:pPr>
+            <a:r>
+              <a:rPr lang="en-US" dirty="0"/>
+              <a:t>Percentage of positive values &gt; negative values for </a:t>
+            </a:r>
+            <a:r>
+              <a:rPr lang="en-US" dirty="0" smtClean="0"/>
+              <a:t>3-star </a:t>
+            </a:r>
+            <a:r>
+              <a:rPr lang="en-US" dirty="0"/>
+              <a:t>Reviews: </a:t>
+            </a:r>
+            <a:r>
+              <a:rPr lang="en-US" b="1" dirty="0" smtClean="0"/>
+              <a:t>87.57 %</a:t>
+            </a:r>
+            <a:endParaRPr lang="en-US" b="1" dirty="0"/>
+          </a:p>
+          <a:p>
+            <a:pPr marL="0" indent="0">
+              <a:buNone/>
+            </a:pPr>
+            <a:endParaRPr lang="en-US" dirty="0"/>
+          </a:p>
+        </p:txBody>
+      </p:sp>
+    </p:spTree>
+    <p:extLst>
+      <p:ext uri="{BB962C8B-B14F-4D97-AF65-F5344CB8AC3E}">
+        <p14:creationId xmlns:p14="http://schemas.microsoft.com/office/powerpoint/2010/main" val="2413282483"/>
+      </p:ext>
+    </p:extLst>
+  </p:cSld>
+  <p:clrMapOvr>
+    <a:masterClrMapping/>
+  </p:clrMapOvr>
+  <p:timing>
+    <p:tnLst>
+      <p:par>
+        <p:cTn id="1" dur="indefinite" restart="never" nodeType="tmRoot"/>
+      </p:par>
+    </p:tnLst>
+  </p:timing>
+</p:sld>
+</file>
+
+<file path=ppt/slides/slide16.xml><?xml version="1.0" encoding="utf-8"?>
+<p:sld xmlns:a="http://schemas.openxmlformats.org/drawingml/2006/main" xmlns:r="http://schemas.openxmlformats.org/officeDocument/2006/relationships" xmlns:p="http://schemas.openxmlformats.org/presentationml/2006/main">
+  <p:cSld>
+    <p:spTree>
+      <p:nvGrpSpPr>
+        <p:cNvPr id="1" name=""/>
+        <p:cNvGrpSpPr/>
+        <p:nvPr/>
+      </p:nvGrpSpPr>
+      <p:grpSpPr>
+        <a:xfrm>
+          <a:off x="0" y="0"/>
+          <a:ext cx="0" cy="0"/>
+          <a:chOff x="0" y="0"/>
+          <a:chExt cx="0" cy="0"/>
+        </a:xfrm>
+      </p:grpSpPr>
+      <p:sp>
+        <p:nvSpPr>
+          <p:cNvPr id="2" name="Title 1"/>
+          <p:cNvSpPr>
+            <a:spLocks noGrp="1"/>
+          </p:cNvSpPr>
+          <p:nvPr>
+            <p:ph type="title"/>
+          </p:nvPr>
+        </p:nvSpPr>
+        <p:spPr/>
+        <p:txBody>
+          <a:bodyPr/>
+          <a:lstStyle/>
+          <a:p>
+            <a:r>
+              <a:rPr lang="en-US" dirty="0"/>
+              <a:t>Results – Sentiment analysis using VADER</a:t>
+            </a:r>
+          </a:p>
+        </p:txBody>
+      </p:sp>
+      <p:pic>
+        <p:nvPicPr>
+          <p:cNvPr id="5" name="Content Placeholder 4"/>
+          <p:cNvPicPr>
+            <a:picLocks noGrp="1" noChangeAspect="1"/>
+          </p:cNvPicPr>
+          <p:nvPr>
+            <p:ph idx="1"/>
+          </p:nvPr>
+        </p:nvPicPr>
+        <p:blipFill>
+          <a:blip r:embed="rId2">
+            <a:extLst>
+              <a:ext uri="{28A0092B-C50C-407E-A947-70E740481C1C}">
+                <a14:useLocalDpi xmlns:a14="http://schemas.microsoft.com/office/drawing/2010/main" val="0"/>
+              </a:ext>
+            </a:extLst>
+          </a:blip>
+          <a:stretch>
+            <a:fillRect/>
+          </a:stretch>
+        </p:blipFill>
+        <p:spPr>
+          <a:xfrm>
+            <a:off x="229318" y="2165350"/>
+            <a:ext cx="5628557" cy="2678255"/>
+          </a:xfrm>
+        </p:spPr>
+      </p:pic>
+      <p:sp>
+        <p:nvSpPr>
+          <p:cNvPr id="4" name="Slide Number Placeholder 3"/>
+          <p:cNvSpPr>
+            <a:spLocks noGrp="1"/>
+          </p:cNvSpPr>
+          <p:nvPr>
+            <p:ph type="sldNum" sz="quarter" idx="12"/>
+          </p:nvPr>
+        </p:nvSpPr>
+        <p:spPr/>
+        <p:txBody>
+          <a:bodyPr/>
+          <a:lstStyle/>
+          <a:p>
+            <a:fld id="{4FAB73BC-B049-4115-A692-8D63A059BFB8}" type="slidenum">
+              <a:rPr lang="en-US" smtClean="0"/>
+              <a:pPr/>
+              <a:t>16</a:t>
+            </a:fld>
+            <a:endParaRPr lang="en-US" dirty="0"/>
+          </a:p>
+        </p:txBody>
+      </p:sp>
+      <p:pic>
+        <p:nvPicPr>
+          <p:cNvPr id="6" name="Picture 5"/>
+          <p:cNvPicPr>
+            <a:picLocks noChangeAspect="1"/>
+          </p:cNvPicPr>
+          <p:nvPr/>
+        </p:nvPicPr>
+        <p:blipFill>
+          <a:blip r:embed="rId3">
+            <a:extLst>
+              <a:ext uri="{28A0092B-C50C-407E-A947-70E740481C1C}">
+                <a14:useLocalDpi xmlns:a14="http://schemas.microsoft.com/office/drawing/2010/main" val="0"/>
+              </a:ext>
+            </a:extLst>
+          </a:blip>
+          <a:stretch>
+            <a:fillRect/>
+          </a:stretch>
+        </p:blipFill>
+        <p:spPr>
+          <a:xfrm>
+            <a:off x="6124575" y="3889581"/>
+            <a:ext cx="5918078" cy="2816019"/>
+          </a:xfrm>
+          <a:prstGeom prst="rect">
+            <a:avLst/>
+          </a:prstGeom>
+        </p:spPr>
+      </p:pic>
+      <p:sp>
+        <p:nvSpPr>
+          <p:cNvPr id="7" name="Content Placeholder 2"/>
+          <p:cNvSpPr txBox="1">
+            <a:spLocks/>
+          </p:cNvSpPr>
+          <p:nvPr/>
+        </p:nvSpPr>
+        <p:spPr>
+          <a:xfrm>
+            <a:off x="6593719" y="2241605"/>
+            <a:ext cx="4135735" cy="1492196"/>
+          </a:xfrm>
+          <a:prstGeom prst="rect">
+            <a:avLst/>
+          </a:prstGeom>
+        </p:spPr>
+        <p:txBody>
+          <a:bodyPr vert="horz" lIns="91440" tIns="45720" rIns="91440" bIns="45720" rtlCol="0">
+            <a:normAutofit/>
+          </a:bodyPr>
+          <a:lstStyle>
+            <a:lvl1pPr marL="228600" indent="-228600" algn="l" defTabSz="914400" rtl="0" eaLnBrk="1" latinLnBrk="0" hangingPunct="1">
+              <a:lnSpc>
+                <a:spcPct val="90000"/>
+              </a:lnSpc>
+              <a:spcBef>
+                <a:spcPts val="1000"/>
+              </a:spcBef>
+              <a:buFont typeface="Arial" panose="020B0604020202020204" pitchFamily="34" charset="0"/>
+              <a:buChar char="•"/>
+              <a:defRPr sz="2400" kern="1200">
+                <a:solidFill>
+                  <a:schemeClr val="tx1"/>
+                </a:solidFill>
+                <a:latin typeface="+mn-lt"/>
+                <a:ea typeface="+mn-ea"/>
+                <a:cs typeface="+mn-cs"/>
+              </a:defRPr>
+            </a:lvl1pPr>
+            <a:lvl2pPr marL="685800" indent="-228600" algn="l" defTabSz="914400" rtl="0" eaLnBrk="1" latinLnBrk="0" hangingPunct="1">
+              <a:lnSpc>
+                <a:spcPct val="90000"/>
+              </a:lnSpc>
+              <a:spcBef>
+                <a:spcPts val="500"/>
+              </a:spcBef>
+              <a:buFont typeface="Arial" panose="020B0604020202020204" pitchFamily="34" charset="0"/>
+              <a:buChar char="•"/>
+              <a:defRPr sz="2000" kern="1200">
+                <a:solidFill>
+                  <a:schemeClr val="tx1"/>
+                </a:solidFill>
+                <a:latin typeface="+mn-lt"/>
+                <a:ea typeface="+mn-ea"/>
+                <a:cs typeface="+mn-cs"/>
+              </a:defRPr>
+            </a:lvl2pPr>
+            <a:lvl3pPr marL="1143000" indent="-228600" algn="l" defTabSz="914400" rtl="0" eaLnBrk="1" latinLnBrk="0" hangingPunct="1">
+              <a:lnSpc>
+                <a:spcPct val="90000"/>
+              </a:lnSpc>
+              <a:spcBef>
+                <a:spcPts val="500"/>
+              </a:spcBef>
+              <a:buFont typeface="Arial" panose="020B0604020202020204" pitchFamily="34" charset="0"/>
+              <a:buChar char="•"/>
+              <a:defRPr sz="1800" kern="1200">
+                <a:solidFill>
+                  <a:schemeClr val="tx1"/>
+                </a:solidFill>
+                <a:latin typeface="+mn-lt"/>
+                <a:ea typeface="+mn-ea"/>
+                <a:cs typeface="+mn-cs"/>
+              </a:defRPr>
+            </a:lvl3pPr>
+            <a:lvl4pPr marL="1600200" indent="-228600" algn="l" defTabSz="914400" rtl="0" eaLnBrk="1" latinLnBrk="0" hangingPunct="1">
+              <a:lnSpc>
+                <a:spcPct val="90000"/>
+              </a:lnSpc>
+              <a:spcBef>
+                <a:spcPts val="500"/>
+              </a:spcBef>
+              <a:buFont typeface="Arial" panose="020B0604020202020204" pitchFamily="34" charset="0"/>
+              <a:buChar char="•"/>
+              <a:defRPr sz="1600" kern="1200">
+                <a:solidFill>
+                  <a:schemeClr val="tx1"/>
+                </a:solidFill>
+                <a:latin typeface="+mn-lt"/>
+                <a:ea typeface="+mn-ea"/>
+                <a:cs typeface="+mn-cs"/>
+              </a:defRPr>
+            </a:lvl4pPr>
+            <a:lvl5pPr marL="2057400" indent="-228600" algn="l" defTabSz="914400" rtl="0" eaLnBrk="1" latinLnBrk="0" hangingPunct="1">
+              <a:lnSpc>
+                <a:spcPct val="90000"/>
+              </a:lnSpc>
+              <a:spcBef>
+                <a:spcPts val="500"/>
+              </a:spcBef>
+              <a:buFont typeface="Arial" panose="020B0604020202020204" pitchFamily="34" charset="0"/>
+              <a:buChar char="•"/>
+              <a:defRPr sz="1600" kern="1200">
+                <a:solidFill>
+                  <a:schemeClr val="tx1"/>
+                </a:solidFill>
+                <a:latin typeface="+mn-lt"/>
+                <a:ea typeface="+mn-ea"/>
+                <a:cs typeface="+mn-cs"/>
+              </a:defRPr>
+            </a:lvl5pPr>
+            <a:lvl6pPr marL="2514600" indent="-228600" algn="l" defTabSz="914400" rtl="0" eaLnBrk="1" latinLnBrk="0" hangingPunct="1">
+              <a:lnSpc>
+                <a:spcPct val="90000"/>
+              </a:lnSpc>
+              <a:spcBef>
+                <a:spcPts val="500"/>
+              </a:spcBef>
+              <a:buFont typeface="Arial" panose="020B0604020202020204" pitchFamily="34" charset="0"/>
+              <a:buChar char="•"/>
+              <a:defRPr sz="1400" kern="1200">
+                <a:solidFill>
+                  <a:schemeClr val="tx1"/>
+                </a:solidFill>
+                <a:latin typeface="+mn-lt"/>
+                <a:ea typeface="+mn-ea"/>
+                <a:cs typeface="+mn-cs"/>
+              </a:defRPr>
+            </a:lvl6pPr>
+            <a:lvl7pPr marL="2971800" indent="-228600" algn="l" defTabSz="914400" rtl="0" eaLnBrk="1" latinLnBrk="0" hangingPunct="1">
+              <a:lnSpc>
+                <a:spcPct val="90000"/>
+              </a:lnSpc>
+              <a:spcBef>
+                <a:spcPts val="500"/>
+              </a:spcBef>
+              <a:buFont typeface="Arial" panose="020B0604020202020204" pitchFamily="34" charset="0"/>
+              <a:buChar char="•"/>
+              <a:defRPr sz="1400" kern="1200">
+                <a:solidFill>
+                  <a:schemeClr val="tx1"/>
+                </a:solidFill>
+                <a:latin typeface="+mn-lt"/>
+                <a:ea typeface="+mn-ea"/>
+                <a:cs typeface="+mn-cs"/>
+              </a:defRPr>
+            </a:lvl7pPr>
+            <a:lvl8pPr marL="3429000" indent="-228600" algn="l" defTabSz="914400" rtl="0" eaLnBrk="1" latinLnBrk="0" hangingPunct="1">
+              <a:lnSpc>
+                <a:spcPct val="90000"/>
+              </a:lnSpc>
+              <a:spcBef>
+                <a:spcPts val="500"/>
+              </a:spcBef>
+              <a:buFont typeface="Arial" panose="020B0604020202020204" pitchFamily="34" charset="0"/>
+              <a:buChar char="•"/>
+              <a:defRPr sz="1400" kern="1200">
+                <a:solidFill>
+                  <a:schemeClr val="tx1"/>
+                </a:solidFill>
+                <a:latin typeface="+mn-lt"/>
+                <a:ea typeface="+mn-ea"/>
+                <a:cs typeface="+mn-cs"/>
+              </a:defRPr>
+            </a:lvl8pPr>
+            <a:lvl9pPr marL="3886200" indent="-228600" algn="l" defTabSz="914400" rtl="0" eaLnBrk="1" latinLnBrk="0" hangingPunct="1">
+              <a:lnSpc>
+                <a:spcPct val="90000"/>
+              </a:lnSpc>
+              <a:spcBef>
+                <a:spcPts val="500"/>
+              </a:spcBef>
+              <a:buFont typeface="Arial" panose="020B0604020202020204" pitchFamily="34" charset="0"/>
+              <a:buChar char="•"/>
+              <a:defRPr sz="1400" kern="1200">
+                <a:solidFill>
+                  <a:schemeClr val="tx1"/>
+                </a:solidFill>
+                <a:latin typeface="+mn-lt"/>
+                <a:ea typeface="+mn-ea"/>
+                <a:cs typeface="+mn-cs"/>
+              </a:defRPr>
+            </a:lvl9pPr>
+          </a:lstStyle>
+          <a:p>
+            <a:pPr marL="0" indent="0">
+              <a:buNone/>
+            </a:pPr>
+            <a:r>
+              <a:rPr lang="en-US" dirty="0"/>
+              <a:t>Percentage of positive values &gt; negative values for 4</a:t>
+            </a:r>
+            <a:r>
+              <a:rPr lang="en-US" dirty="0" smtClean="0"/>
+              <a:t>-star </a:t>
+            </a:r>
+            <a:r>
+              <a:rPr lang="en-US" dirty="0"/>
+              <a:t>Reviews: </a:t>
+            </a:r>
+            <a:r>
+              <a:rPr lang="en-US" b="1" dirty="0" smtClean="0"/>
+              <a:t>96.15 %</a:t>
+            </a:r>
+            <a:endParaRPr lang="en-US" b="1" dirty="0"/>
+          </a:p>
+          <a:p>
+            <a:pPr marL="0" indent="0">
+              <a:buNone/>
+            </a:pPr>
+            <a:endParaRPr lang="en-US" dirty="0"/>
+          </a:p>
+        </p:txBody>
+      </p:sp>
+      <p:sp>
+        <p:nvSpPr>
+          <p:cNvPr id="8" name="Content Placeholder 2"/>
+          <p:cNvSpPr txBox="1">
+            <a:spLocks/>
+          </p:cNvSpPr>
+          <p:nvPr/>
+        </p:nvSpPr>
+        <p:spPr>
+          <a:xfrm>
+            <a:off x="975728" y="5297590"/>
+            <a:ext cx="4135735" cy="1492196"/>
+          </a:xfrm>
+          <a:prstGeom prst="rect">
+            <a:avLst/>
+          </a:prstGeom>
+        </p:spPr>
+        <p:txBody>
+          <a:bodyPr vert="horz" lIns="91440" tIns="45720" rIns="91440" bIns="45720" rtlCol="0">
+            <a:normAutofit/>
+          </a:bodyPr>
+          <a:lstStyle>
+            <a:lvl1pPr marL="228600" indent="-228600" algn="l" defTabSz="914400" rtl="0" eaLnBrk="1" latinLnBrk="0" hangingPunct="1">
+              <a:lnSpc>
+                <a:spcPct val="90000"/>
+              </a:lnSpc>
+              <a:spcBef>
+                <a:spcPts val="1000"/>
+              </a:spcBef>
+              <a:buFont typeface="Arial" panose="020B0604020202020204" pitchFamily="34" charset="0"/>
+              <a:buChar char="•"/>
+              <a:defRPr sz="2400" kern="1200">
+                <a:solidFill>
+                  <a:schemeClr val="tx1"/>
+                </a:solidFill>
+                <a:latin typeface="+mn-lt"/>
+                <a:ea typeface="+mn-ea"/>
+                <a:cs typeface="+mn-cs"/>
+              </a:defRPr>
+            </a:lvl1pPr>
+            <a:lvl2pPr marL="685800" indent="-228600" algn="l" defTabSz="914400" rtl="0" eaLnBrk="1" latinLnBrk="0" hangingPunct="1">
+              <a:lnSpc>
+                <a:spcPct val="90000"/>
+              </a:lnSpc>
+              <a:spcBef>
+                <a:spcPts val="500"/>
+              </a:spcBef>
+              <a:buFont typeface="Arial" panose="020B0604020202020204" pitchFamily="34" charset="0"/>
+              <a:buChar char="•"/>
+              <a:defRPr sz="2000" kern="1200">
+                <a:solidFill>
+                  <a:schemeClr val="tx1"/>
+                </a:solidFill>
+                <a:latin typeface="+mn-lt"/>
+                <a:ea typeface="+mn-ea"/>
+                <a:cs typeface="+mn-cs"/>
+              </a:defRPr>
+            </a:lvl2pPr>
+            <a:lvl3pPr marL="1143000" indent="-228600" algn="l" defTabSz="914400" rtl="0" eaLnBrk="1" latinLnBrk="0" hangingPunct="1">
+              <a:lnSpc>
+                <a:spcPct val="90000"/>
+              </a:lnSpc>
+              <a:spcBef>
+                <a:spcPts val="500"/>
+              </a:spcBef>
+              <a:buFont typeface="Arial" panose="020B0604020202020204" pitchFamily="34" charset="0"/>
+              <a:buChar char="•"/>
+              <a:defRPr sz="1800" kern="1200">
+                <a:solidFill>
+                  <a:schemeClr val="tx1"/>
+                </a:solidFill>
+                <a:latin typeface="+mn-lt"/>
+                <a:ea typeface="+mn-ea"/>
+                <a:cs typeface="+mn-cs"/>
+              </a:defRPr>
+            </a:lvl3pPr>
+            <a:lvl4pPr marL="1600200" indent="-228600" algn="l" defTabSz="914400" rtl="0" eaLnBrk="1" latinLnBrk="0" hangingPunct="1">
+              <a:lnSpc>
+                <a:spcPct val="90000"/>
+              </a:lnSpc>
+              <a:spcBef>
+                <a:spcPts val="500"/>
+              </a:spcBef>
+              <a:buFont typeface="Arial" panose="020B0604020202020204" pitchFamily="34" charset="0"/>
+              <a:buChar char="•"/>
+              <a:defRPr sz="1600" kern="1200">
+                <a:solidFill>
+                  <a:schemeClr val="tx1"/>
+                </a:solidFill>
+                <a:latin typeface="+mn-lt"/>
+                <a:ea typeface="+mn-ea"/>
+                <a:cs typeface="+mn-cs"/>
+              </a:defRPr>
+            </a:lvl4pPr>
+            <a:lvl5pPr marL="2057400" indent="-228600" algn="l" defTabSz="914400" rtl="0" eaLnBrk="1" latinLnBrk="0" hangingPunct="1">
+              <a:lnSpc>
+                <a:spcPct val="90000"/>
+              </a:lnSpc>
+              <a:spcBef>
+                <a:spcPts val="500"/>
+              </a:spcBef>
+              <a:buFont typeface="Arial" panose="020B0604020202020204" pitchFamily="34" charset="0"/>
+              <a:buChar char="•"/>
+              <a:defRPr sz="1600" kern="1200">
+                <a:solidFill>
+                  <a:schemeClr val="tx1"/>
+                </a:solidFill>
+                <a:latin typeface="+mn-lt"/>
+                <a:ea typeface="+mn-ea"/>
+                <a:cs typeface="+mn-cs"/>
+              </a:defRPr>
+            </a:lvl5pPr>
+            <a:lvl6pPr marL="2514600" indent="-228600" algn="l" defTabSz="914400" rtl="0" eaLnBrk="1" latinLnBrk="0" hangingPunct="1">
+              <a:lnSpc>
+                <a:spcPct val="90000"/>
+              </a:lnSpc>
+              <a:spcBef>
+                <a:spcPts val="500"/>
+              </a:spcBef>
+              <a:buFont typeface="Arial" panose="020B0604020202020204" pitchFamily="34" charset="0"/>
+              <a:buChar char="•"/>
+              <a:defRPr sz="1400" kern="1200">
+                <a:solidFill>
+                  <a:schemeClr val="tx1"/>
+                </a:solidFill>
+                <a:latin typeface="+mn-lt"/>
+                <a:ea typeface="+mn-ea"/>
+                <a:cs typeface="+mn-cs"/>
+              </a:defRPr>
+            </a:lvl6pPr>
+            <a:lvl7pPr marL="2971800" indent="-228600" algn="l" defTabSz="914400" rtl="0" eaLnBrk="1" latinLnBrk="0" hangingPunct="1">
+              <a:lnSpc>
+                <a:spcPct val="90000"/>
+              </a:lnSpc>
+              <a:spcBef>
+                <a:spcPts val="500"/>
+              </a:spcBef>
+              <a:buFont typeface="Arial" panose="020B0604020202020204" pitchFamily="34" charset="0"/>
+              <a:buChar char="•"/>
+              <a:defRPr sz="1400" kern="1200">
+                <a:solidFill>
+                  <a:schemeClr val="tx1"/>
+                </a:solidFill>
+                <a:latin typeface="+mn-lt"/>
+                <a:ea typeface="+mn-ea"/>
+                <a:cs typeface="+mn-cs"/>
+              </a:defRPr>
+            </a:lvl7pPr>
+            <a:lvl8pPr marL="3429000" indent="-228600" algn="l" defTabSz="914400" rtl="0" eaLnBrk="1" latinLnBrk="0" hangingPunct="1">
+              <a:lnSpc>
+                <a:spcPct val="90000"/>
+              </a:lnSpc>
+              <a:spcBef>
+                <a:spcPts val="500"/>
+              </a:spcBef>
+              <a:buFont typeface="Arial" panose="020B0604020202020204" pitchFamily="34" charset="0"/>
+              <a:buChar char="•"/>
+              <a:defRPr sz="1400" kern="1200">
+                <a:solidFill>
+                  <a:schemeClr val="tx1"/>
+                </a:solidFill>
+                <a:latin typeface="+mn-lt"/>
+                <a:ea typeface="+mn-ea"/>
+                <a:cs typeface="+mn-cs"/>
+              </a:defRPr>
+            </a:lvl8pPr>
+            <a:lvl9pPr marL="3886200" indent="-228600" algn="l" defTabSz="914400" rtl="0" eaLnBrk="1" latinLnBrk="0" hangingPunct="1">
+              <a:lnSpc>
+                <a:spcPct val="90000"/>
+              </a:lnSpc>
+              <a:spcBef>
+                <a:spcPts val="500"/>
+              </a:spcBef>
+              <a:buFont typeface="Arial" panose="020B0604020202020204" pitchFamily="34" charset="0"/>
+              <a:buChar char="•"/>
+              <a:defRPr sz="1400" kern="1200">
+                <a:solidFill>
+                  <a:schemeClr val="tx1"/>
+                </a:solidFill>
+                <a:latin typeface="+mn-lt"/>
+                <a:ea typeface="+mn-ea"/>
+                <a:cs typeface="+mn-cs"/>
+              </a:defRPr>
+            </a:lvl9pPr>
+          </a:lstStyle>
+          <a:p>
+            <a:pPr marL="0" indent="0">
+              <a:buNone/>
+            </a:pPr>
+            <a:r>
+              <a:rPr lang="en-US" dirty="0"/>
+              <a:t>Percentage of positive values &gt; negative values for 5</a:t>
+            </a:r>
+            <a:r>
+              <a:rPr lang="en-US" dirty="0" smtClean="0"/>
+              <a:t>-star </a:t>
+            </a:r>
+            <a:r>
+              <a:rPr lang="en-US" dirty="0"/>
+              <a:t>Reviews: </a:t>
+            </a:r>
+            <a:r>
+              <a:rPr lang="en-US" b="1" dirty="0" smtClean="0"/>
+              <a:t>97.05 %</a:t>
+            </a:r>
+            <a:endParaRPr lang="en-US" b="1" dirty="0"/>
+          </a:p>
+          <a:p>
+            <a:pPr marL="0" indent="0">
+              <a:buNone/>
+            </a:pPr>
+            <a:endParaRPr lang="en-US" dirty="0"/>
+          </a:p>
+        </p:txBody>
+      </p:sp>
+    </p:spTree>
+    <p:extLst>
+      <p:ext uri="{BB962C8B-B14F-4D97-AF65-F5344CB8AC3E}">
+        <p14:creationId xmlns:p14="http://schemas.microsoft.com/office/powerpoint/2010/main" val="4043714280"/>
+      </p:ext>
+    </p:extLst>
+  </p:cSld>
+  <p:clrMapOvr>
+    <a:masterClrMapping/>
+  </p:clrMapOvr>
+  <p:timing>
+    <p:tnLst>
+      <p:par>
+        <p:cTn id="1" dur="indefinite" restart="never" nodeType="tmRoot"/>
+      </p:par>
+    </p:tnLst>
+  </p:timing>
+</p:sld>
+</file>
+
+<file path=ppt/slides/slide17.xml><?xml version="1.0" encoding="utf-8"?>
+<p:sld xmlns:a="http://schemas.openxmlformats.org/drawingml/2006/main" xmlns:r="http://schemas.openxmlformats.org/officeDocument/2006/relationships" xmlns:p="http://schemas.openxmlformats.org/presentationml/2006/main">
+  <p:cSld>
+    <p:spTree>
+      <p:nvGrpSpPr>
+        <p:cNvPr id="1" name=""/>
+        <p:cNvGrpSpPr/>
+        <p:nvPr/>
+      </p:nvGrpSpPr>
+      <p:grpSpPr>
+        <a:xfrm>
+          <a:off x="0" y="0"/>
+          <a:ext cx="0" cy="0"/>
+          <a:chOff x="0" y="0"/>
+          <a:chExt cx="0" cy="0"/>
+        </a:xfrm>
+      </p:grpSpPr>
+      <p:sp>
+        <p:nvSpPr>
+          <p:cNvPr id="2" name="Title 1"/>
+          <p:cNvSpPr>
+            <a:spLocks noGrp="1"/>
+          </p:cNvSpPr>
+          <p:nvPr>
+            <p:ph type="title"/>
+          </p:nvPr>
+        </p:nvSpPr>
+        <p:spPr/>
+        <p:txBody>
+          <a:bodyPr/>
+          <a:lstStyle/>
+          <a:p>
+            <a:r>
+              <a:rPr lang="en-US" dirty="0" smtClean="0"/>
+              <a:t>Future Work</a:t>
+            </a:r>
+            <a:endParaRPr lang="en-US" dirty="0"/>
+          </a:p>
+        </p:txBody>
+      </p:sp>
+      <p:sp>
+        <p:nvSpPr>
+          <p:cNvPr id="3" name="Content Placeholder 2"/>
+          <p:cNvSpPr>
+            <a:spLocks noGrp="1"/>
+          </p:cNvSpPr>
+          <p:nvPr>
+            <p:ph idx="1"/>
+          </p:nvPr>
+        </p:nvSpPr>
+        <p:spPr/>
+        <p:txBody>
+          <a:bodyPr/>
+          <a:lstStyle/>
+          <a:p>
+            <a:r>
+              <a:rPr lang="en-US" dirty="0"/>
+              <a:t>Narrow down the review classification w.r.t the category of businesses.</a:t>
+            </a:r>
+          </a:p>
+          <a:p>
+            <a:pPr marL="0" indent="0">
+              <a:buNone/>
+            </a:pPr>
+            <a:endParaRPr lang="en-US" dirty="0" smtClean="0"/>
+          </a:p>
+          <a:p>
+            <a:r>
+              <a:rPr lang="en-US" dirty="0" smtClean="0"/>
+              <a:t>Using other models such as Support Vector and Maximum Entropy Classifiers.</a:t>
+            </a:r>
+          </a:p>
+          <a:p>
+            <a:endParaRPr lang="en-US" dirty="0"/>
+          </a:p>
+          <a:p>
+            <a:r>
+              <a:rPr lang="en-US" dirty="0" smtClean="0"/>
+              <a:t>Using word n-grams (sequence of n- consecutive words) for the feature space.</a:t>
+            </a:r>
+          </a:p>
+        </p:txBody>
+      </p:sp>
+      <p:sp>
+        <p:nvSpPr>
+          <p:cNvPr id="4" name="Slide Number Placeholder 3"/>
+          <p:cNvSpPr>
+            <a:spLocks noGrp="1"/>
+          </p:cNvSpPr>
+          <p:nvPr>
+            <p:ph type="sldNum" sz="quarter" idx="12"/>
+          </p:nvPr>
+        </p:nvSpPr>
+        <p:spPr/>
+        <p:txBody>
+          <a:bodyPr/>
+          <a:lstStyle/>
+          <a:p>
+            <a:fld id="{4FAB73BC-B049-4115-A692-8D63A059BFB8}" type="slidenum">
+              <a:rPr lang="en-US" smtClean="0"/>
+              <a:pPr/>
+              <a:t>17</a:t>
+            </a:fld>
+            <a:endParaRPr lang="en-US" dirty="0"/>
+          </a:p>
+        </p:txBody>
+      </p:sp>
+    </p:spTree>
+    <p:extLst>
+      <p:ext uri="{BB962C8B-B14F-4D97-AF65-F5344CB8AC3E}">
+        <p14:creationId xmlns:p14="http://schemas.microsoft.com/office/powerpoint/2010/main" val="3030440218"/>
+      </p:ext>
+    </p:extLst>
+  </p:cSld>
+  <p:clrMapOvr>
+    <a:masterClrMapping/>
+  </p:clrMapOvr>
+  <p:timing>
+    <p:tnLst>
+      <p:par>
+        <p:cTn id="1" dur="indefinite" restart="never" nodeType="tmRoot"/>
+      </p:par>
+    </p:tnLst>
+  </p:timing>
+</p:sld>
+</file>
+
+<file path=ppt/slides/slide18.xml><?xml version="1.0" encoding="utf-8"?>
+<p:sld xmlns:a="http://schemas.openxmlformats.org/drawingml/2006/main" xmlns:r="http://schemas.openxmlformats.org/officeDocument/2006/relationships" xmlns:p="http://schemas.openxmlformats.org/presentationml/2006/main">
+  <p:cSld>
+    <p:spTree>
+      <p:nvGrpSpPr>
+        <p:cNvPr id="1" name=""/>
+        <p:cNvGrpSpPr/>
+        <p:nvPr/>
+      </p:nvGrpSpPr>
+      <p:grpSpPr>
+        <a:xfrm>
+          <a:off x="0" y="0"/>
+          <a:ext cx="0" cy="0"/>
+          <a:chOff x="0" y="0"/>
+          <a:chExt cx="0" cy="0"/>
+        </a:xfrm>
+      </p:grpSpPr>
+      <p:sp>
+        <p:nvSpPr>
+          <p:cNvPr id="2" name="Title 1"/>
+          <p:cNvSpPr>
+            <a:spLocks noGrp="1"/>
+          </p:cNvSpPr>
+          <p:nvPr>
+            <p:ph type="title"/>
+          </p:nvPr>
+        </p:nvSpPr>
+        <p:spPr/>
+        <p:txBody>
+          <a:bodyPr/>
+          <a:lstStyle/>
+          <a:p>
+            <a:r>
+              <a:rPr lang="en-US" dirty="0" smtClean="0"/>
+              <a:t>References</a:t>
+            </a:r>
+            <a:endParaRPr lang="en-US" dirty="0"/>
+          </a:p>
+        </p:txBody>
+      </p:sp>
+      <p:sp>
+        <p:nvSpPr>
+          <p:cNvPr id="3" name="Content Placeholder 2"/>
+          <p:cNvSpPr>
+            <a:spLocks noGrp="1"/>
+          </p:cNvSpPr>
+          <p:nvPr>
+            <p:ph idx="1"/>
+          </p:nvPr>
+        </p:nvSpPr>
+        <p:spPr/>
+        <p:txBody>
+          <a:bodyPr/>
+          <a:lstStyle/>
+          <a:p>
+            <a:pPr marL="457200" indent="-457200">
+              <a:buAutoNum type="arabicPeriod"/>
+            </a:pPr>
+            <a:r>
+              <a:rPr lang="en-US" dirty="0" smtClean="0">
+                <a:hlinkClick r:id="rId2"/>
+              </a:rPr>
+              <a:t>https</a:t>
+            </a:r>
+            <a:r>
+              <a:rPr lang="en-US" dirty="0">
+                <a:hlinkClick r:id="rId2"/>
+              </a:rPr>
+              <a:t>://</a:t>
+            </a:r>
+            <a:r>
+              <a:rPr lang="en-US" dirty="0" smtClean="0">
+                <a:hlinkClick r:id="rId2"/>
+              </a:rPr>
+              <a:t>en.wikipedia.org/wiki/Yelp</a:t>
+            </a:r>
+            <a:endParaRPr lang="en-US" dirty="0" smtClean="0"/>
+          </a:p>
+          <a:p>
+            <a:pPr marL="457200" indent="-457200">
+              <a:buAutoNum type="arabicPeriod"/>
+            </a:pPr>
+            <a:r>
+              <a:rPr lang="en-US" dirty="0">
+                <a:hlinkClick r:id="rId3"/>
+              </a:rPr>
+              <a:t>https://</a:t>
+            </a:r>
+            <a:r>
+              <a:rPr lang="en-US" dirty="0" smtClean="0">
+                <a:hlinkClick r:id="rId3"/>
+              </a:rPr>
+              <a:t>github.com/cjhutto/vaderSentiment</a:t>
+            </a:r>
+            <a:endParaRPr lang="en-US" dirty="0" smtClean="0"/>
+          </a:p>
+          <a:p>
+            <a:pPr marL="457200" indent="-457200">
+              <a:buAutoNum type="arabicPeriod"/>
+            </a:pPr>
+            <a:r>
+              <a:rPr lang="en-US" dirty="0" err="1"/>
+              <a:t>Hutto</a:t>
+            </a:r>
+            <a:r>
+              <a:rPr lang="en-US" dirty="0"/>
+              <a:t>, C.J. &amp; Gilbert, E.E. (2014). VADER: A Parsimonious Rule-based Model for Sentiment Analysis of Social Media Text. Eighth International Conference on Weblogs and Social Media (ICWSM-14). Ann Arbor, MI, June 2014. </a:t>
+            </a:r>
+            <a:endParaRPr lang="en-US" dirty="0" smtClean="0"/>
+          </a:p>
+          <a:p>
+            <a:pPr marL="457200" indent="-457200">
+              <a:buAutoNum type="arabicPeriod"/>
+            </a:pPr>
+            <a:r>
+              <a:rPr lang="en-US" dirty="0"/>
+              <a:t>http://www.statsoft.com/textbook/naive-bayes-classifier</a:t>
+            </a:r>
+          </a:p>
+        </p:txBody>
+      </p:sp>
+      <p:sp>
+        <p:nvSpPr>
+          <p:cNvPr id="4" name="Slide Number Placeholder 3"/>
+          <p:cNvSpPr>
+            <a:spLocks noGrp="1"/>
+          </p:cNvSpPr>
+          <p:nvPr>
+            <p:ph type="sldNum" sz="quarter" idx="12"/>
+          </p:nvPr>
+        </p:nvSpPr>
+        <p:spPr/>
+        <p:txBody>
+          <a:bodyPr/>
+          <a:lstStyle/>
+          <a:p>
+            <a:fld id="{4FAB73BC-B049-4115-A692-8D63A059BFB8}" type="slidenum">
+              <a:rPr lang="en-US" smtClean="0"/>
+              <a:pPr/>
+              <a:t>18</a:t>
             </a:fld>
             <a:endParaRPr lang="en-US" dirty="0"/>
           </a:p>
@@ -11858,6 +16646,13 @@
   <p:clrMapOvr>
     <a:masterClrMapping/>
   </p:clrMapOvr>
+  <p:timing>
+    <p:tnLst>
+      <p:par>
+        <p:cTn id="1" dur="indefinite" restart="never" nodeType="tmRoot"/>
+      </p:par>
+    </p:tnLst>
+  </p:timing>
 </p:sld>
 </file>
 
@@ -11994,6 +16789,13 @@
   <p:clrMapOvr>
     <a:masterClrMapping/>
   </p:clrMapOvr>
+  <p:timing>
+    <p:tnLst>
+      <p:par>
+        <p:cTn id="1" dur="indefinite" restart="never" nodeType="tmRoot"/>
+      </p:par>
+    </p:tnLst>
+  </p:timing>
 </p:sld>
 </file>
 
@@ -12516,6 +17318,13 @@
   <p:clrMapOvr>
     <a:masterClrMapping/>
   </p:clrMapOvr>
+  <p:timing>
+    <p:tnLst>
+      <p:par>
+        <p:cTn id="1" dur="indefinite" restart="never" nodeType="tmRoot"/>
+      </p:par>
+    </p:tnLst>
+  </p:timing>
 </p:sld>
 </file>
 
@@ -12593,14 +17402,14 @@
             <p:ph idx="1"/>
             <p:extLst>
               <p:ext uri="{D42A27DB-BD31-4B8C-83A1-F6EECF244321}">
-                <p14:modId xmlns:p14="http://schemas.microsoft.com/office/powerpoint/2010/main" val="1285786795"/>
+                <p14:modId xmlns:p14="http://schemas.microsoft.com/office/powerpoint/2010/main" val="847160145"/>
               </p:ext>
             </p:extLst>
           </p:nvPr>
         </p:nvGraphicFramePr>
         <p:xfrm>
-          <a:off x="681038" y="2336800"/>
-          <a:ext cx="9613144" cy="2168525"/>
+          <a:off x="-249382" y="2355273"/>
+          <a:ext cx="12007273" cy="4221018"/>
         </p:xfrm>
         <a:graphic>
           <a:graphicData uri="http://schemas.openxmlformats.org/drawingml/2006/diagram">
@@ -12611,13 +17420,20 @@
     </p:spTree>
     <p:extLst>
       <p:ext uri="{BB962C8B-B14F-4D97-AF65-F5344CB8AC3E}">
-        <p14:creationId xmlns:p14="http://schemas.microsoft.com/office/powerpoint/2010/main" val="2361385835"/>
+        <p14:creationId xmlns:p14="http://schemas.microsoft.com/office/powerpoint/2010/main" val="2634859669"/>
       </p:ext>
     </p:extLst>
   </p:cSld>
   <p:clrMapOvr>
     <a:masterClrMapping/>
   </p:clrMapOvr>
+  <p:timing>
+    <p:tnLst>
+      <p:par>
+        <p:cTn id="1" dur="indefinite" restart="never" nodeType="tmRoot"/>
+      </p:par>
+    </p:tnLst>
+  </p:timing>
 </p:sld>
 </file>
 
@@ -12655,7 +17471,7 @@
           <a:p>
             <a:r>
               <a:rPr lang="en-US" dirty="0" smtClean="0"/>
-              <a:t>Database Access</a:t>
+              <a:t>Processing of Data</a:t>
             </a:r>
             <a:endParaRPr lang="en-US" dirty="0"/>
           </a:p>
@@ -12818,7 +17634,7 @@
           <a:p>
             <a:r>
               <a:rPr lang="en-US" dirty="0" smtClean="0"/>
-              <a:t>Naïve Bayes Classifier</a:t>
+              <a:t>Natural Language Toolkit (NLTK)</a:t>
             </a:r>
             <a:endParaRPr lang="en-US" dirty="0"/>
           </a:p>
@@ -12834,21 +17650,207 @@
             <p:ph idx="1"/>
           </p:nvPr>
         </p:nvSpPr>
-        <p:spPr/>
+        <p:spPr>
+          <a:xfrm>
+            <a:off x="680321" y="2336873"/>
+            <a:ext cx="9613861" cy="3997252"/>
+          </a:xfrm>
+        </p:spPr>
         <p:txBody>
-          <a:bodyPr/>
+          <a:bodyPr>
+            <a:normAutofit fontScale="92500" lnSpcReduction="10000"/>
+          </a:bodyPr>
           <a:lstStyle/>
           <a:p>
             <a:r>
               <a:rPr lang="en-US" dirty="0" smtClean="0"/>
-              <a:t>A reason for choosing this classifier</a:t>
-            </a:r>
-          </a:p>
-          <a:p>
+              <a:t>What is </a:t>
+            </a:r>
             <a:r>
               <a:rPr lang="en-US" dirty="0" smtClean="0"/>
-              <a:t>What did we do</a:t>
-            </a:r>
+              <a:t>NLTK</a:t>
+            </a:r>
+          </a:p>
+          <a:p>
+            <a:pPr lvl="1"/>
+            <a:r>
+              <a:rPr lang="en-US" dirty="0">
+                <a:latin typeface="Times New Roman" pitchFamily="18" charset="0"/>
+                <a:cs typeface="Times New Roman" pitchFamily="18" charset="0"/>
+              </a:rPr>
+              <a:t>A tool consisting of a collection of libraries and programs in python that allows for customization and optimization of  NLP </a:t>
+            </a:r>
+            <a:r>
+              <a:rPr lang="en-US" dirty="0" smtClean="0">
+                <a:latin typeface="Times New Roman" pitchFamily="18" charset="0"/>
+                <a:cs typeface="Times New Roman" pitchFamily="18" charset="0"/>
+              </a:rPr>
+              <a:t>processes i.e., working with human language data.</a:t>
+            </a:r>
+          </a:p>
+          <a:p>
+            <a:pPr lvl="1"/>
+            <a:r>
+              <a:rPr lang="en-US" dirty="0">
+                <a:latin typeface="Times New Roman" pitchFamily="18" charset="0"/>
+                <a:cs typeface="Times New Roman" pitchFamily="18" charset="0"/>
+              </a:rPr>
+              <a:t>It is an open source library and can be downloaded from </a:t>
+            </a:r>
+            <a:r>
+              <a:rPr lang="en-US" dirty="0">
+                <a:hlinkClick r:id="rId2"/>
+              </a:rPr>
+              <a:t>http://nltk.org</a:t>
+            </a:r>
+            <a:r>
+              <a:rPr lang="en-US" dirty="0" smtClean="0">
+                <a:hlinkClick r:id="rId2"/>
+              </a:rPr>
+              <a:t>/</a:t>
+            </a:r>
+            <a:r>
+              <a:rPr lang="en-US" dirty="0" smtClean="0"/>
+              <a:t> (or </a:t>
+            </a:r>
+            <a:r>
+              <a:rPr lang="en-US" dirty="0" smtClean="0">
+                <a:latin typeface="Times New Roman" pitchFamily="18" charset="0"/>
+                <a:cs typeface="Times New Roman" pitchFamily="18" charset="0"/>
+              </a:rPr>
+              <a:t>download </a:t>
+            </a:r>
+            <a:r>
+              <a:rPr lang="en-US" dirty="0" err="1">
+                <a:latin typeface="Times New Roman" pitchFamily="18" charset="0"/>
+                <a:cs typeface="Times New Roman" pitchFamily="18" charset="0"/>
+              </a:rPr>
+              <a:t>nltk</a:t>
+            </a:r>
+            <a:r>
+              <a:rPr lang="en-US" dirty="0">
+                <a:latin typeface="Times New Roman" pitchFamily="18" charset="0"/>
+                <a:cs typeface="Times New Roman" pitchFamily="18" charset="0"/>
+              </a:rPr>
+              <a:t> from Canopy’s Package Manager </a:t>
+            </a:r>
+            <a:r>
+              <a:rPr lang="en-US" dirty="0" smtClean="0">
+                <a:latin typeface="Times New Roman" pitchFamily="18" charset="0"/>
+                <a:cs typeface="Times New Roman" pitchFamily="18" charset="0"/>
+              </a:rPr>
+              <a:t>)</a:t>
+            </a:r>
+            <a:endParaRPr lang="en-US" dirty="0" smtClean="0"/>
+          </a:p>
+          <a:p>
+            <a:pPr marL="457200" lvl="1" indent="0">
+              <a:buNone/>
+            </a:pPr>
+            <a:endParaRPr lang="en-US" dirty="0" smtClean="0"/>
+          </a:p>
+          <a:p>
+            <a:r>
+              <a:rPr lang="en-US" dirty="0" smtClean="0"/>
+              <a:t>Features of NLTK</a:t>
+            </a:r>
+          </a:p>
+          <a:p>
+            <a:pPr lvl="1"/>
+            <a:r>
+              <a:rPr lang="en-US" dirty="0">
+                <a:latin typeface="Times New Roman" pitchFamily="18" charset="0"/>
+                <a:cs typeface="Times New Roman" pitchFamily="18" charset="0"/>
+              </a:rPr>
+              <a:t>Text </a:t>
+            </a:r>
+            <a:r>
+              <a:rPr lang="en-US" dirty="0" smtClean="0">
+                <a:latin typeface="Times New Roman" pitchFamily="18" charset="0"/>
+                <a:cs typeface="Times New Roman" pitchFamily="18" charset="0"/>
+              </a:rPr>
+              <a:t>Classification</a:t>
+            </a:r>
+            <a:endParaRPr lang="en-US" dirty="0">
+              <a:latin typeface="Times New Roman" pitchFamily="18" charset="0"/>
+              <a:cs typeface="Times New Roman" pitchFamily="18" charset="0"/>
+            </a:endParaRPr>
+          </a:p>
+          <a:p>
+            <a:pPr lvl="1"/>
+            <a:r>
+              <a:rPr lang="en-US" dirty="0">
+                <a:latin typeface="Times New Roman" pitchFamily="18" charset="0"/>
+                <a:cs typeface="Times New Roman" pitchFamily="18" charset="0"/>
+              </a:rPr>
+              <a:t>Sentence </a:t>
+            </a:r>
+            <a:r>
+              <a:rPr lang="en-US" dirty="0" smtClean="0">
+                <a:latin typeface="Times New Roman" pitchFamily="18" charset="0"/>
+                <a:cs typeface="Times New Roman" pitchFamily="18" charset="0"/>
+              </a:rPr>
+              <a:t>Tokenization	</a:t>
+            </a:r>
+            <a:endParaRPr lang="en-US" dirty="0">
+              <a:latin typeface="Times New Roman" pitchFamily="18" charset="0"/>
+              <a:cs typeface="Times New Roman" pitchFamily="18" charset="0"/>
+            </a:endParaRPr>
+          </a:p>
+          <a:p>
+            <a:pPr lvl="1"/>
+            <a:r>
+              <a:rPr lang="en-US" dirty="0">
+                <a:latin typeface="Times New Roman" pitchFamily="18" charset="0"/>
+                <a:cs typeface="Times New Roman" pitchFamily="18" charset="0"/>
+              </a:rPr>
+              <a:t>Word </a:t>
+            </a:r>
+            <a:r>
+              <a:rPr lang="en-US" dirty="0" smtClean="0">
+                <a:latin typeface="Times New Roman" pitchFamily="18" charset="0"/>
+                <a:cs typeface="Times New Roman" pitchFamily="18" charset="0"/>
+              </a:rPr>
+              <a:t>Tokenization</a:t>
+            </a:r>
+            <a:endParaRPr lang="en-US" dirty="0">
+              <a:latin typeface="Times New Roman" pitchFamily="18" charset="0"/>
+              <a:cs typeface="Times New Roman" pitchFamily="18" charset="0"/>
+            </a:endParaRPr>
+          </a:p>
+          <a:p>
+            <a:pPr lvl="1"/>
+            <a:r>
+              <a:rPr lang="en-US" dirty="0">
+                <a:latin typeface="Times New Roman" pitchFamily="18" charset="0"/>
+                <a:cs typeface="Times New Roman" pitchFamily="18" charset="0"/>
+              </a:rPr>
+              <a:t>Speech </a:t>
+            </a:r>
+            <a:r>
+              <a:rPr lang="en-US" dirty="0" smtClean="0">
+                <a:latin typeface="Times New Roman" pitchFamily="18" charset="0"/>
+                <a:cs typeface="Times New Roman" pitchFamily="18" charset="0"/>
+              </a:rPr>
+              <a:t>Tagging</a:t>
+            </a:r>
+            <a:endParaRPr lang="en-US" dirty="0">
+              <a:latin typeface="Times New Roman" pitchFamily="18" charset="0"/>
+              <a:cs typeface="Times New Roman" pitchFamily="18" charset="0"/>
+            </a:endParaRPr>
+          </a:p>
+          <a:p>
+            <a:pPr lvl="1"/>
+            <a:r>
+              <a:rPr lang="en-US" dirty="0">
+                <a:latin typeface="Times New Roman" pitchFamily="18" charset="0"/>
+                <a:cs typeface="Times New Roman" pitchFamily="18" charset="0"/>
+              </a:rPr>
+              <a:t>Clustering</a:t>
+            </a:r>
+          </a:p>
+          <a:p>
+            <a:pPr lvl="1"/>
             <a:endParaRPr lang="en-US" dirty="0"/>
           </a:p>
         </p:txBody>
@@ -12877,16 +17879,64 @@
           </a:p>
         </p:txBody>
       </p:sp>
+      <p:pic>
+        <p:nvPicPr>
+          <p:cNvPr id="5" name="Picture 2" descr="http://static1.squarespace.com/static/538cea80e4b00f1fad490c1b/54668a77e4b00fb778d22a34/54668d8ae4b00fb778d2859c/1416007413413/NLTK.png"/>
+          <p:cNvPicPr>
+            <a:picLocks noChangeAspect="1" noChangeArrowheads="1"/>
+          </p:cNvPicPr>
+          <p:nvPr/>
+        </p:nvPicPr>
+        <p:blipFill>
+          <a:blip r:embed="rId3">
+            <a:extLst>
+              <a:ext uri="{28A0092B-C50C-407E-A947-70E740481C1C}">
+                <a14:useLocalDpi xmlns:a14="http://schemas.microsoft.com/office/drawing/2010/main" val="0"/>
+              </a:ext>
+            </a:extLst>
+          </a:blip>
+          <a:srcRect/>
+          <a:stretch>
+            <a:fillRect/>
+          </a:stretch>
+        </p:blipFill>
+        <p:spPr bwMode="auto">
+          <a:xfrm>
+            <a:off x="5639719" y="4230724"/>
+            <a:ext cx="4074208" cy="1322160"/>
+          </a:xfrm>
+          <a:prstGeom prst="rect">
+            <a:avLst/>
+          </a:prstGeom>
+          <a:noFill/>
+          <a:extLst>
+            <a:ext uri="{909E8E84-426E-40DD-AFC4-6F175D3DCCD1}">
+              <a14:hiddenFill xmlns:a14="http://schemas.microsoft.com/office/drawing/2010/main">
+                <a:solidFill>
+                  <a:srgbClr val="FFFFFF"/>
+                </a:solidFill>
+              </a14:hiddenFill>
+            </a:ext>
+          </a:extLst>
+        </p:spPr>
+      </p:pic>
     </p:spTree>
     <p:extLst>
       <p:ext uri="{BB962C8B-B14F-4D97-AF65-F5344CB8AC3E}">
-        <p14:creationId xmlns:p14="http://schemas.microsoft.com/office/powerpoint/2010/main" val="4084585893"/>
+        <p14:creationId xmlns:p14="http://schemas.microsoft.com/office/powerpoint/2010/main" val="158264648"/>
       </p:ext>
     </p:extLst>
   </p:cSld>
   <p:clrMapOvr>
     <a:masterClrMapping/>
   </p:clrMapOvr>
+  <p:timing>
+    <p:tnLst>
+      <p:par>
+        <p:cTn id="1" dur="indefinite" restart="never" nodeType="tmRoot"/>
+      </p:par>
+    </p:tnLst>
+  </p:timing>
 </p:sld>
 </file>
 
@@ -12924,58 +17974,7 @@
           <a:p>
             <a:r>
               <a:rPr lang="en-US" dirty="0" smtClean="0"/>
-              <a:t>NLTK sentiment </a:t>
-            </a:r>
-            <a:r>
-              <a:rPr lang="en-US" dirty="0" err="1" smtClean="0"/>
-              <a:t>analyser</a:t>
-            </a:r>
-            <a:endParaRPr lang="en-US" dirty="0"/>
-          </a:p>
-        </p:txBody>
-      </p:sp>
-      <p:sp>
-        <p:nvSpPr>
-          <p:cNvPr id="3" name="Content Placeholder 2"/>
-          <p:cNvSpPr>
-            <a:spLocks noGrp="1"/>
-          </p:cNvSpPr>
-          <p:nvPr>
-            <p:ph idx="1"/>
-          </p:nvPr>
-        </p:nvSpPr>
-        <p:spPr/>
-        <p:txBody>
-          <a:bodyPr/>
-          <a:lstStyle/>
-          <a:p>
-            <a:r>
-              <a:rPr lang="en-US" dirty="0" smtClean="0"/>
-              <a:t>What is </a:t>
-            </a:r>
-            <a:r>
-              <a:rPr lang="en-US" dirty="0" smtClean="0"/>
-              <a:t>NLTK</a:t>
-            </a:r>
-          </a:p>
-          <a:p>
-            <a:pPr lvl="1"/>
-            <a:r>
-              <a:rPr lang="en-US" dirty="0">
-                <a:latin typeface="Times New Roman" pitchFamily="18" charset="0"/>
-                <a:cs typeface="Times New Roman" pitchFamily="18" charset="0"/>
-              </a:rPr>
-              <a:t>A tool consisting of a collection of libraries and programs in python that allows for customization and optimization of  NLP processes</a:t>
-            </a:r>
-          </a:p>
-          <a:p>
-            <a:pPr lvl="1"/>
-            <a:endParaRPr lang="en-US" dirty="0" smtClean="0"/>
-          </a:p>
-          <a:p>
-            <a:r>
-              <a:rPr lang="en-US" dirty="0" smtClean="0"/>
-              <a:t>How did we use it</a:t>
+              <a:t>Naïve Bayes Classifier</a:t>
             </a:r>
             <a:endParaRPr lang="en-US" dirty="0"/>
           </a:p>
@@ -13005,16 +18004,144 @@
           </a:p>
         </p:txBody>
       </p:sp>
+      <p:pic>
+        <p:nvPicPr>
+          <p:cNvPr id="5" name="Picture 4"/>
+          <p:cNvPicPr>
+            <a:picLocks noChangeAspect="1"/>
+          </p:cNvPicPr>
+          <p:nvPr/>
+        </p:nvPicPr>
+        <p:blipFill>
+          <a:blip r:embed="rId2"/>
+          <a:stretch>
+            <a:fillRect/>
+          </a:stretch>
+        </p:blipFill>
+        <p:spPr>
+          <a:xfrm>
+            <a:off x="7352750" y="2335046"/>
+            <a:ext cx="4107120" cy="2115290"/>
+          </a:xfrm>
+          <a:prstGeom prst="rect">
+            <a:avLst/>
+          </a:prstGeom>
+        </p:spPr>
+      </p:pic>
+      <p:sp>
+        <p:nvSpPr>
+          <p:cNvPr id="13" name="Content Placeholder 12"/>
+          <p:cNvSpPr>
+            <a:spLocks noGrp="1"/>
+          </p:cNvSpPr>
+          <p:nvPr>
+            <p:ph idx="1"/>
+          </p:nvPr>
+        </p:nvSpPr>
+        <p:spPr>
+          <a:xfrm>
+            <a:off x="680321" y="2335046"/>
+            <a:ext cx="6551752" cy="2196662"/>
+          </a:xfrm>
+        </p:spPr>
+        <p:txBody>
+          <a:bodyPr>
+            <a:normAutofit/>
+          </a:bodyPr>
+          <a:lstStyle/>
+          <a:p>
+            <a:r>
+              <a:rPr lang="en-US" dirty="0" smtClean="0"/>
+              <a:t>The objects can be classified as either Green or Red.</a:t>
+            </a:r>
+          </a:p>
+          <a:p>
+            <a:r>
+              <a:rPr lang="en-US" dirty="0" smtClean="0"/>
+              <a:t>Our task is to classify new cases as they arrive, i.e., decide to which class label they belong, based on the currently existing objects.</a:t>
+            </a:r>
+          </a:p>
+          <a:p>
+            <a:endParaRPr lang="en-US" dirty="0"/>
+          </a:p>
+        </p:txBody>
+      </p:sp>
+      <p:pic>
+        <p:nvPicPr>
+          <p:cNvPr id="1033" name="Picture 9" descr="http://www.saedsayad.com/images/Bayes_rule.png"/>
+          <p:cNvPicPr>
+            <a:picLocks noChangeAspect="1" noChangeArrowheads="1"/>
+          </p:cNvPicPr>
+          <p:nvPr/>
+        </p:nvPicPr>
+        <p:blipFill>
+          <a:blip r:embed="rId3">
+            <a:extLst>
+              <a:ext uri="{28A0092B-C50C-407E-A947-70E740481C1C}">
+                <a14:useLocalDpi xmlns:a14="http://schemas.microsoft.com/office/drawing/2010/main" val="0"/>
+              </a:ext>
+            </a:extLst>
+          </a:blip>
+          <a:srcRect/>
+          <a:stretch>
+            <a:fillRect/>
+          </a:stretch>
+        </p:blipFill>
+        <p:spPr bwMode="auto">
+          <a:xfrm>
+            <a:off x="7917049" y="4931517"/>
+            <a:ext cx="2856489" cy="1635820"/>
+          </a:xfrm>
+          <a:prstGeom prst="rect">
+            <a:avLst/>
+          </a:prstGeom>
+          <a:noFill/>
+          <a:extLst>
+            <a:ext uri="{909E8E84-426E-40DD-AFC4-6F175D3DCCD1}">
+              <a14:hiddenFill xmlns:a14="http://schemas.microsoft.com/office/drawing/2010/main">
+                <a:solidFill>
+                  <a:srgbClr val="FFFFFF"/>
+                </a:solidFill>
+              </a14:hiddenFill>
+            </a:ext>
+          </a:extLst>
+        </p:spPr>
+      </p:pic>
+      <p:graphicFrame>
+        <p:nvGraphicFramePr>
+          <p:cNvPr id="16" name="Diagram 15"/>
+          <p:cNvGraphicFramePr/>
+          <p:nvPr>
+            <p:extLst/>
+          </p:nvPr>
+        </p:nvGraphicFramePr>
+        <p:xfrm>
+          <a:off x="1030247" y="5126182"/>
+          <a:ext cx="4562764" cy="1441155"/>
+        </p:xfrm>
+        <a:graphic>
+          <a:graphicData uri="http://schemas.openxmlformats.org/drawingml/2006/diagram">
+            <dgm:relIds xmlns:dgm="http://schemas.openxmlformats.org/drawingml/2006/diagram" xmlns:r="http://schemas.openxmlformats.org/officeDocument/2006/relationships" r:dm="rId4" r:lo="rId5" r:qs="rId6" r:cs="rId7"/>
+          </a:graphicData>
+        </a:graphic>
+      </p:graphicFrame>
     </p:spTree>
     <p:extLst>
       <p:ext uri="{BB962C8B-B14F-4D97-AF65-F5344CB8AC3E}">
-        <p14:creationId xmlns:p14="http://schemas.microsoft.com/office/powerpoint/2010/main" val="158264648"/>
+        <p14:creationId xmlns:p14="http://schemas.microsoft.com/office/powerpoint/2010/main" val="2278894467"/>
       </p:ext>
     </p:extLst>
   </p:cSld>
   <p:clrMapOvr>
     <a:masterClrMapping/>
   </p:clrMapOvr>
+  <p:timing>
+    <p:tnLst>
+      <p:par>
+        <p:cTn id="1" dur="indefinite" restart="never" nodeType="tmRoot"/>
+      </p:par>
+    </p:tnLst>
+  </p:timing>
 </p:sld>
 </file>
 

--- a/Yelp Reviews – A Study.pptx
+++ b/Yelp Reviews – A Study.pptx
@@ -1677,59 +1677,6 @@
         </a:p>
       </dgm:t>
     </dgm:pt>
-    <dgm:pt modelId="{BE435514-82AF-4AC5-A378-9667EAFBC39A}">
-      <dgm:prSet phldrT="[Text]"/>
-      <dgm:spPr/>
-      <dgm:t>
-        <a:bodyPr/>
-        <a:lstStyle/>
-        <a:p>
-          <a:r>
-            <a:rPr lang="en-US" dirty="0" smtClean="0"/>
-            <a:t>Extracted </a:t>
-          </a:r>
-          <a:r>
-            <a:rPr lang="en-US" dirty="0" err="1" smtClean="0"/>
-            <a:t>business_id</a:t>
-          </a:r>
-          <a:r>
-            <a:rPr lang="en-US" dirty="0" smtClean="0"/>
-            <a:t> where the categories = “food” from a JSON file named </a:t>
-          </a:r>
-          <a:r>
-            <a:rPr lang="en-US" dirty="0" err="1" smtClean="0"/>
-            <a:t>yelp_academic_dataset_business.json</a:t>
-          </a:r>
-          <a:r>
-            <a:rPr lang="en-US" dirty="0" smtClean="0"/>
-            <a:t> (65 MB) and wrote them to a CSV. </a:t>
-          </a:r>
-          <a:endParaRPr lang="en-US" dirty="0"/>
-        </a:p>
-      </dgm:t>
-    </dgm:pt>
-    <dgm:pt modelId="{F6469897-C83B-47CC-BCF3-1888E92AF092}" type="parTrans" cxnId="{1B3D1F12-64B4-4AC3-B0E4-E59BCB3FA2A4}">
-      <dgm:prSet/>
-      <dgm:spPr/>
-      <dgm:t>
-        <a:bodyPr/>
-        <a:lstStyle/>
-        <a:p>
-          <a:endParaRPr lang="en-US"/>
-        </a:p>
-      </dgm:t>
-    </dgm:pt>
-    <dgm:pt modelId="{D0912F0D-E941-44EC-B57B-0C4854C2ECAF}" type="sibTrans" cxnId="{1B3D1F12-64B4-4AC3-B0E4-E59BCB3FA2A4}">
-      <dgm:prSet/>
-      <dgm:spPr/>
-      <dgm:t>
-        <a:bodyPr/>
-        <a:lstStyle/>
-        <a:p>
-          <a:endParaRPr lang="en-US"/>
-        </a:p>
-      </dgm:t>
-    </dgm:pt>
     <dgm:pt modelId="{66BBF49E-927C-4E2F-B006-D420C13E5E07}">
       <dgm:prSet phldrT="[Text]"/>
       <dgm:spPr/>
@@ -1787,12 +1734,12 @@
             <a:t> using the </a:t>
           </a:r>
           <a:r>
-            <a:rPr lang="en-US" dirty="0" err="1" smtClean="0"/>
-            <a:t>nltk</a:t>
+            <a:rPr lang="en-US" dirty="0" smtClean="0"/>
+            <a:t>NLTK package </a:t>
           </a:r>
           <a:r>
             <a:rPr lang="en-US" dirty="0" smtClean="0"/>
-            <a:t> package from the user reviews.</a:t>
+            <a:t>from the user reviews.</a:t>
           </a:r>
           <a:endParaRPr lang="en-US" dirty="0"/>
         </a:p>
@@ -1829,19 +1776,19 @@
         <a:p>
           <a:r>
             <a:rPr lang="en-US" dirty="0" smtClean="0"/>
-            <a:t>Applied Naïve Bayes and VADER using </a:t>
-          </a:r>
-          <a:r>
-            <a:rPr lang="en-US" dirty="0" err="1" smtClean="0"/>
-            <a:t>nltk</a:t>
+            <a:t>Applied Naïve Bayes </a:t>
           </a:r>
           <a:r>
             <a:rPr lang="en-US" dirty="0" smtClean="0"/>
-            <a:t>, dividing the words </a:t>
+            <a:t>using NLTK , </a:t>
           </a:r>
           <a:r>
             <a:rPr lang="en-US" dirty="0" smtClean="0"/>
-            <a:t>into </a:t>
+            <a:t>dividing the </a:t>
+          </a:r>
+          <a:r>
+            <a:rPr lang="en-US" dirty="0" smtClean="0"/>
+            <a:t>text into </a:t>
           </a:r>
           <a:r>
             <a:rPr lang="en-US" dirty="0" smtClean="0"/>
@@ -1853,7 +1800,11 @@
           </a:r>
           <a:r>
             <a:rPr lang="en-US" dirty="0" smtClean="0"/>
-            <a:t>on “stars”.</a:t>
+            <a:t>on “stars</a:t>
+          </a:r>
+          <a:r>
+            <a:rPr lang="en-US" dirty="0" smtClean="0"/>
+            <a:t>” ratings.</a:t>
           </a:r>
           <a:endParaRPr lang="en-US" dirty="0"/>
         </a:p>
@@ -1927,7 +1878,11 @@
         <a:p>
           <a:r>
             <a:rPr lang="en-US" dirty="0" smtClean="0"/>
-            <a:t>Compared the results derived from the approached mentioned above. </a:t>
+            <a:t>Compare </a:t>
+          </a:r>
+          <a:r>
+            <a:rPr lang="en-US" dirty="0" smtClean="0"/>
+            <a:t>the results derived from the approached mentioned above. </a:t>
           </a:r>
           <a:endParaRPr lang="en-US" dirty="0"/>
         </a:p>
@@ -1964,15 +1919,27 @@
         <a:p>
           <a:r>
             <a:rPr lang="en-US" dirty="0" smtClean="0"/>
-            <a:t>Extracted the user reviews (“text”) and “stars” from </a:t>
+            <a:t>Extracted the user reviews (“text”) and </a:t>
+          </a:r>
+          <a:r>
+            <a:rPr lang="en-US" dirty="0" smtClean="0"/>
+            <a:t>ratings (“stars”) </a:t>
+          </a:r>
+          <a:r>
+            <a:rPr lang="en-US" dirty="0" smtClean="0"/>
+            <a:t>from </a:t>
           </a:r>
           <a:r>
             <a:rPr lang="en-US" dirty="0" err="1" smtClean="0"/>
-            <a:t>yelp_academic_dataset_review.json</a:t>
+            <a:t>dataset_review.json</a:t>
           </a:r>
           <a:r>
             <a:rPr lang="en-US" dirty="0" smtClean="0"/>
-            <a:t> (1.80GB) using the </a:t>
+            <a:t> using </a:t>
+          </a:r>
+          <a:r>
+            <a:rPr lang="en-US" dirty="0" smtClean="0"/>
+            <a:t>the </a:t>
           </a:r>
           <a:r>
             <a:rPr lang="en-US" dirty="0" err="1" smtClean="0"/>
@@ -1980,7 +1947,11 @@
           </a:r>
           <a:r>
             <a:rPr lang="en-US" dirty="0" smtClean="0"/>
-            <a:t> extracted from the previous problem.</a:t>
+            <a:t> </a:t>
+          </a:r>
+          <a:r>
+            <a:rPr lang="en-US" dirty="0" smtClean="0"/>
+            <a:t>extracted.</a:t>
           </a:r>
           <a:endParaRPr lang="en-US" dirty="0"/>
         </a:p>
@@ -2041,6 +2012,207 @@
         </a:p>
       </dgm:t>
     </dgm:pt>
+    <dgm:pt modelId="{7125C8DE-A65C-44C5-9094-3C66A3448E0A}">
+      <dgm:prSet phldrT="[Text]"/>
+      <dgm:spPr/>
+      <dgm:t>
+        <a:bodyPr/>
+        <a:lstStyle/>
+        <a:p>
+          <a:r>
+            <a:rPr lang="en-US" dirty="0" smtClean="0"/>
+            <a:t>Preprocess data. Extract the Business ID data related to the ‘food’ category from </a:t>
+          </a:r>
+          <a:r>
+            <a:rPr lang="en-US" dirty="0" err="1" smtClean="0"/>
+            <a:t>dataset_business.json</a:t>
+          </a:r>
+          <a:r>
+            <a:rPr lang="en-US" dirty="0" smtClean="0"/>
+            <a:t> (65 MB).</a:t>
+          </a:r>
+          <a:endParaRPr lang="en-US" dirty="0"/>
+        </a:p>
+      </dgm:t>
+    </dgm:pt>
+    <dgm:pt modelId="{44C9816D-1A2B-4560-B56F-8D7CC0D82897}" type="parTrans" cxnId="{3BC05AA0-9AC4-4079-81B8-52E18E0DCD3C}">
+      <dgm:prSet/>
+      <dgm:spPr/>
+      <dgm:t>
+        <a:bodyPr/>
+        <a:lstStyle/>
+        <a:p>
+          <a:endParaRPr lang="en-US"/>
+        </a:p>
+      </dgm:t>
+    </dgm:pt>
+    <dgm:pt modelId="{F5D34CDF-D64F-4A8B-B678-897A65BAC5F2}" type="sibTrans" cxnId="{3BC05AA0-9AC4-4079-81B8-52E18E0DCD3C}">
+      <dgm:prSet/>
+      <dgm:spPr/>
+      <dgm:t>
+        <a:bodyPr/>
+        <a:lstStyle/>
+        <a:p>
+          <a:endParaRPr lang="en-US"/>
+        </a:p>
+      </dgm:t>
+    </dgm:pt>
+    <dgm:pt modelId="{0606A311-43A7-4DFA-9C0A-BAC66199669C}">
+      <dgm:prSet phldrT="[Text]"/>
+      <dgm:spPr/>
+      <dgm:t>
+        <a:bodyPr/>
+        <a:lstStyle/>
+        <a:p>
+          <a:r>
+            <a:rPr lang="en-US" dirty="0" smtClean="0"/>
+            <a:t>Clean data and write to CSV files.</a:t>
+          </a:r>
+          <a:endParaRPr lang="en-US" dirty="0"/>
+        </a:p>
+      </dgm:t>
+    </dgm:pt>
+    <dgm:pt modelId="{2D4D7928-40C9-42DC-9428-E7BD91692EF0}" type="parTrans" cxnId="{C2AA35E4-6735-40B1-980E-AD19357EDA63}">
+      <dgm:prSet/>
+      <dgm:spPr/>
+      <dgm:t>
+        <a:bodyPr/>
+        <a:lstStyle/>
+        <a:p>
+          <a:endParaRPr lang="en-US"/>
+        </a:p>
+      </dgm:t>
+    </dgm:pt>
+    <dgm:pt modelId="{F09670BB-0EA0-40D4-8166-1A1A7FED8ACF}" type="sibTrans" cxnId="{C2AA35E4-6735-40B1-980E-AD19357EDA63}">
+      <dgm:prSet/>
+      <dgm:spPr/>
+      <dgm:t>
+        <a:bodyPr/>
+        <a:lstStyle/>
+        <a:p>
+          <a:endParaRPr lang="en-US"/>
+        </a:p>
+      </dgm:t>
+    </dgm:pt>
+    <dgm:pt modelId="{BFDA33EE-4EA6-4697-BD8A-8763E67F626B}">
+      <dgm:prSet phldrT="[Text]"/>
+      <dgm:spPr/>
+      <dgm:t>
+        <a:bodyPr/>
+        <a:lstStyle/>
+        <a:p>
+          <a:r>
+            <a:rPr lang="en-US" dirty="0" smtClean="0"/>
+            <a:t>Applied VADER using NLTK to achieve the same</a:t>
+          </a:r>
+          <a:endParaRPr lang="en-US" dirty="0"/>
+        </a:p>
+      </dgm:t>
+    </dgm:pt>
+    <dgm:pt modelId="{E14E2AA3-3A9E-41C9-B54E-7610B5874DE9}" type="parTrans" cxnId="{9CC48428-FA28-4010-910D-8ACC92FB24E7}">
+      <dgm:prSet/>
+      <dgm:spPr/>
+      <dgm:t>
+        <a:bodyPr/>
+        <a:lstStyle/>
+        <a:p>
+          <a:endParaRPr lang="en-US"/>
+        </a:p>
+      </dgm:t>
+    </dgm:pt>
+    <dgm:pt modelId="{FE12E5AA-201F-4040-B950-2EFEB38BC1D7}" type="sibTrans" cxnId="{9CC48428-FA28-4010-910D-8ACC92FB24E7}">
+      <dgm:prSet/>
+      <dgm:spPr/>
+      <dgm:t>
+        <a:bodyPr/>
+        <a:lstStyle/>
+        <a:p>
+          <a:endParaRPr lang="en-US"/>
+        </a:p>
+      </dgm:t>
+    </dgm:pt>
+    <dgm:pt modelId="{04910821-469B-4C2A-8A99-2CB188B2AFEA}">
+      <dgm:prSet phldrT="[Text]"/>
+      <dgm:spPr/>
+      <dgm:t>
+        <a:bodyPr/>
+        <a:lstStyle/>
+        <a:p>
+          <a:r>
+            <a:rPr lang="en-US" dirty="0" smtClean="0"/>
+            <a:t>Plot the results from VADER using </a:t>
+          </a:r>
+          <a:r>
+            <a:rPr lang="en-US" dirty="0" err="1" smtClean="0"/>
+            <a:t>matplotlib</a:t>
+          </a:r>
+          <a:r>
+            <a:rPr lang="en-US" dirty="0" smtClean="0"/>
+            <a:t> to observe the working and accuracy of the classification. </a:t>
+          </a:r>
+          <a:endParaRPr lang="en-US" dirty="0"/>
+        </a:p>
+      </dgm:t>
+    </dgm:pt>
+    <dgm:pt modelId="{1F214A71-9D37-4538-87BD-C67AFBD86213}" type="parTrans" cxnId="{1D4ACDDD-DCE7-4DA6-B5B3-72969CF9107C}">
+      <dgm:prSet/>
+      <dgm:spPr/>
+      <dgm:t>
+        <a:bodyPr/>
+        <a:lstStyle/>
+        <a:p>
+          <a:endParaRPr lang="en-US"/>
+        </a:p>
+      </dgm:t>
+    </dgm:pt>
+    <dgm:pt modelId="{62F1D2D8-5361-40B6-AD07-52CE57AAD498}" type="sibTrans" cxnId="{1D4ACDDD-DCE7-4DA6-B5B3-72969CF9107C}">
+      <dgm:prSet/>
+      <dgm:spPr/>
+      <dgm:t>
+        <a:bodyPr/>
+        <a:lstStyle/>
+        <a:p>
+          <a:endParaRPr lang="en-US"/>
+        </a:p>
+      </dgm:t>
+    </dgm:pt>
+    <dgm:pt modelId="{A442E141-DED3-4F81-8BFB-BE6C1C101C96}">
+      <dgm:prSet phldrT="[Text]"/>
+      <dgm:spPr/>
+      <dgm:t>
+        <a:bodyPr/>
+        <a:lstStyle/>
+        <a:p>
+          <a:r>
+            <a:rPr lang="en-US" dirty="0" smtClean="0"/>
+            <a:t>Plot the results from Naïve Bayes classifier.</a:t>
+          </a:r>
+          <a:endParaRPr lang="en-US" dirty="0"/>
+        </a:p>
+      </dgm:t>
+    </dgm:pt>
+    <dgm:pt modelId="{AB2738DA-B301-4D18-8F84-876CED973EE3}" type="parTrans" cxnId="{FCEC3736-6660-4266-9CDC-465CC2257201}">
+      <dgm:prSet/>
+      <dgm:spPr/>
+      <dgm:t>
+        <a:bodyPr/>
+        <a:lstStyle/>
+        <a:p>
+          <a:endParaRPr lang="en-US"/>
+        </a:p>
+      </dgm:t>
+    </dgm:pt>
+    <dgm:pt modelId="{9DDB2B06-E114-46AB-9590-BA14826FBE34}" type="sibTrans" cxnId="{FCEC3736-6660-4266-9CDC-465CC2257201}">
+      <dgm:prSet/>
+      <dgm:spPr/>
+      <dgm:t>
+        <a:bodyPr/>
+        <a:lstStyle/>
+        <a:p>
+          <a:endParaRPr lang="en-US"/>
+        </a:p>
+      </dgm:t>
+    </dgm:pt>
     <dgm:pt modelId="{B0C93FC2-E9BC-4DCA-9E0E-F6EC7D4E188D}" type="pres">
       <dgm:prSet presAssocID="{B02FAD5E-7DCF-4382-B82D-EA1202CA4008}" presName="Name0" presStyleCnt="0">
         <dgm:presLayoutVars>
@@ -2063,7 +2235,7 @@
       <dgm:spPr/>
     </dgm:pt>
     <dgm:pt modelId="{6552CB70-428D-477D-9F79-F53F633EE051}" type="pres">
-      <dgm:prSet presAssocID="{F8EB602D-32DD-401F-87F6-30A724891281}" presName="parentText" presStyleLbl="node1" presStyleIdx="0" presStyleCnt="3" custScaleX="59359">
+      <dgm:prSet presAssocID="{F8EB602D-32DD-401F-87F6-30A724891281}" presName="parentText" presStyleLbl="node1" presStyleIdx="0" presStyleCnt="3" custScaleX="59359" custScaleY="71323">
         <dgm:presLayoutVars>
           <dgm:chMax val="1"/>
           <dgm:bulletEnabled val="1"/>
@@ -2079,7 +2251,7 @@
       </dgm:t>
     </dgm:pt>
     <dgm:pt modelId="{6B66F3B8-3F50-449F-A9ED-0A4528538A29}" type="pres">
-      <dgm:prSet presAssocID="{F8EB602D-32DD-401F-87F6-30A724891281}" presName="descendantText" presStyleLbl="alignAccFollowNode1" presStyleIdx="0" presStyleCnt="3">
+      <dgm:prSet presAssocID="{F8EB602D-32DD-401F-87F6-30A724891281}" presName="descendantText" presStyleLbl="alignAccFollowNode1" presStyleIdx="0" presStyleCnt="3" custScaleY="70177">
         <dgm:presLayoutVars>
           <dgm:bulletEnabled val="1"/>
         </dgm:presLayoutVars>
@@ -2102,7 +2274,7 @@
       <dgm:spPr/>
     </dgm:pt>
     <dgm:pt modelId="{6359AC6B-F447-453F-BA77-6A72A16943CD}" type="pres">
-      <dgm:prSet presAssocID="{66BBF49E-927C-4E2F-B006-D420C13E5E07}" presName="parentText" presStyleLbl="node1" presStyleIdx="1" presStyleCnt="3" custScaleX="59359">
+      <dgm:prSet presAssocID="{66BBF49E-927C-4E2F-B006-D420C13E5E07}" presName="parentText" presStyleLbl="node1" presStyleIdx="1" presStyleCnt="3" custScaleX="59359" custScaleY="71323">
         <dgm:presLayoutVars>
           <dgm:chMax val="1"/>
           <dgm:bulletEnabled val="1"/>
@@ -2118,7 +2290,7 @@
       </dgm:t>
     </dgm:pt>
     <dgm:pt modelId="{F1F6B744-2AC4-4ECE-8B41-3E8EC7938F27}" type="pres">
-      <dgm:prSet presAssocID="{66BBF49E-927C-4E2F-B006-D420C13E5E07}" presName="descendantText" presStyleLbl="alignAccFollowNode1" presStyleIdx="1" presStyleCnt="3">
+      <dgm:prSet presAssocID="{66BBF49E-927C-4E2F-B006-D420C13E5E07}" presName="descendantText" presStyleLbl="alignAccFollowNode1" presStyleIdx="1" presStyleCnt="3" custScaleY="70177">
         <dgm:presLayoutVars>
           <dgm:bulletEnabled val="1"/>
         </dgm:presLayoutVars>
@@ -2141,7 +2313,7 @@
       <dgm:spPr/>
     </dgm:pt>
     <dgm:pt modelId="{CF0ED83B-A46B-4B44-9C69-22DECEFDEE5C}" type="pres">
-      <dgm:prSet presAssocID="{440B7219-26B9-4F58-BA23-F5CEC713F213}" presName="parentText" presStyleLbl="node1" presStyleIdx="2" presStyleCnt="3" custScaleX="59359">
+      <dgm:prSet presAssocID="{440B7219-26B9-4F58-BA23-F5CEC713F213}" presName="parentText" presStyleLbl="node1" presStyleIdx="2" presStyleCnt="3" custScaleX="59359" custScaleY="71323">
         <dgm:presLayoutVars>
           <dgm:chMax val="1"/>
           <dgm:bulletEnabled val="1"/>
@@ -2157,7 +2329,7 @@
       </dgm:t>
     </dgm:pt>
     <dgm:pt modelId="{310B62E1-A6E3-4BA5-A387-A18CEE005F73}" type="pres">
-      <dgm:prSet presAssocID="{440B7219-26B9-4F58-BA23-F5CEC713F213}" presName="descendantText" presStyleLbl="alignAccFollowNode1" presStyleIdx="2" presStyleCnt="3" custLinFactNeighborX="-214">
+      <dgm:prSet presAssocID="{440B7219-26B9-4F58-BA23-F5CEC713F213}" presName="descendantText" presStyleLbl="alignAccFollowNode1" presStyleIdx="2" presStyleCnt="3" custScaleY="70177" custLinFactNeighborX="-214">
         <dgm:presLayoutVars>
           <dgm:bulletEnabled val="1"/>
         </dgm:presLayoutVars>
@@ -2173,25 +2345,33 @@
     </dgm:pt>
   </dgm:ptLst>
   <dgm:cxnLst>
-    <dgm:cxn modelId="{C1737068-9549-4619-B0B1-0B2CBAD42C1F}" srcId="{440B7219-26B9-4F58-BA23-F5CEC713F213}" destId="{23A168AE-CB6D-4BA2-A089-D7BA0B4AC5EB}" srcOrd="0" destOrd="0" parTransId="{7F4D2B96-FEA4-45B1-8A97-79FDCCA57637}" sibTransId="{B41296E8-C6C2-4A46-91A1-1D2137D59234}"/>
+    <dgm:cxn modelId="{C1737068-9549-4619-B0B1-0B2CBAD42C1F}" srcId="{440B7219-26B9-4F58-BA23-F5CEC713F213}" destId="{23A168AE-CB6D-4BA2-A089-D7BA0B4AC5EB}" srcOrd="2" destOrd="0" parTransId="{7F4D2B96-FEA4-45B1-8A97-79FDCCA57637}" sibTransId="{B41296E8-C6C2-4A46-91A1-1D2137D59234}"/>
     <dgm:cxn modelId="{5DFC79F7-FD9B-425B-A697-22AB557AB0EF}" srcId="{66BBF49E-927C-4E2F-B006-D420C13E5E07}" destId="{3B965A0D-B34D-469C-8C27-047CACBA8882}" srcOrd="1" destOrd="0" parTransId="{CE897EA2-2DBE-497C-9685-22C658CC4392}" sibTransId="{A10DC2C7-5D95-4F28-8D4C-054F91AABF23}"/>
     <dgm:cxn modelId="{83886DBF-FC09-46B8-B8FF-EF1B525C93ED}" srcId="{B02FAD5E-7DCF-4382-B82D-EA1202CA4008}" destId="{66BBF49E-927C-4E2F-B006-D420C13E5E07}" srcOrd="1" destOrd="0" parTransId="{66A479B0-6EEB-4955-A0E4-A87E932C9592}" sibTransId="{E7E34E2C-1D84-4FA9-BFB8-899D69861A96}"/>
+    <dgm:cxn modelId="{9CC48428-FA28-4010-910D-8ACC92FB24E7}" srcId="{66BBF49E-927C-4E2F-B006-D420C13E5E07}" destId="{BFDA33EE-4EA6-4697-BD8A-8763E67F626B}" srcOrd="2" destOrd="0" parTransId="{E14E2AA3-3A9E-41C9-B54E-7610B5874DE9}" sibTransId="{FE12E5AA-201F-4040-B950-2EFEB38BC1D7}"/>
+    <dgm:cxn modelId="{FCEC3736-6660-4266-9CDC-465CC2257201}" srcId="{440B7219-26B9-4F58-BA23-F5CEC713F213}" destId="{A442E141-DED3-4F81-8BFB-BE6C1C101C96}" srcOrd="1" destOrd="0" parTransId="{AB2738DA-B301-4D18-8F84-876CED973EE3}" sibTransId="{9DDB2B06-E114-46AB-9590-BA14826FBE34}"/>
     <dgm:cxn modelId="{14DC4D40-77A4-464F-B107-8E887B2DA211}" srcId="{F8EB602D-32DD-401F-87F6-30A724891281}" destId="{3870AA8C-1B54-4CFB-8DBD-A28D301FFC71}" srcOrd="1" destOrd="0" parTransId="{314F7E9F-01FC-414A-91A3-2A6A7EF2EF15}" sibTransId="{E53EB828-A3A6-418A-97E1-FC6B006C2386}"/>
     <dgm:cxn modelId="{B40ABC29-3475-4340-8608-6E1C1A5B0936}" type="presOf" srcId="{3870AA8C-1B54-4CFB-8DBD-A28D301FFC71}" destId="{6B66F3B8-3F50-449F-A9ED-0A4528538A29}" srcOrd="0" destOrd="1" presId="urn:microsoft.com/office/officeart/2005/8/layout/vList5"/>
+    <dgm:cxn modelId="{0F003E3C-3F21-4DC8-B1B0-3B6F683C4271}" type="presOf" srcId="{BFDA33EE-4EA6-4697-BD8A-8763E67F626B}" destId="{F1F6B744-2AC4-4ECE-8B41-3E8EC7938F27}" srcOrd="0" destOrd="2" presId="urn:microsoft.com/office/officeart/2005/8/layout/vList5"/>
     <dgm:cxn modelId="{205C5758-F4AD-4D17-AE52-79FDE0555EAD}" type="presOf" srcId="{B02FAD5E-7DCF-4382-B82D-EA1202CA4008}" destId="{B0C93FC2-E9BC-4DCA-9E0E-F6EC7D4E188D}" srcOrd="0" destOrd="0" presId="urn:microsoft.com/office/officeart/2005/8/layout/vList5"/>
-    <dgm:cxn modelId="{B714B41A-292B-46FF-96DD-56422B8C7317}" type="presOf" srcId="{2A5634E2-9635-4251-A518-5907D9AF1F39}" destId="{310B62E1-A6E3-4BA5-A387-A18CEE005F73}" srcOrd="0" destOrd="1" presId="urn:microsoft.com/office/officeart/2005/8/layout/vList5"/>
+    <dgm:cxn modelId="{B714B41A-292B-46FF-96DD-56422B8C7317}" type="presOf" srcId="{2A5634E2-9635-4251-A518-5907D9AF1F39}" destId="{310B62E1-A6E3-4BA5-A387-A18CEE005F73}" srcOrd="0" destOrd="3" presId="urn:microsoft.com/office/officeart/2005/8/layout/vList5"/>
     <dgm:cxn modelId="{3E4ED224-BD7F-44E7-94BC-CC19A4AF6182}" srcId="{66BBF49E-927C-4E2F-B006-D420C13E5E07}" destId="{A34A8185-509B-40CF-A802-8834F7A8F655}" srcOrd="0" destOrd="0" parTransId="{F254DC2D-2050-4060-8AF9-F4A70ED3633D}" sibTransId="{76454D84-600D-4426-8D14-C60ADCB380AE}"/>
     <dgm:cxn modelId="{121733BF-378A-4AFA-8553-2FED7292A7D6}" type="presOf" srcId="{F8EB602D-32DD-401F-87F6-30A724891281}" destId="{6552CB70-428D-477D-9F79-F53F633EE051}" srcOrd="0" destOrd="0" presId="urn:microsoft.com/office/officeart/2005/8/layout/vList5"/>
+    <dgm:cxn modelId="{0EC2C390-F110-464C-8A64-C13982CBA540}" type="presOf" srcId="{0606A311-43A7-4DFA-9C0A-BAC66199669C}" destId="{6B66F3B8-3F50-449F-A9ED-0A4528538A29}" srcOrd="0" destOrd="2" presId="urn:microsoft.com/office/officeart/2005/8/layout/vList5"/>
+    <dgm:cxn modelId="{1D4ACDDD-DCE7-4DA6-B5B3-72969CF9107C}" srcId="{440B7219-26B9-4F58-BA23-F5CEC713F213}" destId="{04910821-469B-4C2A-8A99-2CB188B2AFEA}" srcOrd="0" destOrd="0" parTransId="{1F214A71-9D37-4538-87BD-C67AFBD86213}" sibTransId="{62F1D2D8-5361-40B6-AD07-52CE57AAD498}"/>
     <dgm:cxn modelId="{8D3DFFDA-EC23-4B0F-9B6F-32D52930F570}" type="presOf" srcId="{440B7219-26B9-4F58-BA23-F5CEC713F213}" destId="{CF0ED83B-A46B-4B44-9C69-22DECEFDEE5C}" srcOrd="0" destOrd="0" presId="urn:microsoft.com/office/officeart/2005/8/layout/vList5"/>
-    <dgm:cxn modelId="{A8BE5D63-E158-4E8C-95C4-7B12290771B5}" type="presOf" srcId="{BE435514-82AF-4AC5-A378-9667EAFBC39A}" destId="{6B66F3B8-3F50-449F-A9ED-0A4528538A29}" srcOrd="0" destOrd="0" presId="urn:microsoft.com/office/officeart/2005/8/layout/vList5"/>
-    <dgm:cxn modelId="{0A2D8F61-C3B5-40C1-8A62-DE859CD1E5E6}" srcId="{440B7219-26B9-4F58-BA23-F5CEC713F213}" destId="{2A5634E2-9635-4251-A518-5907D9AF1F39}" srcOrd="1" destOrd="0" parTransId="{CA4E84B3-5D75-4EFE-B282-7DC2D8470B21}" sibTransId="{A5A45FA9-9B2C-4631-9952-24374E6027FC}"/>
+    <dgm:cxn modelId="{3BC05AA0-9AC4-4079-81B8-52E18E0DCD3C}" srcId="{F8EB602D-32DD-401F-87F6-30A724891281}" destId="{7125C8DE-A65C-44C5-9094-3C66A3448E0A}" srcOrd="0" destOrd="0" parTransId="{44C9816D-1A2B-4560-B56F-8D7CC0D82897}" sibTransId="{F5D34CDF-D64F-4A8B-B678-897A65BAC5F2}"/>
+    <dgm:cxn modelId="{FC65BDF5-58B7-428C-BA4B-9705775D7560}" type="presOf" srcId="{7125C8DE-A65C-44C5-9094-3C66A3448E0A}" destId="{6B66F3B8-3F50-449F-A9ED-0A4528538A29}" srcOrd="0" destOrd="0" presId="urn:microsoft.com/office/officeart/2005/8/layout/vList5"/>
+    <dgm:cxn modelId="{C2AA35E4-6735-40B1-980E-AD19357EDA63}" srcId="{F8EB602D-32DD-401F-87F6-30A724891281}" destId="{0606A311-43A7-4DFA-9C0A-BAC66199669C}" srcOrd="2" destOrd="0" parTransId="{2D4D7928-40C9-42DC-9428-E7BD91692EF0}" sibTransId="{F09670BB-0EA0-40D4-8166-1A1A7FED8ACF}"/>
+    <dgm:cxn modelId="{FFE6B053-E59C-45D7-9912-91DE69639793}" type="presOf" srcId="{A442E141-DED3-4F81-8BFB-BE6C1C101C96}" destId="{310B62E1-A6E3-4BA5-A387-A18CEE005F73}" srcOrd="0" destOrd="1" presId="urn:microsoft.com/office/officeart/2005/8/layout/vList5"/>
+    <dgm:cxn modelId="{0A2D8F61-C3B5-40C1-8A62-DE859CD1E5E6}" srcId="{440B7219-26B9-4F58-BA23-F5CEC713F213}" destId="{2A5634E2-9635-4251-A518-5907D9AF1F39}" srcOrd="3" destOrd="0" parTransId="{CA4E84B3-5D75-4EFE-B282-7DC2D8470B21}" sibTransId="{A5A45FA9-9B2C-4631-9952-24374E6027FC}"/>
     <dgm:cxn modelId="{12F60A06-D32D-422A-A321-BC77C09BE7EF}" type="presOf" srcId="{3B965A0D-B34D-469C-8C27-047CACBA8882}" destId="{F1F6B744-2AC4-4ECE-8B41-3E8EC7938F27}" srcOrd="0" destOrd="1" presId="urn:microsoft.com/office/officeart/2005/8/layout/vList5"/>
     <dgm:cxn modelId="{569041C3-EDEA-47AB-90A5-E8336EA2FFB9}" type="presOf" srcId="{66BBF49E-927C-4E2F-B006-D420C13E5E07}" destId="{6359AC6B-F447-453F-BA77-6A72A16943CD}" srcOrd="0" destOrd="0" presId="urn:microsoft.com/office/officeart/2005/8/layout/vList5"/>
+    <dgm:cxn modelId="{26D6AA46-4658-42F5-9272-9474428996E7}" type="presOf" srcId="{04910821-469B-4C2A-8A99-2CB188B2AFEA}" destId="{310B62E1-A6E3-4BA5-A387-A18CEE005F73}" srcOrd="0" destOrd="0" presId="urn:microsoft.com/office/officeart/2005/8/layout/vList5"/>
     <dgm:cxn modelId="{EDA9BE27-2ED6-4189-AF95-F7218E180684}" srcId="{B02FAD5E-7DCF-4382-B82D-EA1202CA4008}" destId="{440B7219-26B9-4F58-BA23-F5CEC713F213}" srcOrd="2" destOrd="0" parTransId="{5469D6DB-87D4-4A31-A784-572A3B3BC2FB}" sibTransId="{D43E3D86-2647-4289-BA37-8BEB14CB4F06}"/>
-    <dgm:cxn modelId="{C2DAE147-F2FF-45A8-A087-12F987A25418}" type="presOf" srcId="{23A168AE-CB6D-4BA2-A089-D7BA0B4AC5EB}" destId="{310B62E1-A6E3-4BA5-A387-A18CEE005F73}" srcOrd="0" destOrd="0" presId="urn:microsoft.com/office/officeart/2005/8/layout/vList5"/>
+    <dgm:cxn modelId="{C2DAE147-F2FF-45A8-A087-12F987A25418}" type="presOf" srcId="{23A168AE-CB6D-4BA2-A089-D7BA0B4AC5EB}" destId="{310B62E1-A6E3-4BA5-A387-A18CEE005F73}" srcOrd="0" destOrd="2" presId="urn:microsoft.com/office/officeart/2005/8/layout/vList5"/>
     <dgm:cxn modelId="{FD4C7090-E939-4514-85AE-3A1160522F5E}" srcId="{B02FAD5E-7DCF-4382-B82D-EA1202CA4008}" destId="{F8EB602D-32DD-401F-87F6-30A724891281}" srcOrd="0" destOrd="0" parTransId="{251AD511-40C9-4FD1-A6BC-7A672701D88E}" sibTransId="{4597E3EC-C439-4736-A564-5EE12350AC6B}"/>
     <dgm:cxn modelId="{2B152090-28D6-402D-9F79-C38AA6958281}" type="presOf" srcId="{A34A8185-509B-40CF-A802-8834F7A8F655}" destId="{F1F6B744-2AC4-4ECE-8B41-3E8EC7938F27}" srcOrd="0" destOrd="0" presId="urn:microsoft.com/office/officeart/2005/8/layout/vList5"/>
-    <dgm:cxn modelId="{1B3D1F12-64B4-4AC3-B0E4-E59BCB3FA2A4}" srcId="{F8EB602D-32DD-401F-87F6-30A724891281}" destId="{BE435514-82AF-4AC5-A378-9667EAFBC39A}" srcOrd="0" destOrd="0" parTransId="{F6469897-C83B-47CC-BCF3-1888E92AF092}" sibTransId="{D0912F0D-E941-44EC-B57B-0C4854C2ECAF}"/>
     <dgm:cxn modelId="{7411E9B9-A7B7-44E4-9CB7-5B28DB2AD12E}" type="presParOf" srcId="{B0C93FC2-E9BC-4DCA-9E0E-F6EC7D4E188D}" destId="{5439EA84-F1A8-4E15-B056-36FB953C1ED1}" srcOrd="0" destOrd="0" presId="urn:microsoft.com/office/officeart/2005/8/layout/vList5"/>
     <dgm:cxn modelId="{A75F3DF5-F691-4FA1-9B1D-B1F135CFC061}" type="presParOf" srcId="{5439EA84-F1A8-4E15-B056-36FB953C1ED1}" destId="{6552CB70-428D-477D-9F79-F53F633EE051}" srcOrd="0" destOrd="0" presId="urn:microsoft.com/office/officeart/2005/8/layout/vList5"/>
     <dgm:cxn modelId="{EE339C24-F21D-442B-A3B4-96898E326E1E}" type="presParOf" srcId="{5439EA84-F1A8-4E15-B056-36FB953C1ED1}" destId="{6B66F3B8-3F50-449F-A9ED-0A4528538A29}" srcOrd="1" destOrd="0" presId="urn:microsoft.com/office/officeart/2005/8/layout/vList5"/>
@@ -2367,8 +2547,8 @@
       </dsp:nvSpPr>
       <dsp:spPr>
         <a:xfrm rot="5400000">
-          <a:off x="6742452" y="-3160121"/>
-          <a:ext cx="1088231" cy="7684654"/>
+          <a:off x="6757771" y="-3169586"/>
+          <a:ext cx="1057592" cy="7684654"/>
         </a:xfrm>
         <a:prstGeom prst="round2SameRect">
           <a:avLst/>
@@ -2411,12 +2591,12 @@
         <a:fontRef idx="minor"/>
       </dsp:style>
       <dsp:txBody>
-        <a:bodyPr spcFirstLastPara="0" vert="horz" wrap="square" lIns="53340" tIns="26670" rIns="53340" bIns="26670" numCol="1" spcCol="1270" anchor="ctr" anchorCtr="0">
+        <a:bodyPr spcFirstLastPara="0" vert="horz" wrap="square" lIns="45720" tIns="22860" rIns="45720" bIns="22860" numCol="1" spcCol="1270" anchor="ctr" anchorCtr="0">
           <a:noAutofit/>
         </a:bodyPr>
         <a:lstStyle/>
         <a:p>
-          <a:pPr marL="114300" lvl="1" indent="-114300" algn="l" defTabSz="622300">
+          <a:pPr marL="114300" lvl="1" indent="-114300" algn="l" defTabSz="533400">
             <a:lnSpc>
               <a:spcPct val="90000"/>
             </a:lnSpc>
@@ -2429,29 +2609,21 @@
             <a:buChar char="••"/>
           </a:pPr>
           <a:r>
-            <a:rPr lang="en-US" sz="1400" kern="1200" dirty="0" smtClean="0"/>
-            <a:t>Extracted </a:t>
+            <a:rPr lang="en-US" sz="1200" kern="1200" dirty="0" smtClean="0"/>
+            <a:t>Preprocess data. Extract the Business ID data related to the ‘food’ category from </a:t>
           </a:r>
           <a:r>
-            <a:rPr lang="en-US" sz="1400" kern="1200" dirty="0" err="1" smtClean="0"/>
-            <a:t>business_id</a:t>
+            <a:rPr lang="en-US" sz="1200" kern="1200" dirty="0" err="1" smtClean="0"/>
+            <a:t>dataset_business.json</a:t>
           </a:r>
           <a:r>
-            <a:rPr lang="en-US" sz="1400" kern="1200" dirty="0" smtClean="0"/>
-            <a:t> where the categories = “food” from a JSON file named </a:t>
+            <a:rPr lang="en-US" sz="1200" kern="1200" dirty="0" smtClean="0"/>
+            <a:t> (65 MB).</a:t>
           </a:r>
-          <a:r>
-            <a:rPr lang="en-US" sz="1400" kern="1200" dirty="0" err="1" smtClean="0"/>
-            <a:t>yelp_academic_dataset_business.json</a:t>
-          </a:r>
-          <a:r>
-            <a:rPr lang="en-US" sz="1400" kern="1200" dirty="0" smtClean="0"/>
-            <a:t> (65 MB) and wrote them to a CSV. </a:t>
-          </a:r>
-          <a:endParaRPr lang="en-US" sz="1400" kern="1200" dirty="0"/>
+          <a:endParaRPr lang="en-US" sz="1200" kern="1200" dirty="0"/>
         </a:p>
         <a:p>
-          <a:pPr marL="114300" lvl="1" indent="-114300" algn="l" defTabSz="622300">
+          <a:pPr marL="114300" lvl="1" indent="-114300" algn="l" defTabSz="533400">
             <a:lnSpc>
               <a:spcPct val="90000"/>
             </a:lnSpc>
@@ -2464,31 +2636,66 @@
             <a:buChar char="••"/>
           </a:pPr>
           <a:r>
-            <a:rPr lang="en-US" sz="1400" kern="1200" dirty="0" smtClean="0"/>
-            <a:t>Extracted the user reviews (“text”) and “stars” from </a:t>
+            <a:rPr lang="en-US" sz="1200" kern="1200" dirty="0" smtClean="0"/>
+            <a:t>Extracted the user reviews (“text”) and </a:t>
           </a:r>
           <a:r>
-            <a:rPr lang="en-US" sz="1400" kern="1200" dirty="0" err="1" smtClean="0"/>
-            <a:t>yelp_academic_dataset_review.json</a:t>
+            <a:rPr lang="en-US" sz="1200" kern="1200" dirty="0" smtClean="0"/>
+            <a:t>ratings (“stars”) </a:t>
           </a:r>
           <a:r>
-            <a:rPr lang="en-US" sz="1400" kern="1200" dirty="0" smtClean="0"/>
-            <a:t> (1.80GB) using the </a:t>
+            <a:rPr lang="en-US" sz="1200" kern="1200" dirty="0" smtClean="0"/>
+            <a:t>from </a:t>
           </a:r>
           <a:r>
-            <a:rPr lang="en-US" sz="1400" kern="1200" dirty="0" err="1" smtClean="0"/>
+            <a:rPr lang="en-US" sz="1200" kern="1200" dirty="0" err="1" smtClean="0"/>
+            <a:t>dataset_review.json</a:t>
+          </a:r>
+          <a:r>
+            <a:rPr lang="en-US" sz="1200" kern="1200" dirty="0" smtClean="0"/>
+            <a:t> using </a:t>
+          </a:r>
+          <a:r>
+            <a:rPr lang="en-US" sz="1200" kern="1200" dirty="0" smtClean="0"/>
+            <a:t>the </a:t>
+          </a:r>
+          <a:r>
+            <a:rPr lang="en-US" sz="1200" kern="1200" dirty="0" err="1" smtClean="0"/>
             <a:t>business_id</a:t>
           </a:r>
           <a:r>
-            <a:rPr lang="en-US" sz="1400" kern="1200" dirty="0" smtClean="0"/>
-            <a:t> extracted from the previous problem.</a:t>
+            <a:rPr lang="en-US" sz="1200" kern="1200" dirty="0" smtClean="0"/>
+            <a:t> </a:t>
           </a:r>
-          <a:endParaRPr lang="en-US" sz="1400" kern="1200" dirty="0"/>
+          <a:r>
+            <a:rPr lang="en-US" sz="1200" kern="1200" dirty="0" smtClean="0"/>
+            <a:t>extracted.</a:t>
+          </a:r>
+          <a:endParaRPr lang="en-US" sz="1200" kern="1200" dirty="0"/>
+        </a:p>
+        <a:p>
+          <a:pPr marL="114300" lvl="1" indent="-114300" algn="l" defTabSz="533400">
+            <a:lnSpc>
+              <a:spcPct val="90000"/>
+            </a:lnSpc>
+            <a:spcBef>
+              <a:spcPct val="0"/>
+            </a:spcBef>
+            <a:spcAft>
+              <a:spcPct val="15000"/>
+            </a:spcAft>
+            <a:buChar char="••"/>
+          </a:pPr>
+          <a:r>
+            <a:rPr lang="en-US" sz="1200" kern="1200" dirty="0" smtClean="0"/>
+            <a:t>Clean data and write to CSV files.</a:t>
+          </a:r>
+          <a:endParaRPr lang="en-US" sz="1200" kern="1200" dirty="0"/>
         </a:p>
       </dsp:txBody>
       <dsp:txXfrm rot="-5400000">
-        <a:off x="3444241" y="191213"/>
-        <a:ext cx="7631531" cy="981985"/>
+        <a:off x="3444241" y="195571"/>
+        <a:ext cx="7633027" cy="954338"/>
       </dsp:txXfrm>
     </dsp:sp>
     <dsp:sp modelId="{6552CB70-428D-477D-9F79-F53F633EE051}">
@@ -2498,8 +2705,8 @@
       </dsp:nvSpPr>
       <dsp:spPr>
         <a:xfrm>
-          <a:off x="878377" y="2061"/>
-          <a:ext cx="2565862" cy="1360289"/>
+          <a:off x="878377" y="951"/>
+          <a:ext cx="2565862" cy="1343578"/>
         </a:xfrm>
         <a:prstGeom prst="roundRect">
           <a:avLst/>
@@ -2564,8 +2771,8 @@
         </a:p>
       </dsp:txBody>
       <dsp:txXfrm>
-        <a:off x="944781" y="68465"/>
-        <a:ext cx="2433054" cy="1227481"/>
+        <a:off x="943965" y="66539"/>
+        <a:ext cx="2434686" cy="1212402"/>
       </dsp:txXfrm>
     </dsp:sp>
     <dsp:sp modelId="{F1F6B744-2AC4-4ECE-8B41-3E8EC7938F27}">
@@ -2575,8 +2782,8 @@
       </dsp:nvSpPr>
       <dsp:spPr>
         <a:xfrm rot="5400000">
-          <a:off x="6742452" y="-1731818"/>
-          <a:ext cx="1088231" cy="7684654"/>
+          <a:off x="6757771" y="-1731818"/>
+          <a:ext cx="1057592" cy="7684654"/>
         </a:xfrm>
         <a:prstGeom prst="round2SameRect">
           <a:avLst/>
@@ -2619,12 +2826,12 @@
         <a:fontRef idx="minor"/>
       </dsp:style>
       <dsp:txBody>
-        <a:bodyPr spcFirstLastPara="0" vert="horz" wrap="square" lIns="53340" tIns="26670" rIns="53340" bIns="26670" numCol="1" spcCol="1270" anchor="ctr" anchorCtr="0">
+        <a:bodyPr spcFirstLastPara="0" vert="horz" wrap="square" lIns="45720" tIns="22860" rIns="45720" bIns="22860" numCol="1" spcCol="1270" anchor="ctr" anchorCtr="0">
           <a:noAutofit/>
         </a:bodyPr>
         <a:lstStyle/>
         <a:p>
-          <a:pPr marL="114300" lvl="1" indent="-114300" algn="l" defTabSz="622300">
+          <a:pPr marL="114300" lvl="1" indent="-114300" algn="l" defTabSz="533400">
             <a:lnSpc>
               <a:spcPct val="90000"/>
             </a:lnSpc>
@@ -2637,29 +2844,29 @@
             <a:buChar char="••"/>
           </a:pPr>
           <a:r>
-            <a:rPr lang="en-US" sz="1400" kern="1200" dirty="0" smtClean="0"/>
+            <a:rPr lang="en-US" sz="1200" kern="1200" dirty="0" smtClean="0"/>
             <a:t>Removed </a:t>
           </a:r>
           <a:r>
-            <a:rPr lang="en-US" sz="1400" kern="1200" dirty="0" err="1" smtClean="0"/>
+            <a:rPr lang="en-US" sz="1200" kern="1200" dirty="0" err="1" smtClean="0"/>
             <a:t>stopwords</a:t>
           </a:r>
           <a:r>
-            <a:rPr lang="en-US" sz="1400" kern="1200" dirty="0" smtClean="0"/>
+            <a:rPr lang="en-US" sz="1200" kern="1200" dirty="0" smtClean="0"/>
             <a:t> using the </a:t>
           </a:r>
           <a:r>
-            <a:rPr lang="en-US" sz="1400" kern="1200" dirty="0" err="1" smtClean="0"/>
-            <a:t>nltk</a:t>
+            <a:rPr lang="en-US" sz="1200" kern="1200" dirty="0" smtClean="0"/>
+            <a:t>NLTK package </a:t>
           </a:r>
           <a:r>
-            <a:rPr lang="en-US" sz="1400" kern="1200" dirty="0" smtClean="0"/>
-            <a:t> package from the user reviews.</a:t>
+            <a:rPr lang="en-US" sz="1200" kern="1200" dirty="0" smtClean="0"/>
+            <a:t>from the user reviews.</a:t>
           </a:r>
-          <a:endParaRPr lang="en-US" sz="1400" kern="1200" dirty="0"/>
+          <a:endParaRPr lang="en-US" sz="1200" kern="1200" dirty="0"/>
         </a:p>
         <a:p>
-          <a:pPr marL="114300" lvl="1" indent="-114300" algn="l" defTabSz="622300">
+          <a:pPr marL="114300" lvl="1" indent="-114300" algn="l" defTabSz="533400">
             <a:lnSpc>
               <a:spcPct val="90000"/>
             </a:lnSpc>
@@ -2672,39 +2879,62 @@
             <a:buChar char="••"/>
           </a:pPr>
           <a:r>
-            <a:rPr lang="en-US" sz="1400" kern="1200" dirty="0" smtClean="0"/>
-            <a:t>Applied Naïve Bayes and VADER using </a:t>
+            <a:rPr lang="en-US" sz="1200" kern="1200" dirty="0" smtClean="0"/>
+            <a:t>Applied Naïve Bayes </a:t>
           </a:r>
           <a:r>
-            <a:rPr lang="en-US" sz="1400" kern="1200" dirty="0" err="1" smtClean="0"/>
-            <a:t>nltk</a:t>
+            <a:rPr lang="en-US" sz="1200" kern="1200" dirty="0" smtClean="0"/>
+            <a:t>using NLTK , </a:t>
           </a:r>
           <a:r>
-            <a:rPr lang="en-US" sz="1400" kern="1200" dirty="0" smtClean="0"/>
-            <a:t>, dividing the words </a:t>
+            <a:rPr lang="en-US" sz="1200" kern="1200" dirty="0" smtClean="0"/>
+            <a:t>dividing the </a:t>
           </a:r>
           <a:r>
-            <a:rPr lang="en-US" sz="1400" kern="1200" dirty="0" smtClean="0"/>
-            <a:t>into </a:t>
+            <a:rPr lang="en-US" sz="1200" kern="1200" dirty="0" smtClean="0"/>
+            <a:t>text into </a:t>
           </a:r>
           <a:r>
-            <a:rPr lang="en-US" sz="1400" kern="1200" dirty="0" smtClean="0"/>
+            <a:rPr lang="en-US" sz="1200" kern="1200" dirty="0" smtClean="0"/>
             <a:t>positive and negative reviews </a:t>
           </a:r>
           <a:r>
-            <a:rPr lang="en-US" sz="1400" kern="1200" dirty="0" smtClean="0"/>
+            <a:rPr lang="en-US" sz="1200" kern="1200" dirty="0" smtClean="0"/>
             <a:t>based </a:t>
           </a:r>
           <a:r>
-            <a:rPr lang="en-US" sz="1400" kern="1200" dirty="0" smtClean="0"/>
-            <a:t>on “stars”.</a:t>
+            <a:rPr lang="en-US" sz="1200" kern="1200" dirty="0" smtClean="0"/>
+            <a:t>on “stars</a:t>
           </a:r>
-          <a:endParaRPr lang="en-US" sz="1400" kern="1200" dirty="0"/>
+          <a:r>
+            <a:rPr lang="en-US" sz="1200" kern="1200" dirty="0" smtClean="0"/>
+            <a:t>” ratings.</a:t>
+          </a:r>
+          <a:endParaRPr lang="en-US" sz="1200" kern="1200" dirty="0"/>
+        </a:p>
+        <a:p>
+          <a:pPr marL="114300" lvl="1" indent="-114300" algn="l" defTabSz="533400">
+            <a:lnSpc>
+              <a:spcPct val="90000"/>
+            </a:lnSpc>
+            <a:spcBef>
+              <a:spcPct val="0"/>
+            </a:spcBef>
+            <a:spcAft>
+              <a:spcPct val="15000"/>
+            </a:spcAft>
+            <a:buChar char="••"/>
+          </a:pPr>
+          <a:r>
+            <a:rPr lang="en-US" sz="1200" kern="1200" dirty="0" smtClean="0"/>
+            <a:t>Applied VADER using NLTK to achieve the same</a:t>
+          </a:r>
+          <a:endParaRPr lang="en-US" sz="1200" kern="1200" dirty="0"/>
         </a:p>
       </dsp:txBody>
       <dsp:txXfrm rot="-5400000">
-        <a:off x="3444241" y="1619516"/>
-        <a:ext cx="7631531" cy="981985"/>
+        <a:off x="3444241" y="1633339"/>
+        <a:ext cx="7633027" cy="954338"/>
       </dsp:txXfrm>
     </dsp:sp>
     <dsp:sp modelId="{6359AC6B-F447-453F-BA77-6A72A16943CD}">
@@ -2714,8 +2944,8 @@
       </dsp:nvSpPr>
       <dsp:spPr>
         <a:xfrm>
-          <a:off x="878377" y="1430364"/>
-          <a:ext cx="2565862" cy="1360289"/>
+          <a:off x="878377" y="1438719"/>
+          <a:ext cx="2565862" cy="1343578"/>
         </a:xfrm>
         <a:prstGeom prst="roundRect">
           <a:avLst/>
@@ -2780,8 +3010,8 @@
         </a:p>
       </dsp:txBody>
       <dsp:txXfrm>
-        <a:off x="944781" y="1496768"/>
-        <a:ext cx="2433054" cy="1227481"/>
+        <a:off x="943965" y="1504307"/>
+        <a:ext cx="2434686" cy="1212402"/>
       </dsp:txXfrm>
     </dsp:sp>
     <dsp:sp modelId="{310B62E1-A6E3-4BA5-A387-A18CEE005F73}">
@@ -2791,8 +3021,8 @@
       </dsp:nvSpPr>
       <dsp:spPr>
         <a:xfrm rot="5400000">
-          <a:off x="6733201" y="-303514"/>
-          <a:ext cx="1088231" cy="7684654"/>
+          <a:off x="6748521" y="-294050"/>
+          <a:ext cx="1057592" cy="7684654"/>
         </a:xfrm>
         <a:prstGeom prst="round2SameRect">
           <a:avLst/>
@@ -2835,12 +3065,12 @@
         <a:fontRef idx="minor"/>
       </dsp:style>
       <dsp:txBody>
-        <a:bodyPr spcFirstLastPara="0" vert="horz" wrap="square" lIns="53340" tIns="26670" rIns="53340" bIns="26670" numCol="1" spcCol="1270" anchor="ctr" anchorCtr="0">
+        <a:bodyPr spcFirstLastPara="0" vert="horz" wrap="square" lIns="45720" tIns="22860" rIns="45720" bIns="22860" numCol="1" spcCol="1270" anchor="ctr" anchorCtr="0">
           <a:noAutofit/>
         </a:bodyPr>
         <a:lstStyle/>
         <a:p>
-          <a:pPr marL="114300" lvl="1" indent="-114300" algn="l" defTabSz="622300">
+          <a:pPr marL="114300" lvl="1" indent="-114300" algn="l" defTabSz="533400">
             <a:lnSpc>
               <a:spcPct val="90000"/>
             </a:lnSpc>
@@ -2853,13 +3083,21 @@
             <a:buChar char="••"/>
           </a:pPr>
           <a:r>
-            <a:rPr lang="en-US" sz="1400" kern="1200" dirty="0" smtClean="0"/>
-            <a:t>Compared the results derived from the approached mentioned above. </a:t>
+            <a:rPr lang="en-US" sz="1200" kern="1200" dirty="0" smtClean="0"/>
+            <a:t>Plot the results from VADER using </a:t>
           </a:r>
-          <a:endParaRPr lang="en-US" sz="1400" kern="1200" dirty="0"/>
+          <a:r>
+            <a:rPr lang="en-US" sz="1200" kern="1200" dirty="0" err="1" smtClean="0"/>
+            <a:t>matplotlib</a:t>
+          </a:r>
+          <a:r>
+            <a:rPr lang="en-US" sz="1200" kern="1200" dirty="0" smtClean="0"/>
+            <a:t> to observe the working and accuracy of the classification. </a:t>
+          </a:r>
+          <a:endParaRPr lang="en-US" sz="1200" kern="1200" dirty="0"/>
         </a:p>
         <a:p>
-          <a:pPr marL="114300" lvl="1" indent="-114300" algn="l" defTabSz="622300">
+          <a:pPr marL="114300" lvl="1" indent="-114300" algn="l" defTabSz="533400">
             <a:lnSpc>
               <a:spcPct val="90000"/>
             </a:lnSpc>
@@ -2871,12 +3109,54 @@
             </a:spcAft>
             <a:buChar char="••"/>
           </a:pPr>
-          <a:endParaRPr lang="en-US" sz="1400" kern="1200" dirty="0"/>
+          <a:r>
+            <a:rPr lang="en-US" sz="1200" kern="1200" dirty="0" smtClean="0"/>
+            <a:t>Plot the results from Naïve Bayes classifier.</a:t>
+          </a:r>
+          <a:endParaRPr lang="en-US" sz="1200" kern="1200" dirty="0"/>
+        </a:p>
+        <a:p>
+          <a:pPr marL="114300" lvl="1" indent="-114300" algn="l" defTabSz="533400">
+            <a:lnSpc>
+              <a:spcPct val="90000"/>
+            </a:lnSpc>
+            <a:spcBef>
+              <a:spcPct val="0"/>
+            </a:spcBef>
+            <a:spcAft>
+              <a:spcPct val="15000"/>
+            </a:spcAft>
+            <a:buChar char="••"/>
+          </a:pPr>
+          <a:r>
+            <a:rPr lang="en-US" sz="1200" kern="1200" dirty="0" smtClean="0"/>
+            <a:t>Compare </a:t>
+          </a:r>
+          <a:r>
+            <a:rPr lang="en-US" sz="1200" kern="1200" dirty="0" smtClean="0"/>
+            <a:t>the results derived from the approached mentioned above. </a:t>
+          </a:r>
+          <a:endParaRPr lang="en-US" sz="1200" kern="1200" dirty="0"/>
+        </a:p>
+        <a:p>
+          <a:pPr marL="114300" lvl="1" indent="-114300" algn="l" defTabSz="533400">
+            <a:lnSpc>
+              <a:spcPct val="90000"/>
+            </a:lnSpc>
+            <a:spcBef>
+              <a:spcPct val="0"/>
+            </a:spcBef>
+            <a:spcAft>
+              <a:spcPct val="15000"/>
+            </a:spcAft>
+            <a:buChar char="••"/>
+          </a:pPr>
+          <a:endParaRPr lang="en-US" sz="1200" kern="1200" dirty="0"/>
         </a:p>
       </dsp:txBody>
       <dsp:txXfrm rot="-5400000">
-        <a:off x="3434990" y="3047820"/>
-        <a:ext cx="7631531" cy="981985"/>
+        <a:off x="3434991" y="3071107"/>
+        <a:ext cx="7633027" cy="954338"/>
       </dsp:txXfrm>
     </dsp:sp>
     <dsp:sp modelId="{CF0ED83B-A46B-4B44-9C69-22DECEFDEE5C}">
@@ -2886,8 +3166,8 @@
       </dsp:nvSpPr>
       <dsp:spPr>
         <a:xfrm>
-          <a:off x="878377" y="2858667"/>
-          <a:ext cx="2565862" cy="1360289"/>
+          <a:off x="878377" y="2876487"/>
+          <a:ext cx="2565862" cy="1343578"/>
         </a:xfrm>
         <a:prstGeom prst="roundRect">
           <a:avLst/>
@@ -2952,8 +3232,8 @@
         </a:p>
       </dsp:txBody>
       <dsp:txXfrm>
-        <a:off x="944781" y="2925071"/>
-        <a:ext cx="2433054" cy="1227481"/>
+        <a:off x="943965" y="2942075"/>
+        <a:ext cx="2434686" cy="1212402"/>
       </dsp:txXfrm>
     </dsp:sp>
   </dsp:spTree>
@@ -14575,7 +14855,7 @@
             <a:pPr lvl="1"/>
             <a:r>
               <a:rPr lang="en-US" dirty="0" smtClean="0"/>
-              <a:t>Checks for negation (don’t, aren’t etc.) . When boosters (incredibly, extremely etc.) are found, value is changed.</a:t>
+              <a:t>Checks for negation (don’t, aren’t etc.) and boosters (incredibly, extremely etc.).</a:t>
             </a:r>
           </a:p>
           <a:p>
@@ -16420,18 +16700,6 @@
           <a:lstStyle/>
           <a:p>
             <a:r>
-              <a:rPr lang="en-US" dirty="0"/>
-              <a:t>Narrow down the review classification w.r.t the category of businesses.</a:t>
-            </a:r>
-          </a:p>
-          <a:p>
-            <a:pPr marL="0" indent="0">
-              <a:buNone/>
-            </a:pPr>
-            <a:endParaRPr lang="en-US" dirty="0" smtClean="0"/>
-          </a:p>
-          <a:p>
-            <a:r>
               <a:rPr lang="en-US" dirty="0" smtClean="0"/>
               <a:t>Using other models such as Support Vector and Maximum Entropy Classifiers.</a:t>
             </a:r>
@@ -16741,15 +17009,7 @@
           <a:p>
             <a:r>
               <a:rPr lang="en-US" dirty="0" smtClean="0"/>
-              <a:t>Overall </a:t>
-            </a:r>
-            <a:r>
-              <a:rPr lang="en-US" dirty="0" smtClean="0"/>
-              <a:t>view </a:t>
-            </a:r>
-            <a:r>
-              <a:rPr lang="en-US" dirty="0" smtClean="0"/>
-              <a:t>of the Project Description</a:t>
+              <a:t>Overview of the Project Flow</a:t>
             </a:r>
             <a:endParaRPr lang="en-US" dirty="0"/>
           </a:p>
@@ -17361,8 +17621,16 @@
           <a:lstStyle/>
           <a:p>
             <a:r>
+              <a:rPr lang="en-US" dirty="0"/>
+              <a:t>Overview of </a:t>
+            </a:r>
+            <a:r>
               <a:rPr lang="en-US" dirty="0" smtClean="0"/>
-              <a:t>Overall view of the Project Description</a:t>
+              <a:t>the Project </a:t>
+            </a:r>
+            <a:r>
+              <a:rPr lang="en-US" dirty="0"/>
+              <a:t>Flow</a:t>
             </a:r>
             <a:endParaRPr lang="en-US" dirty="0"/>
           </a:p>
@@ -17402,7 +17670,7 @@
             <p:ph idx="1"/>
             <p:extLst>
               <p:ext uri="{D42A27DB-BD31-4B8C-83A1-F6EECF244321}">
-                <p14:modId xmlns:p14="http://schemas.microsoft.com/office/powerpoint/2010/main" val="847160145"/>
+                <p14:modId xmlns:p14="http://schemas.microsoft.com/office/powerpoint/2010/main" val="3737081894"/>
               </p:ext>
             </p:extLst>
           </p:nvPr>
@@ -17675,14 +17943,12 @@
             <a:pPr lvl="1"/>
             <a:r>
               <a:rPr lang="en-US" dirty="0">
-                <a:latin typeface="Times New Roman" pitchFamily="18" charset="0"/>
                 <a:cs typeface="Times New Roman" pitchFamily="18" charset="0"/>
               </a:rPr>
               <a:t>A tool consisting of a collection of libraries and programs in python that allows for customization and optimization of  NLP </a:t>
             </a:r>
             <a:r>
               <a:rPr lang="en-US" dirty="0" smtClean="0">
-                <a:latin typeface="Times New Roman" pitchFamily="18" charset="0"/>
                 <a:cs typeface="Times New Roman" pitchFamily="18" charset="0"/>
               </a:rPr>
               <a:t>processes i.e., working with human language data.</a:t>
@@ -17692,7 +17958,6 @@
             <a:pPr lvl="1"/>
             <a:r>
               <a:rPr lang="en-US" dirty="0">
-                <a:latin typeface="Times New Roman" pitchFamily="18" charset="0"/>
                 <a:cs typeface="Times New Roman" pitchFamily="18" charset="0"/>
               </a:rPr>
               <a:t>It is an open source library and can be downloaded from </a:t>
@@ -17715,28 +17980,18 @@
             </a:r>
             <a:r>
               <a:rPr lang="en-US" dirty="0" smtClean="0">
-                <a:latin typeface="Times New Roman" pitchFamily="18" charset="0"/>
                 <a:cs typeface="Times New Roman" pitchFamily="18" charset="0"/>
               </a:rPr>
-              <a:t>download </a:t>
-            </a:r>
-            <a:r>
-              <a:rPr lang="en-US" dirty="0" err="1">
-                <a:latin typeface="Times New Roman" pitchFamily="18" charset="0"/>
+              <a:t>download from </a:t>
+            </a:r>
+            <a:r>
+              <a:rPr lang="en-US" dirty="0">
                 <a:cs typeface="Times New Roman" pitchFamily="18" charset="0"/>
               </a:rPr>
-              <a:t>nltk</a:t>
-            </a:r>
-            <a:r>
-              <a:rPr lang="en-US" dirty="0">
-                <a:latin typeface="Times New Roman" pitchFamily="18" charset="0"/>
-                <a:cs typeface="Times New Roman" pitchFamily="18" charset="0"/>
-              </a:rPr>
-              <a:t> from Canopy’s Package Manager </a:t>
+              <a:t>Canopy’s Package Manager </a:t>
             </a:r>
             <a:r>
               <a:rPr lang="en-US" dirty="0" smtClean="0">
-                <a:latin typeface="Times New Roman" pitchFamily="18" charset="0"/>
                 <a:cs typeface="Times New Roman" pitchFamily="18" charset="0"/>
               </a:rPr>
               <a:t>)</a:t>
@@ -17759,20 +18014,17 @@
             <a:pPr lvl="1"/>
             <a:r>
               <a:rPr lang="en-US" dirty="0">
-                <a:latin typeface="Times New Roman" pitchFamily="18" charset="0"/>
                 <a:cs typeface="Times New Roman" pitchFamily="18" charset="0"/>
               </a:rPr>
               <a:t>Text </a:t>
             </a:r>
             <a:r>
               <a:rPr lang="en-US" dirty="0" smtClean="0">
-                <a:latin typeface="Times New Roman" pitchFamily="18" charset="0"/>
                 <a:cs typeface="Times New Roman" pitchFamily="18" charset="0"/>
               </a:rPr>
               <a:t>Classification</a:t>
             </a:r>
             <a:endParaRPr lang="en-US" dirty="0">
-              <a:latin typeface="Times New Roman" pitchFamily="18" charset="0"/>
               <a:cs typeface="Times New Roman" pitchFamily="18" charset="0"/>
             </a:endParaRPr>
           </a:p>
@@ -17780,20 +18032,17 @@
             <a:pPr lvl="1"/>
             <a:r>
               <a:rPr lang="en-US" dirty="0">
-                <a:latin typeface="Times New Roman" pitchFamily="18" charset="0"/>
                 <a:cs typeface="Times New Roman" pitchFamily="18" charset="0"/>
               </a:rPr>
               <a:t>Sentence </a:t>
             </a:r>
             <a:r>
               <a:rPr lang="en-US" dirty="0" smtClean="0">
-                <a:latin typeface="Times New Roman" pitchFamily="18" charset="0"/>
                 <a:cs typeface="Times New Roman" pitchFamily="18" charset="0"/>
               </a:rPr>
               <a:t>Tokenization	</a:t>
             </a:r>
             <a:endParaRPr lang="en-US" dirty="0">
-              <a:latin typeface="Times New Roman" pitchFamily="18" charset="0"/>
               <a:cs typeface="Times New Roman" pitchFamily="18" charset="0"/>
             </a:endParaRPr>
           </a:p>
@@ -17801,20 +18050,17 @@
             <a:pPr lvl="1"/>
             <a:r>
               <a:rPr lang="en-US" dirty="0">
-                <a:latin typeface="Times New Roman" pitchFamily="18" charset="0"/>
                 <a:cs typeface="Times New Roman" pitchFamily="18" charset="0"/>
               </a:rPr>
               <a:t>Word </a:t>
             </a:r>
             <a:r>
               <a:rPr lang="en-US" dirty="0" smtClean="0">
-                <a:latin typeface="Times New Roman" pitchFamily="18" charset="0"/>
                 <a:cs typeface="Times New Roman" pitchFamily="18" charset="0"/>
               </a:rPr>
               <a:t>Tokenization</a:t>
             </a:r>
             <a:endParaRPr lang="en-US" dirty="0">
-              <a:latin typeface="Times New Roman" pitchFamily="18" charset="0"/>
               <a:cs typeface="Times New Roman" pitchFamily="18" charset="0"/>
             </a:endParaRPr>
           </a:p>
@@ -17822,20 +18068,17 @@
             <a:pPr lvl="1"/>
             <a:r>
               <a:rPr lang="en-US" dirty="0">
-                <a:latin typeface="Times New Roman" pitchFamily="18" charset="0"/>
                 <a:cs typeface="Times New Roman" pitchFamily="18" charset="0"/>
               </a:rPr>
               <a:t>Speech </a:t>
             </a:r>
             <a:r>
               <a:rPr lang="en-US" dirty="0" smtClean="0">
-                <a:latin typeface="Times New Roman" pitchFamily="18" charset="0"/>
                 <a:cs typeface="Times New Roman" pitchFamily="18" charset="0"/>
               </a:rPr>
               <a:t>Tagging</a:t>
             </a:r>
             <a:endParaRPr lang="en-US" dirty="0">
-              <a:latin typeface="Times New Roman" pitchFamily="18" charset="0"/>
               <a:cs typeface="Times New Roman" pitchFamily="18" charset="0"/>
             </a:endParaRPr>
           </a:p>
@@ -17843,7 +18086,6 @@
             <a:pPr lvl="1"/>
             <a:r>
               <a:rPr lang="en-US" dirty="0">
-                <a:latin typeface="Times New Roman" pitchFamily="18" charset="0"/>
                 <a:cs typeface="Times New Roman" pitchFamily="18" charset="0"/>
               </a:rPr>
               <a:t>Clustering</a:t>

--- a/Yelp Reviews – A Study.pptx
+++ b/Yelp Reviews – A Study.pptx
@@ -5,7 +5,7 @@
     <p:sldMasterId id="2147483852" r:id="rId1"/>
   </p:sldMasterIdLst>
   <p:notesMasterIdLst>
-    <p:notesMasterId r:id="rId20"/>
+    <p:notesMasterId r:id="rId21"/>
   </p:notesMasterIdLst>
   <p:sldIdLst>
     <p:sldId id="256" r:id="rId2"/>
@@ -21,11 +21,12 @@
     <p:sldId id="268" r:id="rId12"/>
     <p:sldId id="272" r:id="rId13"/>
     <p:sldId id="261" r:id="rId14"/>
-    <p:sldId id="269" r:id="rId15"/>
-    <p:sldId id="270" r:id="rId16"/>
-    <p:sldId id="271" r:id="rId17"/>
-    <p:sldId id="262" r:id="rId18"/>
-    <p:sldId id="265" r:id="rId19"/>
+    <p:sldId id="276" r:id="rId15"/>
+    <p:sldId id="269" r:id="rId16"/>
+    <p:sldId id="270" r:id="rId17"/>
+    <p:sldId id="271" r:id="rId18"/>
+    <p:sldId id="262" r:id="rId19"/>
+    <p:sldId id="265" r:id="rId20"/>
   </p:sldIdLst>
   <p:sldSz cx="12192000" cy="6858000"/>
   <p:notesSz cx="6858000" cy="9144000"/>
@@ -126,7 +127,7 @@
   </p:defaultTextStyle>
   <p:extLst>
     <p:ext uri="{EFAFB233-063F-42B5-8137-9DF3F51BA10A}">
-      <p15:sldGuideLst xmlns:p15="http://schemas.microsoft.com/office/powerpoint/2012/main"/>
+      <p15:sldGuideLst xmlns:p15="http://schemas.microsoft.com/office/powerpoint/2012/main" xmlns=""/>
     </p:ext>
   </p:extLst>
 </p:presentation>
@@ -1731,15 +1732,7 @@
           </a:r>
           <a:r>
             <a:rPr lang="en-US" dirty="0" smtClean="0"/>
-            <a:t> using the </a:t>
-          </a:r>
-          <a:r>
-            <a:rPr lang="en-US" dirty="0" smtClean="0"/>
-            <a:t>NLTK package </a:t>
-          </a:r>
-          <a:r>
-            <a:rPr lang="en-US" dirty="0" smtClean="0"/>
-            <a:t>from the user reviews.</a:t>
+            <a:t> using the NLTK package from the user reviews.</a:t>
           </a:r>
           <a:endParaRPr lang="en-US" dirty="0"/>
         </a:p>
@@ -1776,35 +1769,7 @@
         <a:p>
           <a:r>
             <a:rPr lang="en-US" dirty="0" smtClean="0"/>
-            <a:t>Applied Naïve Bayes </a:t>
-          </a:r>
-          <a:r>
-            <a:rPr lang="en-US" dirty="0" smtClean="0"/>
-            <a:t>using NLTK , </a:t>
-          </a:r>
-          <a:r>
-            <a:rPr lang="en-US" dirty="0" smtClean="0"/>
-            <a:t>dividing the </a:t>
-          </a:r>
-          <a:r>
-            <a:rPr lang="en-US" dirty="0" smtClean="0"/>
-            <a:t>text into </a:t>
-          </a:r>
-          <a:r>
-            <a:rPr lang="en-US" dirty="0" smtClean="0"/>
-            <a:t>positive and negative reviews </a:t>
-          </a:r>
-          <a:r>
-            <a:rPr lang="en-US" dirty="0" smtClean="0"/>
-            <a:t>based </a:t>
-          </a:r>
-          <a:r>
-            <a:rPr lang="en-US" dirty="0" smtClean="0"/>
-            <a:t>on “stars</a:t>
-          </a:r>
-          <a:r>
-            <a:rPr lang="en-US" dirty="0" smtClean="0"/>
-            <a:t>” ratings.</a:t>
+            <a:t>Applied Naïve Bayes using NLTK , dividing the text into positive and negative reviews based on “stars” ratings.</a:t>
           </a:r>
           <a:endParaRPr lang="en-US" dirty="0"/>
         </a:p>
@@ -1878,11 +1843,7 @@
         <a:p>
           <a:r>
             <a:rPr lang="en-US" dirty="0" smtClean="0"/>
-            <a:t>Compare </a:t>
-          </a:r>
-          <a:r>
-            <a:rPr lang="en-US" dirty="0" smtClean="0"/>
-            <a:t>the results derived from the approached mentioned above. </a:t>
+            <a:t>Compare the results derived from the approached mentioned above. </a:t>
           </a:r>
           <a:endParaRPr lang="en-US" dirty="0"/>
         </a:p>
@@ -1919,15 +1880,7 @@
         <a:p>
           <a:r>
             <a:rPr lang="en-US" dirty="0" smtClean="0"/>
-            <a:t>Extracted the user reviews (“text”) and </a:t>
-          </a:r>
-          <a:r>
-            <a:rPr lang="en-US" dirty="0" smtClean="0"/>
-            <a:t>ratings (“stars”) </a:t>
-          </a:r>
-          <a:r>
-            <a:rPr lang="en-US" dirty="0" smtClean="0"/>
-            <a:t>from </a:t>
+            <a:t>Extracted the user reviews (“text”) and ratings (“stars”) from </a:t>
           </a:r>
           <a:r>
             <a:rPr lang="en-US" dirty="0" err="1" smtClean="0"/>
@@ -1935,11 +1888,7 @@
           </a:r>
           <a:r>
             <a:rPr lang="en-US" dirty="0" smtClean="0"/>
-            <a:t> using </a:t>
-          </a:r>
-          <a:r>
-            <a:rPr lang="en-US" dirty="0" smtClean="0"/>
-            <a:t>the </a:t>
+            <a:t> using the </a:t>
           </a:r>
           <a:r>
             <a:rPr lang="en-US" dirty="0" err="1" smtClean="0"/>
@@ -1947,11 +1896,7 @@
           </a:r>
           <a:r>
             <a:rPr lang="en-US" dirty="0" smtClean="0"/>
-            <a:t> </a:t>
-          </a:r>
-          <a:r>
-            <a:rPr lang="en-US" dirty="0" smtClean="0"/>
-            <a:t>extracted.</a:t>
+            <a:t> extracted.</a:t>
           </a:r>
           <a:endParaRPr lang="en-US" dirty="0"/>
         </a:p>
@@ -2345,33 +2290,33 @@
     </dgm:pt>
   </dgm:ptLst>
   <dgm:cxnLst>
-    <dgm:cxn modelId="{C1737068-9549-4619-B0B1-0B2CBAD42C1F}" srcId="{440B7219-26B9-4F58-BA23-F5CEC713F213}" destId="{23A168AE-CB6D-4BA2-A089-D7BA0B4AC5EB}" srcOrd="2" destOrd="0" parTransId="{7F4D2B96-FEA4-45B1-8A97-79FDCCA57637}" sibTransId="{B41296E8-C6C2-4A46-91A1-1D2137D59234}"/>
-    <dgm:cxn modelId="{5DFC79F7-FD9B-425B-A697-22AB557AB0EF}" srcId="{66BBF49E-927C-4E2F-B006-D420C13E5E07}" destId="{3B965A0D-B34D-469C-8C27-047CACBA8882}" srcOrd="1" destOrd="0" parTransId="{CE897EA2-2DBE-497C-9685-22C658CC4392}" sibTransId="{A10DC2C7-5D95-4F28-8D4C-054F91AABF23}"/>
+    <dgm:cxn modelId="{C2DAE147-F2FF-45A8-A087-12F987A25418}" type="presOf" srcId="{23A168AE-CB6D-4BA2-A089-D7BA0B4AC5EB}" destId="{310B62E1-A6E3-4BA5-A387-A18CEE005F73}" srcOrd="0" destOrd="2" presId="urn:microsoft.com/office/officeart/2005/8/layout/vList5"/>
     <dgm:cxn modelId="{83886DBF-FC09-46B8-B8FF-EF1B525C93ED}" srcId="{B02FAD5E-7DCF-4382-B82D-EA1202CA4008}" destId="{66BBF49E-927C-4E2F-B006-D420C13E5E07}" srcOrd="1" destOrd="0" parTransId="{66A479B0-6EEB-4955-A0E4-A87E932C9592}" sibTransId="{E7E34E2C-1D84-4FA9-BFB8-899D69861A96}"/>
     <dgm:cxn modelId="{9CC48428-FA28-4010-910D-8ACC92FB24E7}" srcId="{66BBF49E-927C-4E2F-B006-D420C13E5E07}" destId="{BFDA33EE-4EA6-4697-BD8A-8763E67F626B}" srcOrd="2" destOrd="0" parTransId="{E14E2AA3-3A9E-41C9-B54E-7610B5874DE9}" sibTransId="{FE12E5AA-201F-4040-B950-2EFEB38BC1D7}"/>
+    <dgm:cxn modelId="{3BC05AA0-9AC4-4079-81B8-52E18E0DCD3C}" srcId="{F8EB602D-32DD-401F-87F6-30A724891281}" destId="{7125C8DE-A65C-44C5-9094-3C66A3448E0A}" srcOrd="0" destOrd="0" parTransId="{44C9816D-1A2B-4560-B56F-8D7CC0D82897}" sibTransId="{F5D34CDF-D64F-4A8B-B678-897A65BAC5F2}"/>
+    <dgm:cxn modelId="{1D4ACDDD-DCE7-4DA6-B5B3-72969CF9107C}" srcId="{440B7219-26B9-4F58-BA23-F5CEC713F213}" destId="{04910821-469B-4C2A-8A99-2CB188B2AFEA}" srcOrd="0" destOrd="0" parTransId="{1F214A71-9D37-4538-87BD-C67AFBD86213}" sibTransId="{62F1D2D8-5361-40B6-AD07-52CE57AAD498}"/>
+    <dgm:cxn modelId="{121733BF-378A-4AFA-8553-2FED7292A7D6}" type="presOf" srcId="{F8EB602D-32DD-401F-87F6-30A724891281}" destId="{6552CB70-428D-477D-9F79-F53F633EE051}" srcOrd="0" destOrd="0" presId="urn:microsoft.com/office/officeart/2005/8/layout/vList5"/>
+    <dgm:cxn modelId="{205C5758-F4AD-4D17-AE52-79FDE0555EAD}" type="presOf" srcId="{B02FAD5E-7DCF-4382-B82D-EA1202CA4008}" destId="{B0C93FC2-E9BC-4DCA-9E0E-F6EC7D4E188D}" srcOrd="0" destOrd="0" presId="urn:microsoft.com/office/officeart/2005/8/layout/vList5"/>
+    <dgm:cxn modelId="{8D3DFFDA-EC23-4B0F-9B6F-32D52930F570}" type="presOf" srcId="{440B7219-26B9-4F58-BA23-F5CEC713F213}" destId="{CF0ED83B-A46B-4B44-9C69-22DECEFDEE5C}" srcOrd="0" destOrd="0" presId="urn:microsoft.com/office/officeart/2005/8/layout/vList5"/>
+    <dgm:cxn modelId="{2B152090-28D6-402D-9F79-C38AA6958281}" type="presOf" srcId="{A34A8185-509B-40CF-A802-8834F7A8F655}" destId="{F1F6B744-2AC4-4ECE-8B41-3E8EC7938F27}" srcOrd="0" destOrd="0" presId="urn:microsoft.com/office/officeart/2005/8/layout/vList5"/>
+    <dgm:cxn modelId="{569041C3-EDEA-47AB-90A5-E8336EA2FFB9}" type="presOf" srcId="{66BBF49E-927C-4E2F-B006-D420C13E5E07}" destId="{6359AC6B-F447-453F-BA77-6A72A16943CD}" srcOrd="0" destOrd="0" presId="urn:microsoft.com/office/officeart/2005/8/layout/vList5"/>
+    <dgm:cxn modelId="{0F003E3C-3F21-4DC8-B1B0-3B6F683C4271}" type="presOf" srcId="{BFDA33EE-4EA6-4697-BD8A-8763E67F626B}" destId="{F1F6B744-2AC4-4ECE-8B41-3E8EC7938F27}" srcOrd="0" destOrd="2" presId="urn:microsoft.com/office/officeart/2005/8/layout/vList5"/>
+    <dgm:cxn modelId="{FFE6B053-E59C-45D7-9912-91DE69639793}" type="presOf" srcId="{A442E141-DED3-4F81-8BFB-BE6C1C101C96}" destId="{310B62E1-A6E3-4BA5-A387-A18CEE005F73}" srcOrd="0" destOrd="1" presId="urn:microsoft.com/office/officeart/2005/8/layout/vList5"/>
+    <dgm:cxn modelId="{5DFC79F7-FD9B-425B-A697-22AB557AB0EF}" srcId="{66BBF49E-927C-4E2F-B006-D420C13E5E07}" destId="{3B965A0D-B34D-469C-8C27-047CACBA8882}" srcOrd="1" destOrd="0" parTransId="{CE897EA2-2DBE-497C-9685-22C658CC4392}" sibTransId="{A10DC2C7-5D95-4F28-8D4C-054F91AABF23}"/>
+    <dgm:cxn modelId="{B40ABC29-3475-4340-8608-6E1C1A5B0936}" type="presOf" srcId="{3870AA8C-1B54-4CFB-8DBD-A28D301FFC71}" destId="{6B66F3B8-3F50-449F-A9ED-0A4528538A29}" srcOrd="0" destOrd="1" presId="urn:microsoft.com/office/officeart/2005/8/layout/vList5"/>
+    <dgm:cxn modelId="{3E4ED224-BD7F-44E7-94BC-CC19A4AF6182}" srcId="{66BBF49E-927C-4E2F-B006-D420C13E5E07}" destId="{A34A8185-509B-40CF-A802-8834F7A8F655}" srcOrd="0" destOrd="0" parTransId="{F254DC2D-2050-4060-8AF9-F4A70ED3633D}" sibTransId="{76454D84-600D-4426-8D14-C60ADCB380AE}"/>
+    <dgm:cxn modelId="{12F60A06-D32D-422A-A321-BC77C09BE7EF}" type="presOf" srcId="{3B965A0D-B34D-469C-8C27-047CACBA8882}" destId="{F1F6B744-2AC4-4ECE-8B41-3E8EC7938F27}" srcOrd="0" destOrd="1" presId="urn:microsoft.com/office/officeart/2005/8/layout/vList5"/>
+    <dgm:cxn modelId="{C1737068-9549-4619-B0B1-0B2CBAD42C1F}" srcId="{440B7219-26B9-4F58-BA23-F5CEC713F213}" destId="{23A168AE-CB6D-4BA2-A089-D7BA0B4AC5EB}" srcOrd="2" destOrd="0" parTransId="{7F4D2B96-FEA4-45B1-8A97-79FDCCA57637}" sibTransId="{B41296E8-C6C2-4A46-91A1-1D2137D59234}"/>
     <dgm:cxn modelId="{FCEC3736-6660-4266-9CDC-465CC2257201}" srcId="{440B7219-26B9-4F58-BA23-F5CEC713F213}" destId="{A442E141-DED3-4F81-8BFB-BE6C1C101C96}" srcOrd="1" destOrd="0" parTransId="{AB2738DA-B301-4D18-8F84-876CED973EE3}" sibTransId="{9DDB2B06-E114-46AB-9590-BA14826FBE34}"/>
+    <dgm:cxn modelId="{0EC2C390-F110-464C-8A64-C13982CBA540}" type="presOf" srcId="{0606A311-43A7-4DFA-9C0A-BAC66199669C}" destId="{6B66F3B8-3F50-449F-A9ED-0A4528538A29}" srcOrd="0" destOrd="2" presId="urn:microsoft.com/office/officeart/2005/8/layout/vList5"/>
+    <dgm:cxn modelId="{B714B41A-292B-46FF-96DD-56422B8C7317}" type="presOf" srcId="{2A5634E2-9635-4251-A518-5907D9AF1F39}" destId="{310B62E1-A6E3-4BA5-A387-A18CEE005F73}" srcOrd="0" destOrd="3" presId="urn:microsoft.com/office/officeart/2005/8/layout/vList5"/>
     <dgm:cxn modelId="{14DC4D40-77A4-464F-B107-8E887B2DA211}" srcId="{F8EB602D-32DD-401F-87F6-30A724891281}" destId="{3870AA8C-1B54-4CFB-8DBD-A28D301FFC71}" srcOrd="1" destOrd="0" parTransId="{314F7E9F-01FC-414A-91A3-2A6A7EF2EF15}" sibTransId="{E53EB828-A3A6-418A-97E1-FC6B006C2386}"/>
-    <dgm:cxn modelId="{B40ABC29-3475-4340-8608-6E1C1A5B0936}" type="presOf" srcId="{3870AA8C-1B54-4CFB-8DBD-A28D301FFC71}" destId="{6B66F3B8-3F50-449F-A9ED-0A4528538A29}" srcOrd="0" destOrd="1" presId="urn:microsoft.com/office/officeart/2005/8/layout/vList5"/>
-    <dgm:cxn modelId="{0F003E3C-3F21-4DC8-B1B0-3B6F683C4271}" type="presOf" srcId="{BFDA33EE-4EA6-4697-BD8A-8763E67F626B}" destId="{F1F6B744-2AC4-4ECE-8B41-3E8EC7938F27}" srcOrd="0" destOrd="2" presId="urn:microsoft.com/office/officeart/2005/8/layout/vList5"/>
-    <dgm:cxn modelId="{205C5758-F4AD-4D17-AE52-79FDE0555EAD}" type="presOf" srcId="{B02FAD5E-7DCF-4382-B82D-EA1202CA4008}" destId="{B0C93FC2-E9BC-4DCA-9E0E-F6EC7D4E188D}" srcOrd="0" destOrd="0" presId="urn:microsoft.com/office/officeart/2005/8/layout/vList5"/>
-    <dgm:cxn modelId="{B714B41A-292B-46FF-96DD-56422B8C7317}" type="presOf" srcId="{2A5634E2-9635-4251-A518-5907D9AF1F39}" destId="{310B62E1-A6E3-4BA5-A387-A18CEE005F73}" srcOrd="0" destOrd="3" presId="urn:microsoft.com/office/officeart/2005/8/layout/vList5"/>
-    <dgm:cxn modelId="{3E4ED224-BD7F-44E7-94BC-CC19A4AF6182}" srcId="{66BBF49E-927C-4E2F-B006-D420C13E5E07}" destId="{A34A8185-509B-40CF-A802-8834F7A8F655}" srcOrd="0" destOrd="0" parTransId="{F254DC2D-2050-4060-8AF9-F4A70ED3633D}" sibTransId="{76454D84-600D-4426-8D14-C60ADCB380AE}"/>
-    <dgm:cxn modelId="{121733BF-378A-4AFA-8553-2FED7292A7D6}" type="presOf" srcId="{F8EB602D-32DD-401F-87F6-30A724891281}" destId="{6552CB70-428D-477D-9F79-F53F633EE051}" srcOrd="0" destOrd="0" presId="urn:microsoft.com/office/officeart/2005/8/layout/vList5"/>
-    <dgm:cxn modelId="{0EC2C390-F110-464C-8A64-C13982CBA540}" type="presOf" srcId="{0606A311-43A7-4DFA-9C0A-BAC66199669C}" destId="{6B66F3B8-3F50-449F-A9ED-0A4528538A29}" srcOrd="0" destOrd="2" presId="urn:microsoft.com/office/officeart/2005/8/layout/vList5"/>
-    <dgm:cxn modelId="{1D4ACDDD-DCE7-4DA6-B5B3-72969CF9107C}" srcId="{440B7219-26B9-4F58-BA23-F5CEC713F213}" destId="{04910821-469B-4C2A-8A99-2CB188B2AFEA}" srcOrd="0" destOrd="0" parTransId="{1F214A71-9D37-4538-87BD-C67AFBD86213}" sibTransId="{62F1D2D8-5361-40B6-AD07-52CE57AAD498}"/>
-    <dgm:cxn modelId="{8D3DFFDA-EC23-4B0F-9B6F-32D52930F570}" type="presOf" srcId="{440B7219-26B9-4F58-BA23-F5CEC713F213}" destId="{CF0ED83B-A46B-4B44-9C69-22DECEFDEE5C}" srcOrd="0" destOrd="0" presId="urn:microsoft.com/office/officeart/2005/8/layout/vList5"/>
-    <dgm:cxn modelId="{3BC05AA0-9AC4-4079-81B8-52E18E0DCD3C}" srcId="{F8EB602D-32DD-401F-87F6-30A724891281}" destId="{7125C8DE-A65C-44C5-9094-3C66A3448E0A}" srcOrd="0" destOrd="0" parTransId="{44C9816D-1A2B-4560-B56F-8D7CC0D82897}" sibTransId="{F5D34CDF-D64F-4A8B-B678-897A65BAC5F2}"/>
     <dgm:cxn modelId="{FC65BDF5-58B7-428C-BA4B-9705775D7560}" type="presOf" srcId="{7125C8DE-A65C-44C5-9094-3C66A3448E0A}" destId="{6B66F3B8-3F50-449F-A9ED-0A4528538A29}" srcOrd="0" destOrd="0" presId="urn:microsoft.com/office/officeart/2005/8/layout/vList5"/>
     <dgm:cxn modelId="{C2AA35E4-6735-40B1-980E-AD19357EDA63}" srcId="{F8EB602D-32DD-401F-87F6-30A724891281}" destId="{0606A311-43A7-4DFA-9C0A-BAC66199669C}" srcOrd="2" destOrd="0" parTransId="{2D4D7928-40C9-42DC-9428-E7BD91692EF0}" sibTransId="{F09670BB-0EA0-40D4-8166-1A1A7FED8ACF}"/>
-    <dgm:cxn modelId="{FFE6B053-E59C-45D7-9912-91DE69639793}" type="presOf" srcId="{A442E141-DED3-4F81-8BFB-BE6C1C101C96}" destId="{310B62E1-A6E3-4BA5-A387-A18CEE005F73}" srcOrd="0" destOrd="1" presId="urn:microsoft.com/office/officeart/2005/8/layout/vList5"/>
     <dgm:cxn modelId="{0A2D8F61-C3B5-40C1-8A62-DE859CD1E5E6}" srcId="{440B7219-26B9-4F58-BA23-F5CEC713F213}" destId="{2A5634E2-9635-4251-A518-5907D9AF1F39}" srcOrd="3" destOrd="0" parTransId="{CA4E84B3-5D75-4EFE-B282-7DC2D8470B21}" sibTransId="{A5A45FA9-9B2C-4631-9952-24374E6027FC}"/>
-    <dgm:cxn modelId="{12F60A06-D32D-422A-A321-BC77C09BE7EF}" type="presOf" srcId="{3B965A0D-B34D-469C-8C27-047CACBA8882}" destId="{F1F6B744-2AC4-4ECE-8B41-3E8EC7938F27}" srcOrd="0" destOrd="1" presId="urn:microsoft.com/office/officeart/2005/8/layout/vList5"/>
-    <dgm:cxn modelId="{569041C3-EDEA-47AB-90A5-E8336EA2FFB9}" type="presOf" srcId="{66BBF49E-927C-4E2F-B006-D420C13E5E07}" destId="{6359AC6B-F447-453F-BA77-6A72A16943CD}" srcOrd="0" destOrd="0" presId="urn:microsoft.com/office/officeart/2005/8/layout/vList5"/>
+    <dgm:cxn modelId="{FD4C7090-E939-4514-85AE-3A1160522F5E}" srcId="{B02FAD5E-7DCF-4382-B82D-EA1202CA4008}" destId="{F8EB602D-32DD-401F-87F6-30A724891281}" srcOrd="0" destOrd="0" parTransId="{251AD511-40C9-4FD1-A6BC-7A672701D88E}" sibTransId="{4597E3EC-C439-4736-A564-5EE12350AC6B}"/>
     <dgm:cxn modelId="{26D6AA46-4658-42F5-9272-9474428996E7}" type="presOf" srcId="{04910821-469B-4C2A-8A99-2CB188B2AFEA}" destId="{310B62E1-A6E3-4BA5-A387-A18CEE005F73}" srcOrd="0" destOrd="0" presId="urn:microsoft.com/office/officeart/2005/8/layout/vList5"/>
     <dgm:cxn modelId="{EDA9BE27-2ED6-4189-AF95-F7218E180684}" srcId="{B02FAD5E-7DCF-4382-B82D-EA1202CA4008}" destId="{440B7219-26B9-4F58-BA23-F5CEC713F213}" srcOrd="2" destOrd="0" parTransId="{5469D6DB-87D4-4A31-A784-572A3B3BC2FB}" sibTransId="{D43E3D86-2647-4289-BA37-8BEB14CB4F06}"/>
-    <dgm:cxn modelId="{C2DAE147-F2FF-45A8-A087-12F987A25418}" type="presOf" srcId="{23A168AE-CB6D-4BA2-A089-D7BA0B4AC5EB}" destId="{310B62E1-A6E3-4BA5-A387-A18CEE005F73}" srcOrd="0" destOrd="2" presId="urn:microsoft.com/office/officeart/2005/8/layout/vList5"/>
-    <dgm:cxn modelId="{FD4C7090-E939-4514-85AE-3A1160522F5E}" srcId="{B02FAD5E-7DCF-4382-B82D-EA1202CA4008}" destId="{F8EB602D-32DD-401F-87F6-30A724891281}" srcOrd="0" destOrd="0" parTransId="{251AD511-40C9-4FD1-A6BC-7A672701D88E}" sibTransId="{4597E3EC-C439-4736-A564-5EE12350AC6B}"/>
-    <dgm:cxn modelId="{2B152090-28D6-402D-9F79-C38AA6958281}" type="presOf" srcId="{A34A8185-509B-40CF-A802-8834F7A8F655}" destId="{F1F6B744-2AC4-4ECE-8B41-3E8EC7938F27}" srcOrd="0" destOrd="0" presId="urn:microsoft.com/office/officeart/2005/8/layout/vList5"/>
     <dgm:cxn modelId="{7411E9B9-A7B7-44E4-9CB7-5B28DB2AD12E}" type="presParOf" srcId="{B0C93FC2-E9BC-4DCA-9E0E-F6EC7D4E188D}" destId="{5439EA84-F1A8-4E15-B056-36FB953C1ED1}" srcOrd="0" destOrd="0" presId="urn:microsoft.com/office/officeart/2005/8/layout/vList5"/>
     <dgm:cxn modelId="{A75F3DF5-F691-4FA1-9B1D-B1F135CFC061}" type="presParOf" srcId="{5439EA84-F1A8-4E15-B056-36FB953C1ED1}" destId="{6552CB70-428D-477D-9F79-F53F633EE051}" srcOrd="0" destOrd="0" presId="urn:microsoft.com/office/officeart/2005/8/layout/vList5"/>
     <dgm:cxn modelId="{EE339C24-F21D-442B-A3B4-96898E326E1E}" type="presParOf" srcId="{5439EA84-F1A8-4E15-B056-36FB953C1ED1}" destId="{6B66F3B8-3F50-449F-A9ED-0A4528538A29}" srcOrd="1" destOrd="0" presId="urn:microsoft.com/office/officeart/2005/8/layout/vList5"/>
@@ -2388,7 +2333,7 @@
   <dgm:whole/>
   <dgm:extLst>
     <a:ext uri="http://schemas.microsoft.com/office/drawing/2008/diagram">
-      <dsp:dataModelExt xmlns:dsp="http://schemas.microsoft.com/office/drawing/2008/diagram" relId="rId6" minVer="http://schemas.openxmlformats.org/drawingml/2006/diagram"/>
+      <dsp:dataModelExt xmlns:dsp="http://schemas.microsoft.com/office/drawing/2008/diagram" xmlns="" relId="rId6" minVer="http://schemas.openxmlformats.org/drawingml/2006/diagram"/>
     </a:ext>
   </dgm:extLst>
 </dgm:dataModel>
@@ -2507,9 +2452,9 @@
     </dgm:pt>
   </dgm:ptLst>
   <dgm:cxnLst>
+    <dgm:cxn modelId="{4C436720-750E-467B-9C61-813E34949D51}" type="presOf" srcId="{875CA086-A607-4AD0-AA11-F0F85C6663EA}" destId="{BFA80150-1797-4D03-A50E-4C44E733B5BD}" srcOrd="0" destOrd="0" presId="urn:microsoft.com/office/officeart/2005/8/layout/hProcess3"/>
     <dgm:cxn modelId="{FDB48FD8-121E-43A0-B381-1CF2E2E0A3E7}" srcId="{875CA086-A607-4AD0-AA11-F0F85C6663EA}" destId="{55C4517F-3B9A-421F-A61D-0A865021721C}" srcOrd="0" destOrd="0" parTransId="{0B32B723-DEC5-4C93-BB7B-64C29BB40AF1}" sibTransId="{9DB68E88-29A5-4817-89B3-DF41236B138C}"/>
     <dgm:cxn modelId="{952BCAF6-019F-4577-BCD7-642F55F47C40}" type="presOf" srcId="{55C4517F-3B9A-421F-A61D-0A865021721C}" destId="{37F18A34-0174-4FEF-AFBA-9429550C7FE0}" srcOrd="0" destOrd="0" presId="urn:microsoft.com/office/officeart/2005/8/layout/hProcess3"/>
-    <dgm:cxn modelId="{4C436720-750E-467B-9C61-813E34949D51}" type="presOf" srcId="{875CA086-A607-4AD0-AA11-F0F85C6663EA}" destId="{BFA80150-1797-4D03-A50E-4C44E733B5BD}" srcOrd="0" destOrd="0" presId="urn:microsoft.com/office/officeart/2005/8/layout/hProcess3"/>
     <dgm:cxn modelId="{659A801D-572B-430B-B0AF-11BD4FA9DAED}" type="presParOf" srcId="{BFA80150-1797-4D03-A50E-4C44E733B5BD}" destId="{E01D59AF-AE43-4079-B0BB-57FBD5FB7327}" srcOrd="0" destOrd="0" presId="urn:microsoft.com/office/officeart/2005/8/layout/hProcess3"/>
     <dgm:cxn modelId="{8187A365-F0CB-4D8A-B122-2B5690D7A3A7}" type="presParOf" srcId="{BFA80150-1797-4D03-A50E-4C44E733B5BD}" destId="{BAD99425-29E8-4490-8353-8AD706762648}" srcOrd="1" destOrd="0" presId="urn:microsoft.com/office/officeart/2005/8/layout/hProcess3"/>
     <dgm:cxn modelId="{174DF6B4-1B08-4105-8043-6CB1B06E256B}" type="presParOf" srcId="{BAD99425-29E8-4490-8353-8AD706762648}" destId="{A676C3E5-09E6-4584-B455-379A3D28BEA6}" srcOrd="0" destOrd="0" presId="urn:microsoft.com/office/officeart/2005/8/layout/hProcess3"/>
@@ -2526,14 +2471,14 @@
   <dgm:whole/>
   <dgm:extLst>
     <a:ext uri="http://schemas.microsoft.com/office/drawing/2008/diagram">
-      <dsp:dataModelExt xmlns:dsp="http://schemas.microsoft.com/office/drawing/2008/diagram" relId="rId8" minVer="http://schemas.openxmlformats.org/drawingml/2006/diagram"/>
+      <dsp:dataModelExt xmlns:dsp="http://schemas.microsoft.com/office/drawing/2008/diagram" xmlns="" relId="rId8" minVer="http://schemas.openxmlformats.org/drawingml/2006/diagram"/>
     </a:ext>
   </dgm:extLst>
 </dgm:dataModel>
 </file>
 
 <file path=ppt/diagrams/drawing1.xml><?xml version="1.0" encoding="utf-8"?>
-<dsp:drawing xmlns:dgm="http://schemas.openxmlformats.org/drawingml/2006/diagram" xmlns:dsp="http://schemas.microsoft.com/office/drawing/2008/diagram" xmlns:a="http://schemas.openxmlformats.org/drawingml/2006/main">
+<dsp:drawing xmlns:dgm="http://schemas.openxmlformats.org/drawingml/2006/diagram" xmlns:a="http://schemas.openxmlformats.org/drawingml/2006/main" xmlns:dsp="http://schemas.microsoft.com/office/drawing/2008/diagram">
   <dsp:spTree>
     <dsp:nvGrpSpPr>
       <dsp:cNvPr id="0" name=""/>
@@ -2637,15 +2582,7 @@
           </a:pPr>
           <a:r>
             <a:rPr lang="en-US" sz="1200" kern="1200" dirty="0" smtClean="0"/>
-            <a:t>Extracted the user reviews (“text”) and </a:t>
-          </a:r>
-          <a:r>
-            <a:rPr lang="en-US" sz="1200" kern="1200" dirty="0" smtClean="0"/>
-            <a:t>ratings (“stars”) </a:t>
-          </a:r>
-          <a:r>
-            <a:rPr lang="en-US" sz="1200" kern="1200" dirty="0" smtClean="0"/>
-            <a:t>from </a:t>
+            <a:t>Extracted the user reviews (“text”) and ratings (“stars”) from </a:t>
           </a:r>
           <a:r>
             <a:rPr lang="en-US" sz="1200" kern="1200" dirty="0" err="1" smtClean="0"/>
@@ -2653,11 +2590,7 @@
           </a:r>
           <a:r>
             <a:rPr lang="en-US" sz="1200" kern="1200" dirty="0" smtClean="0"/>
-            <a:t> using </a:t>
-          </a:r>
-          <a:r>
-            <a:rPr lang="en-US" sz="1200" kern="1200" dirty="0" smtClean="0"/>
-            <a:t>the </a:t>
+            <a:t> using the </a:t>
           </a:r>
           <a:r>
             <a:rPr lang="en-US" sz="1200" kern="1200" dirty="0" err="1" smtClean="0"/>
@@ -2665,11 +2598,7 @@
           </a:r>
           <a:r>
             <a:rPr lang="en-US" sz="1200" kern="1200" dirty="0" smtClean="0"/>
-            <a:t> </a:t>
-          </a:r>
-          <a:r>
-            <a:rPr lang="en-US" sz="1200" kern="1200" dirty="0" smtClean="0"/>
-            <a:t>extracted.</a:t>
+            <a:t> extracted.</a:t>
           </a:r>
           <a:endParaRPr lang="en-US" sz="1200" kern="1200" dirty="0"/>
         </a:p>
@@ -2693,9 +2622,9 @@
           <a:endParaRPr lang="en-US" sz="1200" kern="1200" dirty="0"/>
         </a:p>
       </dsp:txBody>
-      <dsp:txXfrm rot="-5400000">
-        <a:off x="3444241" y="195571"/>
-        <a:ext cx="7633027" cy="954338"/>
+      <dsp:txXfrm rot="5400000">
+        <a:off x="6757771" y="-3169586"/>
+        <a:ext cx="1057592" cy="7684654"/>
       </dsp:txXfrm>
     </dsp:sp>
     <dsp:sp modelId="{6552CB70-428D-477D-9F79-F53F633EE051}">
@@ -2771,8 +2700,8 @@
         </a:p>
       </dsp:txBody>
       <dsp:txXfrm>
-        <a:off x="943965" y="66539"/>
-        <a:ext cx="2434686" cy="1212402"/>
+        <a:off x="878377" y="951"/>
+        <a:ext cx="2565862" cy="1343578"/>
       </dsp:txXfrm>
     </dsp:sp>
     <dsp:sp modelId="{F1F6B744-2AC4-4ECE-8B41-3E8EC7938F27}">
@@ -2853,15 +2782,7 @@
           </a:r>
           <a:r>
             <a:rPr lang="en-US" sz="1200" kern="1200" dirty="0" smtClean="0"/>
-            <a:t> using the </a:t>
-          </a:r>
-          <a:r>
-            <a:rPr lang="en-US" sz="1200" kern="1200" dirty="0" smtClean="0"/>
-            <a:t>NLTK package </a:t>
-          </a:r>
-          <a:r>
-            <a:rPr lang="en-US" sz="1200" kern="1200" dirty="0" smtClean="0"/>
-            <a:t>from the user reviews.</a:t>
+            <a:t> using the NLTK package from the user reviews.</a:t>
           </a:r>
           <a:endParaRPr lang="en-US" sz="1200" kern="1200" dirty="0"/>
         </a:p>
@@ -2880,35 +2801,7 @@
           </a:pPr>
           <a:r>
             <a:rPr lang="en-US" sz="1200" kern="1200" dirty="0" smtClean="0"/>
-            <a:t>Applied Naïve Bayes </a:t>
-          </a:r>
-          <a:r>
-            <a:rPr lang="en-US" sz="1200" kern="1200" dirty="0" smtClean="0"/>
-            <a:t>using NLTK , </a:t>
-          </a:r>
-          <a:r>
-            <a:rPr lang="en-US" sz="1200" kern="1200" dirty="0" smtClean="0"/>
-            <a:t>dividing the </a:t>
-          </a:r>
-          <a:r>
-            <a:rPr lang="en-US" sz="1200" kern="1200" dirty="0" smtClean="0"/>
-            <a:t>text into </a:t>
-          </a:r>
-          <a:r>
-            <a:rPr lang="en-US" sz="1200" kern="1200" dirty="0" smtClean="0"/>
-            <a:t>positive and negative reviews </a:t>
-          </a:r>
-          <a:r>
-            <a:rPr lang="en-US" sz="1200" kern="1200" dirty="0" smtClean="0"/>
-            <a:t>based </a:t>
-          </a:r>
-          <a:r>
-            <a:rPr lang="en-US" sz="1200" kern="1200" dirty="0" smtClean="0"/>
-            <a:t>on “stars</a:t>
-          </a:r>
-          <a:r>
-            <a:rPr lang="en-US" sz="1200" kern="1200" dirty="0" smtClean="0"/>
-            <a:t>” ratings.</a:t>
+            <a:t>Applied Naïve Bayes using NLTK , dividing the text into positive and negative reviews based on “stars” ratings.</a:t>
           </a:r>
           <a:endParaRPr lang="en-US" sz="1200" kern="1200" dirty="0"/>
         </a:p>
@@ -2932,9 +2825,9 @@
           <a:endParaRPr lang="en-US" sz="1200" kern="1200" dirty="0"/>
         </a:p>
       </dsp:txBody>
-      <dsp:txXfrm rot="-5400000">
-        <a:off x="3444241" y="1633339"/>
-        <a:ext cx="7633027" cy="954338"/>
+      <dsp:txXfrm rot="5400000">
+        <a:off x="6757771" y="-1731818"/>
+        <a:ext cx="1057592" cy="7684654"/>
       </dsp:txXfrm>
     </dsp:sp>
     <dsp:sp modelId="{6359AC6B-F447-453F-BA77-6A72A16943CD}">
@@ -3010,8 +2903,8 @@
         </a:p>
       </dsp:txBody>
       <dsp:txXfrm>
-        <a:off x="943965" y="1504307"/>
-        <a:ext cx="2434686" cy="1212402"/>
+        <a:off x="878377" y="1438719"/>
+        <a:ext cx="2565862" cy="1343578"/>
       </dsp:txXfrm>
     </dsp:sp>
     <dsp:sp modelId="{310B62E1-A6E3-4BA5-A387-A18CEE005F73}">
@@ -3130,11 +3023,7 @@
           </a:pPr>
           <a:r>
             <a:rPr lang="en-US" sz="1200" kern="1200" dirty="0" smtClean="0"/>
-            <a:t>Compare </a:t>
-          </a:r>
-          <a:r>
-            <a:rPr lang="en-US" sz="1200" kern="1200" dirty="0" smtClean="0"/>
-            <a:t>the results derived from the approached mentioned above. </a:t>
+            <a:t>Compare the results derived from the approached mentioned above. </a:t>
           </a:r>
           <a:endParaRPr lang="en-US" sz="1200" kern="1200" dirty="0"/>
         </a:p>
@@ -3154,9 +3043,9 @@
           <a:endParaRPr lang="en-US" sz="1200" kern="1200" dirty="0"/>
         </a:p>
       </dsp:txBody>
-      <dsp:txXfrm rot="-5400000">
-        <a:off x="3434991" y="3071107"/>
-        <a:ext cx="7633027" cy="954338"/>
+      <dsp:txXfrm rot="5400000">
+        <a:off x="6748521" y="-294050"/>
+        <a:ext cx="1057592" cy="7684654"/>
       </dsp:txXfrm>
     </dsp:sp>
     <dsp:sp modelId="{CF0ED83B-A46B-4B44-9C69-22DECEFDEE5C}">
@@ -3232,8 +3121,8 @@
         </a:p>
       </dsp:txBody>
       <dsp:txXfrm>
-        <a:off x="943965" y="2942075"/>
-        <a:ext cx="2434686" cy="1212402"/>
+        <a:off x="878377" y="2876487"/>
+        <a:ext cx="2565862" cy="1343578"/>
       </dsp:txXfrm>
     </dsp:sp>
   </dsp:spTree>
@@ -3241,7 +3130,7 @@
 </file>
 
 <file path=ppt/diagrams/drawing2.xml><?xml version="1.0" encoding="utf-8"?>
-<dsp:drawing xmlns:dgm="http://schemas.openxmlformats.org/drawingml/2006/diagram" xmlns:dsp="http://schemas.microsoft.com/office/drawing/2008/diagram" xmlns:a="http://schemas.openxmlformats.org/drawingml/2006/main">
+<dsp:drawing xmlns:dgm="http://schemas.openxmlformats.org/drawingml/2006/diagram" xmlns:a="http://schemas.openxmlformats.org/drawingml/2006/main" xmlns:dsp="http://schemas.microsoft.com/office/drawing/2008/diagram">
   <dsp:spTree>
     <dsp:nvGrpSpPr>
       <dsp:cNvPr id="0" name=""/>
@@ -6059,6 +5948,7 @@
           <a:p>
             <a:fld id="{74942356-FC19-44E1-A209-AB2705A40D0F}" type="datetimeFigureOut">
               <a:rPr lang="en-US" smtClean="0"/>
+              <a:pPr/>
               <a:t>5/8/2016</a:t>
             </a:fld>
             <a:endParaRPr lang="en-US"/>
@@ -6218,6 +6108,7 @@
           <a:p>
             <a:fld id="{E91E85BC-7FCF-4E60-849B-D3E043A25CD4}" type="slidenum">
               <a:rPr lang="en-US" smtClean="0"/>
+              <a:pPr/>
               <a:t>‹#›</a:t>
             </a:fld>
             <a:endParaRPr lang="en-US"/>
@@ -6227,7 +6118,7 @@
     </p:spTree>
     <p:extLst>
       <p:ext uri="{BB962C8B-B14F-4D97-AF65-F5344CB8AC3E}">
-        <p14:creationId xmlns:p14="http://schemas.microsoft.com/office/powerpoint/2010/main" val="4177637650"/>
+        <p14:creationId xmlns:p14="http://schemas.microsoft.com/office/powerpoint/2010/main" xmlns="" val="4177637650"/>
       </p:ext>
     </p:extLst>
   </p:cSld>
@@ -6392,6 +6283,7 @@
           <a:p>
             <a:fld id="{E91E85BC-7FCF-4E60-849B-D3E043A25CD4}" type="slidenum">
               <a:rPr lang="en-US" smtClean="0"/>
+              <a:pPr/>
               <a:t>2</a:t>
             </a:fld>
             <a:endParaRPr lang="en-US"/>
@@ -6401,7 +6293,7 @@
     </p:spTree>
     <p:extLst>
       <p:ext uri="{BB962C8B-B14F-4D97-AF65-F5344CB8AC3E}">
-        <p14:creationId xmlns:p14="http://schemas.microsoft.com/office/powerpoint/2010/main" val="3918197074"/>
+        <p14:creationId xmlns:p14="http://schemas.microsoft.com/office/powerpoint/2010/main" xmlns="" val="3918197074"/>
       </p:ext>
     </p:extLst>
   </p:cSld>
@@ -6440,7 +6332,7 @@
           <a:blip r:embed="rId2">
             <a:extLst>
               <a:ext uri="{28A0092B-C50C-407E-A947-70E740481C1C}">
-                <a14:useLocalDpi xmlns:a14="http://schemas.microsoft.com/office/drawing/2010/main" val="0"/>
+                <a14:useLocalDpi xmlns:a14="http://schemas.microsoft.com/office/drawing/2010/main" xmlns="" val="0"/>
               </a:ext>
             </a:extLst>
           </a:blip>
@@ -6470,7 +6362,7 @@
           <a:blip r:embed="rId3">
             <a:extLst>
               <a:ext uri="{28A0092B-C50C-407E-A947-70E740481C1C}">
-                <a14:useLocalDpi xmlns:a14="http://schemas.microsoft.com/office/drawing/2010/main" val="0"/>
+                <a14:useLocalDpi xmlns:a14="http://schemas.microsoft.com/office/drawing/2010/main" xmlns="" val="0"/>
               </a:ext>
             </a:extLst>
           </a:blip>
@@ -6685,6 +6577,7 @@
           <a:p>
             <a:fld id="{808B14FD-7952-4FEB-8225-02F4B271734D}" type="datetime1">
               <a:rPr lang="en-US" smtClean="0"/>
+              <a:pPr/>
               <a:t>5/8/2016</a:t>
             </a:fld>
             <a:endParaRPr lang="en-US" dirty="0"/>
@@ -6742,7 +6635,7 @@
     </p:spTree>
     <p:extLst>
       <p:ext uri="{BB962C8B-B14F-4D97-AF65-F5344CB8AC3E}">
-        <p14:creationId xmlns:p14="http://schemas.microsoft.com/office/powerpoint/2010/main" val="4279745460"/>
+        <p14:creationId xmlns:p14="http://schemas.microsoft.com/office/powerpoint/2010/main" xmlns="" val="4279745460"/>
       </p:ext>
     </p:extLst>
   </p:cSld>
@@ -6781,7 +6674,7 @@
           <a:blip r:embed="rId2">
             <a:extLst>
               <a:ext uri="{28A0092B-C50C-407E-A947-70E740481C1C}">
-                <a14:useLocalDpi xmlns:a14="http://schemas.microsoft.com/office/drawing/2010/main" val="0"/>
+                <a14:useLocalDpi xmlns:a14="http://schemas.microsoft.com/office/drawing/2010/main" xmlns="" val="0"/>
               </a:ext>
             </a:extLst>
           </a:blip>
@@ -6811,7 +6704,7 @@
           <a:blip r:embed="rId3">
             <a:extLst>
               <a:ext uri="{28A0092B-C50C-407E-A947-70E740481C1C}">
-                <a14:useLocalDpi xmlns:a14="http://schemas.microsoft.com/office/drawing/2010/main" val="0"/>
+                <a14:useLocalDpi xmlns:a14="http://schemas.microsoft.com/office/drawing/2010/main" xmlns="" val="0"/>
               </a:ext>
             </a:extLst>
           </a:blip>
@@ -7100,6 +6993,7 @@
           <a:p>
             <a:fld id="{AF0B0C39-D9D3-4409-8CFD-052AFB94E8FB}" type="datetime1">
               <a:rPr lang="en-US" smtClean="0"/>
+              <a:pPr/>
               <a:t>5/8/2016</a:t>
             </a:fld>
             <a:endParaRPr lang="en-US" dirty="0"/>
@@ -7157,7 +7051,7 @@
     </p:spTree>
     <p:extLst>
       <p:ext uri="{BB962C8B-B14F-4D97-AF65-F5344CB8AC3E}">
-        <p14:creationId xmlns:p14="http://schemas.microsoft.com/office/powerpoint/2010/main" val="1365188427"/>
+        <p14:creationId xmlns:p14="http://schemas.microsoft.com/office/powerpoint/2010/main" xmlns="" val="1365188427"/>
       </p:ext>
     </p:extLst>
   </p:cSld>
@@ -7196,7 +7090,7 @@
           <a:blip r:embed="rId2">
             <a:extLst>
               <a:ext uri="{28A0092B-C50C-407E-A947-70E740481C1C}">
-                <a14:useLocalDpi xmlns:a14="http://schemas.microsoft.com/office/drawing/2010/main" val="0"/>
+                <a14:useLocalDpi xmlns:a14="http://schemas.microsoft.com/office/drawing/2010/main" xmlns="" val="0"/>
               </a:ext>
             </a:extLst>
           </a:blip>
@@ -7226,7 +7120,7 @@
           <a:blip r:embed="rId3">
             <a:extLst>
               <a:ext uri="{28A0092B-C50C-407E-A947-70E740481C1C}">
-                <a14:useLocalDpi xmlns:a14="http://schemas.microsoft.com/office/drawing/2010/main" val="0"/>
+                <a14:useLocalDpi xmlns:a14="http://schemas.microsoft.com/office/drawing/2010/main" xmlns="" val="0"/>
               </a:ext>
             </a:extLst>
           </a:blip>
@@ -7437,6 +7331,7 @@
           <a:p>
             <a:fld id="{4AF9F0DB-7369-48FC-BC8A-B841878D5540}" type="datetime1">
               <a:rPr lang="en-US" smtClean="0"/>
+              <a:pPr/>
               <a:t>5/8/2016</a:t>
             </a:fld>
             <a:endParaRPr lang="en-US" dirty="0"/>
@@ -7494,7 +7389,7 @@
     </p:spTree>
     <p:extLst>
       <p:ext uri="{BB962C8B-B14F-4D97-AF65-F5344CB8AC3E}">
-        <p14:creationId xmlns:p14="http://schemas.microsoft.com/office/powerpoint/2010/main" val="1802782155"/>
+        <p14:creationId xmlns:p14="http://schemas.microsoft.com/office/powerpoint/2010/main" xmlns="" val="1802782155"/>
       </p:ext>
     </p:extLst>
   </p:cSld>
@@ -7533,7 +7428,7 @@
           <a:blip r:embed="rId2">
             <a:extLst>
               <a:ext uri="{28A0092B-C50C-407E-A947-70E740481C1C}">
-                <a14:useLocalDpi xmlns:a14="http://schemas.microsoft.com/office/drawing/2010/main" val="0"/>
+                <a14:useLocalDpi xmlns:a14="http://schemas.microsoft.com/office/drawing/2010/main" xmlns="" val="0"/>
               </a:ext>
             </a:extLst>
           </a:blip>
@@ -7563,7 +7458,7 @@
           <a:blip r:embed="rId3">
             <a:extLst>
               <a:ext uri="{28A0092B-C50C-407E-A947-70E740481C1C}">
-                <a14:useLocalDpi xmlns:a14="http://schemas.microsoft.com/office/drawing/2010/main" val="0"/>
+                <a14:useLocalDpi xmlns:a14="http://schemas.microsoft.com/office/drawing/2010/main" xmlns="" val="0"/>
               </a:ext>
             </a:extLst>
           </a:blip>
@@ -7843,6 +7738,7 @@
           <a:p>
             <a:fld id="{E87DAA21-435E-4948-B2CD-68332BEB47B3}" type="datetime1">
               <a:rPr lang="en-US" smtClean="0"/>
+              <a:pPr/>
               <a:t>5/8/2016</a:t>
             </a:fld>
             <a:endParaRPr lang="en-US" dirty="0"/>
@@ -8132,7 +8028,7 @@
     </p:spTree>
     <p:extLst>
       <p:ext uri="{BB962C8B-B14F-4D97-AF65-F5344CB8AC3E}">
-        <p14:creationId xmlns:p14="http://schemas.microsoft.com/office/powerpoint/2010/main" val="2632013106"/>
+        <p14:creationId xmlns:p14="http://schemas.microsoft.com/office/powerpoint/2010/main" xmlns="" val="2632013106"/>
       </p:ext>
     </p:extLst>
   </p:cSld>
@@ -8171,7 +8067,7 @@
           <a:blip r:embed="rId2">
             <a:extLst>
               <a:ext uri="{28A0092B-C50C-407E-A947-70E740481C1C}">
-                <a14:useLocalDpi xmlns:a14="http://schemas.microsoft.com/office/drawing/2010/main" val="0"/>
+                <a14:useLocalDpi xmlns:a14="http://schemas.microsoft.com/office/drawing/2010/main" xmlns="" val="0"/>
               </a:ext>
             </a:extLst>
           </a:blip>
@@ -8201,7 +8097,7 @@
           <a:blip r:embed="rId3">
             <a:extLst>
               <a:ext uri="{28A0092B-C50C-407E-A947-70E740481C1C}">
-                <a14:useLocalDpi xmlns:a14="http://schemas.microsoft.com/office/drawing/2010/main" val="0"/>
+                <a14:useLocalDpi xmlns:a14="http://schemas.microsoft.com/office/drawing/2010/main" xmlns="" val="0"/>
               </a:ext>
             </a:extLst>
           </a:blip>
@@ -8412,6 +8308,7 @@
           <a:p>
             <a:fld id="{31572F71-A590-4820-A017-A338A9931AB3}" type="datetime1">
               <a:rPr lang="en-US" smtClean="0"/>
+              <a:pPr/>
               <a:t>5/8/2016</a:t>
             </a:fld>
             <a:endParaRPr lang="en-US" dirty="0"/>
@@ -8469,7 +8366,7 @@
     </p:spTree>
     <p:extLst>
       <p:ext uri="{BB962C8B-B14F-4D97-AF65-F5344CB8AC3E}">
-        <p14:creationId xmlns:p14="http://schemas.microsoft.com/office/powerpoint/2010/main" val="1270246781"/>
+        <p14:creationId xmlns:p14="http://schemas.microsoft.com/office/powerpoint/2010/main" xmlns="" val="1270246781"/>
       </p:ext>
     </p:extLst>
   </p:cSld>
@@ -8508,7 +8405,7 @@
           <a:blip r:embed="rId2">
             <a:extLst>
               <a:ext uri="{28A0092B-C50C-407E-A947-70E740481C1C}">
-                <a14:useLocalDpi xmlns:a14="http://schemas.microsoft.com/office/drawing/2010/main" val="0"/>
+                <a14:useLocalDpi xmlns:a14="http://schemas.microsoft.com/office/drawing/2010/main" xmlns="" val="0"/>
               </a:ext>
             </a:extLst>
           </a:blip>
@@ -8538,7 +8435,7 @@
           <a:blip r:embed="rId3">
             <a:extLst>
               <a:ext uri="{28A0092B-C50C-407E-A947-70E740481C1C}">
-                <a14:useLocalDpi xmlns:a14="http://schemas.microsoft.com/office/drawing/2010/main" val="0"/>
+                <a14:useLocalDpi xmlns:a14="http://schemas.microsoft.com/office/drawing/2010/main" xmlns="" val="0"/>
               </a:ext>
             </a:extLst>
           </a:blip>
@@ -9094,6 +8991,7 @@
           <a:p>
             <a:fld id="{B85BA1BA-E59A-4CC9-BE18-974D5D100127}" type="datetime1">
               <a:rPr lang="en-US" smtClean="0"/>
+              <a:pPr/>
               <a:t>5/8/2016</a:t>
             </a:fld>
             <a:endParaRPr lang="en-US" dirty="0"/>
@@ -9146,7 +9044,7 @@
     </p:spTree>
     <p:extLst>
       <p:ext uri="{BB962C8B-B14F-4D97-AF65-F5344CB8AC3E}">
-        <p14:creationId xmlns:p14="http://schemas.microsoft.com/office/powerpoint/2010/main" val="1034984238"/>
+        <p14:creationId xmlns:p14="http://schemas.microsoft.com/office/powerpoint/2010/main" xmlns="" val="1034984238"/>
       </p:ext>
     </p:extLst>
   </p:cSld>
@@ -9185,7 +9083,7 @@
           <a:blip r:embed="rId2">
             <a:extLst>
               <a:ext uri="{28A0092B-C50C-407E-A947-70E740481C1C}">
-                <a14:useLocalDpi xmlns:a14="http://schemas.microsoft.com/office/drawing/2010/main" val="0"/>
+                <a14:useLocalDpi xmlns:a14="http://schemas.microsoft.com/office/drawing/2010/main" xmlns="" val="0"/>
               </a:ext>
             </a:extLst>
           </a:blip>
@@ -9215,7 +9113,7 @@
           <a:blip r:embed="rId3">
             <a:extLst>
               <a:ext uri="{28A0092B-C50C-407E-A947-70E740481C1C}">
-                <a14:useLocalDpi xmlns:a14="http://schemas.microsoft.com/office/drawing/2010/main" val="0"/>
+                <a14:useLocalDpi xmlns:a14="http://schemas.microsoft.com/office/drawing/2010/main" xmlns="" val="0"/>
               </a:ext>
             </a:extLst>
           </a:blip>
@@ -10008,6 +9906,7 @@
           <a:p>
             <a:fld id="{0B483EC2-ACE1-4446-8935-4A110F4EF24B}" type="datetime1">
               <a:rPr lang="en-US" smtClean="0"/>
+              <a:pPr/>
               <a:t>5/8/2016</a:t>
             </a:fld>
             <a:endParaRPr lang="en-US" dirty="0"/>
@@ -10060,7 +9959,7 @@
     </p:spTree>
     <p:extLst>
       <p:ext uri="{BB962C8B-B14F-4D97-AF65-F5344CB8AC3E}">
-        <p14:creationId xmlns:p14="http://schemas.microsoft.com/office/powerpoint/2010/main" val="3073365457"/>
+        <p14:creationId xmlns:p14="http://schemas.microsoft.com/office/powerpoint/2010/main" xmlns="" val="3073365457"/>
       </p:ext>
     </p:extLst>
   </p:cSld>
@@ -10099,7 +9998,7 @@
           <a:blip r:embed="rId2">
             <a:extLst>
               <a:ext uri="{28A0092B-C50C-407E-A947-70E740481C1C}">
-                <a14:useLocalDpi xmlns:a14="http://schemas.microsoft.com/office/drawing/2010/main" val="0"/>
+                <a14:useLocalDpi xmlns:a14="http://schemas.microsoft.com/office/drawing/2010/main" xmlns="" val="0"/>
               </a:ext>
             </a:extLst>
           </a:blip>
@@ -10129,7 +10028,7 @@
           <a:blip r:embed="rId3">
             <a:extLst>
               <a:ext uri="{28A0092B-C50C-407E-A947-70E740481C1C}">
-                <a14:useLocalDpi xmlns:a14="http://schemas.microsoft.com/office/drawing/2010/main" val="0"/>
+                <a14:useLocalDpi xmlns:a14="http://schemas.microsoft.com/office/drawing/2010/main" xmlns="" val="0"/>
               </a:ext>
             </a:extLst>
           </a:blip>
@@ -10322,6 +10221,7 @@
           <a:p>
             <a:fld id="{08B65304-D6EF-45EB-9DDE-89F6BDC093E9}" type="datetime1">
               <a:rPr lang="en-US" smtClean="0"/>
+              <a:pPr/>
               <a:t>5/8/2016</a:t>
             </a:fld>
             <a:endParaRPr lang="en-US" dirty="0"/>
@@ -10374,7 +10274,7 @@
     </p:spTree>
     <p:extLst>
       <p:ext uri="{BB962C8B-B14F-4D97-AF65-F5344CB8AC3E}">
-        <p14:creationId xmlns:p14="http://schemas.microsoft.com/office/powerpoint/2010/main" val="2463211408"/>
+        <p14:creationId xmlns:p14="http://schemas.microsoft.com/office/powerpoint/2010/main" xmlns="" val="2463211408"/>
       </p:ext>
     </p:extLst>
   </p:cSld>
@@ -10587,6 +10487,7 @@
           <a:p>
             <a:fld id="{62C13344-05D4-45E8-B005-97FAA02F4679}" type="datetime1">
               <a:rPr lang="en-US" smtClean="0"/>
+              <a:pPr/>
               <a:t>5/8/2016</a:t>
             </a:fld>
             <a:endParaRPr lang="en-US" dirty="0"/>
@@ -10653,7 +10554,7 @@
     </p:spTree>
     <p:extLst>
       <p:ext uri="{BB962C8B-B14F-4D97-AF65-F5344CB8AC3E}">
-        <p14:creationId xmlns:p14="http://schemas.microsoft.com/office/powerpoint/2010/main" val="3652044440"/>
+        <p14:creationId xmlns:p14="http://schemas.microsoft.com/office/powerpoint/2010/main" xmlns="" val="3652044440"/>
       </p:ext>
     </p:extLst>
   </p:cSld>
@@ -10692,7 +10593,7 @@
           <a:blip r:embed="rId2">
             <a:extLst>
               <a:ext uri="{28A0092B-C50C-407E-A947-70E740481C1C}">
-                <a14:useLocalDpi xmlns:a14="http://schemas.microsoft.com/office/drawing/2010/main" val="0"/>
+                <a14:useLocalDpi xmlns:a14="http://schemas.microsoft.com/office/drawing/2010/main" xmlns="" val="0"/>
               </a:ext>
             </a:extLst>
           </a:blip>
@@ -10722,7 +10623,7 @@
           <a:blip r:embed="rId3">
             <a:extLst>
               <a:ext uri="{28A0092B-C50C-407E-A947-70E740481C1C}">
-                <a14:useLocalDpi xmlns:a14="http://schemas.microsoft.com/office/drawing/2010/main" val="0"/>
+                <a14:useLocalDpi xmlns:a14="http://schemas.microsoft.com/office/drawing/2010/main" xmlns="" val="0"/>
               </a:ext>
             </a:extLst>
           </a:blip>
@@ -10911,6 +10812,7 @@
           <a:p>
             <a:fld id="{79FB67B7-BA78-4402-AB29-F0393FCEB403}" type="datetime1">
               <a:rPr lang="en-US" smtClean="0"/>
+              <a:pPr/>
               <a:t>5/8/2016</a:t>
             </a:fld>
             <a:endParaRPr lang="en-US" dirty="0"/>
@@ -10963,7 +10865,7 @@
     </p:spTree>
     <p:extLst>
       <p:ext uri="{BB962C8B-B14F-4D97-AF65-F5344CB8AC3E}">
-        <p14:creationId xmlns:p14="http://schemas.microsoft.com/office/powerpoint/2010/main" val="3600362395"/>
+        <p14:creationId xmlns:p14="http://schemas.microsoft.com/office/powerpoint/2010/main" xmlns="" val="3600362395"/>
       </p:ext>
     </p:extLst>
   </p:cSld>
@@ -11002,7 +10904,7 @@
           <a:blip r:embed="rId2">
             <a:extLst>
               <a:ext uri="{28A0092B-C50C-407E-A947-70E740481C1C}">
-                <a14:useLocalDpi xmlns:a14="http://schemas.microsoft.com/office/drawing/2010/main" val="0"/>
+                <a14:useLocalDpi xmlns:a14="http://schemas.microsoft.com/office/drawing/2010/main" xmlns="" val="0"/>
               </a:ext>
             </a:extLst>
           </a:blip>
@@ -11032,7 +10934,7 @@
           <a:blip r:embed="rId3">
             <a:extLst>
               <a:ext uri="{28A0092B-C50C-407E-A947-70E740481C1C}">
-                <a14:useLocalDpi xmlns:a14="http://schemas.microsoft.com/office/drawing/2010/main" val="0"/>
+                <a14:useLocalDpi xmlns:a14="http://schemas.microsoft.com/office/drawing/2010/main" xmlns="" val="0"/>
               </a:ext>
             </a:extLst>
           </a:blip>
@@ -11301,6 +11203,7 @@
           <a:p>
             <a:fld id="{FDE5B7BB-DDD6-4C80-8C8F-F00A0E39515B}" type="datetime1">
               <a:rPr lang="en-US" smtClean="0"/>
+              <a:pPr/>
               <a:t>5/8/2016</a:t>
             </a:fld>
             <a:endParaRPr lang="en-US" dirty="0"/>
@@ -11358,7 +11261,7 @@
     </p:spTree>
     <p:extLst>
       <p:ext uri="{BB962C8B-B14F-4D97-AF65-F5344CB8AC3E}">
-        <p14:creationId xmlns:p14="http://schemas.microsoft.com/office/powerpoint/2010/main" val="296294326"/>
+        <p14:creationId xmlns:p14="http://schemas.microsoft.com/office/powerpoint/2010/main" xmlns="" val="296294326"/>
       </p:ext>
     </p:extLst>
   </p:cSld>
@@ -11397,7 +11300,7 @@
           <a:blip r:embed="rId2">
             <a:extLst>
               <a:ext uri="{28A0092B-C50C-407E-A947-70E740481C1C}">
-                <a14:useLocalDpi xmlns:a14="http://schemas.microsoft.com/office/drawing/2010/main" val="0"/>
+                <a14:useLocalDpi xmlns:a14="http://schemas.microsoft.com/office/drawing/2010/main" xmlns="" val="0"/>
               </a:ext>
             </a:extLst>
           </a:blip>
@@ -11427,7 +11330,7 @@
           <a:blip r:embed="rId3">
             <a:extLst>
               <a:ext uri="{28A0092B-C50C-407E-A947-70E740481C1C}">
-                <a14:useLocalDpi xmlns:a14="http://schemas.microsoft.com/office/drawing/2010/main" val="0"/>
+                <a14:useLocalDpi xmlns:a14="http://schemas.microsoft.com/office/drawing/2010/main" xmlns="" val="0"/>
               </a:ext>
             </a:extLst>
           </a:blip>
@@ -11678,6 +11581,7 @@
           <a:p>
             <a:fld id="{22A989D5-6998-4B2E-B6CC-76C2782E9786}" type="datetime1">
               <a:rPr lang="en-US" smtClean="0"/>
+              <a:pPr/>
               <a:t>5/8/2016</a:t>
             </a:fld>
             <a:endParaRPr lang="en-US" dirty="0"/>
@@ -11730,7 +11634,7 @@
     </p:spTree>
     <p:extLst>
       <p:ext uri="{BB962C8B-B14F-4D97-AF65-F5344CB8AC3E}">
-        <p14:creationId xmlns:p14="http://schemas.microsoft.com/office/powerpoint/2010/main" val="985643105"/>
+        <p14:creationId xmlns:p14="http://schemas.microsoft.com/office/powerpoint/2010/main" xmlns="" val="985643105"/>
       </p:ext>
     </p:extLst>
   </p:cSld>
@@ -11769,7 +11673,7 @@
           <a:blip r:embed="rId2">
             <a:extLst>
               <a:ext uri="{28A0092B-C50C-407E-A947-70E740481C1C}">
-                <a14:useLocalDpi xmlns:a14="http://schemas.microsoft.com/office/drawing/2010/main" val="0"/>
+                <a14:useLocalDpi xmlns:a14="http://schemas.microsoft.com/office/drawing/2010/main" xmlns="" val="0"/>
               </a:ext>
             </a:extLst>
           </a:blip>
@@ -11799,7 +11703,7 @@
           <a:blip r:embed="rId3">
             <a:extLst>
               <a:ext uri="{28A0092B-C50C-407E-A947-70E740481C1C}">
-                <a14:useLocalDpi xmlns:a14="http://schemas.microsoft.com/office/drawing/2010/main" val="0"/>
+                <a14:useLocalDpi xmlns:a14="http://schemas.microsoft.com/office/drawing/2010/main" xmlns="" val="0"/>
               </a:ext>
             </a:extLst>
           </a:blip>
@@ -12185,6 +12089,7 @@
           <a:p>
             <a:fld id="{D6B5A9E3-3DB6-4B8C-B734-A80A9570B6D1}" type="datetime1">
               <a:rPr lang="en-US" smtClean="0"/>
+              <a:pPr/>
               <a:t>5/8/2016</a:t>
             </a:fld>
             <a:endParaRPr lang="en-US" dirty="0"/>
@@ -12237,7 +12142,7 @@
     </p:spTree>
     <p:extLst>
       <p:ext uri="{BB962C8B-B14F-4D97-AF65-F5344CB8AC3E}">
-        <p14:creationId xmlns:p14="http://schemas.microsoft.com/office/powerpoint/2010/main" val="1842823829"/>
+        <p14:creationId xmlns:p14="http://schemas.microsoft.com/office/powerpoint/2010/main" xmlns="" val="1842823829"/>
       </p:ext>
     </p:extLst>
   </p:cSld>
@@ -12276,7 +12181,7 @@
           <a:blip r:embed="rId2">
             <a:extLst>
               <a:ext uri="{28A0092B-C50C-407E-A947-70E740481C1C}">
-                <a14:useLocalDpi xmlns:a14="http://schemas.microsoft.com/office/drawing/2010/main" val="0"/>
+                <a14:useLocalDpi xmlns:a14="http://schemas.microsoft.com/office/drawing/2010/main" xmlns="" val="0"/>
               </a:ext>
             </a:extLst>
           </a:blip>
@@ -12306,7 +12211,7 @@
           <a:blip r:embed="rId3">
             <a:extLst>
               <a:ext uri="{28A0092B-C50C-407E-A947-70E740481C1C}">
-                <a14:useLocalDpi xmlns:a14="http://schemas.microsoft.com/office/drawing/2010/main" val="0"/>
+                <a14:useLocalDpi xmlns:a14="http://schemas.microsoft.com/office/drawing/2010/main" xmlns="" val="0"/>
               </a:ext>
             </a:extLst>
           </a:blip>
@@ -12443,6 +12348,7 @@
           <a:p>
             <a:fld id="{8FB9EAEC-DD95-4289-97EF-32C3F975DEA4}" type="datetime1">
               <a:rPr lang="en-US" smtClean="0"/>
+              <a:pPr/>
               <a:t>5/8/2016</a:t>
             </a:fld>
             <a:endParaRPr lang="en-US" dirty="0"/>
@@ -12495,7 +12401,7 @@
     </p:spTree>
     <p:extLst>
       <p:ext uri="{BB962C8B-B14F-4D97-AF65-F5344CB8AC3E}">
-        <p14:creationId xmlns:p14="http://schemas.microsoft.com/office/powerpoint/2010/main" val="3361219684"/>
+        <p14:creationId xmlns:p14="http://schemas.microsoft.com/office/powerpoint/2010/main" xmlns="" val="3361219684"/>
       </p:ext>
     </p:extLst>
   </p:cSld>
@@ -12534,7 +12440,7 @@
           <a:blip r:embed="rId2">
             <a:extLst>
               <a:ext uri="{28A0092B-C50C-407E-A947-70E740481C1C}">
-                <a14:useLocalDpi xmlns:a14="http://schemas.microsoft.com/office/drawing/2010/main" val="0"/>
+                <a14:useLocalDpi xmlns:a14="http://schemas.microsoft.com/office/drawing/2010/main" xmlns="" val="0"/>
               </a:ext>
             </a:extLst>
           </a:blip>
@@ -12607,6 +12513,7 @@
           <a:p>
             <a:fld id="{9759F0B2-E20A-4C42-930F-CB4088FA474E}" type="datetime1">
               <a:rPr lang="en-US" smtClean="0"/>
+              <a:pPr/>
               <a:t>5/8/2016</a:t>
             </a:fld>
             <a:endParaRPr lang="en-US" dirty="0"/>
@@ -12659,7 +12566,7 @@
     </p:spTree>
     <p:extLst>
       <p:ext uri="{BB962C8B-B14F-4D97-AF65-F5344CB8AC3E}">
-        <p14:creationId xmlns:p14="http://schemas.microsoft.com/office/powerpoint/2010/main" val="1029353674"/>
+        <p14:creationId xmlns:p14="http://schemas.microsoft.com/office/powerpoint/2010/main" xmlns="" val="1029353674"/>
       </p:ext>
     </p:extLst>
   </p:cSld>
@@ -12698,7 +12605,7 @@
           <a:blip r:embed="rId2">
             <a:extLst>
               <a:ext uri="{28A0092B-C50C-407E-A947-70E740481C1C}">
-                <a14:useLocalDpi xmlns:a14="http://schemas.microsoft.com/office/drawing/2010/main" val="0"/>
+                <a14:useLocalDpi xmlns:a14="http://schemas.microsoft.com/office/drawing/2010/main" xmlns="" val="0"/>
               </a:ext>
             </a:extLst>
           </a:blip>
@@ -12728,7 +12635,7 @@
           <a:blip r:embed="rId3">
             <a:extLst>
               <a:ext uri="{28A0092B-C50C-407E-A947-70E740481C1C}">
-                <a14:useLocalDpi xmlns:a14="http://schemas.microsoft.com/office/drawing/2010/main" val="0"/>
+                <a14:useLocalDpi xmlns:a14="http://schemas.microsoft.com/office/drawing/2010/main" xmlns="" val="0"/>
               </a:ext>
             </a:extLst>
           </a:blip>
@@ -12998,6 +12905,7 @@
           <a:p>
             <a:fld id="{317F382D-96EB-4D34-B7C4-12F6A3298E55}" type="datetime1">
               <a:rPr lang="en-US" smtClean="0"/>
+              <a:pPr/>
               <a:t>5/8/2016</a:t>
             </a:fld>
             <a:endParaRPr lang="en-US" dirty="0"/>
@@ -13050,7 +12958,7 @@
     </p:spTree>
     <p:extLst>
       <p:ext uri="{BB962C8B-B14F-4D97-AF65-F5344CB8AC3E}">
-        <p14:creationId xmlns:p14="http://schemas.microsoft.com/office/powerpoint/2010/main" val="3441022955"/>
+        <p14:creationId xmlns:p14="http://schemas.microsoft.com/office/powerpoint/2010/main" xmlns="" val="3441022955"/>
       </p:ext>
     </p:extLst>
   </p:cSld>
@@ -13089,7 +12997,7 @@
           <a:blip r:embed="rId2">
             <a:extLst>
               <a:ext uri="{28A0092B-C50C-407E-A947-70E740481C1C}">
-                <a14:useLocalDpi xmlns:a14="http://schemas.microsoft.com/office/drawing/2010/main" val="0"/>
+                <a14:useLocalDpi xmlns:a14="http://schemas.microsoft.com/office/drawing/2010/main" xmlns="" val="0"/>
               </a:ext>
             </a:extLst>
           </a:blip>
@@ -13119,7 +13027,7 @@
           <a:blip r:embed="rId3">
             <a:extLst>
               <a:ext uri="{28A0092B-C50C-407E-A947-70E740481C1C}">
-                <a14:useLocalDpi xmlns:a14="http://schemas.microsoft.com/office/drawing/2010/main" val="0"/>
+                <a14:useLocalDpi xmlns:a14="http://schemas.microsoft.com/office/drawing/2010/main" xmlns="" val="0"/>
               </a:ext>
             </a:extLst>
           </a:blip>
@@ -13408,6 +13316,7 @@
           <a:p>
             <a:fld id="{423A87D3-976E-452F-B5FA-27F91C522170}" type="datetime1">
               <a:rPr lang="en-US" smtClean="0"/>
+              <a:pPr/>
               <a:t>5/8/2016</a:t>
             </a:fld>
             <a:endParaRPr lang="en-US" dirty="0"/>
@@ -13460,7 +13369,7 @@
     </p:spTree>
     <p:extLst>
       <p:ext uri="{BB962C8B-B14F-4D97-AF65-F5344CB8AC3E}">
-        <p14:creationId xmlns:p14="http://schemas.microsoft.com/office/powerpoint/2010/main" val="84176941"/>
+        <p14:creationId xmlns:p14="http://schemas.microsoft.com/office/powerpoint/2010/main" xmlns="" val="84176941"/>
       </p:ext>
     </p:extLst>
   </p:cSld>
@@ -13505,7 +13414,7 @@
             <a:alphaModFix amt="10000"/>
             <a:extLst>
               <a:ext uri="{28A0092B-C50C-407E-A947-70E740481C1C}">
-                <a14:useLocalDpi xmlns:a14="http://schemas.microsoft.com/office/drawing/2010/main" val="0"/>
+                <a14:useLocalDpi xmlns:a14="http://schemas.microsoft.com/office/drawing/2010/main" xmlns="" val="0"/>
               </a:ext>
             </a:extLst>
           </a:blip>
@@ -13653,6 +13562,7 @@
           <a:p>
             <a:fld id="{40DCCA02-BCA4-4CBA-8E5E-2E8CC25E61D5}" type="datetime1">
               <a:rPr lang="en-US" smtClean="0"/>
+              <a:pPr/>
               <a:t>5/8/2016</a:t>
             </a:fld>
             <a:endParaRPr lang="en-US" dirty="0"/>
@@ -13741,7 +13651,7 @@
     </p:spTree>
     <p:extLst>
       <p:ext uri="{BB962C8B-B14F-4D97-AF65-F5344CB8AC3E}">
-        <p14:creationId xmlns:p14="http://schemas.microsoft.com/office/powerpoint/2010/main" val="3973047683"/>
+        <p14:creationId xmlns:p14="http://schemas.microsoft.com/office/powerpoint/2010/main" xmlns="" val="3973047683"/>
       </p:ext>
     </p:extLst>
   </p:cSld>
@@ -14113,15 +14023,7 @@
           <a:p>
             <a:r>
               <a:rPr lang="en-US" dirty="0" smtClean="0"/>
-              <a:t>A CS223 </a:t>
-            </a:r>
-            <a:r>
-              <a:rPr lang="en-US" dirty="0" smtClean="0"/>
-              <a:t>Class </a:t>
-            </a:r>
-            <a:r>
-              <a:rPr lang="en-US" dirty="0" smtClean="0"/>
-              <a:t>Project</a:t>
+              <a:t>A CS223 Class Project</a:t>
             </a:r>
           </a:p>
           <a:p>
@@ -14374,7 +14276,7 @@
     </p:spTree>
     <p:extLst>
       <p:ext uri="{BB962C8B-B14F-4D97-AF65-F5344CB8AC3E}">
-        <p14:creationId xmlns:p14="http://schemas.microsoft.com/office/powerpoint/2010/main" val="1500833825"/>
+        <p14:creationId xmlns:p14="http://schemas.microsoft.com/office/powerpoint/2010/main" xmlns="" val="1500833825"/>
       </p:ext>
     </p:extLst>
   </p:cSld>
@@ -14570,7 +14472,7 @@
     </p:spTree>
     <p:extLst>
       <p:ext uri="{BB962C8B-B14F-4D97-AF65-F5344CB8AC3E}">
-        <p14:creationId xmlns:p14="http://schemas.microsoft.com/office/powerpoint/2010/main" val="509569423"/>
+        <p14:creationId xmlns:p14="http://schemas.microsoft.com/office/powerpoint/2010/main" xmlns="" val="509569423"/>
       </p:ext>
     </p:extLst>
   </p:cSld>
@@ -14738,7 +14640,7 @@
     </p:spTree>
     <p:extLst>
       <p:ext uri="{BB962C8B-B14F-4D97-AF65-F5344CB8AC3E}">
-        <p14:creationId xmlns:p14="http://schemas.microsoft.com/office/powerpoint/2010/main" val="2940507242"/>
+        <p14:creationId xmlns:p14="http://schemas.microsoft.com/office/powerpoint/2010/main" xmlns="" val="2940507242"/>
       </p:ext>
     </p:extLst>
   </p:cSld>
@@ -15034,7 +14936,7 @@
     </p:spTree>
     <p:extLst>
       <p:ext uri="{BB962C8B-B14F-4D97-AF65-F5344CB8AC3E}">
-        <p14:creationId xmlns:p14="http://schemas.microsoft.com/office/powerpoint/2010/main" val="3283619495"/>
+        <p14:creationId xmlns:p14="http://schemas.microsoft.com/office/powerpoint/2010/main" xmlns="" val="3283619495"/>
       </p:ext>
     </p:extLst>
   </p:cSld>
@@ -15108,31 +15010,88 @@
           <a:p>
             <a:r>
               <a:rPr lang="en-US" dirty="0" smtClean="0"/>
-              <a:t>NLTK </a:t>
+              <a:t>Naïve </a:t>
             </a:r>
             <a:r>
               <a:rPr lang="en-US" dirty="0" err="1" smtClean="0"/>
-              <a:t>analyser</a:t>
+              <a:t>Bayes</a:t>
             </a:r>
             <a:r>
               <a:rPr lang="en-US" dirty="0" smtClean="0"/>
-              <a:t> results – plots</a:t>
+              <a:t> algorithm gave an accuracy of 0.76511</a:t>
             </a:r>
           </a:p>
           <a:p>
             <a:r>
               <a:rPr lang="en-US" dirty="0" smtClean="0"/>
-              <a:t>If we can </a:t>
-            </a:r>
-            <a:r>
-              <a:rPr lang="en-US" dirty="0" err="1" smtClean="0"/>
-              <a:t>compare,then</a:t>
+              <a:t>Training data size : </a:t>
             </a:r>
             <a:r>
               <a:rPr lang="en-US" dirty="0" smtClean="0"/>
-              <a:t> compare</a:t>
-            </a:r>
-            <a:endParaRPr lang="en-US" dirty="0"/>
+              <a:t>1658</a:t>
+            </a:r>
+          </a:p>
+          <a:p>
+            <a:r>
+              <a:rPr lang="en-US" dirty="0" smtClean="0"/>
+              <a:t>Testing </a:t>
+            </a:r>
+            <a:r>
+              <a:rPr lang="en-US" dirty="0" smtClean="0"/>
+              <a:t>data size : </a:t>
+            </a:r>
+            <a:r>
+              <a:rPr lang="en-US" dirty="0" smtClean="0"/>
+              <a:t>711</a:t>
+            </a:r>
+          </a:p>
+          <a:p>
+            <a:r>
+              <a:rPr lang="en-US" dirty="0" smtClean="0"/>
+              <a:t>False </a:t>
+            </a:r>
+            <a:r>
+              <a:rPr lang="en-US" dirty="0" smtClean="0"/>
+              <a:t>Positive : </a:t>
+            </a:r>
+            <a:r>
+              <a:rPr lang="en-US" dirty="0" smtClean="0"/>
+              <a:t>167</a:t>
+            </a:r>
+          </a:p>
+          <a:p>
+            <a:r>
+              <a:rPr lang="en-US" dirty="0" smtClean="0"/>
+              <a:t>True </a:t>
+            </a:r>
+            <a:r>
+              <a:rPr lang="en-US" dirty="0" smtClean="0"/>
+              <a:t>Negative : </a:t>
+            </a:r>
+            <a:r>
+              <a:rPr lang="en-US" dirty="0" smtClean="0"/>
+              <a:t>544</a:t>
+            </a:r>
+          </a:p>
+          <a:p>
+            <a:r>
+              <a:rPr lang="en-US" dirty="0" smtClean="0"/>
+              <a:t>Accuracy </a:t>
+            </a:r>
+            <a:r>
+              <a:rPr lang="en-US" dirty="0" smtClean="0"/>
+              <a:t>: </a:t>
+            </a:r>
+            <a:r>
+              <a:rPr lang="en-US" dirty="0" smtClean="0"/>
+              <a:t>0.76511955</a:t>
+            </a:r>
+          </a:p>
+          <a:p>
+            <a:pPr>
+              <a:buNone/>
+            </a:pPr>
+            <a:endParaRPr lang="en-US" dirty="0" smtClean="0"/>
           </a:p>
         </p:txBody>
       </p:sp>
@@ -15160,10 +15119,34 @@
           </a:p>
         </p:txBody>
       </p:sp>
+      <p:pic>
+        <p:nvPicPr>
+          <p:cNvPr id="5" name="Picture 4" descr="Capture.JPG"/>
+          <p:cNvPicPr>
+            <a:picLocks noChangeAspect="1"/>
+          </p:cNvPicPr>
+          <p:nvPr/>
+        </p:nvPicPr>
+        <p:blipFill>
+          <a:blip r:embed="rId2"/>
+          <a:stretch>
+            <a:fillRect/>
+          </a:stretch>
+        </p:blipFill>
+        <p:spPr>
+          <a:xfrm>
+            <a:off x="5287752" y="2748191"/>
+            <a:ext cx="4591050" cy="2771775"/>
+          </a:xfrm>
+          <a:prstGeom prst="rect">
+            <a:avLst/>
+          </a:prstGeom>
+        </p:spPr>
+      </p:pic>
     </p:spTree>
     <p:extLst>
       <p:ext uri="{BB962C8B-B14F-4D97-AF65-F5344CB8AC3E}">
-        <p14:creationId xmlns:p14="http://schemas.microsoft.com/office/powerpoint/2010/main" val="1786026597"/>
+        <p14:creationId xmlns:p14="http://schemas.microsoft.com/office/powerpoint/2010/main" xmlns="" val="1786026597"/>
       </p:ext>
     </p:extLst>
   </p:cSld>
@@ -15214,6 +15197,109 @@
           <a:p>
             <a:r>
               <a:rPr lang="en-US" dirty="0" smtClean="0"/>
+              <a:t>Results – Naïve </a:t>
+            </a:r>
+            <a:r>
+              <a:rPr lang="en-US" dirty="0" err="1" smtClean="0"/>
+              <a:t>Bayes</a:t>
+            </a:r>
+            <a:r>
+              <a:rPr lang="en-US" dirty="0" smtClean="0"/>
+              <a:t> Classifier</a:t>
+            </a:r>
+            <a:endParaRPr lang="en-US" dirty="0"/>
+          </a:p>
+        </p:txBody>
+      </p:sp>
+      <p:pic>
+        <p:nvPicPr>
+          <p:cNvPr id="5" name="Content Placeholder 4" descr="Capture1.JPG"/>
+          <p:cNvPicPr>
+            <a:picLocks noGrp="1" noChangeAspect="1"/>
+          </p:cNvPicPr>
+          <p:nvPr>
+            <p:ph idx="1"/>
+          </p:nvPr>
+        </p:nvPicPr>
+        <p:blipFill>
+          <a:blip r:embed="rId2"/>
+          <a:stretch>
+            <a:fillRect/>
+          </a:stretch>
+        </p:blipFill>
+        <p:spPr>
+          <a:xfrm>
+            <a:off x="2325401" y="2599377"/>
+            <a:ext cx="5474542" cy="3291583"/>
+          </a:xfrm>
+        </p:spPr>
+      </p:pic>
+      <p:sp>
+        <p:nvSpPr>
+          <p:cNvPr id="4" name="Slide Number Placeholder 3"/>
+          <p:cNvSpPr>
+            <a:spLocks noGrp="1"/>
+          </p:cNvSpPr>
+          <p:nvPr>
+            <p:ph type="sldNum" sz="quarter" idx="12"/>
+          </p:nvPr>
+        </p:nvSpPr>
+        <p:spPr/>
+        <p:txBody>
+          <a:bodyPr/>
+          <a:lstStyle/>
+          <a:p>
+            <a:fld id="{4FAB73BC-B049-4115-A692-8D63A059BFB8}" type="slidenum">
+              <a:rPr lang="en-US" smtClean="0"/>
+              <a:pPr/>
+              <a:t>14</a:t>
+            </a:fld>
+            <a:endParaRPr lang="en-US" dirty="0"/>
+          </a:p>
+        </p:txBody>
+      </p:sp>
+    </p:spTree>
+  </p:cSld>
+  <p:clrMapOvr>
+    <a:masterClrMapping/>
+  </p:clrMapOvr>
+</p:sld>
+</file>
+
+<file path=ppt/slides/slide15.xml><?xml version="1.0" encoding="utf-8"?>
+<p:sld xmlns:a="http://schemas.openxmlformats.org/drawingml/2006/main" xmlns:r="http://schemas.openxmlformats.org/officeDocument/2006/relationships" xmlns:p="http://schemas.openxmlformats.org/presentationml/2006/main">
+  <p:cSld>
+    <p:spTree>
+      <p:nvGrpSpPr>
+        <p:cNvPr id="1" name=""/>
+        <p:cNvGrpSpPr/>
+        <p:nvPr/>
+      </p:nvGrpSpPr>
+      <p:grpSpPr>
+        <a:xfrm>
+          <a:off x="0" y="0"/>
+          <a:ext cx="0" cy="0"/>
+          <a:chOff x="0" y="0"/>
+          <a:chExt cx="0" cy="0"/>
+        </a:xfrm>
+      </p:grpSpPr>
+      <p:sp>
+        <p:nvSpPr>
+          <p:cNvPr id="2" name="Title 1"/>
+          <p:cNvSpPr>
+            <a:spLocks noGrp="1"/>
+          </p:cNvSpPr>
+          <p:nvPr>
+            <p:ph type="title"/>
+          </p:nvPr>
+        </p:nvSpPr>
+        <p:spPr/>
+        <p:txBody>
+          <a:bodyPr/>
+          <a:lstStyle/>
+          <a:p>
+            <a:r>
+              <a:rPr lang="en-US" dirty="0" smtClean="0"/>
               <a:t>Results – Sentiment analysis using VADER</a:t>
             </a:r>
             <a:endParaRPr lang="en-US" dirty="0"/>
@@ -15234,7 +15320,7 @@
           <a:blip r:embed="rId2">
             <a:extLst>
               <a:ext uri="{28A0092B-C50C-407E-A947-70E740481C1C}">
-                <a14:useLocalDpi xmlns:a14="http://schemas.microsoft.com/office/drawing/2010/main" val="0"/>
+                <a14:useLocalDpi xmlns:a14="http://schemas.microsoft.com/office/drawing/2010/main" xmlns="" val="0"/>
               </a:ext>
             </a:extLst>
           </a:blip>
@@ -15267,7 +15353,7 @@
             <a:fld id="{4FAB73BC-B049-4115-A692-8D63A059BFB8}" type="slidenum">
               <a:rPr lang="en-US" smtClean="0"/>
               <a:pPr/>
-              <a:t>14</a:t>
+              <a:t>15</a:t>
             </a:fld>
             <a:endParaRPr lang="en-US" dirty="0"/>
           </a:p>
@@ -15483,7 +15569,7 @@
     </p:spTree>
     <p:extLst>
       <p:ext uri="{BB962C8B-B14F-4D97-AF65-F5344CB8AC3E}">
-        <p14:creationId xmlns:p14="http://schemas.microsoft.com/office/powerpoint/2010/main" val="2258922808"/>
+        <p14:creationId xmlns:p14="http://schemas.microsoft.com/office/powerpoint/2010/main" xmlns="" val="2258922808"/>
       </p:ext>
     </p:extLst>
   </p:cSld>
@@ -15500,7 +15586,7 @@
 </p:sld>
 </file>
 
-<file path=ppt/slides/slide15.xml><?xml version="1.0" encoding="utf-8"?>
+<file path=ppt/slides/slide16.xml><?xml version="1.0" encoding="utf-8"?>
 <p:sld xmlns:a="http://schemas.openxmlformats.org/drawingml/2006/main" xmlns:r="http://schemas.openxmlformats.org/officeDocument/2006/relationships" xmlns:p="http://schemas.openxmlformats.org/presentationml/2006/main">
   <p:cSld>
     <p:spTree>
@@ -15553,7 +15639,7 @@
           <a:blip r:embed="rId2">
             <a:extLst>
               <a:ext uri="{28A0092B-C50C-407E-A947-70E740481C1C}">
-                <a14:useLocalDpi xmlns:a14="http://schemas.microsoft.com/office/drawing/2010/main" val="0"/>
+                <a14:useLocalDpi xmlns:a14="http://schemas.microsoft.com/office/drawing/2010/main" xmlns="" val="0"/>
               </a:ext>
             </a:extLst>
           </a:blip>
@@ -15586,7 +15672,7 @@
             <a:fld id="{4FAB73BC-B049-4115-A692-8D63A059BFB8}" type="slidenum">
               <a:rPr lang="en-US" smtClean="0"/>
               <a:pPr/>
-              <a:t>15</a:t>
+              <a:t>16</a:t>
             </a:fld>
             <a:endParaRPr lang="en-US" dirty="0"/>
           </a:p>
@@ -15604,7 +15690,7 @@
           <a:blip r:embed="rId3">
             <a:extLst>
               <a:ext uri="{28A0092B-C50C-407E-A947-70E740481C1C}">
-                <a14:useLocalDpi xmlns:a14="http://schemas.microsoft.com/office/drawing/2010/main" val="0"/>
+                <a14:useLocalDpi xmlns:a14="http://schemas.microsoft.com/office/drawing/2010/main" xmlns="" val="0"/>
               </a:ext>
             </a:extLst>
           </a:blip>
@@ -16055,7 +16141,7 @@
     </p:spTree>
     <p:extLst>
       <p:ext uri="{BB962C8B-B14F-4D97-AF65-F5344CB8AC3E}">
-        <p14:creationId xmlns:p14="http://schemas.microsoft.com/office/powerpoint/2010/main" val="2413282483"/>
+        <p14:creationId xmlns:p14="http://schemas.microsoft.com/office/powerpoint/2010/main" xmlns="" val="2413282483"/>
       </p:ext>
     </p:extLst>
   </p:cSld>
@@ -16072,7 +16158,7 @@
 </p:sld>
 </file>
 
-<file path=ppt/slides/slide16.xml><?xml version="1.0" encoding="utf-8"?>
+<file path=ppt/slides/slide17.xml><?xml version="1.0" encoding="utf-8"?>
 <p:sld xmlns:a="http://schemas.openxmlformats.org/drawingml/2006/main" xmlns:r="http://schemas.openxmlformats.org/officeDocument/2006/relationships" xmlns:p="http://schemas.openxmlformats.org/presentationml/2006/main">
   <p:cSld>
     <p:spTree>
@@ -16125,7 +16211,7 @@
           <a:blip r:embed="rId2">
             <a:extLst>
               <a:ext uri="{28A0092B-C50C-407E-A947-70E740481C1C}">
-                <a14:useLocalDpi xmlns:a14="http://schemas.microsoft.com/office/drawing/2010/main" val="0"/>
+                <a14:useLocalDpi xmlns:a14="http://schemas.microsoft.com/office/drawing/2010/main" xmlns="" val="0"/>
               </a:ext>
             </a:extLst>
           </a:blip>
@@ -16158,7 +16244,7 @@
             <a:fld id="{4FAB73BC-B049-4115-A692-8D63A059BFB8}" type="slidenum">
               <a:rPr lang="en-US" smtClean="0"/>
               <a:pPr/>
-              <a:t>16</a:t>
+              <a:t>17</a:t>
             </a:fld>
             <a:endParaRPr lang="en-US" dirty="0"/>
           </a:p>
@@ -16176,7 +16262,7 @@
           <a:blip r:embed="rId3">
             <a:extLst>
               <a:ext uri="{28A0092B-C50C-407E-A947-70E740481C1C}">
-                <a14:useLocalDpi xmlns:a14="http://schemas.microsoft.com/office/drawing/2010/main" val="0"/>
+                <a14:useLocalDpi xmlns:a14="http://schemas.microsoft.com/office/drawing/2010/main" xmlns="" val="0"/>
               </a:ext>
             </a:extLst>
           </a:blip>
@@ -16627,122 +16713,7 @@
     </p:spTree>
     <p:extLst>
       <p:ext uri="{BB962C8B-B14F-4D97-AF65-F5344CB8AC3E}">
-        <p14:creationId xmlns:p14="http://schemas.microsoft.com/office/powerpoint/2010/main" val="4043714280"/>
-      </p:ext>
-    </p:extLst>
-  </p:cSld>
-  <p:clrMapOvr>
-    <a:masterClrMapping/>
-  </p:clrMapOvr>
-  <p:timing>
-    <p:tnLst>
-      <p:par>
-        <p:cTn id="1" dur="indefinite" restart="never" nodeType="tmRoot"/>
-      </p:par>
-    </p:tnLst>
-  </p:timing>
-</p:sld>
-</file>
-
-<file path=ppt/slides/slide17.xml><?xml version="1.0" encoding="utf-8"?>
-<p:sld xmlns:a="http://schemas.openxmlformats.org/drawingml/2006/main" xmlns:r="http://schemas.openxmlformats.org/officeDocument/2006/relationships" xmlns:p="http://schemas.openxmlformats.org/presentationml/2006/main">
-  <p:cSld>
-    <p:spTree>
-      <p:nvGrpSpPr>
-        <p:cNvPr id="1" name=""/>
-        <p:cNvGrpSpPr/>
-        <p:nvPr/>
-      </p:nvGrpSpPr>
-      <p:grpSpPr>
-        <a:xfrm>
-          <a:off x="0" y="0"/>
-          <a:ext cx="0" cy="0"/>
-          <a:chOff x="0" y="0"/>
-          <a:chExt cx="0" cy="0"/>
-        </a:xfrm>
-      </p:grpSpPr>
-      <p:sp>
-        <p:nvSpPr>
-          <p:cNvPr id="2" name="Title 1"/>
-          <p:cNvSpPr>
-            <a:spLocks noGrp="1"/>
-          </p:cNvSpPr>
-          <p:nvPr>
-            <p:ph type="title"/>
-          </p:nvPr>
-        </p:nvSpPr>
-        <p:spPr/>
-        <p:txBody>
-          <a:bodyPr/>
-          <a:lstStyle/>
-          <a:p>
-            <a:r>
-              <a:rPr lang="en-US" dirty="0" smtClean="0"/>
-              <a:t>Future Work</a:t>
-            </a:r>
-            <a:endParaRPr lang="en-US" dirty="0"/>
-          </a:p>
-        </p:txBody>
-      </p:sp>
-      <p:sp>
-        <p:nvSpPr>
-          <p:cNvPr id="3" name="Content Placeholder 2"/>
-          <p:cNvSpPr>
-            <a:spLocks noGrp="1"/>
-          </p:cNvSpPr>
-          <p:nvPr>
-            <p:ph idx="1"/>
-          </p:nvPr>
-        </p:nvSpPr>
-        <p:spPr/>
-        <p:txBody>
-          <a:bodyPr/>
-          <a:lstStyle/>
-          <a:p>
-            <a:r>
-              <a:rPr lang="en-US" dirty="0" smtClean="0"/>
-              <a:t>Using other models such as Support Vector and Maximum Entropy Classifiers.</a:t>
-            </a:r>
-          </a:p>
-          <a:p>
-            <a:endParaRPr lang="en-US" dirty="0"/>
-          </a:p>
-          <a:p>
-            <a:r>
-              <a:rPr lang="en-US" dirty="0" smtClean="0"/>
-              <a:t>Using word n-grams (sequence of n- consecutive words) for the feature space.</a:t>
-            </a:r>
-          </a:p>
-        </p:txBody>
-      </p:sp>
-      <p:sp>
-        <p:nvSpPr>
-          <p:cNvPr id="4" name="Slide Number Placeholder 3"/>
-          <p:cNvSpPr>
-            <a:spLocks noGrp="1"/>
-          </p:cNvSpPr>
-          <p:nvPr>
-            <p:ph type="sldNum" sz="quarter" idx="12"/>
-          </p:nvPr>
-        </p:nvSpPr>
-        <p:spPr/>
-        <p:txBody>
-          <a:bodyPr/>
-          <a:lstStyle/>
-          <a:p>
-            <a:fld id="{4FAB73BC-B049-4115-A692-8D63A059BFB8}" type="slidenum">
-              <a:rPr lang="en-US" smtClean="0"/>
-              <a:pPr/>
-              <a:t>17</a:t>
-            </a:fld>
-            <a:endParaRPr lang="en-US" dirty="0"/>
-          </a:p>
-        </p:txBody>
-      </p:sp>
-    </p:spTree>
-    <p:extLst>
-      <p:ext uri="{BB962C8B-B14F-4D97-AF65-F5344CB8AC3E}">
-        <p14:creationId xmlns:p14="http://schemas.microsoft.com/office/powerpoint/2010/main" val="3030440218"/>
+        <p14:creationId xmlns:p14="http://schemas.microsoft.com/office/powerpoint/2010/main" xmlns="" val="4043714280"/>
       </p:ext>
     </p:extLst>
   </p:cSld>
@@ -16793,7 +16764,7 @@
           <a:p>
             <a:r>
               <a:rPr lang="en-US" dirty="0" smtClean="0"/>
-              <a:t>References</a:t>
+              <a:t>Future Work</a:t>
             </a:r>
             <a:endParaRPr lang="en-US" dirty="0"/>
           </a:p>
@@ -16814,68 +16785,18 @@
           <a:bodyPr/>
           <a:lstStyle/>
           <a:p>
-            <a:pPr marL="457200" indent="-457200">
-              <a:buAutoNum type="arabicPeriod"/>
-            </a:pPr>
-            <a:r>
-              <a:rPr lang="en-US" dirty="0" smtClean="0">
-                <a:hlinkClick r:id="rId2"/>
-              </a:rPr>
-              <a:t>https</a:t>
-            </a:r>
-            <a:r>
-              <a:rPr lang="en-US" dirty="0">
-                <a:hlinkClick r:id="rId2"/>
-              </a:rPr>
-              <a:t>://</a:t>
-            </a:r>
-            <a:r>
-              <a:rPr lang="en-US" dirty="0" smtClean="0">
-                <a:hlinkClick r:id="rId2"/>
-              </a:rPr>
-              <a:t>en.wikipedia.org/wiki/Yelp</a:t>
-            </a:r>
-            <a:endParaRPr lang="en-US" dirty="0" smtClean="0"/>
-          </a:p>
-          <a:p>
-            <a:pPr marL="457200" indent="-457200">
-              <a:buAutoNum type="arabicPeriod"/>
-            </a:pPr>
-            <a:r>
-              <a:rPr lang="en-US" dirty="0">
-                <a:hlinkClick r:id="rId3"/>
-              </a:rPr>
-              <a:t>https://</a:t>
-            </a:r>
-            <a:r>
-              <a:rPr lang="en-US" dirty="0" smtClean="0">
-                <a:hlinkClick r:id="rId3"/>
-              </a:rPr>
-              <a:t>github.com/cjhutto/vaderSentiment</a:t>
-            </a:r>
-            <a:endParaRPr lang="en-US" dirty="0" smtClean="0"/>
-          </a:p>
-          <a:p>
-            <a:pPr marL="457200" indent="-457200">
-              <a:buAutoNum type="arabicPeriod"/>
-            </a:pPr>
-            <a:r>
-              <a:rPr lang="en-US" dirty="0" err="1"/>
-              <a:t>Hutto</a:t>
-            </a:r>
-            <a:r>
-              <a:rPr lang="en-US" dirty="0"/>
-              <a:t>, C.J. &amp; Gilbert, E.E. (2014). VADER: A Parsimonious Rule-based Model for Sentiment Analysis of Social Media Text. Eighth International Conference on Weblogs and Social Media (ICWSM-14). Ann Arbor, MI, June 2014. </a:t>
-            </a:r>
-            <a:endParaRPr lang="en-US" dirty="0" smtClean="0"/>
-          </a:p>
-          <a:p>
-            <a:pPr marL="457200" indent="-457200">
-              <a:buAutoNum type="arabicPeriod"/>
-            </a:pPr>
-            <a:r>
-              <a:rPr lang="en-US" dirty="0"/>
-              <a:t>http://www.statsoft.com/textbook/naive-bayes-classifier</a:t>
+            <a:r>
+              <a:rPr lang="en-US" dirty="0" smtClean="0"/>
+              <a:t>Using other models such as Support Vector and Maximum Entropy Classifiers.</a:t>
+            </a:r>
+          </a:p>
+          <a:p>
+            <a:endParaRPr lang="en-US" dirty="0"/>
+          </a:p>
+          <a:p>
+            <a:r>
+              <a:rPr lang="en-US" dirty="0" smtClean="0"/>
+              <a:t>Using word n-grams (sequence of n- consecutive words) for the feature space.</a:t>
             </a:r>
           </a:p>
         </p:txBody>
@@ -16907,7 +16828,172 @@
     </p:spTree>
     <p:extLst>
       <p:ext uri="{BB962C8B-B14F-4D97-AF65-F5344CB8AC3E}">
-        <p14:creationId xmlns:p14="http://schemas.microsoft.com/office/powerpoint/2010/main" val="3013565489"/>
+        <p14:creationId xmlns:p14="http://schemas.microsoft.com/office/powerpoint/2010/main" xmlns="" val="3030440218"/>
+      </p:ext>
+    </p:extLst>
+  </p:cSld>
+  <p:clrMapOvr>
+    <a:masterClrMapping/>
+  </p:clrMapOvr>
+  <p:timing>
+    <p:tnLst>
+      <p:par>
+        <p:cTn id="1" dur="indefinite" restart="never" nodeType="tmRoot"/>
+      </p:par>
+    </p:tnLst>
+  </p:timing>
+</p:sld>
+</file>
+
+<file path=ppt/slides/slide19.xml><?xml version="1.0" encoding="utf-8"?>
+<p:sld xmlns:a="http://schemas.openxmlformats.org/drawingml/2006/main" xmlns:r="http://schemas.openxmlformats.org/officeDocument/2006/relationships" xmlns:p="http://schemas.openxmlformats.org/presentationml/2006/main">
+  <p:cSld>
+    <p:spTree>
+      <p:nvGrpSpPr>
+        <p:cNvPr id="1" name=""/>
+        <p:cNvGrpSpPr/>
+        <p:nvPr/>
+      </p:nvGrpSpPr>
+      <p:grpSpPr>
+        <a:xfrm>
+          <a:off x="0" y="0"/>
+          <a:ext cx="0" cy="0"/>
+          <a:chOff x="0" y="0"/>
+          <a:chExt cx="0" cy="0"/>
+        </a:xfrm>
+      </p:grpSpPr>
+      <p:sp>
+        <p:nvSpPr>
+          <p:cNvPr id="2" name="Title 1"/>
+          <p:cNvSpPr>
+            <a:spLocks noGrp="1"/>
+          </p:cNvSpPr>
+          <p:nvPr>
+            <p:ph type="title"/>
+          </p:nvPr>
+        </p:nvSpPr>
+        <p:spPr/>
+        <p:txBody>
+          <a:bodyPr/>
+          <a:lstStyle/>
+          <a:p>
+            <a:r>
+              <a:rPr lang="en-US" dirty="0" smtClean="0"/>
+              <a:t>References</a:t>
+            </a:r>
+            <a:endParaRPr lang="en-US" dirty="0"/>
+          </a:p>
+        </p:txBody>
+      </p:sp>
+      <p:sp>
+        <p:nvSpPr>
+          <p:cNvPr id="3" name="Content Placeholder 2"/>
+          <p:cNvSpPr>
+            <a:spLocks noGrp="1"/>
+          </p:cNvSpPr>
+          <p:nvPr>
+            <p:ph idx="1"/>
+          </p:nvPr>
+        </p:nvSpPr>
+        <p:spPr/>
+        <p:txBody>
+          <a:bodyPr/>
+          <a:lstStyle/>
+          <a:p>
+            <a:pPr marL="457200" indent="-457200">
+              <a:buAutoNum type="arabicPeriod"/>
+            </a:pPr>
+            <a:r>
+              <a:rPr lang="en-US" dirty="0" smtClean="0">
+                <a:hlinkClick r:id="rId2"/>
+              </a:rPr>
+              <a:t>https</a:t>
+            </a:r>
+            <a:r>
+              <a:rPr lang="en-US" dirty="0">
+                <a:hlinkClick r:id="rId2"/>
+              </a:rPr>
+              <a:t>://</a:t>
+            </a:r>
+            <a:r>
+              <a:rPr lang="en-US" dirty="0" smtClean="0">
+                <a:hlinkClick r:id="rId2"/>
+              </a:rPr>
+              <a:t>en.wikipedia.org/wiki/Yelp</a:t>
+            </a:r>
+            <a:endParaRPr lang="en-US" dirty="0" smtClean="0"/>
+          </a:p>
+          <a:p>
+            <a:pPr marL="457200" indent="-457200">
+              <a:buAutoNum type="arabicPeriod"/>
+            </a:pPr>
+            <a:r>
+              <a:rPr lang="en-US" dirty="0">
+                <a:hlinkClick r:id="rId3"/>
+              </a:rPr>
+              <a:t>https://</a:t>
+            </a:r>
+            <a:r>
+              <a:rPr lang="en-US" dirty="0" smtClean="0">
+                <a:hlinkClick r:id="rId3"/>
+              </a:rPr>
+              <a:t>github.com/cjhutto/vaderSentiment</a:t>
+            </a:r>
+            <a:endParaRPr lang="en-US" dirty="0" smtClean="0"/>
+          </a:p>
+          <a:p>
+            <a:pPr marL="457200" indent="-457200">
+              <a:buAutoNum type="arabicPeriod"/>
+            </a:pPr>
+            <a:r>
+              <a:rPr lang="en-US" dirty="0" err="1"/>
+              <a:t>Hutto</a:t>
+            </a:r>
+            <a:r>
+              <a:rPr lang="en-US" dirty="0"/>
+              <a:t>, C.J. &amp; Gilbert, E.E. (2014). VADER: A Parsimonious Rule-based Model for Sentiment Analysis of Social Media Text. Eighth International Conference on Weblogs and Social Media (ICWSM-14). Ann Arbor, MI, June 2014. </a:t>
+            </a:r>
+            <a:endParaRPr lang="en-US" dirty="0" smtClean="0"/>
+          </a:p>
+          <a:p>
+            <a:pPr marL="457200" indent="-457200">
+              <a:buAutoNum type="arabicPeriod"/>
+            </a:pPr>
+            <a:r>
+              <a:rPr lang="en-US" dirty="0"/>
+              <a:t>http://www.statsoft.com/textbook/naive-bayes-classifier</a:t>
+            </a:r>
+          </a:p>
+        </p:txBody>
+      </p:sp>
+      <p:sp>
+        <p:nvSpPr>
+          <p:cNvPr id="4" name="Slide Number Placeholder 3"/>
+          <p:cNvSpPr>
+            <a:spLocks noGrp="1"/>
+          </p:cNvSpPr>
+          <p:nvPr>
+            <p:ph type="sldNum" sz="quarter" idx="12"/>
+          </p:nvPr>
+        </p:nvSpPr>
+        <p:spPr/>
+        <p:txBody>
+          <a:bodyPr/>
+          <a:lstStyle/>
+          <a:p>
+            <a:fld id="{4FAB73BC-B049-4115-A692-8D63A059BFB8}" type="slidenum">
+              <a:rPr lang="en-US" smtClean="0"/>
+              <a:pPr/>
+              <a:t>19</a:t>
+            </a:fld>
+            <a:endParaRPr lang="en-US" dirty="0"/>
+          </a:p>
+        </p:txBody>
+      </p:sp>
+    </p:spTree>
+    <p:extLst>
+      <p:ext uri="{BB962C8B-B14F-4D97-AF65-F5344CB8AC3E}">
+        <p14:creationId xmlns:p14="http://schemas.microsoft.com/office/powerpoint/2010/main" xmlns="" val="3013565489"/>
       </p:ext>
     </p:extLst>
   </p:cSld>
@@ -17042,7 +17128,7 @@
     </p:spTree>
     <p:extLst>
       <p:ext uri="{BB962C8B-B14F-4D97-AF65-F5344CB8AC3E}">
-        <p14:creationId xmlns:p14="http://schemas.microsoft.com/office/powerpoint/2010/main" val="2442651194"/>
+        <p14:creationId xmlns:p14="http://schemas.microsoft.com/office/powerpoint/2010/main" xmlns="" val="2442651194"/>
       </p:ext>
     </p:extLst>
   </p:cSld>
@@ -17230,7 +17316,7 @@
     </p:spTree>
     <p:extLst>
       <p:ext uri="{BB962C8B-B14F-4D97-AF65-F5344CB8AC3E}">
-        <p14:creationId xmlns:p14="http://schemas.microsoft.com/office/powerpoint/2010/main" val="1667925211"/>
+        <p14:creationId xmlns:p14="http://schemas.microsoft.com/office/powerpoint/2010/main" xmlns="" val="1667925211"/>
       </p:ext>
     </p:extLst>
   </p:cSld>
@@ -17390,7 +17476,7 @@
           <a:blip r:embed="rId2">
             <a:extLst>
               <a:ext uri="{28A0092B-C50C-407E-A947-70E740481C1C}">
-                <a14:useLocalDpi xmlns:a14="http://schemas.microsoft.com/office/drawing/2010/main" val="0"/>
+                <a14:useLocalDpi xmlns:a14="http://schemas.microsoft.com/office/drawing/2010/main" xmlns="" val="0"/>
               </a:ext>
             </a:extLst>
           </a:blip>
@@ -17435,7 +17521,7 @@
     </p:spTree>
     <p:extLst>
       <p:ext uri="{BB962C8B-B14F-4D97-AF65-F5344CB8AC3E}">
-        <p14:creationId xmlns:p14="http://schemas.microsoft.com/office/powerpoint/2010/main" val="3339542320"/>
+        <p14:creationId xmlns:p14="http://schemas.microsoft.com/office/powerpoint/2010/main" xmlns="" val="3339542320"/>
       </p:ext>
     </p:extLst>
   </p:cSld>
@@ -17571,7 +17657,7 @@
     </p:spTree>
     <p:extLst>
       <p:ext uri="{BB962C8B-B14F-4D97-AF65-F5344CB8AC3E}">
-        <p14:creationId xmlns:p14="http://schemas.microsoft.com/office/powerpoint/2010/main" val="3702515033"/>
+        <p14:creationId xmlns:p14="http://schemas.microsoft.com/office/powerpoint/2010/main" xmlns="" val="3702515033"/>
       </p:ext>
     </p:extLst>
   </p:cSld>
@@ -17632,7 +17718,6 @@
               <a:rPr lang="en-US" dirty="0"/>
               <a:t>Flow</a:t>
             </a:r>
-            <a:endParaRPr lang="en-US" dirty="0"/>
           </a:p>
         </p:txBody>
       </p:sp>
@@ -17670,7 +17755,7 @@
             <p:ph idx="1"/>
             <p:extLst>
               <p:ext uri="{D42A27DB-BD31-4B8C-83A1-F6EECF244321}">
-                <p14:modId xmlns:p14="http://schemas.microsoft.com/office/powerpoint/2010/main" val="3737081894"/>
+                <p14:modId xmlns:p14="http://schemas.microsoft.com/office/powerpoint/2010/main" xmlns="" val="3737081894"/>
               </p:ext>
             </p:extLst>
           </p:nvPr>
@@ -17688,7 +17773,7 @@
     </p:spTree>
     <p:extLst>
       <p:ext uri="{BB962C8B-B14F-4D97-AF65-F5344CB8AC3E}">
-        <p14:creationId xmlns:p14="http://schemas.microsoft.com/office/powerpoint/2010/main" val="2634859669"/>
+        <p14:creationId xmlns:p14="http://schemas.microsoft.com/office/powerpoint/2010/main" xmlns="" val="2634859669"/>
       </p:ext>
     </p:extLst>
   </p:cSld>
@@ -17851,7 +17936,7 @@
     </p:spTree>
     <p:extLst>
       <p:ext uri="{BB962C8B-B14F-4D97-AF65-F5344CB8AC3E}">
-        <p14:creationId xmlns:p14="http://schemas.microsoft.com/office/powerpoint/2010/main" val="1660388467"/>
+        <p14:creationId xmlns:p14="http://schemas.microsoft.com/office/powerpoint/2010/main" xmlns="" val="1660388467"/>
       </p:ext>
     </p:extLst>
   </p:cSld>
@@ -17932,11 +18017,7 @@
           <a:p>
             <a:r>
               <a:rPr lang="en-US" dirty="0" smtClean="0"/>
-              <a:t>What is </a:t>
-            </a:r>
-            <a:r>
-              <a:rPr lang="en-US" dirty="0" smtClean="0"/>
-              <a:t>NLTK</a:t>
+              <a:t>What is NLTK</a:t>
             </a:r>
           </a:p>
           <a:p>
@@ -18133,7 +18214,7 @@
           <a:blip r:embed="rId3">
             <a:extLst>
               <a:ext uri="{28A0092B-C50C-407E-A947-70E740481C1C}">
-                <a14:useLocalDpi xmlns:a14="http://schemas.microsoft.com/office/drawing/2010/main" val="0"/>
+                <a14:useLocalDpi xmlns:a14="http://schemas.microsoft.com/office/drawing/2010/main" xmlns="" val="0"/>
               </a:ext>
             </a:extLst>
           </a:blip>
@@ -18153,7 +18234,7 @@
           <a:noFill/>
           <a:extLst>
             <a:ext uri="{909E8E84-426E-40DD-AFC4-6F175D3DCCD1}">
-              <a14:hiddenFill xmlns:a14="http://schemas.microsoft.com/office/drawing/2010/main">
+              <a14:hiddenFill xmlns:a14="http://schemas.microsoft.com/office/drawing/2010/main" xmlns="">
                 <a:solidFill>
                   <a:srgbClr val="FFFFFF"/>
                 </a:solidFill>
@@ -18165,7 +18246,7 @@
     </p:spTree>
     <p:extLst>
       <p:ext uri="{BB962C8B-B14F-4D97-AF65-F5344CB8AC3E}">
-        <p14:creationId xmlns:p14="http://schemas.microsoft.com/office/powerpoint/2010/main" val="158264648"/>
+        <p14:creationId xmlns:p14="http://schemas.microsoft.com/office/powerpoint/2010/main" xmlns="" val="158264648"/>
       </p:ext>
     </p:extLst>
   </p:cSld>
@@ -18320,7 +18401,7 @@
           <a:blip r:embed="rId3">
             <a:extLst>
               <a:ext uri="{28A0092B-C50C-407E-A947-70E740481C1C}">
-                <a14:useLocalDpi xmlns:a14="http://schemas.microsoft.com/office/drawing/2010/main" val="0"/>
+                <a14:useLocalDpi xmlns:a14="http://schemas.microsoft.com/office/drawing/2010/main" xmlns="" val="0"/>
               </a:ext>
             </a:extLst>
           </a:blip>
@@ -18340,7 +18421,7 @@
           <a:noFill/>
           <a:extLst>
             <a:ext uri="{909E8E84-426E-40DD-AFC4-6F175D3DCCD1}">
-              <a14:hiddenFill xmlns:a14="http://schemas.microsoft.com/office/drawing/2010/main">
+              <a14:hiddenFill xmlns:a14="http://schemas.microsoft.com/office/drawing/2010/main" xmlns="">
                 <a:solidFill>
                   <a:srgbClr val="FFFFFF"/>
                 </a:solidFill>
@@ -18370,7 +18451,7 @@
     </p:spTree>
     <p:extLst>
       <p:ext uri="{BB962C8B-B14F-4D97-AF65-F5344CB8AC3E}">
-        <p14:creationId xmlns:p14="http://schemas.microsoft.com/office/powerpoint/2010/main" val="2278894467"/>
+        <p14:creationId xmlns:p14="http://schemas.microsoft.com/office/powerpoint/2010/main" xmlns="" val="2278894467"/>
       </p:ext>
     </p:extLst>
   </p:cSld>
@@ -18430,7 +18511,7 @@
     </a:clrScheme>
     <a:fontScheme name="Berlin">
       <a:majorFont>
-        <a:latin typeface="Trebuchet MS" panose="020B0603020202020204"/>
+        <a:latin typeface="Trebuchet MS"/>
         <a:ea typeface=""/>
         <a:cs typeface=""/>
         <a:font script="Jpan" typeface="ＭＳ Ｐゴシック"/>
@@ -18465,7 +18546,7 @@
         <a:font script="Geor" typeface="Sylfaen"/>
       </a:majorFont>
       <a:minorFont>
-        <a:latin typeface="Trebuchet MS" panose="020B0603020202020204"/>
+        <a:latin typeface="Trebuchet MS"/>
         <a:ea typeface=""/>
         <a:cs typeface=""/>
         <a:font script="Jpan" typeface="ＭＳ Ｐゴシック"/>
@@ -18635,7 +18716,7 @@
   <a:extraClrSchemeLst/>
   <a:extLst>
     <a:ext uri="{05A4C25C-085E-4340-85A3-A5531E510DB2}">
-      <thm15:themeFamily xmlns:thm15="http://schemas.microsoft.com/office/thememl/2012/main" name="Berlin" id="{7B5DBA9E-B069-418E-9360-A61BDD0615A4}" vid="{C0CBE056-4EF4-4D92-969E-947779DA7AAA}"/>
+      <thm15:themeFamily xmlns:thm15="http://schemas.microsoft.com/office/thememl/2012/main" xmlns="" name="Berlin" id="{7B5DBA9E-B069-418E-9360-A61BDD0615A4}" vid="{C0CBE056-4EF4-4D92-969E-947779DA7AAA}"/>
     </a:ext>
   </a:extLst>
 </a:theme>
@@ -18684,7 +18765,7 @@
     </a:clrScheme>
     <a:fontScheme name="Office">
       <a:majorFont>
-        <a:latin typeface="Calibri Light" panose="020F0302020204030204"/>
+        <a:latin typeface="Calibri Light"/>
         <a:ea typeface=""/>
         <a:cs typeface=""/>
         <a:font script="Jpan" typeface="ＭＳ Ｐゴシック"/>
@@ -18719,7 +18800,7 @@
         <a:font script="Geor" typeface="Sylfaen"/>
       </a:majorFont>
       <a:minorFont>
-        <a:latin typeface="Calibri" panose="020F0502020204030204"/>
+        <a:latin typeface="Calibri"/>
         <a:ea typeface=""/>
         <a:cs typeface=""/>
         <a:font script="Jpan" typeface="ＭＳ Ｐゴシック"/>
@@ -18896,7 +18977,7 @@
   <a:extraClrSchemeLst/>
   <a:extLst>
     <a:ext uri="{05A4C25C-085E-4340-85A3-A5531E510DB2}">
-      <thm15:themeFamily xmlns:thm15="http://schemas.microsoft.com/office/thememl/2012/main" name="Office Theme" id="{62F939B6-93AF-4DB8-9C6B-D6C7DFDC589F}" vid="{4A3C46E8-61CC-4603-A589-7422A47A8E4A}"/>
+      <thm15:themeFamily xmlns:thm15="http://schemas.microsoft.com/office/thememl/2012/main" xmlns="" name="Office Theme" id="{62F939B6-93AF-4DB8-9C6B-D6C7DFDC589F}" vid="{4A3C46E8-61CC-4603-A589-7422A47A8E4A}"/>
     </a:ext>
   </a:extLst>
 </a:theme>

--- a/Yelp Reviews – A Study.pptx
+++ b/Yelp Reviews – A Study.pptx
@@ -5,7 +5,7 @@
     <p:sldMasterId id="2147483852" r:id="rId1"/>
   </p:sldMasterIdLst>
   <p:notesMasterIdLst>
-    <p:notesMasterId r:id="rId21"/>
+    <p:notesMasterId r:id="rId22"/>
   </p:notesMasterIdLst>
   <p:sldIdLst>
     <p:sldId id="256" r:id="rId2"/>
@@ -27,6 +27,7 @@
     <p:sldId id="271" r:id="rId18"/>
     <p:sldId id="262" r:id="rId19"/>
     <p:sldId id="265" r:id="rId20"/>
+    <p:sldId id="277" r:id="rId21"/>
   </p:sldIdLst>
   <p:sldSz cx="12192000" cy="6858000"/>
   <p:notesSz cx="6858000" cy="9144000"/>
@@ -127,7 +128,18 @@
   </p:defaultTextStyle>
   <p:extLst>
     <p:ext uri="{EFAFB233-063F-42B5-8137-9DF3F51BA10A}">
-      <p15:sldGuideLst xmlns:p15="http://schemas.microsoft.com/office/powerpoint/2012/main" xmlns=""/>
+      <p15:sldGuideLst xmlns:p15="http://schemas.microsoft.com/office/powerpoint/2012/main">
+        <p15:guide id="1" orient="horz" pos="2160">
+          <p15:clr>
+            <a:srgbClr val="A4A3A4"/>
+          </p15:clr>
+        </p15:guide>
+        <p15:guide id="2" pos="3840">
+          <p15:clr>
+            <a:srgbClr val="A4A3A4"/>
+          </p15:clr>
+        </p15:guide>
+      </p15:sldGuideLst>
     </p:ext>
   </p:extLst>
 </p:presentation>
@@ -1642,17 +1654,17 @@
       </dgm:t>
     </dgm:pt>
     <dgm:pt modelId="{F8EB602D-32DD-401F-87F6-30A724891281}">
-      <dgm:prSet phldrT="[Text]"/>
+      <dgm:prSet phldrT="[Text]" custT="1"/>
       <dgm:spPr/>
       <dgm:t>
         <a:bodyPr/>
         <a:lstStyle/>
         <a:p>
           <a:r>
-            <a:rPr lang="en-US" dirty="0" smtClean="0"/>
+            <a:rPr lang="en-US" sz="2400" dirty="0" smtClean="0"/>
             <a:t>Sub Problem One</a:t>
           </a:r>
-          <a:endParaRPr lang="en-US" dirty="0"/>
+          <a:endParaRPr lang="en-US" sz="2400" dirty="0"/>
         </a:p>
       </dgm:t>
     </dgm:pt>
@@ -1679,17 +1691,17 @@
       </dgm:t>
     </dgm:pt>
     <dgm:pt modelId="{66BBF49E-927C-4E2F-B006-D420C13E5E07}">
-      <dgm:prSet phldrT="[Text]"/>
+      <dgm:prSet phldrT="[Text]" custT="1"/>
       <dgm:spPr/>
       <dgm:t>
         <a:bodyPr/>
         <a:lstStyle/>
         <a:p>
           <a:r>
-            <a:rPr lang="en-US" dirty="0" smtClean="0"/>
+            <a:rPr lang="en-US" sz="2400" dirty="0" smtClean="0"/>
             <a:t>Sub Problem Two</a:t>
           </a:r>
-          <a:endParaRPr lang="en-US" dirty="0"/>
+          <a:endParaRPr lang="en-US" sz="2400" dirty="0"/>
         </a:p>
       </dgm:t>
     </dgm:pt>
@@ -1798,17 +1810,17 @@
       </dgm:t>
     </dgm:pt>
     <dgm:pt modelId="{440B7219-26B9-4F58-BA23-F5CEC713F213}">
-      <dgm:prSet phldrT="[Text]"/>
+      <dgm:prSet phldrT="[Text]" custT="1"/>
       <dgm:spPr/>
       <dgm:t>
         <a:bodyPr/>
         <a:lstStyle/>
         <a:p>
           <a:r>
-            <a:rPr lang="en-US" dirty="0" smtClean="0"/>
+            <a:rPr lang="en-US" sz="2400" dirty="0" smtClean="0"/>
             <a:t>Sub Problem Three</a:t>
           </a:r>
-          <a:endParaRPr lang="en-US" dirty="0"/>
+          <a:endParaRPr lang="en-US" sz="2400" dirty="0"/>
         </a:p>
       </dgm:t>
     </dgm:pt>
@@ -2290,33 +2302,33 @@
     </dgm:pt>
   </dgm:ptLst>
   <dgm:cxnLst>
-    <dgm:cxn modelId="{C2DAE147-F2FF-45A8-A087-12F987A25418}" type="presOf" srcId="{23A168AE-CB6D-4BA2-A089-D7BA0B4AC5EB}" destId="{310B62E1-A6E3-4BA5-A387-A18CEE005F73}" srcOrd="0" destOrd="2" presId="urn:microsoft.com/office/officeart/2005/8/layout/vList5"/>
+    <dgm:cxn modelId="{C1737068-9549-4619-B0B1-0B2CBAD42C1F}" srcId="{440B7219-26B9-4F58-BA23-F5CEC713F213}" destId="{23A168AE-CB6D-4BA2-A089-D7BA0B4AC5EB}" srcOrd="2" destOrd="0" parTransId="{7F4D2B96-FEA4-45B1-8A97-79FDCCA57637}" sibTransId="{B41296E8-C6C2-4A46-91A1-1D2137D59234}"/>
+    <dgm:cxn modelId="{5DFC79F7-FD9B-425B-A697-22AB557AB0EF}" srcId="{66BBF49E-927C-4E2F-B006-D420C13E5E07}" destId="{3B965A0D-B34D-469C-8C27-047CACBA8882}" srcOrd="1" destOrd="0" parTransId="{CE897EA2-2DBE-497C-9685-22C658CC4392}" sibTransId="{A10DC2C7-5D95-4F28-8D4C-054F91AABF23}"/>
     <dgm:cxn modelId="{83886DBF-FC09-46B8-B8FF-EF1B525C93ED}" srcId="{B02FAD5E-7DCF-4382-B82D-EA1202CA4008}" destId="{66BBF49E-927C-4E2F-B006-D420C13E5E07}" srcOrd="1" destOrd="0" parTransId="{66A479B0-6EEB-4955-A0E4-A87E932C9592}" sibTransId="{E7E34E2C-1D84-4FA9-BFB8-899D69861A96}"/>
     <dgm:cxn modelId="{9CC48428-FA28-4010-910D-8ACC92FB24E7}" srcId="{66BBF49E-927C-4E2F-B006-D420C13E5E07}" destId="{BFDA33EE-4EA6-4697-BD8A-8763E67F626B}" srcOrd="2" destOrd="0" parTransId="{E14E2AA3-3A9E-41C9-B54E-7610B5874DE9}" sibTransId="{FE12E5AA-201F-4040-B950-2EFEB38BC1D7}"/>
+    <dgm:cxn modelId="{FCEC3736-6660-4266-9CDC-465CC2257201}" srcId="{440B7219-26B9-4F58-BA23-F5CEC713F213}" destId="{A442E141-DED3-4F81-8BFB-BE6C1C101C96}" srcOrd="1" destOrd="0" parTransId="{AB2738DA-B301-4D18-8F84-876CED973EE3}" sibTransId="{9DDB2B06-E114-46AB-9590-BA14826FBE34}"/>
+    <dgm:cxn modelId="{14DC4D40-77A4-464F-B107-8E887B2DA211}" srcId="{F8EB602D-32DD-401F-87F6-30A724891281}" destId="{3870AA8C-1B54-4CFB-8DBD-A28D301FFC71}" srcOrd="1" destOrd="0" parTransId="{314F7E9F-01FC-414A-91A3-2A6A7EF2EF15}" sibTransId="{E53EB828-A3A6-418A-97E1-FC6B006C2386}"/>
+    <dgm:cxn modelId="{0F003E3C-3F21-4DC8-B1B0-3B6F683C4271}" type="presOf" srcId="{BFDA33EE-4EA6-4697-BD8A-8763E67F626B}" destId="{F1F6B744-2AC4-4ECE-8B41-3E8EC7938F27}" srcOrd="0" destOrd="2" presId="urn:microsoft.com/office/officeart/2005/8/layout/vList5"/>
+    <dgm:cxn modelId="{B40ABC29-3475-4340-8608-6E1C1A5B0936}" type="presOf" srcId="{3870AA8C-1B54-4CFB-8DBD-A28D301FFC71}" destId="{6B66F3B8-3F50-449F-A9ED-0A4528538A29}" srcOrd="0" destOrd="1" presId="urn:microsoft.com/office/officeart/2005/8/layout/vList5"/>
+    <dgm:cxn modelId="{205C5758-F4AD-4D17-AE52-79FDE0555EAD}" type="presOf" srcId="{B02FAD5E-7DCF-4382-B82D-EA1202CA4008}" destId="{B0C93FC2-E9BC-4DCA-9E0E-F6EC7D4E188D}" srcOrd="0" destOrd="0" presId="urn:microsoft.com/office/officeart/2005/8/layout/vList5"/>
+    <dgm:cxn modelId="{B714B41A-292B-46FF-96DD-56422B8C7317}" type="presOf" srcId="{2A5634E2-9635-4251-A518-5907D9AF1F39}" destId="{310B62E1-A6E3-4BA5-A387-A18CEE005F73}" srcOrd="0" destOrd="3" presId="urn:microsoft.com/office/officeart/2005/8/layout/vList5"/>
+    <dgm:cxn modelId="{3E4ED224-BD7F-44E7-94BC-CC19A4AF6182}" srcId="{66BBF49E-927C-4E2F-B006-D420C13E5E07}" destId="{A34A8185-509B-40CF-A802-8834F7A8F655}" srcOrd="0" destOrd="0" parTransId="{F254DC2D-2050-4060-8AF9-F4A70ED3633D}" sibTransId="{76454D84-600D-4426-8D14-C60ADCB380AE}"/>
+    <dgm:cxn modelId="{121733BF-378A-4AFA-8553-2FED7292A7D6}" type="presOf" srcId="{F8EB602D-32DD-401F-87F6-30A724891281}" destId="{6552CB70-428D-477D-9F79-F53F633EE051}" srcOrd="0" destOrd="0" presId="urn:microsoft.com/office/officeart/2005/8/layout/vList5"/>
+    <dgm:cxn modelId="{0EC2C390-F110-464C-8A64-C13982CBA540}" type="presOf" srcId="{0606A311-43A7-4DFA-9C0A-BAC66199669C}" destId="{6B66F3B8-3F50-449F-A9ED-0A4528538A29}" srcOrd="0" destOrd="2" presId="urn:microsoft.com/office/officeart/2005/8/layout/vList5"/>
+    <dgm:cxn modelId="{1D4ACDDD-DCE7-4DA6-B5B3-72969CF9107C}" srcId="{440B7219-26B9-4F58-BA23-F5CEC713F213}" destId="{04910821-469B-4C2A-8A99-2CB188B2AFEA}" srcOrd="0" destOrd="0" parTransId="{1F214A71-9D37-4538-87BD-C67AFBD86213}" sibTransId="{62F1D2D8-5361-40B6-AD07-52CE57AAD498}"/>
+    <dgm:cxn modelId="{8D3DFFDA-EC23-4B0F-9B6F-32D52930F570}" type="presOf" srcId="{440B7219-26B9-4F58-BA23-F5CEC713F213}" destId="{CF0ED83B-A46B-4B44-9C69-22DECEFDEE5C}" srcOrd="0" destOrd="0" presId="urn:microsoft.com/office/officeart/2005/8/layout/vList5"/>
     <dgm:cxn modelId="{3BC05AA0-9AC4-4079-81B8-52E18E0DCD3C}" srcId="{F8EB602D-32DD-401F-87F6-30A724891281}" destId="{7125C8DE-A65C-44C5-9094-3C66A3448E0A}" srcOrd="0" destOrd="0" parTransId="{44C9816D-1A2B-4560-B56F-8D7CC0D82897}" sibTransId="{F5D34CDF-D64F-4A8B-B678-897A65BAC5F2}"/>
-    <dgm:cxn modelId="{1D4ACDDD-DCE7-4DA6-B5B3-72969CF9107C}" srcId="{440B7219-26B9-4F58-BA23-F5CEC713F213}" destId="{04910821-469B-4C2A-8A99-2CB188B2AFEA}" srcOrd="0" destOrd="0" parTransId="{1F214A71-9D37-4538-87BD-C67AFBD86213}" sibTransId="{62F1D2D8-5361-40B6-AD07-52CE57AAD498}"/>
-    <dgm:cxn modelId="{121733BF-378A-4AFA-8553-2FED7292A7D6}" type="presOf" srcId="{F8EB602D-32DD-401F-87F6-30A724891281}" destId="{6552CB70-428D-477D-9F79-F53F633EE051}" srcOrd="0" destOrd="0" presId="urn:microsoft.com/office/officeart/2005/8/layout/vList5"/>
-    <dgm:cxn modelId="{205C5758-F4AD-4D17-AE52-79FDE0555EAD}" type="presOf" srcId="{B02FAD5E-7DCF-4382-B82D-EA1202CA4008}" destId="{B0C93FC2-E9BC-4DCA-9E0E-F6EC7D4E188D}" srcOrd="0" destOrd="0" presId="urn:microsoft.com/office/officeart/2005/8/layout/vList5"/>
-    <dgm:cxn modelId="{8D3DFFDA-EC23-4B0F-9B6F-32D52930F570}" type="presOf" srcId="{440B7219-26B9-4F58-BA23-F5CEC713F213}" destId="{CF0ED83B-A46B-4B44-9C69-22DECEFDEE5C}" srcOrd="0" destOrd="0" presId="urn:microsoft.com/office/officeart/2005/8/layout/vList5"/>
-    <dgm:cxn modelId="{2B152090-28D6-402D-9F79-C38AA6958281}" type="presOf" srcId="{A34A8185-509B-40CF-A802-8834F7A8F655}" destId="{F1F6B744-2AC4-4ECE-8B41-3E8EC7938F27}" srcOrd="0" destOrd="0" presId="urn:microsoft.com/office/officeart/2005/8/layout/vList5"/>
-    <dgm:cxn modelId="{569041C3-EDEA-47AB-90A5-E8336EA2FFB9}" type="presOf" srcId="{66BBF49E-927C-4E2F-B006-D420C13E5E07}" destId="{6359AC6B-F447-453F-BA77-6A72A16943CD}" srcOrd="0" destOrd="0" presId="urn:microsoft.com/office/officeart/2005/8/layout/vList5"/>
-    <dgm:cxn modelId="{0F003E3C-3F21-4DC8-B1B0-3B6F683C4271}" type="presOf" srcId="{BFDA33EE-4EA6-4697-BD8A-8763E67F626B}" destId="{F1F6B744-2AC4-4ECE-8B41-3E8EC7938F27}" srcOrd="0" destOrd="2" presId="urn:microsoft.com/office/officeart/2005/8/layout/vList5"/>
-    <dgm:cxn modelId="{FFE6B053-E59C-45D7-9912-91DE69639793}" type="presOf" srcId="{A442E141-DED3-4F81-8BFB-BE6C1C101C96}" destId="{310B62E1-A6E3-4BA5-A387-A18CEE005F73}" srcOrd="0" destOrd="1" presId="urn:microsoft.com/office/officeart/2005/8/layout/vList5"/>
-    <dgm:cxn modelId="{5DFC79F7-FD9B-425B-A697-22AB557AB0EF}" srcId="{66BBF49E-927C-4E2F-B006-D420C13E5E07}" destId="{3B965A0D-B34D-469C-8C27-047CACBA8882}" srcOrd="1" destOrd="0" parTransId="{CE897EA2-2DBE-497C-9685-22C658CC4392}" sibTransId="{A10DC2C7-5D95-4F28-8D4C-054F91AABF23}"/>
-    <dgm:cxn modelId="{B40ABC29-3475-4340-8608-6E1C1A5B0936}" type="presOf" srcId="{3870AA8C-1B54-4CFB-8DBD-A28D301FFC71}" destId="{6B66F3B8-3F50-449F-A9ED-0A4528538A29}" srcOrd="0" destOrd="1" presId="urn:microsoft.com/office/officeart/2005/8/layout/vList5"/>
-    <dgm:cxn modelId="{3E4ED224-BD7F-44E7-94BC-CC19A4AF6182}" srcId="{66BBF49E-927C-4E2F-B006-D420C13E5E07}" destId="{A34A8185-509B-40CF-A802-8834F7A8F655}" srcOrd="0" destOrd="0" parTransId="{F254DC2D-2050-4060-8AF9-F4A70ED3633D}" sibTransId="{76454D84-600D-4426-8D14-C60ADCB380AE}"/>
-    <dgm:cxn modelId="{12F60A06-D32D-422A-A321-BC77C09BE7EF}" type="presOf" srcId="{3B965A0D-B34D-469C-8C27-047CACBA8882}" destId="{F1F6B744-2AC4-4ECE-8B41-3E8EC7938F27}" srcOrd="0" destOrd="1" presId="urn:microsoft.com/office/officeart/2005/8/layout/vList5"/>
-    <dgm:cxn modelId="{C1737068-9549-4619-B0B1-0B2CBAD42C1F}" srcId="{440B7219-26B9-4F58-BA23-F5CEC713F213}" destId="{23A168AE-CB6D-4BA2-A089-D7BA0B4AC5EB}" srcOrd="2" destOrd="0" parTransId="{7F4D2B96-FEA4-45B1-8A97-79FDCCA57637}" sibTransId="{B41296E8-C6C2-4A46-91A1-1D2137D59234}"/>
-    <dgm:cxn modelId="{FCEC3736-6660-4266-9CDC-465CC2257201}" srcId="{440B7219-26B9-4F58-BA23-F5CEC713F213}" destId="{A442E141-DED3-4F81-8BFB-BE6C1C101C96}" srcOrd="1" destOrd="0" parTransId="{AB2738DA-B301-4D18-8F84-876CED973EE3}" sibTransId="{9DDB2B06-E114-46AB-9590-BA14826FBE34}"/>
-    <dgm:cxn modelId="{0EC2C390-F110-464C-8A64-C13982CBA540}" type="presOf" srcId="{0606A311-43A7-4DFA-9C0A-BAC66199669C}" destId="{6B66F3B8-3F50-449F-A9ED-0A4528538A29}" srcOrd="0" destOrd="2" presId="urn:microsoft.com/office/officeart/2005/8/layout/vList5"/>
-    <dgm:cxn modelId="{B714B41A-292B-46FF-96DD-56422B8C7317}" type="presOf" srcId="{2A5634E2-9635-4251-A518-5907D9AF1F39}" destId="{310B62E1-A6E3-4BA5-A387-A18CEE005F73}" srcOrd="0" destOrd="3" presId="urn:microsoft.com/office/officeart/2005/8/layout/vList5"/>
-    <dgm:cxn modelId="{14DC4D40-77A4-464F-B107-8E887B2DA211}" srcId="{F8EB602D-32DD-401F-87F6-30A724891281}" destId="{3870AA8C-1B54-4CFB-8DBD-A28D301FFC71}" srcOrd="1" destOrd="0" parTransId="{314F7E9F-01FC-414A-91A3-2A6A7EF2EF15}" sibTransId="{E53EB828-A3A6-418A-97E1-FC6B006C2386}"/>
     <dgm:cxn modelId="{FC65BDF5-58B7-428C-BA4B-9705775D7560}" type="presOf" srcId="{7125C8DE-A65C-44C5-9094-3C66A3448E0A}" destId="{6B66F3B8-3F50-449F-A9ED-0A4528538A29}" srcOrd="0" destOrd="0" presId="urn:microsoft.com/office/officeart/2005/8/layout/vList5"/>
     <dgm:cxn modelId="{C2AA35E4-6735-40B1-980E-AD19357EDA63}" srcId="{F8EB602D-32DD-401F-87F6-30A724891281}" destId="{0606A311-43A7-4DFA-9C0A-BAC66199669C}" srcOrd="2" destOrd="0" parTransId="{2D4D7928-40C9-42DC-9428-E7BD91692EF0}" sibTransId="{F09670BB-0EA0-40D4-8166-1A1A7FED8ACF}"/>
+    <dgm:cxn modelId="{FFE6B053-E59C-45D7-9912-91DE69639793}" type="presOf" srcId="{A442E141-DED3-4F81-8BFB-BE6C1C101C96}" destId="{310B62E1-A6E3-4BA5-A387-A18CEE005F73}" srcOrd="0" destOrd="1" presId="urn:microsoft.com/office/officeart/2005/8/layout/vList5"/>
     <dgm:cxn modelId="{0A2D8F61-C3B5-40C1-8A62-DE859CD1E5E6}" srcId="{440B7219-26B9-4F58-BA23-F5CEC713F213}" destId="{2A5634E2-9635-4251-A518-5907D9AF1F39}" srcOrd="3" destOrd="0" parTransId="{CA4E84B3-5D75-4EFE-B282-7DC2D8470B21}" sibTransId="{A5A45FA9-9B2C-4631-9952-24374E6027FC}"/>
+    <dgm:cxn modelId="{12F60A06-D32D-422A-A321-BC77C09BE7EF}" type="presOf" srcId="{3B965A0D-B34D-469C-8C27-047CACBA8882}" destId="{F1F6B744-2AC4-4ECE-8B41-3E8EC7938F27}" srcOrd="0" destOrd="1" presId="urn:microsoft.com/office/officeart/2005/8/layout/vList5"/>
+    <dgm:cxn modelId="{569041C3-EDEA-47AB-90A5-E8336EA2FFB9}" type="presOf" srcId="{66BBF49E-927C-4E2F-B006-D420C13E5E07}" destId="{6359AC6B-F447-453F-BA77-6A72A16943CD}" srcOrd="0" destOrd="0" presId="urn:microsoft.com/office/officeart/2005/8/layout/vList5"/>
+    <dgm:cxn modelId="{26D6AA46-4658-42F5-9272-9474428996E7}" type="presOf" srcId="{04910821-469B-4C2A-8A99-2CB188B2AFEA}" destId="{310B62E1-A6E3-4BA5-A387-A18CEE005F73}" srcOrd="0" destOrd="0" presId="urn:microsoft.com/office/officeart/2005/8/layout/vList5"/>
+    <dgm:cxn modelId="{C2DAE147-F2FF-45A8-A087-12F987A25418}" type="presOf" srcId="{23A168AE-CB6D-4BA2-A089-D7BA0B4AC5EB}" destId="{310B62E1-A6E3-4BA5-A387-A18CEE005F73}" srcOrd="0" destOrd="2" presId="urn:microsoft.com/office/officeart/2005/8/layout/vList5"/>
+    <dgm:cxn modelId="{EDA9BE27-2ED6-4189-AF95-F7218E180684}" srcId="{B02FAD5E-7DCF-4382-B82D-EA1202CA4008}" destId="{440B7219-26B9-4F58-BA23-F5CEC713F213}" srcOrd="2" destOrd="0" parTransId="{5469D6DB-87D4-4A31-A784-572A3B3BC2FB}" sibTransId="{D43E3D86-2647-4289-BA37-8BEB14CB4F06}"/>
     <dgm:cxn modelId="{FD4C7090-E939-4514-85AE-3A1160522F5E}" srcId="{B02FAD5E-7DCF-4382-B82D-EA1202CA4008}" destId="{F8EB602D-32DD-401F-87F6-30A724891281}" srcOrd="0" destOrd="0" parTransId="{251AD511-40C9-4FD1-A6BC-7A672701D88E}" sibTransId="{4597E3EC-C439-4736-A564-5EE12350AC6B}"/>
-    <dgm:cxn modelId="{26D6AA46-4658-42F5-9272-9474428996E7}" type="presOf" srcId="{04910821-469B-4C2A-8A99-2CB188B2AFEA}" destId="{310B62E1-A6E3-4BA5-A387-A18CEE005F73}" srcOrd="0" destOrd="0" presId="urn:microsoft.com/office/officeart/2005/8/layout/vList5"/>
-    <dgm:cxn modelId="{EDA9BE27-2ED6-4189-AF95-F7218E180684}" srcId="{B02FAD5E-7DCF-4382-B82D-EA1202CA4008}" destId="{440B7219-26B9-4F58-BA23-F5CEC713F213}" srcOrd="2" destOrd="0" parTransId="{5469D6DB-87D4-4A31-A784-572A3B3BC2FB}" sibTransId="{D43E3D86-2647-4289-BA37-8BEB14CB4F06}"/>
+    <dgm:cxn modelId="{2B152090-28D6-402D-9F79-C38AA6958281}" type="presOf" srcId="{A34A8185-509B-40CF-A802-8834F7A8F655}" destId="{F1F6B744-2AC4-4ECE-8B41-3E8EC7938F27}" srcOrd="0" destOrd="0" presId="urn:microsoft.com/office/officeart/2005/8/layout/vList5"/>
     <dgm:cxn modelId="{7411E9B9-A7B7-44E4-9CB7-5B28DB2AD12E}" type="presParOf" srcId="{B0C93FC2-E9BC-4DCA-9E0E-F6EC7D4E188D}" destId="{5439EA84-F1A8-4E15-B056-36FB953C1ED1}" srcOrd="0" destOrd="0" presId="urn:microsoft.com/office/officeart/2005/8/layout/vList5"/>
     <dgm:cxn modelId="{A75F3DF5-F691-4FA1-9B1D-B1F135CFC061}" type="presParOf" srcId="{5439EA84-F1A8-4E15-B056-36FB953C1ED1}" destId="{6552CB70-428D-477D-9F79-F53F633EE051}" srcOrd="0" destOrd="0" presId="urn:microsoft.com/office/officeart/2005/8/layout/vList5"/>
     <dgm:cxn modelId="{EE339C24-F21D-442B-A3B4-96898E326E1E}" type="presParOf" srcId="{5439EA84-F1A8-4E15-B056-36FB953C1ED1}" destId="{6B66F3B8-3F50-449F-A9ED-0A4528538A29}" srcOrd="1" destOrd="0" presId="urn:microsoft.com/office/officeart/2005/8/layout/vList5"/>
@@ -2333,7 +2345,7 @@
   <dgm:whole/>
   <dgm:extLst>
     <a:ext uri="http://schemas.microsoft.com/office/drawing/2008/diagram">
-      <dsp:dataModelExt xmlns:dsp="http://schemas.microsoft.com/office/drawing/2008/diagram" xmlns="" relId="rId6" minVer="http://schemas.openxmlformats.org/drawingml/2006/diagram"/>
+      <dsp:dataModelExt xmlns:dsp="http://schemas.microsoft.com/office/drawing/2008/diagram" relId="rId6" minVer="http://schemas.openxmlformats.org/drawingml/2006/diagram"/>
     </a:ext>
   </dgm:extLst>
 </dgm:dataModel>
@@ -2452,9 +2464,9 @@
     </dgm:pt>
   </dgm:ptLst>
   <dgm:cxnLst>
-    <dgm:cxn modelId="{4C436720-750E-467B-9C61-813E34949D51}" type="presOf" srcId="{875CA086-A607-4AD0-AA11-F0F85C6663EA}" destId="{BFA80150-1797-4D03-A50E-4C44E733B5BD}" srcOrd="0" destOrd="0" presId="urn:microsoft.com/office/officeart/2005/8/layout/hProcess3"/>
     <dgm:cxn modelId="{FDB48FD8-121E-43A0-B381-1CF2E2E0A3E7}" srcId="{875CA086-A607-4AD0-AA11-F0F85C6663EA}" destId="{55C4517F-3B9A-421F-A61D-0A865021721C}" srcOrd="0" destOrd="0" parTransId="{0B32B723-DEC5-4C93-BB7B-64C29BB40AF1}" sibTransId="{9DB68E88-29A5-4817-89B3-DF41236B138C}"/>
     <dgm:cxn modelId="{952BCAF6-019F-4577-BCD7-642F55F47C40}" type="presOf" srcId="{55C4517F-3B9A-421F-A61D-0A865021721C}" destId="{37F18A34-0174-4FEF-AFBA-9429550C7FE0}" srcOrd="0" destOrd="0" presId="urn:microsoft.com/office/officeart/2005/8/layout/hProcess3"/>
+    <dgm:cxn modelId="{4C436720-750E-467B-9C61-813E34949D51}" type="presOf" srcId="{875CA086-A607-4AD0-AA11-F0F85C6663EA}" destId="{BFA80150-1797-4D03-A50E-4C44E733B5BD}" srcOrd="0" destOrd="0" presId="urn:microsoft.com/office/officeart/2005/8/layout/hProcess3"/>
     <dgm:cxn modelId="{659A801D-572B-430B-B0AF-11BD4FA9DAED}" type="presParOf" srcId="{BFA80150-1797-4D03-A50E-4C44E733B5BD}" destId="{E01D59AF-AE43-4079-B0BB-57FBD5FB7327}" srcOrd="0" destOrd="0" presId="urn:microsoft.com/office/officeart/2005/8/layout/hProcess3"/>
     <dgm:cxn modelId="{8187A365-F0CB-4D8A-B122-2B5690D7A3A7}" type="presParOf" srcId="{BFA80150-1797-4D03-A50E-4C44E733B5BD}" destId="{BAD99425-29E8-4490-8353-8AD706762648}" srcOrd="1" destOrd="0" presId="urn:microsoft.com/office/officeart/2005/8/layout/hProcess3"/>
     <dgm:cxn modelId="{174DF6B4-1B08-4105-8043-6CB1B06E256B}" type="presParOf" srcId="{BAD99425-29E8-4490-8353-8AD706762648}" destId="{A676C3E5-09E6-4584-B455-379A3D28BEA6}" srcOrd="0" destOrd="0" presId="urn:microsoft.com/office/officeart/2005/8/layout/hProcess3"/>
@@ -2471,14 +2483,14 @@
   <dgm:whole/>
   <dgm:extLst>
     <a:ext uri="http://schemas.microsoft.com/office/drawing/2008/diagram">
-      <dsp:dataModelExt xmlns:dsp="http://schemas.microsoft.com/office/drawing/2008/diagram" xmlns="" relId="rId8" minVer="http://schemas.openxmlformats.org/drawingml/2006/diagram"/>
+      <dsp:dataModelExt xmlns:dsp="http://schemas.microsoft.com/office/drawing/2008/diagram" relId="rId8" minVer="http://schemas.openxmlformats.org/drawingml/2006/diagram"/>
     </a:ext>
   </dgm:extLst>
 </dgm:dataModel>
 </file>
 
 <file path=ppt/diagrams/drawing1.xml><?xml version="1.0" encoding="utf-8"?>
-<dsp:drawing xmlns:dgm="http://schemas.openxmlformats.org/drawingml/2006/diagram" xmlns:a="http://schemas.openxmlformats.org/drawingml/2006/main" xmlns:dsp="http://schemas.microsoft.com/office/drawing/2008/diagram">
+<dsp:drawing xmlns:dgm="http://schemas.openxmlformats.org/drawingml/2006/diagram" xmlns:dsp="http://schemas.microsoft.com/office/drawing/2008/diagram" xmlns:a="http://schemas.openxmlformats.org/drawingml/2006/main">
   <dsp:spTree>
     <dsp:nvGrpSpPr>
       <dsp:cNvPr id="0" name=""/>
@@ -2622,9 +2634,9 @@
           <a:endParaRPr lang="en-US" sz="1200" kern="1200" dirty="0"/>
         </a:p>
       </dsp:txBody>
-      <dsp:txXfrm rot="5400000">
-        <a:off x="6757771" y="-3169586"/>
-        <a:ext cx="1057592" cy="7684654"/>
+      <dsp:txXfrm rot="-5400000">
+        <a:off x="3444241" y="195571"/>
+        <a:ext cx="7633027" cy="954338"/>
       </dsp:txXfrm>
     </dsp:sp>
     <dsp:sp modelId="{6552CB70-428D-477D-9F79-F53F633EE051}">
@@ -2676,12 +2688,12 @@
         </a:fontRef>
       </dsp:style>
       <dsp:txBody>
-        <a:bodyPr spcFirstLastPara="0" vert="horz" wrap="square" lIns="118110" tIns="59055" rIns="118110" bIns="59055" numCol="1" spcCol="1270" anchor="ctr" anchorCtr="0">
+        <a:bodyPr spcFirstLastPara="0" vert="horz" wrap="square" lIns="91440" tIns="45720" rIns="91440" bIns="45720" numCol="1" spcCol="1270" anchor="ctr" anchorCtr="0">
           <a:noAutofit/>
         </a:bodyPr>
         <a:lstStyle/>
         <a:p>
-          <a:pPr lvl="0" algn="ctr" defTabSz="1377950">
+          <a:pPr lvl="0" algn="ctr" defTabSz="1066800">
             <a:lnSpc>
               <a:spcPct val="90000"/>
             </a:lnSpc>
@@ -2693,15 +2705,15 @@
             </a:spcAft>
           </a:pPr>
           <a:r>
-            <a:rPr lang="en-US" sz="3100" kern="1200" dirty="0" smtClean="0"/>
+            <a:rPr lang="en-US" sz="2400" kern="1200" dirty="0" smtClean="0"/>
             <a:t>Sub Problem One</a:t>
           </a:r>
-          <a:endParaRPr lang="en-US" sz="3100" kern="1200" dirty="0"/>
+          <a:endParaRPr lang="en-US" sz="2400" kern="1200" dirty="0"/>
         </a:p>
       </dsp:txBody>
       <dsp:txXfrm>
-        <a:off x="878377" y="951"/>
-        <a:ext cx="2565862" cy="1343578"/>
+        <a:off x="943965" y="66539"/>
+        <a:ext cx="2434686" cy="1212402"/>
       </dsp:txXfrm>
     </dsp:sp>
     <dsp:sp modelId="{F1F6B744-2AC4-4ECE-8B41-3E8EC7938F27}">
@@ -2825,9 +2837,9 @@
           <a:endParaRPr lang="en-US" sz="1200" kern="1200" dirty="0"/>
         </a:p>
       </dsp:txBody>
-      <dsp:txXfrm rot="5400000">
-        <a:off x="6757771" y="-1731818"/>
-        <a:ext cx="1057592" cy="7684654"/>
+      <dsp:txXfrm rot="-5400000">
+        <a:off x="3444241" y="1633339"/>
+        <a:ext cx="7633027" cy="954338"/>
       </dsp:txXfrm>
     </dsp:sp>
     <dsp:sp modelId="{6359AC6B-F447-453F-BA77-6A72A16943CD}">
@@ -2879,12 +2891,12 @@
         </a:fontRef>
       </dsp:style>
       <dsp:txBody>
-        <a:bodyPr spcFirstLastPara="0" vert="horz" wrap="square" lIns="118110" tIns="59055" rIns="118110" bIns="59055" numCol="1" spcCol="1270" anchor="ctr" anchorCtr="0">
+        <a:bodyPr spcFirstLastPara="0" vert="horz" wrap="square" lIns="91440" tIns="45720" rIns="91440" bIns="45720" numCol="1" spcCol="1270" anchor="ctr" anchorCtr="0">
           <a:noAutofit/>
         </a:bodyPr>
         <a:lstStyle/>
         <a:p>
-          <a:pPr lvl="0" algn="ctr" defTabSz="1377950">
+          <a:pPr lvl="0" algn="ctr" defTabSz="1066800">
             <a:lnSpc>
               <a:spcPct val="90000"/>
             </a:lnSpc>
@@ -2896,15 +2908,15 @@
             </a:spcAft>
           </a:pPr>
           <a:r>
-            <a:rPr lang="en-US" sz="3100" kern="1200" dirty="0" smtClean="0"/>
+            <a:rPr lang="en-US" sz="2400" kern="1200" dirty="0" smtClean="0"/>
             <a:t>Sub Problem Two</a:t>
           </a:r>
-          <a:endParaRPr lang="en-US" sz="3100" kern="1200" dirty="0"/>
+          <a:endParaRPr lang="en-US" sz="2400" kern="1200" dirty="0"/>
         </a:p>
       </dsp:txBody>
       <dsp:txXfrm>
-        <a:off x="878377" y="1438719"/>
-        <a:ext cx="2565862" cy="1343578"/>
+        <a:off x="943965" y="1504307"/>
+        <a:ext cx="2434686" cy="1212402"/>
       </dsp:txXfrm>
     </dsp:sp>
     <dsp:sp modelId="{310B62E1-A6E3-4BA5-A387-A18CEE005F73}">
@@ -3043,9 +3055,9 @@
           <a:endParaRPr lang="en-US" sz="1200" kern="1200" dirty="0"/>
         </a:p>
       </dsp:txBody>
-      <dsp:txXfrm rot="5400000">
-        <a:off x="6748521" y="-294050"/>
-        <a:ext cx="1057592" cy="7684654"/>
+      <dsp:txXfrm rot="-5400000">
+        <a:off x="3434991" y="3071107"/>
+        <a:ext cx="7633027" cy="954338"/>
       </dsp:txXfrm>
     </dsp:sp>
     <dsp:sp modelId="{CF0ED83B-A46B-4B44-9C69-22DECEFDEE5C}">
@@ -3097,12 +3109,12 @@
         </a:fontRef>
       </dsp:style>
       <dsp:txBody>
-        <a:bodyPr spcFirstLastPara="0" vert="horz" wrap="square" lIns="118110" tIns="59055" rIns="118110" bIns="59055" numCol="1" spcCol="1270" anchor="ctr" anchorCtr="0">
+        <a:bodyPr spcFirstLastPara="0" vert="horz" wrap="square" lIns="91440" tIns="45720" rIns="91440" bIns="45720" numCol="1" spcCol="1270" anchor="ctr" anchorCtr="0">
           <a:noAutofit/>
         </a:bodyPr>
         <a:lstStyle/>
         <a:p>
-          <a:pPr lvl="0" algn="ctr" defTabSz="1377950">
+          <a:pPr lvl="0" algn="ctr" defTabSz="1066800">
             <a:lnSpc>
               <a:spcPct val="90000"/>
             </a:lnSpc>
@@ -3114,15 +3126,15 @@
             </a:spcAft>
           </a:pPr>
           <a:r>
-            <a:rPr lang="en-US" sz="3100" kern="1200" dirty="0" smtClean="0"/>
+            <a:rPr lang="en-US" sz="2400" kern="1200" dirty="0" smtClean="0"/>
             <a:t>Sub Problem Three</a:t>
           </a:r>
-          <a:endParaRPr lang="en-US" sz="3100" kern="1200" dirty="0"/>
+          <a:endParaRPr lang="en-US" sz="2400" kern="1200" dirty="0"/>
         </a:p>
       </dsp:txBody>
       <dsp:txXfrm>
-        <a:off x="878377" y="2876487"/>
-        <a:ext cx="2565862" cy="1343578"/>
+        <a:off x="943965" y="2942075"/>
+        <a:ext cx="2434686" cy="1212402"/>
       </dsp:txXfrm>
     </dsp:sp>
   </dsp:spTree>
@@ -3130,7 +3142,7 @@
 </file>
 
 <file path=ppt/diagrams/drawing2.xml><?xml version="1.0" encoding="utf-8"?>
-<dsp:drawing xmlns:dgm="http://schemas.openxmlformats.org/drawingml/2006/diagram" xmlns:a="http://schemas.openxmlformats.org/drawingml/2006/main" xmlns:dsp="http://schemas.microsoft.com/office/drawing/2008/diagram">
+<dsp:drawing xmlns:dgm="http://schemas.openxmlformats.org/drawingml/2006/diagram" xmlns:dsp="http://schemas.microsoft.com/office/drawing/2008/diagram" xmlns:a="http://schemas.openxmlformats.org/drawingml/2006/main">
   <dsp:spTree>
     <dsp:nvGrpSpPr>
       <dsp:cNvPr id="0" name=""/>
@@ -6118,7 +6130,7 @@
     </p:spTree>
     <p:extLst>
       <p:ext uri="{BB962C8B-B14F-4D97-AF65-F5344CB8AC3E}">
-        <p14:creationId xmlns:p14="http://schemas.microsoft.com/office/powerpoint/2010/main" xmlns="" val="4177637650"/>
+        <p14:creationId xmlns:p14="http://schemas.microsoft.com/office/powerpoint/2010/main" val="4177637650"/>
       </p:ext>
     </p:extLst>
   </p:cSld>
@@ -6293,7 +6305,7 @@
     </p:spTree>
     <p:extLst>
       <p:ext uri="{BB962C8B-B14F-4D97-AF65-F5344CB8AC3E}">
-        <p14:creationId xmlns:p14="http://schemas.microsoft.com/office/powerpoint/2010/main" xmlns="" val="3918197074"/>
+        <p14:creationId xmlns:p14="http://schemas.microsoft.com/office/powerpoint/2010/main" val="3918197074"/>
       </p:ext>
     </p:extLst>
   </p:cSld>
@@ -6332,7 +6344,7 @@
           <a:blip r:embed="rId2">
             <a:extLst>
               <a:ext uri="{28A0092B-C50C-407E-A947-70E740481C1C}">
-                <a14:useLocalDpi xmlns:a14="http://schemas.microsoft.com/office/drawing/2010/main" xmlns="" val="0"/>
+                <a14:useLocalDpi xmlns:a14="http://schemas.microsoft.com/office/drawing/2010/main" val="0"/>
               </a:ext>
             </a:extLst>
           </a:blip>
@@ -6362,7 +6374,7 @@
           <a:blip r:embed="rId3">
             <a:extLst>
               <a:ext uri="{28A0092B-C50C-407E-A947-70E740481C1C}">
-                <a14:useLocalDpi xmlns:a14="http://schemas.microsoft.com/office/drawing/2010/main" xmlns="" val="0"/>
+                <a14:useLocalDpi xmlns:a14="http://schemas.microsoft.com/office/drawing/2010/main" val="0"/>
               </a:ext>
             </a:extLst>
           </a:blip>
@@ -6635,7 +6647,7 @@
     </p:spTree>
     <p:extLst>
       <p:ext uri="{BB962C8B-B14F-4D97-AF65-F5344CB8AC3E}">
-        <p14:creationId xmlns:p14="http://schemas.microsoft.com/office/powerpoint/2010/main" xmlns="" val="4279745460"/>
+        <p14:creationId xmlns:p14="http://schemas.microsoft.com/office/powerpoint/2010/main" val="4279745460"/>
       </p:ext>
     </p:extLst>
   </p:cSld>
@@ -6674,7 +6686,7 @@
           <a:blip r:embed="rId2">
             <a:extLst>
               <a:ext uri="{28A0092B-C50C-407E-A947-70E740481C1C}">
-                <a14:useLocalDpi xmlns:a14="http://schemas.microsoft.com/office/drawing/2010/main" xmlns="" val="0"/>
+                <a14:useLocalDpi xmlns:a14="http://schemas.microsoft.com/office/drawing/2010/main" val="0"/>
               </a:ext>
             </a:extLst>
           </a:blip>
@@ -6704,7 +6716,7 @@
           <a:blip r:embed="rId3">
             <a:extLst>
               <a:ext uri="{28A0092B-C50C-407E-A947-70E740481C1C}">
-                <a14:useLocalDpi xmlns:a14="http://schemas.microsoft.com/office/drawing/2010/main" xmlns="" val="0"/>
+                <a14:useLocalDpi xmlns:a14="http://schemas.microsoft.com/office/drawing/2010/main" val="0"/>
               </a:ext>
             </a:extLst>
           </a:blip>
@@ -7051,7 +7063,7 @@
     </p:spTree>
     <p:extLst>
       <p:ext uri="{BB962C8B-B14F-4D97-AF65-F5344CB8AC3E}">
-        <p14:creationId xmlns:p14="http://schemas.microsoft.com/office/powerpoint/2010/main" xmlns="" val="1365188427"/>
+        <p14:creationId xmlns:p14="http://schemas.microsoft.com/office/powerpoint/2010/main" val="1365188427"/>
       </p:ext>
     </p:extLst>
   </p:cSld>
@@ -7090,7 +7102,7 @@
           <a:blip r:embed="rId2">
             <a:extLst>
               <a:ext uri="{28A0092B-C50C-407E-A947-70E740481C1C}">
-                <a14:useLocalDpi xmlns:a14="http://schemas.microsoft.com/office/drawing/2010/main" xmlns="" val="0"/>
+                <a14:useLocalDpi xmlns:a14="http://schemas.microsoft.com/office/drawing/2010/main" val="0"/>
               </a:ext>
             </a:extLst>
           </a:blip>
@@ -7120,7 +7132,7 @@
           <a:blip r:embed="rId3">
             <a:extLst>
               <a:ext uri="{28A0092B-C50C-407E-A947-70E740481C1C}">
-                <a14:useLocalDpi xmlns:a14="http://schemas.microsoft.com/office/drawing/2010/main" xmlns="" val="0"/>
+                <a14:useLocalDpi xmlns:a14="http://schemas.microsoft.com/office/drawing/2010/main" val="0"/>
               </a:ext>
             </a:extLst>
           </a:blip>
@@ -7389,7 +7401,7 @@
     </p:spTree>
     <p:extLst>
       <p:ext uri="{BB962C8B-B14F-4D97-AF65-F5344CB8AC3E}">
-        <p14:creationId xmlns:p14="http://schemas.microsoft.com/office/powerpoint/2010/main" xmlns="" val="1802782155"/>
+        <p14:creationId xmlns:p14="http://schemas.microsoft.com/office/powerpoint/2010/main" val="1802782155"/>
       </p:ext>
     </p:extLst>
   </p:cSld>
@@ -7428,7 +7440,7 @@
           <a:blip r:embed="rId2">
             <a:extLst>
               <a:ext uri="{28A0092B-C50C-407E-A947-70E740481C1C}">
-                <a14:useLocalDpi xmlns:a14="http://schemas.microsoft.com/office/drawing/2010/main" xmlns="" val="0"/>
+                <a14:useLocalDpi xmlns:a14="http://schemas.microsoft.com/office/drawing/2010/main" val="0"/>
               </a:ext>
             </a:extLst>
           </a:blip>
@@ -7458,7 +7470,7 @@
           <a:blip r:embed="rId3">
             <a:extLst>
               <a:ext uri="{28A0092B-C50C-407E-A947-70E740481C1C}">
-                <a14:useLocalDpi xmlns:a14="http://schemas.microsoft.com/office/drawing/2010/main" xmlns="" val="0"/>
+                <a14:useLocalDpi xmlns:a14="http://schemas.microsoft.com/office/drawing/2010/main" val="0"/>
               </a:ext>
             </a:extLst>
           </a:blip>
@@ -8028,7 +8040,7 @@
     </p:spTree>
     <p:extLst>
       <p:ext uri="{BB962C8B-B14F-4D97-AF65-F5344CB8AC3E}">
-        <p14:creationId xmlns:p14="http://schemas.microsoft.com/office/powerpoint/2010/main" xmlns="" val="2632013106"/>
+        <p14:creationId xmlns:p14="http://schemas.microsoft.com/office/powerpoint/2010/main" val="2632013106"/>
       </p:ext>
     </p:extLst>
   </p:cSld>
@@ -8067,7 +8079,7 @@
           <a:blip r:embed="rId2">
             <a:extLst>
               <a:ext uri="{28A0092B-C50C-407E-A947-70E740481C1C}">
-                <a14:useLocalDpi xmlns:a14="http://schemas.microsoft.com/office/drawing/2010/main" xmlns="" val="0"/>
+                <a14:useLocalDpi xmlns:a14="http://schemas.microsoft.com/office/drawing/2010/main" val="0"/>
               </a:ext>
             </a:extLst>
           </a:blip>
@@ -8097,7 +8109,7 @@
           <a:blip r:embed="rId3">
             <a:extLst>
               <a:ext uri="{28A0092B-C50C-407E-A947-70E740481C1C}">
-                <a14:useLocalDpi xmlns:a14="http://schemas.microsoft.com/office/drawing/2010/main" xmlns="" val="0"/>
+                <a14:useLocalDpi xmlns:a14="http://schemas.microsoft.com/office/drawing/2010/main" val="0"/>
               </a:ext>
             </a:extLst>
           </a:blip>
@@ -8366,7 +8378,7 @@
     </p:spTree>
     <p:extLst>
       <p:ext uri="{BB962C8B-B14F-4D97-AF65-F5344CB8AC3E}">
-        <p14:creationId xmlns:p14="http://schemas.microsoft.com/office/powerpoint/2010/main" xmlns="" val="1270246781"/>
+        <p14:creationId xmlns:p14="http://schemas.microsoft.com/office/powerpoint/2010/main" val="1270246781"/>
       </p:ext>
     </p:extLst>
   </p:cSld>
@@ -8405,7 +8417,7 @@
           <a:blip r:embed="rId2">
             <a:extLst>
               <a:ext uri="{28A0092B-C50C-407E-A947-70E740481C1C}">
-                <a14:useLocalDpi xmlns:a14="http://schemas.microsoft.com/office/drawing/2010/main" xmlns="" val="0"/>
+                <a14:useLocalDpi xmlns:a14="http://schemas.microsoft.com/office/drawing/2010/main" val="0"/>
               </a:ext>
             </a:extLst>
           </a:blip>
@@ -8435,7 +8447,7 @@
           <a:blip r:embed="rId3">
             <a:extLst>
               <a:ext uri="{28A0092B-C50C-407E-A947-70E740481C1C}">
-                <a14:useLocalDpi xmlns:a14="http://schemas.microsoft.com/office/drawing/2010/main" xmlns="" val="0"/>
+                <a14:useLocalDpi xmlns:a14="http://schemas.microsoft.com/office/drawing/2010/main" val="0"/>
               </a:ext>
             </a:extLst>
           </a:blip>
@@ -9044,7 +9056,7 @@
     </p:spTree>
     <p:extLst>
       <p:ext uri="{BB962C8B-B14F-4D97-AF65-F5344CB8AC3E}">
-        <p14:creationId xmlns:p14="http://schemas.microsoft.com/office/powerpoint/2010/main" xmlns="" val="1034984238"/>
+        <p14:creationId xmlns:p14="http://schemas.microsoft.com/office/powerpoint/2010/main" val="1034984238"/>
       </p:ext>
     </p:extLst>
   </p:cSld>
@@ -9083,7 +9095,7 @@
           <a:blip r:embed="rId2">
             <a:extLst>
               <a:ext uri="{28A0092B-C50C-407E-A947-70E740481C1C}">
-                <a14:useLocalDpi xmlns:a14="http://schemas.microsoft.com/office/drawing/2010/main" xmlns="" val="0"/>
+                <a14:useLocalDpi xmlns:a14="http://schemas.microsoft.com/office/drawing/2010/main" val="0"/>
               </a:ext>
             </a:extLst>
           </a:blip>
@@ -9113,7 +9125,7 @@
           <a:blip r:embed="rId3">
             <a:extLst>
               <a:ext uri="{28A0092B-C50C-407E-A947-70E740481C1C}">
-                <a14:useLocalDpi xmlns:a14="http://schemas.microsoft.com/office/drawing/2010/main" xmlns="" val="0"/>
+                <a14:useLocalDpi xmlns:a14="http://schemas.microsoft.com/office/drawing/2010/main" val="0"/>
               </a:ext>
             </a:extLst>
           </a:blip>
@@ -9959,7 +9971,7 @@
     </p:spTree>
     <p:extLst>
       <p:ext uri="{BB962C8B-B14F-4D97-AF65-F5344CB8AC3E}">
-        <p14:creationId xmlns:p14="http://schemas.microsoft.com/office/powerpoint/2010/main" xmlns="" val="3073365457"/>
+        <p14:creationId xmlns:p14="http://schemas.microsoft.com/office/powerpoint/2010/main" val="3073365457"/>
       </p:ext>
     </p:extLst>
   </p:cSld>
@@ -9998,7 +10010,7 @@
           <a:blip r:embed="rId2">
             <a:extLst>
               <a:ext uri="{28A0092B-C50C-407E-A947-70E740481C1C}">
-                <a14:useLocalDpi xmlns:a14="http://schemas.microsoft.com/office/drawing/2010/main" xmlns="" val="0"/>
+                <a14:useLocalDpi xmlns:a14="http://schemas.microsoft.com/office/drawing/2010/main" val="0"/>
               </a:ext>
             </a:extLst>
           </a:blip>
@@ -10028,7 +10040,7 @@
           <a:blip r:embed="rId3">
             <a:extLst>
               <a:ext uri="{28A0092B-C50C-407E-A947-70E740481C1C}">
-                <a14:useLocalDpi xmlns:a14="http://schemas.microsoft.com/office/drawing/2010/main" xmlns="" val="0"/>
+                <a14:useLocalDpi xmlns:a14="http://schemas.microsoft.com/office/drawing/2010/main" val="0"/>
               </a:ext>
             </a:extLst>
           </a:blip>
@@ -10274,7 +10286,7 @@
     </p:spTree>
     <p:extLst>
       <p:ext uri="{BB962C8B-B14F-4D97-AF65-F5344CB8AC3E}">
-        <p14:creationId xmlns:p14="http://schemas.microsoft.com/office/powerpoint/2010/main" xmlns="" val="2463211408"/>
+        <p14:creationId xmlns:p14="http://schemas.microsoft.com/office/powerpoint/2010/main" val="2463211408"/>
       </p:ext>
     </p:extLst>
   </p:cSld>
@@ -10554,7 +10566,7 @@
     </p:spTree>
     <p:extLst>
       <p:ext uri="{BB962C8B-B14F-4D97-AF65-F5344CB8AC3E}">
-        <p14:creationId xmlns:p14="http://schemas.microsoft.com/office/powerpoint/2010/main" xmlns="" val="3652044440"/>
+        <p14:creationId xmlns:p14="http://schemas.microsoft.com/office/powerpoint/2010/main" val="3652044440"/>
       </p:ext>
     </p:extLst>
   </p:cSld>
@@ -10593,7 +10605,7 @@
           <a:blip r:embed="rId2">
             <a:extLst>
               <a:ext uri="{28A0092B-C50C-407E-A947-70E740481C1C}">
-                <a14:useLocalDpi xmlns:a14="http://schemas.microsoft.com/office/drawing/2010/main" xmlns="" val="0"/>
+                <a14:useLocalDpi xmlns:a14="http://schemas.microsoft.com/office/drawing/2010/main" val="0"/>
               </a:ext>
             </a:extLst>
           </a:blip>
@@ -10623,7 +10635,7 @@
           <a:blip r:embed="rId3">
             <a:extLst>
               <a:ext uri="{28A0092B-C50C-407E-A947-70E740481C1C}">
-                <a14:useLocalDpi xmlns:a14="http://schemas.microsoft.com/office/drawing/2010/main" xmlns="" val="0"/>
+                <a14:useLocalDpi xmlns:a14="http://schemas.microsoft.com/office/drawing/2010/main" val="0"/>
               </a:ext>
             </a:extLst>
           </a:blip>
@@ -10865,7 +10877,7 @@
     </p:spTree>
     <p:extLst>
       <p:ext uri="{BB962C8B-B14F-4D97-AF65-F5344CB8AC3E}">
-        <p14:creationId xmlns:p14="http://schemas.microsoft.com/office/powerpoint/2010/main" xmlns="" val="3600362395"/>
+        <p14:creationId xmlns:p14="http://schemas.microsoft.com/office/powerpoint/2010/main" val="3600362395"/>
       </p:ext>
     </p:extLst>
   </p:cSld>
@@ -10904,7 +10916,7 @@
           <a:blip r:embed="rId2">
             <a:extLst>
               <a:ext uri="{28A0092B-C50C-407E-A947-70E740481C1C}">
-                <a14:useLocalDpi xmlns:a14="http://schemas.microsoft.com/office/drawing/2010/main" xmlns="" val="0"/>
+                <a14:useLocalDpi xmlns:a14="http://schemas.microsoft.com/office/drawing/2010/main" val="0"/>
               </a:ext>
             </a:extLst>
           </a:blip>
@@ -10934,7 +10946,7 @@
           <a:blip r:embed="rId3">
             <a:extLst>
               <a:ext uri="{28A0092B-C50C-407E-A947-70E740481C1C}">
-                <a14:useLocalDpi xmlns:a14="http://schemas.microsoft.com/office/drawing/2010/main" xmlns="" val="0"/>
+                <a14:useLocalDpi xmlns:a14="http://schemas.microsoft.com/office/drawing/2010/main" val="0"/>
               </a:ext>
             </a:extLst>
           </a:blip>
@@ -11261,7 +11273,7 @@
     </p:spTree>
     <p:extLst>
       <p:ext uri="{BB962C8B-B14F-4D97-AF65-F5344CB8AC3E}">
-        <p14:creationId xmlns:p14="http://schemas.microsoft.com/office/powerpoint/2010/main" xmlns="" val="296294326"/>
+        <p14:creationId xmlns:p14="http://schemas.microsoft.com/office/powerpoint/2010/main" val="296294326"/>
       </p:ext>
     </p:extLst>
   </p:cSld>
@@ -11300,7 +11312,7 @@
           <a:blip r:embed="rId2">
             <a:extLst>
               <a:ext uri="{28A0092B-C50C-407E-A947-70E740481C1C}">
-                <a14:useLocalDpi xmlns:a14="http://schemas.microsoft.com/office/drawing/2010/main" xmlns="" val="0"/>
+                <a14:useLocalDpi xmlns:a14="http://schemas.microsoft.com/office/drawing/2010/main" val="0"/>
               </a:ext>
             </a:extLst>
           </a:blip>
@@ -11330,7 +11342,7 @@
           <a:blip r:embed="rId3">
             <a:extLst>
               <a:ext uri="{28A0092B-C50C-407E-A947-70E740481C1C}">
-                <a14:useLocalDpi xmlns:a14="http://schemas.microsoft.com/office/drawing/2010/main" xmlns="" val="0"/>
+                <a14:useLocalDpi xmlns:a14="http://schemas.microsoft.com/office/drawing/2010/main" val="0"/>
               </a:ext>
             </a:extLst>
           </a:blip>
@@ -11634,7 +11646,7 @@
     </p:spTree>
     <p:extLst>
       <p:ext uri="{BB962C8B-B14F-4D97-AF65-F5344CB8AC3E}">
-        <p14:creationId xmlns:p14="http://schemas.microsoft.com/office/powerpoint/2010/main" xmlns="" val="985643105"/>
+        <p14:creationId xmlns:p14="http://schemas.microsoft.com/office/powerpoint/2010/main" val="985643105"/>
       </p:ext>
     </p:extLst>
   </p:cSld>
@@ -11673,7 +11685,7 @@
           <a:blip r:embed="rId2">
             <a:extLst>
               <a:ext uri="{28A0092B-C50C-407E-A947-70E740481C1C}">
-                <a14:useLocalDpi xmlns:a14="http://schemas.microsoft.com/office/drawing/2010/main" xmlns="" val="0"/>
+                <a14:useLocalDpi xmlns:a14="http://schemas.microsoft.com/office/drawing/2010/main" val="0"/>
               </a:ext>
             </a:extLst>
           </a:blip>
@@ -11703,7 +11715,7 @@
           <a:blip r:embed="rId3">
             <a:extLst>
               <a:ext uri="{28A0092B-C50C-407E-A947-70E740481C1C}">
-                <a14:useLocalDpi xmlns:a14="http://schemas.microsoft.com/office/drawing/2010/main" xmlns="" val="0"/>
+                <a14:useLocalDpi xmlns:a14="http://schemas.microsoft.com/office/drawing/2010/main" val="0"/>
               </a:ext>
             </a:extLst>
           </a:blip>
@@ -12142,7 +12154,7 @@
     </p:spTree>
     <p:extLst>
       <p:ext uri="{BB962C8B-B14F-4D97-AF65-F5344CB8AC3E}">
-        <p14:creationId xmlns:p14="http://schemas.microsoft.com/office/powerpoint/2010/main" xmlns="" val="1842823829"/>
+        <p14:creationId xmlns:p14="http://schemas.microsoft.com/office/powerpoint/2010/main" val="1842823829"/>
       </p:ext>
     </p:extLst>
   </p:cSld>
@@ -12181,7 +12193,7 @@
           <a:blip r:embed="rId2">
             <a:extLst>
               <a:ext uri="{28A0092B-C50C-407E-A947-70E740481C1C}">
-                <a14:useLocalDpi xmlns:a14="http://schemas.microsoft.com/office/drawing/2010/main" xmlns="" val="0"/>
+                <a14:useLocalDpi xmlns:a14="http://schemas.microsoft.com/office/drawing/2010/main" val="0"/>
               </a:ext>
             </a:extLst>
           </a:blip>
@@ -12211,7 +12223,7 @@
           <a:blip r:embed="rId3">
             <a:extLst>
               <a:ext uri="{28A0092B-C50C-407E-A947-70E740481C1C}">
-                <a14:useLocalDpi xmlns:a14="http://schemas.microsoft.com/office/drawing/2010/main" xmlns="" val="0"/>
+                <a14:useLocalDpi xmlns:a14="http://schemas.microsoft.com/office/drawing/2010/main" val="0"/>
               </a:ext>
             </a:extLst>
           </a:blip>
@@ -12401,7 +12413,7 @@
     </p:spTree>
     <p:extLst>
       <p:ext uri="{BB962C8B-B14F-4D97-AF65-F5344CB8AC3E}">
-        <p14:creationId xmlns:p14="http://schemas.microsoft.com/office/powerpoint/2010/main" xmlns="" val="3361219684"/>
+        <p14:creationId xmlns:p14="http://schemas.microsoft.com/office/powerpoint/2010/main" val="3361219684"/>
       </p:ext>
     </p:extLst>
   </p:cSld>
@@ -12440,7 +12452,7 @@
           <a:blip r:embed="rId2">
             <a:extLst>
               <a:ext uri="{28A0092B-C50C-407E-A947-70E740481C1C}">
-                <a14:useLocalDpi xmlns:a14="http://schemas.microsoft.com/office/drawing/2010/main" xmlns="" val="0"/>
+                <a14:useLocalDpi xmlns:a14="http://schemas.microsoft.com/office/drawing/2010/main" val="0"/>
               </a:ext>
             </a:extLst>
           </a:blip>
@@ -12566,7 +12578,7 @@
     </p:spTree>
     <p:extLst>
       <p:ext uri="{BB962C8B-B14F-4D97-AF65-F5344CB8AC3E}">
-        <p14:creationId xmlns:p14="http://schemas.microsoft.com/office/powerpoint/2010/main" xmlns="" val="1029353674"/>
+        <p14:creationId xmlns:p14="http://schemas.microsoft.com/office/powerpoint/2010/main" val="1029353674"/>
       </p:ext>
     </p:extLst>
   </p:cSld>
@@ -12605,7 +12617,7 @@
           <a:blip r:embed="rId2">
             <a:extLst>
               <a:ext uri="{28A0092B-C50C-407E-A947-70E740481C1C}">
-                <a14:useLocalDpi xmlns:a14="http://schemas.microsoft.com/office/drawing/2010/main" xmlns="" val="0"/>
+                <a14:useLocalDpi xmlns:a14="http://schemas.microsoft.com/office/drawing/2010/main" val="0"/>
               </a:ext>
             </a:extLst>
           </a:blip>
@@ -12635,7 +12647,7 @@
           <a:blip r:embed="rId3">
             <a:extLst>
               <a:ext uri="{28A0092B-C50C-407E-A947-70E740481C1C}">
-                <a14:useLocalDpi xmlns:a14="http://schemas.microsoft.com/office/drawing/2010/main" xmlns="" val="0"/>
+                <a14:useLocalDpi xmlns:a14="http://schemas.microsoft.com/office/drawing/2010/main" val="0"/>
               </a:ext>
             </a:extLst>
           </a:blip>
@@ -12958,7 +12970,7 @@
     </p:spTree>
     <p:extLst>
       <p:ext uri="{BB962C8B-B14F-4D97-AF65-F5344CB8AC3E}">
-        <p14:creationId xmlns:p14="http://schemas.microsoft.com/office/powerpoint/2010/main" xmlns="" val="3441022955"/>
+        <p14:creationId xmlns:p14="http://schemas.microsoft.com/office/powerpoint/2010/main" val="3441022955"/>
       </p:ext>
     </p:extLst>
   </p:cSld>
@@ -12997,7 +13009,7 @@
           <a:blip r:embed="rId2">
             <a:extLst>
               <a:ext uri="{28A0092B-C50C-407E-A947-70E740481C1C}">
-                <a14:useLocalDpi xmlns:a14="http://schemas.microsoft.com/office/drawing/2010/main" xmlns="" val="0"/>
+                <a14:useLocalDpi xmlns:a14="http://schemas.microsoft.com/office/drawing/2010/main" val="0"/>
               </a:ext>
             </a:extLst>
           </a:blip>
@@ -13027,7 +13039,7 @@
           <a:blip r:embed="rId3">
             <a:extLst>
               <a:ext uri="{28A0092B-C50C-407E-A947-70E740481C1C}">
-                <a14:useLocalDpi xmlns:a14="http://schemas.microsoft.com/office/drawing/2010/main" xmlns="" val="0"/>
+                <a14:useLocalDpi xmlns:a14="http://schemas.microsoft.com/office/drawing/2010/main" val="0"/>
               </a:ext>
             </a:extLst>
           </a:blip>
@@ -13369,7 +13381,7 @@
     </p:spTree>
     <p:extLst>
       <p:ext uri="{BB962C8B-B14F-4D97-AF65-F5344CB8AC3E}">
-        <p14:creationId xmlns:p14="http://schemas.microsoft.com/office/powerpoint/2010/main" xmlns="" val="84176941"/>
+        <p14:creationId xmlns:p14="http://schemas.microsoft.com/office/powerpoint/2010/main" val="84176941"/>
       </p:ext>
     </p:extLst>
   </p:cSld>
@@ -13414,7 +13426,7 @@
             <a:alphaModFix amt="10000"/>
             <a:extLst>
               <a:ext uri="{28A0092B-C50C-407E-A947-70E740481C1C}">
-                <a14:useLocalDpi xmlns:a14="http://schemas.microsoft.com/office/drawing/2010/main" xmlns="" val="0"/>
+                <a14:useLocalDpi xmlns:a14="http://schemas.microsoft.com/office/drawing/2010/main" val="0"/>
               </a:ext>
             </a:extLst>
           </a:blip>
@@ -13651,7 +13663,7 @@
     </p:spTree>
     <p:extLst>
       <p:ext uri="{BB962C8B-B14F-4D97-AF65-F5344CB8AC3E}">
-        <p14:creationId xmlns:p14="http://schemas.microsoft.com/office/powerpoint/2010/main" xmlns="" val="3973047683"/>
+        <p14:creationId xmlns:p14="http://schemas.microsoft.com/office/powerpoint/2010/main" val="3973047683"/>
       </p:ext>
     </p:extLst>
   </p:cSld>
@@ -14276,7 +14288,7 @@
     </p:spTree>
     <p:extLst>
       <p:ext uri="{BB962C8B-B14F-4D97-AF65-F5344CB8AC3E}">
-        <p14:creationId xmlns:p14="http://schemas.microsoft.com/office/powerpoint/2010/main" xmlns="" val="1500833825"/>
+        <p14:creationId xmlns:p14="http://schemas.microsoft.com/office/powerpoint/2010/main" val="1500833825"/>
       </p:ext>
     </p:extLst>
   </p:cSld>
@@ -14365,8 +14377,13 @@
           <a:p>
             <a:r>
               <a:rPr lang="fr-FR" dirty="0"/>
-              <a:t>A Tweet Sentiment Analyzer (Simple classification)</a:t>
-            </a:r>
+              <a:t>A Tweet Sentiment Analyzer (Simple classification</a:t>
+            </a:r>
+            <a:r>
+              <a:rPr lang="fr-FR" dirty="0" smtClean="0"/>
+              <a:t>)[5]</a:t>
+            </a:r>
+            <a:endParaRPr lang="fr-FR" dirty="0"/>
           </a:p>
           <a:p>
             <a:endParaRPr lang="en-US" dirty="0"/>
@@ -14472,7 +14489,7 @@
     </p:spTree>
     <p:extLst>
       <p:ext uri="{BB962C8B-B14F-4D97-AF65-F5344CB8AC3E}">
-        <p14:creationId xmlns:p14="http://schemas.microsoft.com/office/powerpoint/2010/main" xmlns="" val="509569423"/>
+        <p14:creationId xmlns:p14="http://schemas.microsoft.com/office/powerpoint/2010/main" val="509569423"/>
       </p:ext>
     </p:extLst>
   </p:cSld>
@@ -14640,7 +14657,7 @@
     </p:spTree>
     <p:extLst>
       <p:ext uri="{BB962C8B-B14F-4D97-AF65-F5344CB8AC3E}">
-        <p14:creationId xmlns:p14="http://schemas.microsoft.com/office/powerpoint/2010/main" xmlns="" val="2940507242"/>
+        <p14:creationId xmlns:p14="http://schemas.microsoft.com/office/powerpoint/2010/main" val="2940507242"/>
       </p:ext>
     </p:extLst>
   </p:cSld>
@@ -14936,7 +14953,7 @@
     </p:spTree>
     <p:extLst>
       <p:ext uri="{BB962C8B-B14F-4D97-AF65-F5344CB8AC3E}">
-        <p14:creationId xmlns:p14="http://schemas.microsoft.com/office/powerpoint/2010/main" xmlns="" val="3283619495"/>
+        <p14:creationId xmlns:p14="http://schemas.microsoft.com/office/powerpoint/2010/main" val="3283619495"/>
       </p:ext>
     </p:extLst>
   </p:cSld>
@@ -15024,67 +15041,31 @@
           <a:p>
             <a:r>
               <a:rPr lang="en-US" dirty="0" smtClean="0"/>
-              <a:t>Training data size : </a:t>
-            </a:r>
+              <a:t>Training data size : 1658</a:t>
+            </a:r>
+          </a:p>
+          <a:p>
             <a:r>
               <a:rPr lang="en-US" dirty="0" smtClean="0"/>
-              <a:t>1658</a:t>
+              <a:t>Testing data size : 711</a:t>
             </a:r>
           </a:p>
           <a:p>
             <a:r>
               <a:rPr lang="en-US" dirty="0" smtClean="0"/>
-              <a:t>Testing </a:t>
-            </a:r>
+              <a:t>False Positive : 167</a:t>
+            </a:r>
+          </a:p>
+          <a:p>
             <a:r>
               <a:rPr lang="en-US" dirty="0" smtClean="0"/>
-              <a:t>data size : </a:t>
-            </a:r>
+              <a:t>True Negative : 544</a:t>
+            </a:r>
+          </a:p>
+          <a:p>
             <a:r>
               <a:rPr lang="en-US" dirty="0" smtClean="0"/>
-              <a:t>711</a:t>
-            </a:r>
-          </a:p>
-          <a:p>
-            <a:r>
-              <a:rPr lang="en-US" dirty="0" smtClean="0"/>
-              <a:t>False </a:t>
-            </a:r>
-            <a:r>
-              <a:rPr lang="en-US" dirty="0" smtClean="0"/>
-              <a:t>Positive : </a:t>
-            </a:r>
-            <a:r>
-              <a:rPr lang="en-US" dirty="0" smtClean="0"/>
-              <a:t>167</a:t>
-            </a:r>
-          </a:p>
-          <a:p>
-            <a:r>
-              <a:rPr lang="en-US" dirty="0" smtClean="0"/>
-              <a:t>True </a:t>
-            </a:r>
-            <a:r>
-              <a:rPr lang="en-US" dirty="0" smtClean="0"/>
-              <a:t>Negative : </a:t>
-            </a:r>
-            <a:r>
-              <a:rPr lang="en-US" dirty="0" smtClean="0"/>
-              <a:t>544</a:t>
-            </a:r>
-          </a:p>
-          <a:p>
-            <a:r>
-              <a:rPr lang="en-US" dirty="0" smtClean="0"/>
-              <a:t>Accuracy </a:t>
-            </a:r>
-            <a:r>
-              <a:rPr lang="en-US" dirty="0" smtClean="0"/>
-              <a:t>: </a:t>
-            </a:r>
-            <a:r>
-              <a:rPr lang="en-US" dirty="0" smtClean="0"/>
-              <a:t>0.76511955</a:t>
+              <a:t>Accuracy : 0.76511955</a:t>
             </a:r>
           </a:p>
           <a:p>
@@ -15146,7 +15127,7 @@
     </p:spTree>
     <p:extLst>
       <p:ext uri="{BB962C8B-B14F-4D97-AF65-F5344CB8AC3E}">
-        <p14:creationId xmlns:p14="http://schemas.microsoft.com/office/powerpoint/2010/main" xmlns="" val="1786026597"/>
+        <p14:creationId xmlns:p14="http://schemas.microsoft.com/office/powerpoint/2010/main" val="1786026597"/>
       </p:ext>
     </p:extLst>
   </p:cSld>
@@ -15229,7 +15210,7 @@
         </p:blipFill>
         <p:spPr>
           <a:xfrm>
-            <a:off x="2325401" y="2599377"/>
+            <a:off x="2749980" y="2542227"/>
             <a:ext cx="5474542" cy="3291583"/>
           </a:xfrm>
         </p:spPr>
@@ -15263,6 +15244,13 @@
   <p:clrMapOvr>
     <a:masterClrMapping/>
   </p:clrMapOvr>
+  <p:timing>
+    <p:tnLst>
+      <p:par>
+        <p:cTn id="1" dur="indefinite" restart="never" nodeType="tmRoot"/>
+      </p:par>
+    </p:tnLst>
+  </p:timing>
 </p:sld>
 </file>
 
@@ -15320,7 +15308,7 @@
           <a:blip r:embed="rId2">
             <a:extLst>
               <a:ext uri="{28A0092B-C50C-407E-A947-70E740481C1C}">
-                <a14:useLocalDpi xmlns:a14="http://schemas.microsoft.com/office/drawing/2010/main" xmlns="" val="0"/>
+                <a14:useLocalDpi xmlns:a14="http://schemas.microsoft.com/office/drawing/2010/main" val="0"/>
               </a:ext>
             </a:extLst>
           </a:blip>
@@ -15569,7 +15557,7 @@
     </p:spTree>
     <p:extLst>
       <p:ext uri="{BB962C8B-B14F-4D97-AF65-F5344CB8AC3E}">
-        <p14:creationId xmlns:p14="http://schemas.microsoft.com/office/powerpoint/2010/main" xmlns="" val="2258922808"/>
+        <p14:creationId xmlns:p14="http://schemas.microsoft.com/office/powerpoint/2010/main" val="2258922808"/>
       </p:ext>
     </p:extLst>
   </p:cSld>
@@ -15639,7 +15627,7 @@
           <a:blip r:embed="rId2">
             <a:extLst>
               <a:ext uri="{28A0092B-C50C-407E-A947-70E740481C1C}">
-                <a14:useLocalDpi xmlns:a14="http://schemas.microsoft.com/office/drawing/2010/main" xmlns="" val="0"/>
+                <a14:useLocalDpi xmlns:a14="http://schemas.microsoft.com/office/drawing/2010/main" val="0"/>
               </a:ext>
             </a:extLst>
           </a:blip>
@@ -15690,7 +15678,7 @@
           <a:blip r:embed="rId3">
             <a:extLst>
               <a:ext uri="{28A0092B-C50C-407E-A947-70E740481C1C}">
-                <a14:useLocalDpi xmlns:a14="http://schemas.microsoft.com/office/drawing/2010/main" xmlns="" val="0"/>
+                <a14:useLocalDpi xmlns:a14="http://schemas.microsoft.com/office/drawing/2010/main" val="0"/>
               </a:ext>
             </a:extLst>
           </a:blip>
@@ -16141,7 +16129,7 @@
     </p:spTree>
     <p:extLst>
       <p:ext uri="{BB962C8B-B14F-4D97-AF65-F5344CB8AC3E}">
-        <p14:creationId xmlns:p14="http://schemas.microsoft.com/office/powerpoint/2010/main" xmlns="" val="2413282483"/>
+        <p14:creationId xmlns:p14="http://schemas.microsoft.com/office/powerpoint/2010/main" val="2413282483"/>
       </p:ext>
     </p:extLst>
   </p:cSld>
@@ -16211,7 +16199,7 @@
           <a:blip r:embed="rId2">
             <a:extLst>
               <a:ext uri="{28A0092B-C50C-407E-A947-70E740481C1C}">
-                <a14:useLocalDpi xmlns:a14="http://schemas.microsoft.com/office/drawing/2010/main" xmlns="" val="0"/>
+                <a14:useLocalDpi xmlns:a14="http://schemas.microsoft.com/office/drawing/2010/main" val="0"/>
               </a:ext>
             </a:extLst>
           </a:blip>
@@ -16262,7 +16250,7 @@
           <a:blip r:embed="rId3">
             <a:extLst>
               <a:ext uri="{28A0092B-C50C-407E-A947-70E740481C1C}">
-                <a14:useLocalDpi xmlns:a14="http://schemas.microsoft.com/office/drawing/2010/main" xmlns="" val="0"/>
+                <a14:useLocalDpi xmlns:a14="http://schemas.microsoft.com/office/drawing/2010/main" val="0"/>
               </a:ext>
             </a:extLst>
           </a:blip>
@@ -16713,7 +16701,7 @@
     </p:spTree>
     <p:extLst>
       <p:ext uri="{BB962C8B-B14F-4D97-AF65-F5344CB8AC3E}">
-        <p14:creationId xmlns:p14="http://schemas.microsoft.com/office/powerpoint/2010/main" xmlns="" val="4043714280"/>
+        <p14:creationId xmlns:p14="http://schemas.microsoft.com/office/powerpoint/2010/main" val="4043714280"/>
       </p:ext>
     </p:extLst>
   </p:cSld>
@@ -16828,7 +16816,7 @@
     </p:spTree>
     <p:extLst>
       <p:ext uri="{BB962C8B-B14F-4D97-AF65-F5344CB8AC3E}">
-        <p14:creationId xmlns:p14="http://schemas.microsoft.com/office/powerpoint/2010/main" xmlns="" val="3030440218"/>
+        <p14:creationId xmlns:p14="http://schemas.microsoft.com/office/powerpoint/2010/main" val="3030440218"/>
       </p:ext>
     </p:extLst>
   </p:cSld>
@@ -16960,9 +16948,42 @@
               <a:buAutoNum type="arabicPeriod"/>
             </a:pPr>
             <a:r>
-              <a:rPr lang="en-US" dirty="0"/>
-              <a:t>http://www.statsoft.com/textbook/naive-bayes-classifier</a:t>
-            </a:r>
+              <a:rPr lang="en-US" dirty="0">
+                <a:hlinkClick r:id="rId4"/>
+              </a:rPr>
+              <a:t>http://</a:t>
+            </a:r>
+            <a:r>
+              <a:rPr lang="en-US" dirty="0" smtClean="0">
+                <a:hlinkClick r:id="rId4"/>
+              </a:rPr>
+              <a:t>www.statsoft.com/textbook/naive-bayes-classifier</a:t>
+            </a:r>
+            <a:endParaRPr lang="en-US" dirty="0" smtClean="0"/>
+          </a:p>
+          <a:p>
+            <a:pPr marL="457200" indent="-457200">
+              <a:buAutoNum type="arabicPeriod"/>
+            </a:pPr>
+            <a:r>
+              <a:rPr lang="en-US" dirty="0">
+                <a:hlinkClick r:id="rId5"/>
+              </a:rPr>
+              <a:t>http://stevenloria.com/how-to-build-a-text-classification-system-with-python-and-textblob</a:t>
+            </a:r>
+            <a:r>
+              <a:rPr lang="en-US" dirty="0" smtClean="0">
+                <a:hlinkClick r:id="rId5"/>
+              </a:rPr>
+              <a:t>/</a:t>
+            </a:r>
+            <a:endParaRPr lang="en-US" dirty="0" smtClean="0"/>
+          </a:p>
+          <a:p>
+            <a:pPr marL="0" indent="0">
+              <a:buNone/>
+            </a:pPr>
+            <a:endParaRPr lang="en-US" dirty="0"/>
           </a:p>
         </p:txBody>
       </p:sp>
@@ -16993,7 +17014,7 @@
     </p:spTree>
     <p:extLst>
       <p:ext uri="{BB962C8B-B14F-4D97-AF65-F5344CB8AC3E}">
-        <p14:creationId xmlns:p14="http://schemas.microsoft.com/office/powerpoint/2010/main" xmlns="" val="3013565489"/>
+        <p14:creationId xmlns:p14="http://schemas.microsoft.com/office/powerpoint/2010/main" val="3013565489"/>
       </p:ext>
     </p:extLst>
   </p:cSld>
@@ -17128,7 +17149,7 @@
     </p:spTree>
     <p:extLst>
       <p:ext uri="{BB962C8B-B14F-4D97-AF65-F5344CB8AC3E}">
-        <p14:creationId xmlns:p14="http://schemas.microsoft.com/office/powerpoint/2010/main" xmlns="" val="2442651194"/>
+        <p14:creationId xmlns:p14="http://schemas.microsoft.com/office/powerpoint/2010/main" val="2442651194"/>
       </p:ext>
     </p:extLst>
   </p:cSld>
@@ -17142,6 +17163,105 @@
       </p:par>
     </p:tnLst>
   </p:timing>
+</p:sld>
+</file>
+
+<file path=ppt/slides/slide20.xml><?xml version="1.0" encoding="utf-8"?>
+<p:sld xmlns:a="http://schemas.openxmlformats.org/drawingml/2006/main" xmlns:r="http://schemas.openxmlformats.org/officeDocument/2006/relationships" xmlns:p="http://schemas.openxmlformats.org/presentationml/2006/main">
+  <p:cSld>
+    <p:spTree>
+      <p:nvGrpSpPr>
+        <p:cNvPr id="1" name=""/>
+        <p:cNvGrpSpPr/>
+        <p:nvPr/>
+      </p:nvGrpSpPr>
+      <p:grpSpPr>
+        <a:xfrm>
+          <a:off x="0" y="0"/>
+          <a:ext cx="0" cy="0"/>
+          <a:chOff x="0" y="0"/>
+          <a:chExt cx="0" cy="0"/>
+        </a:xfrm>
+      </p:grpSpPr>
+      <p:sp>
+        <p:nvSpPr>
+          <p:cNvPr id="9" name="Title 8"/>
+          <p:cNvSpPr>
+            <a:spLocks noGrp="1"/>
+          </p:cNvSpPr>
+          <p:nvPr>
+            <p:ph type="title"/>
+          </p:nvPr>
+        </p:nvSpPr>
+        <p:spPr/>
+        <p:txBody>
+          <a:bodyPr anchor="t"/>
+          <a:lstStyle/>
+          <a:p>
+            <a:r>
+              <a:rPr lang="en-US" dirty="0" smtClean="0"/>
+              <a:t>Code repository:</a:t>
+            </a:r>
+            <a:br>
+              <a:rPr lang="en-US" dirty="0" smtClean="0"/>
+            </a:br>
+            <a:r>
+              <a:rPr lang="en-US" dirty="0" smtClean="0">
+                <a:hlinkClick r:id="rId2"/>
+              </a:rPr>
+              <a:t>https</a:t>
+            </a:r>
+            <a:r>
+              <a:rPr lang="en-US" dirty="0">
+                <a:hlinkClick r:id="rId2"/>
+              </a:rPr>
+              <a:t>://</a:t>
+            </a:r>
+            <a:r>
+              <a:rPr lang="en-US" dirty="0" smtClean="0">
+                <a:hlinkClick r:id="rId2"/>
+              </a:rPr>
+              <a:t>github.com/CS223-YelpReview/Yelp-NLP</a:t>
+            </a:r>
+            <a:endParaRPr lang="en-US" dirty="0"/>
+          </a:p>
+        </p:txBody>
+      </p:sp>
+      <p:sp>
+        <p:nvSpPr>
+          <p:cNvPr id="6" name="Text Placeholder 5"/>
+          <p:cNvSpPr>
+            <a:spLocks noGrp="1"/>
+          </p:cNvSpPr>
+          <p:nvPr>
+            <p:ph type="body" sz="half" idx="2"/>
+          </p:nvPr>
+        </p:nvSpPr>
+        <p:spPr/>
+        <p:txBody>
+          <a:bodyPr>
+            <a:normAutofit/>
+          </a:bodyPr>
+          <a:lstStyle/>
+          <a:p>
+            <a:r>
+              <a:rPr lang="en-US" sz="4400" dirty="0" smtClean="0"/>
+              <a:t>Thank You</a:t>
+            </a:r>
+            <a:endParaRPr lang="en-US" sz="4400" dirty="0"/>
+          </a:p>
+        </p:txBody>
+      </p:sp>
+    </p:spTree>
+    <p:extLst>
+      <p:ext uri="{BB962C8B-B14F-4D97-AF65-F5344CB8AC3E}">
+        <p14:creationId xmlns:p14="http://schemas.microsoft.com/office/powerpoint/2010/main" val="843156684"/>
+      </p:ext>
+    </p:extLst>
+  </p:cSld>
+  <p:clrMapOvr>
+    <a:masterClrMapping/>
+  </p:clrMapOvr>
 </p:sld>
 </file>
 
@@ -17316,7 +17436,7 @@
     </p:spTree>
     <p:extLst>
       <p:ext uri="{BB962C8B-B14F-4D97-AF65-F5344CB8AC3E}">
-        <p14:creationId xmlns:p14="http://schemas.microsoft.com/office/powerpoint/2010/main" xmlns="" val="1667925211"/>
+        <p14:creationId xmlns:p14="http://schemas.microsoft.com/office/powerpoint/2010/main" val="1667925211"/>
       </p:ext>
     </p:extLst>
   </p:cSld>
@@ -17476,7 +17596,7 @@
           <a:blip r:embed="rId2">
             <a:extLst>
               <a:ext uri="{28A0092B-C50C-407E-A947-70E740481C1C}">
-                <a14:useLocalDpi xmlns:a14="http://schemas.microsoft.com/office/drawing/2010/main" xmlns="" val="0"/>
+                <a14:useLocalDpi xmlns:a14="http://schemas.microsoft.com/office/drawing/2010/main" val="0"/>
               </a:ext>
             </a:extLst>
           </a:blip>
@@ -17521,7 +17641,7 @@
     </p:spTree>
     <p:extLst>
       <p:ext uri="{BB962C8B-B14F-4D97-AF65-F5344CB8AC3E}">
-        <p14:creationId xmlns:p14="http://schemas.microsoft.com/office/powerpoint/2010/main" xmlns="" val="3339542320"/>
+        <p14:creationId xmlns:p14="http://schemas.microsoft.com/office/powerpoint/2010/main" val="3339542320"/>
       </p:ext>
     </p:extLst>
   </p:cSld>
@@ -17657,7 +17777,7 @@
     </p:spTree>
     <p:extLst>
       <p:ext uri="{BB962C8B-B14F-4D97-AF65-F5344CB8AC3E}">
-        <p14:creationId xmlns:p14="http://schemas.microsoft.com/office/powerpoint/2010/main" xmlns="" val="3702515033"/>
+        <p14:creationId xmlns:p14="http://schemas.microsoft.com/office/powerpoint/2010/main" val="3702515033"/>
       </p:ext>
     </p:extLst>
   </p:cSld>
@@ -17755,7 +17875,7 @@
             <p:ph idx="1"/>
             <p:extLst>
               <p:ext uri="{D42A27DB-BD31-4B8C-83A1-F6EECF244321}">
-                <p14:modId xmlns:p14="http://schemas.microsoft.com/office/powerpoint/2010/main" xmlns="" val="3737081894"/>
+                <p14:modId xmlns:p14="http://schemas.microsoft.com/office/powerpoint/2010/main" val="1920207468"/>
               </p:ext>
             </p:extLst>
           </p:nvPr>
@@ -17773,7 +17893,7 @@
     </p:spTree>
     <p:extLst>
       <p:ext uri="{BB962C8B-B14F-4D97-AF65-F5344CB8AC3E}">
-        <p14:creationId xmlns:p14="http://schemas.microsoft.com/office/powerpoint/2010/main" xmlns="" val="2634859669"/>
+        <p14:creationId xmlns:p14="http://schemas.microsoft.com/office/powerpoint/2010/main" val="2634859669"/>
       </p:ext>
     </p:extLst>
   </p:cSld>
@@ -17936,7 +18056,7 @@
     </p:spTree>
     <p:extLst>
       <p:ext uri="{BB962C8B-B14F-4D97-AF65-F5344CB8AC3E}">
-        <p14:creationId xmlns:p14="http://schemas.microsoft.com/office/powerpoint/2010/main" xmlns="" val="1660388467"/>
+        <p14:creationId xmlns:p14="http://schemas.microsoft.com/office/powerpoint/2010/main" val="1660388467"/>
       </p:ext>
     </p:extLst>
   </p:cSld>
@@ -18214,7 +18334,7 @@
           <a:blip r:embed="rId3">
             <a:extLst>
               <a:ext uri="{28A0092B-C50C-407E-A947-70E740481C1C}">
-                <a14:useLocalDpi xmlns:a14="http://schemas.microsoft.com/office/drawing/2010/main" xmlns="" val="0"/>
+                <a14:useLocalDpi xmlns:a14="http://schemas.microsoft.com/office/drawing/2010/main" val="0"/>
               </a:ext>
             </a:extLst>
           </a:blip>
@@ -18234,7 +18354,7 @@
           <a:noFill/>
           <a:extLst>
             <a:ext uri="{909E8E84-426E-40DD-AFC4-6F175D3DCCD1}">
-              <a14:hiddenFill xmlns:a14="http://schemas.microsoft.com/office/drawing/2010/main" xmlns="">
+              <a14:hiddenFill xmlns:a14="http://schemas.microsoft.com/office/drawing/2010/main">
                 <a:solidFill>
                   <a:srgbClr val="FFFFFF"/>
                 </a:solidFill>
@@ -18246,7 +18366,7 @@
     </p:spTree>
     <p:extLst>
       <p:ext uri="{BB962C8B-B14F-4D97-AF65-F5344CB8AC3E}">
-        <p14:creationId xmlns:p14="http://schemas.microsoft.com/office/powerpoint/2010/main" xmlns="" val="158264648"/>
+        <p14:creationId xmlns:p14="http://schemas.microsoft.com/office/powerpoint/2010/main" val="158264648"/>
       </p:ext>
     </p:extLst>
   </p:cSld>
@@ -18401,7 +18521,7 @@
           <a:blip r:embed="rId3">
             <a:extLst>
               <a:ext uri="{28A0092B-C50C-407E-A947-70E740481C1C}">
-                <a14:useLocalDpi xmlns:a14="http://schemas.microsoft.com/office/drawing/2010/main" xmlns="" val="0"/>
+                <a14:useLocalDpi xmlns:a14="http://schemas.microsoft.com/office/drawing/2010/main" val="0"/>
               </a:ext>
             </a:extLst>
           </a:blip>
@@ -18421,7 +18541,7 @@
           <a:noFill/>
           <a:extLst>
             <a:ext uri="{909E8E84-426E-40DD-AFC4-6F175D3DCCD1}">
-              <a14:hiddenFill xmlns:a14="http://schemas.microsoft.com/office/drawing/2010/main" xmlns="">
+              <a14:hiddenFill xmlns:a14="http://schemas.microsoft.com/office/drawing/2010/main">
                 <a:solidFill>
                   <a:srgbClr val="FFFFFF"/>
                 </a:solidFill>
@@ -18451,7 +18571,7 @@
     </p:spTree>
     <p:extLst>
       <p:ext uri="{BB962C8B-B14F-4D97-AF65-F5344CB8AC3E}">
-        <p14:creationId xmlns:p14="http://schemas.microsoft.com/office/powerpoint/2010/main" xmlns="" val="2278894467"/>
+        <p14:creationId xmlns:p14="http://schemas.microsoft.com/office/powerpoint/2010/main" val="2278894467"/>
       </p:ext>
     </p:extLst>
   </p:cSld>
@@ -18716,7 +18836,7 @@
   <a:extraClrSchemeLst/>
   <a:extLst>
     <a:ext uri="{05A4C25C-085E-4340-85A3-A5531E510DB2}">
-      <thm15:themeFamily xmlns:thm15="http://schemas.microsoft.com/office/thememl/2012/main" xmlns="" name="Berlin" id="{7B5DBA9E-B069-418E-9360-A61BDD0615A4}" vid="{C0CBE056-4EF4-4D92-969E-947779DA7AAA}"/>
+      <thm15:themeFamily xmlns:thm15="http://schemas.microsoft.com/office/thememl/2012/main" name="Berlin" id="{7B5DBA9E-B069-418E-9360-A61BDD0615A4}" vid="{C0CBE056-4EF4-4D92-969E-947779DA7AAA}"/>
     </a:ext>
   </a:extLst>
 </a:theme>
@@ -18977,7 +19097,7 @@
   <a:extraClrSchemeLst/>
   <a:extLst>
     <a:ext uri="{05A4C25C-085E-4340-85A3-A5531E510DB2}">
-      <thm15:themeFamily xmlns:thm15="http://schemas.microsoft.com/office/thememl/2012/main" xmlns="" name="Office Theme" id="{62F939B6-93AF-4DB8-9C6B-D6C7DFDC589F}" vid="{4A3C46E8-61CC-4603-A589-7422A47A8E4A}"/>
+      <thm15:themeFamily xmlns:thm15="http://schemas.microsoft.com/office/thememl/2012/main" name="Office Theme" id="{62F939B6-93AF-4DB8-9C6B-D6C7DFDC589F}" vid="{4A3C46E8-61CC-4603-A589-7422A47A8E4A}"/>
     </a:ext>
   </a:extLst>
 </a:theme>
